--- a/Slides/Lesson 4.1 Concurrent Programming.pptx
+++ b/Slides/Lesson 4.1 Concurrent Programming.pptx
@@ -25282,7 +25282,7 @@
                   <a:srgbClr val="008000"/>
                 </a:solidFill>
               </a:rPr>
-              <a:t>'Making Request'</a:t>
+              <a:t>'1. Making Request'</a:t>
             </a:r>
             <a:r>
               <a:rPr lang="en-US" sz="1600" dirty="0"/>
@@ -25412,7 +25412,7 @@
                   <a:srgbClr val="008000"/>
                 </a:solidFill>
               </a:rPr>
-              <a:t>'Heard back from server'</a:t>
+              <a:t>'2. Heard back from server'</a:t>
             </a:r>
             <a:r>
               <a:rPr lang="en-US" sz="1600" dirty="0"/>
@@ -25527,7 +25527,7 @@
                   <a:srgbClr val="008000"/>
                 </a:solidFill>
               </a:rPr>
-              <a:t>'All done!'</a:t>
+              <a:t>'3. All done!'</a:t>
             </a:r>
             <a:r>
               <a:rPr lang="en-US" sz="1600" dirty="0"/>
@@ -25954,7 +25954,7 @@
               </a:pPr>
               <a:r>
                 <a:rPr lang="en-US" sz="1700" dirty="0"/>
-                <a:t>Making Request</a:t>
+                <a:t>1. Making Request</a:t>
               </a:r>
             </a:p>
             <a:p>
@@ -25971,7 +25971,7 @@
               </a:pPr>
               <a:r>
                 <a:rPr lang="en-US" sz="1700" dirty="0"/>
-                <a:t>All done!</a:t>
+                <a:t>3. All done!</a:t>
               </a:r>
               <a:endParaRPr sz="1700" dirty="0"/>
             </a:p>
@@ -25987,6 +25987,10 @@
                   <a:sym typeface="Menlo Regular"/>
                 </a:defRPr>
               </a:pPr>
+              <a:r>
+                <a:rPr lang="en-US" sz="1700" dirty="0"/>
+                <a:t>2. </a:t>
+              </a:r>
               <a:r>
                 <a:rPr sz="1700" dirty="0"/>
                 <a:t>Heard back from server</a:t>

--- a/Slides/Lesson 4.1 Concurrent Programming.pptx
+++ b/Slides/Lesson 4.1 Concurrent Programming.pptx
@@ -6,7 +6,7 @@
     <p:sldMasterId id="2147483677" r:id="rId2"/>
   </p:sldMasterIdLst>
   <p:notesMasterIdLst>
-    <p:notesMasterId r:id="rId24"/>
+    <p:notesMasterId r:id="rId26"/>
   </p:notesMasterIdLst>
   <p:sldIdLst>
     <p:sldId id="485" r:id="rId3"/>
@@ -20,16 +20,18 @@
     <p:sldId id="495" r:id="rId11"/>
     <p:sldId id="489" r:id="rId12"/>
     <p:sldId id="490" r:id="rId13"/>
-    <p:sldId id="493" r:id="rId14"/>
-    <p:sldId id="267" r:id="rId15"/>
-    <p:sldId id="268" r:id="rId16"/>
-    <p:sldId id="269" r:id="rId17"/>
-    <p:sldId id="270" r:id="rId18"/>
-    <p:sldId id="271" r:id="rId19"/>
-    <p:sldId id="272" r:id="rId20"/>
-    <p:sldId id="273" r:id="rId21"/>
-    <p:sldId id="492" r:id="rId22"/>
-    <p:sldId id="494" r:id="rId23"/>
+    <p:sldId id="496" r:id="rId14"/>
+    <p:sldId id="493" r:id="rId15"/>
+    <p:sldId id="497" r:id="rId16"/>
+    <p:sldId id="267" r:id="rId17"/>
+    <p:sldId id="268" r:id="rId18"/>
+    <p:sldId id="269" r:id="rId19"/>
+    <p:sldId id="270" r:id="rId20"/>
+    <p:sldId id="271" r:id="rId21"/>
+    <p:sldId id="272" r:id="rId22"/>
+    <p:sldId id="273" r:id="rId23"/>
+    <p:sldId id="492" r:id="rId24"/>
+    <p:sldId id="494" r:id="rId25"/>
   </p:sldIdLst>
   <p:sldSz cx="12192000" cy="6858000"/>
   <p:notesSz cx="6858000" cy="9144000"/>
@@ -870,47 +872,15 @@
           <a:p>
             <a:r>
               <a:rPr lang="en-US" dirty="0"/>
-              <a:t>We can use the “</a:t>
+              <a:t>“Await” will prevent the next line in an async function from running until the promise resolves. In this case, we can demonstrate that by calling our </a:t>
             </a:r>
             <a:r>
               <a:rPr lang="en-US" dirty="0" err="1"/>
-              <a:t>Promise.all</a:t>
+              <a:t>makeOneGetRequest</a:t>
             </a:r>
             <a:r>
               <a:rPr lang="en-US" dirty="0"/>
-              <a:t>” function to await for multiple things at once. Read the descriptor of the function </a:t>
-            </a:r>
-            <a:r>
-              <a:rPr lang="en-US" dirty="0" err="1"/>
-              <a:t>Promise.all</a:t>
-            </a:r>
-            <a:r>
-              <a:rPr lang="en-US" dirty="0"/>
-              <a:t>, noting that it takes an array of some kind of promises, and returns a single promise for an array of the values produced by those promises.</a:t>
-            </a:r>
-          </a:p>
-          <a:p>
-            <a:endParaRPr lang="en-US" dirty="0"/>
-          </a:p>
-          <a:p>
-            <a:r>
-              <a:rPr lang="en-US" dirty="0"/>
-              <a:t>(Build)</a:t>
-            </a:r>
-          </a:p>
-          <a:p>
-            <a:r>
-              <a:rPr lang="en-US" dirty="0"/>
-              <a:t>Explain code now makes 3 requests, and then will print out an array of the responses.</a:t>
-            </a:r>
-          </a:p>
-          <a:p>
-            <a:endParaRPr lang="en-US" dirty="0"/>
-          </a:p>
-          <a:p>
-            <a:r>
-              <a:rPr lang="en-US" dirty="0"/>
-              <a:t>(Build to show output, show look of confusion on face when you read the result.) Request number 1 was made on the last slide. But why 4, 2, 3 and not 2, 3, 4?</a:t>
+              <a:t> function three times, awaiting on it each time. (click to show build of output). Observe that the output shows up in the order that the requests were made.</a:t>
             </a:r>
           </a:p>
         </p:txBody>
@@ -918,7 +888,7 @@
     </p:spTree>
     <p:extLst>
       <p:ext uri="{BB962C8B-B14F-4D97-AF65-F5344CB8AC3E}">
-        <p14:creationId xmlns:p14="http://schemas.microsoft.com/office/powerpoint/2010/main" val="501722016"/>
+        <p14:creationId xmlns:p14="http://schemas.microsoft.com/office/powerpoint/2010/main" val="4250097357"/>
       </p:ext>
     </p:extLst>
   </p:cSld>
@@ -974,7 +944,23 @@
           <a:p>
             <a:r>
               <a:rPr lang="en-US" dirty="0"/>
-              <a:t>&lt;study builds before running to understand how to narrate, there are a total of 5 clicks to make&gt;</a:t>
+              <a:t>We can use the “</a:t>
+            </a:r>
+            <a:r>
+              <a:rPr lang="en-US" dirty="0" err="1"/>
+              <a:t>Promise.all</a:t>
+            </a:r>
+            <a:r>
+              <a:rPr lang="en-US" dirty="0"/>
+              <a:t>” function to await for multiple things at once. Read the descriptor of the function </a:t>
+            </a:r>
+            <a:r>
+              <a:rPr lang="en-US" dirty="0" err="1"/>
+              <a:t>Promise.all</a:t>
+            </a:r>
+            <a:r>
+              <a:rPr lang="en-US" dirty="0"/>
+              <a:t>, noting that it takes an array of some kind of promises, and returns a single promise for an array of the values produced by those promises.</a:t>
             </a:r>
           </a:p>
           <a:p>
@@ -983,7 +969,13 @@
           <a:p>
             <a:r>
               <a:rPr lang="en-US" dirty="0"/>
-              <a:t>Here’s a look under the hood at what NodeJS (or your browser) will do with that code. While we only see a single thread, there are many threads inside of the JS engine. Those threads will make our requests. They will come back in the order that they are received, and then each response will be placed into the event queue. We can see that they did not come back in the order that they were made. This explains why the order doesn’t match on the last slide.</a:t>
+              <a:t>(Build)</a:t>
+            </a:r>
+          </a:p>
+          <a:p>
+            <a:r>
+              <a:rPr lang="en-US" dirty="0"/>
+              <a:t>Explain code now makes 3 requests, and then will print out an array of the responses.</a:t>
             </a:r>
           </a:p>
           <a:p>
@@ -992,15 +984,7 @@
           <a:p>
             <a:r>
               <a:rPr lang="en-US" dirty="0"/>
-              <a:t>The JS engine will take each of those events, and find if there is any code that is </a:t>
-            </a:r>
-            <a:r>
-              <a:rPr lang="en-US" dirty="0" err="1"/>
-              <a:t>await’ing</a:t>
-            </a:r>
-            <a:r>
-              <a:rPr lang="en-US" dirty="0"/>
-              <a:t> on the result. This code that is awaiting on the result is called an event handler. The event handler runs in a continual loop</a:t>
+              <a:t>(Build to show output, show look of confusion on face when you read the result.) Request number 1 was made on the last slide. But why 4, 2, 3 and not 2, 3, 4?</a:t>
             </a:r>
           </a:p>
         </p:txBody>
@@ -1008,7 +992,7 @@
     </p:spTree>
     <p:extLst>
       <p:ext uri="{BB962C8B-B14F-4D97-AF65-F5344CB8AC3E}">
-        <p14:creationId xmlns:p14="http://schemas.microsoft.com/office/powerpoint/2010/main" val="3780615844"/>
+        <p14:creationId xmlns:p14="http://schemas.microsoft.com/office/powerpoint/2010/main" val="501722016"/>
       </p:ext>
     </p:extLst>
   </p:cSld>
@@ -1064,7 +1048,32 @@
           <a:p>
             <a:r>
               <a:rPr lang="en-US" dirty="0"/>
-              <a:t>For each event, it simply asks: (build) are there any listeners waiting for this event? (build) of so, call it, (build) when finished, repeat</a:t>
+              <a:t>When we await for multiple promises to be fulfilled by using </a:t>
+            </a:r>
+            <a:r>
+              <a:rPr lang="en-US" dirty="0" err="1"/>
+              <a:t>Promise.all</a:t>
+            </a:r>
+            <a:r>
+              <a:rPr lang="en-US" dirty="0"/>
+              <a:t>, we are telling NodeJS that we WANT those promises to be resolved concurrently. We say: “I don’t care the relative order of these three actions, but I do care about waiting for them to be done before doing something else”. In the </a:t>
+            </a:r>
+            <a:r>
+              <a:rPr lang="en-US" dirty="0" err="1"/>
+              <a:t>promise.all</a:t>
+            </a:r>
+            <a:r>
+              <a:rPr lang="en-US" dirty="0"/>
+              <a:t> version, we can receive the GET requests back in any order, but we will never print out “heard back from all of the requests” before all 3 requests come back.</a:t>
+            </a:r>
+          </a:p>
+          <a:p>
+            <a:br>
+              <a:rPr lang="en-US" dirty="0"/>
+            </a:br>
+            <a:r>
+              <a:rPr lang="en-US" dirty="0"/>
+              <a:t>Concurrency lets things go faster, by taking advantage of how long I/O takes (send out all requests, wait for all responses), and also by taking advantage of multiple CPU cores on our machine. Let’s peel under the covers a bit and try to get a better understanding of how this works in JS.</a:t>
             </a:r>
           </a:p>
         </p:txBody>
@@ -1072,7 +1081,7 @@
     </p:spTree>
     <p:extLst>
       <p:ext uri="{BB962C8B-B14F-4D97-AF65-F5344CB8AC3E}">
-        <p14:creationId xmlns:p14="http://schemas.microsoft.com/office/powerpoint/2010/main" val="1811384259"/>
+        <p14:creationId xmlns:p14="http://schemas.microsoft.com/office/powerpoint/2010/main" val="2468432417"/>
       </p:ext>
     </p:extLst>
   </p:cSld>
@@ -1126,37 +1135,43 @@
           <a:bodyPr/>
           <a:lstStyle/>
           <a:p>
-            <a:pPr marL="0" marR="0" lvl="0" indent="0" defTabSz="228600" eaLnBrk="1" fontAlgn="auto" latinLnBrk="0" hangingPunct="1">
-              <a:lnSpc>
-                <a:spcPct val="117999"/>
-              </a:lnSpc>
-              <a:spcBef>
-                <a:spcPts val="0"/>
-              </a:spcBef>
-              <a:spcAft>
-                <a:spcPts val="0"/>
-              </a:spcAft>
-              <a:buClrTx/>
-              <a:buSzTx/>
-              <a:buFontTx/>
-              <a:buNone/>
-              <a:tabLst/>
-              <a:defRPr/>
-            </a:pPr>
             <a:r>
               <a:rPr lang="en-US" dirty="0"/>
-              <a:t>For each event, it simply asks: (build) are there any listeners waiting for this event? (build) of so, call it, (build) when finished, repeat</a:t>
+              <a:t>&lt;study builds before running to understand how to narrate, there are a total of 5 clicks to make&gt;</a:t>
             </a:r>
           </a:p>
           <a:p>
             <a:endParaRPr lang="en-US" dirty="0"/>
+          </a:p>
+          <a:p>
+            <a:r>
+              <a:rPr lang="en-US" dirty="0"/>
+              <a:t>Here’s a look under the hood at what NodeJS (or your browser) will do with that code. While we only see a single thread, there are many threads inside of the JS engine. Those threads will make our requests. They will come back in the order that they are received, and then each response will be placed into the event queue. We can see that they did not come back in the order that they were made. This explains why the order doesn’t match on the last slide.</a:t>
+            </a:r>
+          </a:p>
+          <a:p>
+            <a:endParaRPr lang="en-US" dirty="0"/>
+          </a:p>
+          <a:p>
+            <a:r>
+              <a:rPr lang="en-US" dirty="0"/>
+              <a:t>The JS engine will take each of those events, and find if there is any code that is </a:t>
+            </a:r>
+            <a:r>
+              <a:rPr lang="en-US" dirty="0" err="1"/>
+              <a:t>await’ing</a:t>
+            </a:r>
+            <a:r>
+              <a:rPr lang="en-US" dirty="0"/>
+              <a:t> on the result. This code that is awaiting on the result is called an event handler. The event handler runs in a continual loop</a:t>
+            </a:r>
           </a:p>
         </p:txBody>
       </p:sp>
     </p:spTree>
     <p:extLst>
       <p:ext uri="{BB962C8B-B14F-4D97-AF65-F5344CB8AC3E}">
-        <p14:creationId xmlns:p14="http://schemas.microsoft.com/office/powerpoint/2010/main" val="3779451914"/>
+        <p14:creationId xmlns:p14="http://schemas.microsoft.com/office/powerpoint/2010/main" val="3780615844"/>
       </p:ext>
     </p:extLst>
   </p:cSld>
@@ -1210,35 +1225,9 @@
           <a:bodyPr/>
           <a:lstStyle/>
           <a:p>
-            <a:pPr marL="0" marR="0" lvl="0" indent="0" defTabSz="228600" eaLnBrk="1" fontAlgn="auto" latinLnBrk="0" hangingPunct="1">
-              <a:lnSpc>
-                <a:spcPct val="117999"/>
-              </a:lnSpc>
-              <a:spcBef>
-                <a:spcPts val="0"/>
-              </a:spcBef>
-              <a:spcAft>
-                <a:spcPts val="0"/>
-              </a:spcAft>
-              <a:buClrTx/>
-              <a:buSzTx/>
-              <a:buFontTx/>
-              <a:buNone/>
-              <a:tabLst/>
-              <a:defRPr/>
-            </a:pPr>
             <a:r>
               <a:rPr lang="en-US" dirty="0"/>
               <a:t>For each event, it simply asks: (build) are there any listeners waiting for this event? (build) of so, call it, (build) when finished, repeat</a:t>
-            </a:r>
-          </a:p>
-          <a:p>
-            <a:endParaRPr lang="en-US" dirty="0"/>
-          </a:p>
-          <a:p>
-            <a:r>
-              <a:rPr lang="en-US" dirty="0"/>
-              <a:t>This may sound like a boring task, but it’s an important one, and the semantics of how it works are important to understand – otherwise we might end up confused, not understanding why our program gives some particular output, like the order of results printed a few slides ago</a:t>
             </a:r>
           </a:p>
         </p:txBody>
@@ -1246,7 +1235,7 @@
     </p:spTree>
     <p:extLst>
       <p:ext uri="{BB962C8B-B14F-4D97-AF65-F5344CB8AC3E}">
-        <p14:creationId xmlns:p14="http://schemas.microsoft.com/office/powerpoint/2010/main" val="2308787198"/>
+        <p14:creationId xmlns:p14="http://schemas.microsoft.com/office/powerpoint/2010/main" val="1811384259"/>
       </p:ext>
     </p:extLst>
   </p:cSld>
@@ -1300,17 +1289,37 @@
           <a:bodyPr/>
           <a:lstStyle/>
           <a:p>
+            <a:pPr marL="0" marR="0" lvl="0" indent="0" defTabSz="228600" eaLnBrk="1" fontAlgn="auto" latinLnBrk="0" hangingPunct="1">
+              <a:lnSpc>
+                <a:spcPct val="117999"/>
+              </a:lnSpc>
+              <a:spcBef>
+                <a:spcPts val="0"/>
+              </a:spcBef>
+              <a:spcAft>
+                <a:spcPts val="0"/>
+              </a:spcAft>
+              <a:buClrTx/>
+              <a:buSzTx/>
+              <a:buFontTx/>
+              <a:buNone/>
+              <a:tabLst/>
+              <a:defRPr/>
+            </a:pPr>
             <a:r>
               <a:rPr lang="en-US" dirty="0"/>
-              <a:t>&lt;read slide&gt;</a:t>
-            </a:r>
+              <a:t>For each event, it simply asks: (build) are there any listeners waiting for this event? (build) of so, call it, (build) when finished, repeat</a:t>
+            </a:r>
+          </a:p>
+          <a:p>
+            <a:endParaRPr lang="en-US" dirty="0"/>
           </a:p>
         </p:txBody>
       </p:sp>
     </p:spTree>
     <p:extLst>
       <p:ext uri="{BB962C8B-B14F-4D97-AF65-F5344CB8AC3E}">
-        <p14:creationId xmlns:p14="http://schemas.microsoft.com/office/powerpoint/2010/main" val="2807628983"/>
+        <p14:creationId xmlns:p14="http://schemas.microsoft.com/office/powerpoint/2010/main" val="3779451914"/>
       </p:ext>
     </p:extLst>
   </p:cSld>
@@ -1364,9 +1373,35 @@
           <a:bodyPr/>
           <a:lstStyle/>
           <a:p>
+            <a:pPr marL="0" marR="0" lvl="0" indent="0" defTabSz="228600" eaLnBrk="1" fontAlgn="auto" latinLnBrk="0" hangingPunct="1">
+              <a:lnSpc>
+                <a:spcPct val="117999"/>
+              </a:lnSpc>
+              <a:spcBef>
+                <a:spcPts val="0"/>
+              </a:spcBef>
+              <a:spcAft>
+                <a:spcPts val="0"/>
+              </a:spcAft>
+              <a:buClrTx/>
+              <a:buSzTx/>
+              <a:buFontTx/>
+              <a:buNone/>
+              <a:tabLst/>
+              <a:defRPr/>
+            </a:pPr>
             <a:r>
               <a:rPr lang="en-US" dirty="0"/>
-              <a:t>Did you notice as the event loop was working, it had a step “if so, call listener with event, after it’s done, repeat”. The “After it’s done” part is important because it means that our code won’t be interrupted unexpectedly (compare to a context switch in a multithreading application). This is called “Run to completion” semantics. &lt;read slide&gt;</a:t>
+              <a:t>For each event, it simply asks: (build) are there any listeners waiting for this event? (build) of so, call it, (build) when finished, repeat</a:t>
+            </a:r>
+          </a:p>
+          <a:p>
+            <a:endParaRPr lang="en-US" dirty="0"/>
+          </a:p>
+          <a:p>
+            <a:r>
+              <a:rPr lang="en-US" dirty="0"/>
+              <a:t>This may sound like a boring task, but it’s an important one, and the semantics of how it works are important to understand – otherwise we might end up confused, not understanding why our program gives some particular output, like the order of results printed a few slides ago</a:t>
             </a:r>
           </a:p>
         </p:txBody>
@@ -1374,7 +1409,7 @@
     </p:spTree>
     <p:extLst>
       <p:ext uri="{BB962C8B-B14F-4D97-AF65-F5344CB8AC3E}">
-        <p14:creationId xmlns:p14="http://schemas.microsoft.com/office/powerpoint/2010/main" val="4051822114"/>
+        <p14:creationId xmlns:p14="http://schemas.microsoft.com/office/powerpoint/2010/main" val="2308787198"/>
       </p:ext>
     </p:extLst>
   </p:cSld>
@@ -1430,20 +1465,15 @@
           <a:p>
             <a:r>
               <a:rPr lang="en-US" dirty="0"/>
-              <a:t>Again, the takeaway here is that even if handler1 calls a bunch of methods, no other handler will run until we’re done. In this example, j will not execute until after </a:t>
-            </a:r>
-            <a:r>
-              <a:rPr lang="en-US" dirty="0" err="1"/>
-              <a:t>i</a:t>
-            </a:r>
-            <a:endParaRPr lang="en-US" dirty="0"/>
+              <a:t>&lt;read slide&gt;</a:t>
+            </a:r>
           </a:p>
         </p:txBody>
       </p:sp>
     </p:spTree>
     <p:extLst>
       <p:ext uri="{BB962C8B-B14F-4D97-AF65-F5344CB8AC3E}">
-        <p14:creationId xmlns:p14="http://schemas.microsoft.com/office/powerpoint/2010/main" val="3261754851"/>
+        <p14:creationId xmlns:p14="http://schemas.microsoft.com/office/powerpoint/2010/main" val="2807628983"/>
       </p:ext>
     </p:extLst>
   </p:cSld>
@@ -1586,77 +1616,7 @@
           <a:p>
             <a:r>
               <a:rPr lang="en-US" dirty="0"/>
-              <a:t>As we’ll see in the next few lessons, despite this run-to-completion semantics, async programming can still be very confusing. Remember how I had to add the “async” keyword to make the “await” work in this example? What this actually does, is, under the hood, make our function return a promise. I’ve shown the actual return type here to make that clear.</a:t>
-            </a:r>
-          </a:p>
-          <a:p>
-            <a:endParaRPr lang="en-US" dirty="0"/>
-          </a:p>
-          <a:p>
-            <a:r>
-              <a:rPr lang="en-US" dirty="0"/>
-              <a:t>Which </a:t>
-            </a:r>
-            <a:r>
-              <a:rPr lang="en-US" dirty="0" err="1"/>
-              <a:t>console.log</a:t>
-            </a:r>
-            <a:r>
-              <a:rPr lang="en-US" dirty="0"/>
-              <a:t> do students think will be printed first, and which second? ‘Making Request” -&gt; “Heard back”, “All Done” -&gt; “Making Request”, or other?</a:t>
-            </a:r>
-          </a:p>
-          <a:p>
-            <a:br>
-              <a:rPr lang="en-US" dirty="0"/>
-            </a:br>
-            <a:r>
-              <a:rPr lang="en-US" dirty="0"/>
-              <a:t>(Click build)</a:t>
-            </a:r>
-          </a:p>
-          <a:p>
-            <a:r>
-              <a:rPr lang="en-US" dirty="0"/>
-              <a:t>This result might be confusing. &lt;Read output&gt;. Why would this happen?</a:t>
-            </a:r>
-          </a:p>
-          <a:p>
-            <a:endParaRPr lang="en-US" dirty="0"/>
-          </a:p>
-          <a:p>
-            <a:r>
-              <a:rPr lang="en-US" dirty="0"/>
-              <a:t>(click build)</a:t>
-            </a:r>
-          </a:p>
-          <a:p>
-            <a:r>
-              <a:rPr lang="en-US" dirty="0"/>
-              <a:t>What happened is: the “await” call says to JS that the code in the rest of the method shouldn’t be called until after the request is returned. So, it returns a promise to complete </a:t>
-            </a:r>
-            <a:r>
-              <a:rPr lang="en-US" dirty="0" err="1"/>
-              <a:t>mockOneGetRequest</a:t>
-            </a:r>
-            <a:r>
-              <a:rPr lang="en-US" dirty="0"/>
-              <a:t>, printing out the result from the server when it gets it. Then, it prints all done. Then, the request comes back.</a:t>
-            </a:r>
-          </a:p>
-          <a:p>
-            <a:endParaRPr lang="en-US" dirty="0"/>
-          </a:p>
-          <a:p>
-            <a:r>
-              <a:rPr lang="en-US" dirty="0"/>
-              <a:t>Is this a violation of run to completion?</a:t>
-            </a:r>
-          </a:p>
-          <a:p>
-            <a:r>
-              <a:rPr lang="en-US" dirty="0"/>
-              <a:t>No, it’s a horribly confusing language design choice. But that’s a topic for another course. What is important to understand is when you write “await” you are saying “let other things keep going, but don’t keep running the code in this method” – this is how we get asynchronous stuff, so that’s good! We’ll revisit this behavior in more examples in the next lesson.</a:t>
+              <a:t>Did you notice as the event loop was working, it had a step “if so, call listener with event, after it’s done, repeat”. The “After it’s done” part is important because it means that our code won’t be interrupted unexpectedly (compare to a context switch in a multithreading application). This is called “Run to completion” semantics. &lt;read slide&gt;</a:t>
             </a:r>
           </a:p>
         </p:txBody>
@@ -1664,7 +1624,7 @@
     </p:spTree>
     <p:extLst>
       <p:ext uri="{BB962C8B-B14F-4D97-AF65-F5344CB8AC3E}">
-        <p14:creationId xmlns:p14="http://schemas.microsoft.com/office/powerpoint/2010/main" val="3606524105"/>
+        <p14:creationId xmlns:p14="http://schemas.microsoft.com/office/powerpoint/2010/main" val="4051822114"/>
       </p:ext>
     </p:extLst>
   </p:cSld>
@@ -1720,6 +1680,223 @@
           <a:p>
             <a:r>
               <a:rPr lang="en-US" dirty="0"/>
+              <a:t>Again, the takeaway here is that even if handler1 calls a bunch of methods, no other handler will run until we’re done. In this example, j will not execute until after </a:t>
+            </a:r>
+            <a:r>
+              <a:rPr lang="en-US" dirty="0" err="1"/>
+              <a:t>i</a:t>
+            </a:r>
+            <a:endParaRPr lang="en-US" dirty="0"/>
+          </a:p>
+        </p:txBody>
+      </p:sp>
+    </p:spTree>
+    <p:extLst>
+      <p:ext uri="{BB962C8B-B14F-4D97-AF65-F5344CB8AC3E}">
+        <p14:creationId xmlns:p14="http://schemas.microsoft.com/office/powerpoint/2010/main" val="3261754851"/>
+      </p:ext>
+    </p:extLst>
+  </p:cSld>
+  <p:clrMapOvr>
+    <a:masterClrMapping/>
+  </p:clrMapOvr>
+</p:notes>
+</file>
+
+<file path=ppt/notesSlides/notesSlide22.xml><?xml version="1.0" encoding="utf-8"?>
+<p:notes xmlns:a="http://schemas.openxmlformats.org/drawingml/2006/main" xmlns:r="http://schemas.openxmlformats.org/officeDocument/2006/relationships" xmlns:p="http://schemas.openxmlformats.org/presentationml/2006/main">
+  <p:cSld>
+    <p:spTree>
+      <p:nvGrpSpPr>
+        <p:cNvPr id="1" name=""/>
+        <p:cNvGrpSpPr/>
+        <p:nvPr/>
+      </p:nvGrpSpPr>
+      <p:grpSpPr>
+        <a:xfrm>
+          <a:off x="0" y="0"/>
+          <a:ext cx="0" cy="0"/>
+          <a:chOff x="0" y="0"/>
+          <a:chExt cx="0" cy="0"/>
+        </a:xfrm>
+      </p:grpSpPr>
+      <p:sp>
+        <p:nvSpPr>
+          <p:cNvPr id="2" name="Slide Image Placeholder 1"/>
+          <p:cNvSpPr>
+            <a:spLocks noGrp="1" noRot="1" noChangeAspect="1"/>
+          </p:cNvSpPr>
+          <p:nvPr>
+            <p:ph type="sldImg"/>
+          </p:nvPr>
+        </p:nvSpPr>
+        <p:spPr/>
+      </p:sp>
+      <p:sp>
+        <p:nvSpPr>
+          <p:cNvPr id="3" name="Notes Placeholder 2"/>
+          <p:cNvSpPr>
+            <a:spLocks noGrp="1"/>
+          </p:cNvSpPr>
+          <p:nvPr>
+            <p:ph type="body" idx="1"/>
+          </p:nvPr>
+        </p:nvSpPr>
+        <p:spPr/>
+        <p:txBody>
+          <a:bodyPr/>
+          <a:lstStyle/>
+          <a:p>
+            <a:r>
+              <a:rPr lang="en-US" dirty="0"/>
+              <a:t>As we’ll see in the next few lessons, despite this run-to-completion semantics, async programming can still be very confusing. What happens if we do NOT await an </a:t>
+            </a:r>
+            <a:r>
+              <a:rPr lang="en-US"/>
+              <a:t>async function?</a:t>
+            </a:r>
+            <a:endParaRPr lang="en-US" dirty="0"/>
+          </a:p>
+          <a:p>
+            <a:endParaRPr lang="en-US" dirty="0"/>
+          </a:p>
+          <a:p>
+            <a:r>
+              <a:rPr lang="en-US" dirty="0"/>
+              <a:t>Remember how I had to add the “async” keyword to make the “await” work in this example? What this actually does, is, under the hood, make our function return a promise. I’ve shown the actual return type here to make that clear.</a:t>
+            </a:r>
+          </a:p>
+          <a:p>
+            <a:endParaRPr lang="en-US" dirty="0"/>
+          </a:p>
+          <a:p>
+            <a:r>
+              <a:rPr lang="en-US" dirty="0"/>
+              <a:t>Which </a:t>
+            </a:r>
+            <a:r>
+              <a:rPr lang="en-US" dirty="0" err="1"/>
+              <a:t>console.log</a:t>
+            </a:r>
+            <a:r>
+              <a:rPr lang="en-US" dirty="0"/>
+              <a:t> do students think will be printed first, and which second? ‘Making Request” -&gt; “Heard back”, “All Done” -&gt; “Making Request”, or other?</a:t>
+            </a:r>
+          </a:p>
+          <a:p>
+            <a:br>
+              <a:rPr lang="en-US" dirty="0"/>
+            </a:br>
+            <a:r>
+              <a:rPr lang="en-US" dirty="0"/>
+              <a:t>(Click build)</a:t>
+            </a:r>
+          </a:p>
+          <a:p>
+            <a:r>
+              <a:rPr lang="en-US" dirty="0"/>
+              <a:t>This result might be confusing. &lt;Read output&gt;. Why would this happen?</a:t>
+            </a:r>
+          </a:p>
+          <a:p>
+            <a:endParaRPr lang="en-US" dirty="0"/>
+          </a:p>
+          <a:p>
+            <a:r>
+              <a:rPr lang="en-US" dirty="0"/>
+              <a:t>(click build)</a:t>
+            </a:r>
+          </a:p>
+          <a:p>
+            <a:r>
+              <a:rPr lang="en-US" dirty="0"/>
+              <a:t>What happened is: the “await” call says to JS that the code in the rest of the method shouldn’t be called until after the request is returned. So, it returns a promise to complete </a:t>
+            </a:r>
+            <a:r>
+              <a:rPr lang="en-US" dirty="0" err="1"/>
+              <a:t>mockOneGetRequest</a:t>
+            </a:r>
+            <a:r>
+              <a:rPr lang="en-US" dirty="0"/>
+              <a:t>, printing out the result from the server when it gets it. Then, it prints all done. Then, the request comes back.</a:t>
+            </a:r>
+          </a:p>
+          <a:p>
+            <a:endParaRPr lang="en-US" dirty="0"/>
+          </a:p>
+          <a:p>
+            <a:r>
+              <a:rPr lang="en-US" dirty="0"/>
+              <a:t>Is this a violation of run to completion?</a:t>
+            </a:r>
+          </a:p>
+          <a:p>
+            <a:r>
+              <a:rPr lang="en-US" dirty="0"/>
+              <a:t>No, it’s a horribly confusing language design choice. But that’s a topic for another course. What is important to understand is when you write “await” you are saying “let other things keep going, but don’t keep running the code in this method” – this is how we get asynchronous stuff, so that’s good! We’ll revisit this behavior in more examples in the next lesson.</a:t>
+            </a:r>
+          </a:p>
+        </p:txBody>
+      </p:sp>
+    </p:spTree>
+    <p:extLst>
+      <p:ext uri="{BB962C8B-B14F-4D97-AF65-F5344CB8AC3E}">
+        <p14:creationId xmlns:p14="http://schemas.microsoft.com/office/powerpoint/2010/main" val="3606524105"/>
+      </p:ext>
+    </p:extLst>
+  </p:cSld>
+  <p:clrMapOvr>
+    <a:masterClrMapping/>
+  </p:clrMapOvr>
+</p:notes>
+</file>
+
+<file path=ppt/notesSlides/notesSlide23.xml><?xml version="1.0" encoding="utf-8"?>
+<p:notes xmlns:a="http://schemas.openxmlformats.org/drawingml/2006/main" xmlns:r="http://schemas.openxmlformats.org/officeDocument/2006/relationships" xmlns:p="http://schemas.openxmlformats.org/presentationml/2006/main">
+  <p:cSld>
+    <p:spTree>
+      <p:nvGrpSpPr>
+        <p:cNvPr id="1" name=""/>
+        <p:cNvGrpSpPr/>
+        <p:nvPr/>
+      </p:nvGrpSpPr>
+      <p:grpSpPr>
+        <a:xfrm>
+          <a:off x="0" y="0"/>
+          <a:ext cx="0" cy="0"/>
+          <a:chOff x="0" y="0"/>
+          <a:chExt cx="0" cy="0"/>
+        </a:xfrm>
+      </p:grpSpPr>
+      <p:sp>
+        <p:nvSpPr>
+          <p:cNvPr id="2" name="Slide Image Placeholder 1"/>
+          <p:cNvSpPr>
+            <a:spLocks noGrp="1" noRot="1" noChangeAspect="1"/>
+          </p:cNvSpPr>
+          <p:nvPr>
+            <p:ph type="sldImg"/>
+          </p:nvPr>
+        </p:nvSpPr>
+        <p:spPr/>
+      </p:sp>
+      <p:sp>
+        <p:nvSpPr>
+          <p:cNvPr id="3" name="Notes Placeholder 2"/>
+          <p:cNvSpPr>
+            <a:spLocks noGrp="1"/>
+          </p:cNvSpPr>
+          <p:nvPr>
+            <p:ph type="body" idx="1"/>
+          </p:nvPr>
+        </p:nvSpPr>
+        <p:spPr/>
+        <p:txBody>
+          <a:bodyPr/>
+          <a:lstStyle/>
+          <a:p>
+            <a:r>
+              <a:rPr lang="en-US" dirty="0"/>
               <a:t>&lt;read slide&gt;</a:t>
             </a:r>
           </a:p>
@@ -1742,7 +1919,7 @@
           <a:p>
             <a:fld id="{07937F07-1250-4CCE-B198-1B2887014F41}" type="slidenum">
               <a:rPr lang="en-US" smtClean="0"/>
-              <a:t>21</a:t>
+              <a:t>23</a:t>
             </a:fld>
             <a:endParaRPr lang="en-US"/>
           </a:p>
@@ -15194,8 +15371,8 @@
         </p:nvSpPr>
         <p:spPr>
           <a:xfrm>
-            <a:off x="861978" y="2275264"/>
-            <a:ext cx="9939412" cy="2513509"/>
+            <a:off x="1509447" y="2307114"/>
+            <a:ext cx="7130461" cy="1774845"/>
           </a:xfrm>
           <a:prstGeom prst="rect">
             <a:avLst/>
@@ -15239,7 +15416,7 @@
             </a:r>
             <a:r>
               <a:rPr lang="en-US" sz="1600" dirty="0" err="1"/>
-              <a:t>makeThreeGetRequests</a:t>
+              <a:t>makeThreeSerialRequests</a:t>
             </a:r>
             <a:r>
               <a:rPr lang="en-US" sz="1600" dirty="0"/>
@@ -15262,27 +15439,7 @@
             </a:br>
             <a:r>
               <a:rPr lang="en-US" sz="1600" dirty="0"/>
-              <a:t>    </a:t>
-            </a:r>
-            <a:r>
-              <a:rPr lang="en-US" sz="1600" b="1" dirty="0">
-                <a:solidFill>
-                  <a:srgbClr val="000080"/>
-                </a:solidFill>
-              </a:rPr>
-              <a:t>const </a:t>
-            </a:r>
-            <a:r>
-              <a:rPr lang="en-US" sz="1600" dirty="0">
-                <a:solidFill>
-                  <a:srgbClr val="458383"/>
-                </a:solidFill>
-              </a:rPr>
-              <a:t>responses </a:t>
-            </a:r>
-            <a:r>
-              <a:rPr lang="en-US" sz="1600" dirty="0"/>
-              <a:t>= </a:t>
+              <a:t>  </a:t>
             </a:r>
             <a:r>
               <a:rPr lang="en-US" sz="1600" b="1" dirty="0">
@@ -15293,348 +15450,75 @@
               <a:t>await </a:t>
             </a:r>
             <a:r>
-              <a:rPr lang="en-US" sz="1600" b="1" i="1" dirty="0" err="1">
-                <a:solidFill>
-                  <a:srgbClr val="660E7A"/>
-                </a:solidFill>
-              </a:rPr>
-              <a:t>Promise</a:t>
-            </a:r>
-            <a:r>
               <a:rPr lang="en-US" sz="1600" dirty="0" err="1"/>
-              <a:t>.</a:t>
-            </a:r>
-            <a:r>
-              <a:rPr lang="en-US" sz="1600" dirty="0" err="1">
-                <a:solidFill>
-                  <a:srgbClr val="7A7A43"/>
-                </a:solidFill>
-              </a:rPr>
-              <a:t>all</a:t>
+              <a:t>makeOneGetRequest</a:t>
             </a:r>
             <a:r>
               <a:rPr lang="en-US" sz="1600" dirty="0"/>
-              <a:t>([</a:t>
+              <a:t>();</a:t>
             </a:r>
             <a:br>
               <a:rPr lang="en-US" sz="1600" dirty="0"/>
             </a:br>
             <a:r>
               <a:rPr lang="en-US" sz="1600" dirty="0"/>
-              <a:t>        </a:t>
-            </a:r>
-            <a:r>
-              <a:rPr lang="en-US" sz="1600" b="1" i="1" dirty="0" err="1">
+              <a:t>  </a:t>
+            </a:r>
+            <a:r>
+              <a:rPr lang="en-US" sz="1600" b="1" dirty="0">
                 <a:solidFill>
-                  <a:srgbClr val="660E7A"/>
+                  <a:srgbClr val="000080"/>
                 </a:solidFill>
               </a:rPr>
-              <a:t>axios</a:t>
+              <a:t>await </a:t>
             </a:r>
             <a:r>
               <a:rPr lang="en-US" sz="1600" dirty="0" err="1"/>
-              <a:t>.</a:t>
-            </a:r>
-            <a:r>
-              <a:rPr lang="en-US" sz="1600" dirty="0" err="1">
-                <a:solidFill>
-                  <a:srgbClr val="7A7A43"/>
-                </a:solidFill>
-              </a:rPr>
-              <a:t>get</a:t>
+              <a:t>makeOneGetRequest</a:t>
             </a:r>
             <a:r>
               <a:rPr lang="en-US" sz="1600" dirty="0"/>
-              <a:t>(</a:t>
-            </a:r>
-            <a:r>
-              <a:rPr lang="en-US" sz="1600" b="1" dirty="0">
-                <a:solidFill>
-                  <a:srgbClr val="008000"/>
-                </a:solidFill>
-              </a:rPr>
-              <a:t>'https://rest-</a:t>
-            </a:r>
-            <a:r>
-              <a:rPr lang="en-US" sz="1600" b="1" dirty="0" err="1">
-                <a:solidFill>
-                  <a:srgbClr val="008000"/>
-                </a:solidFill>
-              </a:rPr>
-              <a:t>example.covey.town</a:t>
-            </a:r>
-            <a:r>
-              <a:rPr lang="en-US" sz="1600" b="1" dirty="0">
-                <a:solidFill>
-                  <a:srgbClr val="008000"/>
-                </a:solidFill>
-              </a:rPr>
-              <a:t>'</a:t>
-            </a:r>
-            <a:r>
-              <a:rPr lang="en-US" sz="1600" dirty="0"/>
-              <a:t>),</a:t>
+              <a:t>();</a:t>
             </a:r>
             <a:br>
               <a:rPr lang="en-US" sz="1600" dirty="0"/>
             </a:br>
             <a:r>
               <a:rPr lang="en-US" sz="1600" dirty="0"/>
-              <a:t>        </a:t>
-            </a:r>
-            <a:r>
-              <a:rPr lang="en-US" sz="1600" b="1" i="1" dirty="0" err="1">
+              <a:t>  </a:t>
+            </a:r>
+            <a:r>
+              <a:rPr lang="en-US" sz="1600" b="1" dirty="0">
                 <a:solidFill>
-                  <a:srgbClr val="660E7A"/>
+                  <a:srgbClr val="000080"/>
                 </a:solidFill>
               </a:rPr>
-              <a:t>axios</a:t>
+              <a:t>await </a:t>
             </a:r>
             <a:r>
               <a:rPr lang="en-US" sz="1600" dirty="0" err="1"/>
-              <a:t>.</a:t>
-            </a:r>
-            <a:r>
-              <a:rPr lang="en-US" sz="1600" dirty="0" err="1">
-                <a:solidFill>
-                  <a:srgbClr val="7A7A43"/>
-                </a:solidFill>
-              </a:rPr>
-              <a:t>get</a:t>
+              <a:t>makeOneGetRequest</a:t>
             </a:r>
             <a:r>
               <a:rPr lang="en-US" sz="1600" dirty="0"/>
-              <a:t>(</a:t>
-            </a:r>
-            <a:r>
-              <a:rPr lang="en-US" sz="1600" b="1" dirty="0">
-                <a:solidFill>
-                  <a:srgbClr val="008000"/>
-                </a:solidFill>
-              </a:rPr>
-              <a:t>'https://rest-</a:t>
-            </a:r>
-            <a:r>
-              <a:rPr lang="en-US" sz="1600" b="1" dirty="0" err="1">
-                <a:solidFill>
-                  <a:srgbClr val="008000"/>
-                </a:solidFill>
-              </a:rPr>
-              <a:t>example.covey.town</a:t>
-            </a:r>
-            <a:r>
-              <a:rPr lang="en-US" sz="1600" b="1" dirty="0">
-                <a:solidFill>
-                  <a:srgbClr val="008000"/>
-                </a:solidFill>
-              </a:rPr>
-              <a:t>'</a:t>
-            </a:r>
-            <a:r>
-              <a:rPr lang="en-US" sz="1600" dirty="0"/>
-              <a:t>),</a:t>
+              <a:t>();</a:t>
             </a:r>
             <a:br>
               <a:rPr lang="en-US" sz="1600" dirty="0"/>
             </a:br>
             <a:r>
               <a:rPr lang="en-US" sz="1600" dirty="0"/>
-              <a:t>        </a:t>
-            </a:r>
-            <a:r>
-              <a:rPr lang="en-US" sz="1600" b="1" i="1" dirty="0" err="1">
-                <a:solidFill>
-                  <a:srgbClr val="660E7A"/>
-                </a:solidFill>
-              </a:rPr>
-              <a:t>axios</a:t>
-            </a:r>
-            <a:r>
-              <a:rPr lang="en-US" sz="1600" dirty="0" err="1"/>
-              <a:t>.</a:t>
-            </a:r>
-            <a:r>
-              <a:rPr lang="en-US" sz="1600" dirty="0" err="1">
-                <a:solidFill>
-                  <a:srgbClr val="7A7A43"/>
-                </a:solidFill>
-              </a:rPr>
-              <a:t>get</a:t>
-            </a:r>
-            <a:r>
-              <a:rPr lang="en-US" sz="1600" dirty="0"/>
-              <a:t>(</a:t>
-            </a:r>
-            <a:r>
-              <a:rPr lang="en-US" sz="1600" b="1" dirty="0">
-                <a:solidFill>
-                  <a:srgbClr val="008000"/>
-                </a:solidFill>
-              </a:rPr>
-              <a:t>'https://rest-</a:t>
-            </a:r>
-            <a:r>
-              <a:rPr lang="en-US" sz="1600" b="1" dirty="0" err="1">
-                <a:solidFill>
-                  <a:srgbClr val="008000"/>
-                </a:solidFill>
-              </a:rPr>
-              <a:t>example.covey.town</a:t>
-            </a:r>
-            <a:r>
-              <a:rPr lang="en-US" sz="1600" b="1" dirty="0">
-                <a:solidFill>
-                  <a:srgbClr val="008000"/>
-                </a:solidFill>
-              </a:rPr>
-              <a:t>'</a:t>
-            </a:r>
-            <a:r>
-              <a:rPr lang="en-US" sz="1600" dirty="0"/>
-              <a:t>)</a:t>
+              <a:t>}</a:t>
             </a:r>
             <a:br>
               <a:rPr lang="en-US" sz="1600" dirty="0"/>
             </a:br>
-            <a:r>
-              <a:rPr lang="en-US" sz="1600" dirty="0"/>
-              <a:t>    ]);</a:t>
-            </a:r>
             <a:br>
               <a:rPr lang="en-US" sz="1600" dirty="0"/>
             </a:br>
             <a:r>
-              <a:rPr lang="en-US" sz="1600" dirty="0"/>
-              <a:t>    </a:t>
-            </a:r>
-            <a:r>
-              <a:rPr lang="en-US" sz="1600" b="1" i="1" dirty="0" err="1">
-                <a:solidFill>
-                  <a:srgbClr val="660E7A"/>
-                </a:solidFill>
-              </a:rPr>
-              <a:t>console</a:t>
-            </a:r>
-            <a:r>
               <a:rPr lang="en-US" sz="1600" dirty="0" err="1"/>
-              <a:t>.</a:t>
-            </a:r>
-            <a:r>
-              <a:rPr lang="en-US" sz="1600" dirty="0" err="1">
-                <a:solidFill>
-                  <a:srgbClr val="7A7A43"/>
-                </a:solidFill>
-              </a:rPr>
-              <a:t>log</a:t>
-            </a:r>
-            <a:r>
-              <a:rPr lang="en-US" sz="1600" dirty="0"/>
-              <a:t>(</a:t>
-            </a:r>
-            <a:r>
-              <a:rPr lang="en-US" sz="1600" b="1" dirty="0">
-                <a:solidFill>
-                  <a:srgbClr val="008000"/>
-                </a:solidFill>
-              </a:rPr>
-              <a:t>'Heard back from all of the requests'</a:t>
-            </a:r>
-            <a:r>
-              <a:rPr lang="en-US" sz="1600" dirty="0"/>
-              <a:t>);</a:t>
-            </a:r>
-            <a:br>
-              <a:rPr lang="en-US" sz="1600" dirty="0"/>
-            </a:br>
-            <a:r>
-              <a:rPr lang="en-US" sz="1600" dirty="0"/>
-              <a:t>    </a:t>
-            </a:r>
-            <a:r>
-              <a:rPr lang="en-US" sz="1600" b="1" i="1" dirty="0" err="1">
-                <a:solidFill>
-                  <a:srgbClr val="660E7A"/>
-                </a:solidFill>
-              </a:rPr>
-              <a:t>console</a:t>
-            </a:r>
-            <a:r>
-              <a:rPr lang="en-US" sz="1600" dirty="0" err="1"/>
-              <a:t>.</a:t>
-            </a:r>
-            <a:r>
-              <a:rPr lang="en-US" sz="1600" dirty="0" err="1">
-                <a:solidFill>
-                  <a:srgbClr val="7A7A43"/>
-                </a:solidFill>
-              </a:rPr>
-              <a:t>log</a:t>
-            </a:r>
-            <a:r>
-              <a:rPr lang="en-US" sz="1600" dirty="0"/>
-              <a:t>(</a:t>
-            </a:r>
-            <a:r>
-              <a:rPr lang="en-US" sz="1600" dirty="0" err="1">
-                <a:solidFill>
-                  <a:srgbClr val="458383"/>
-                </a:solidFill>
-              </a:rPr>
-              <a:t>responses</a:t>
-            </a:r>
-            <a:r>
-              <a:rPr lang="en-US" sz="1600" dirty="0" err="1"/>
-              <a:t>.</a:t>
-            </a:r>
-            <a:r>
-              <a:rPr lang="en-US" sz="1600" dirty="0" err="1">
-                <a:solidFill>
-                  <a:srgbClr val="7A7A43"/>
-                </a:solidFill>
-              </a:rPr>
-              <a:t>map</a:t>
-            </a:r>
-            <a:r>
-              <a:rPr lang="en-US" sz="1600" dirty="0"/>
-              <a:t>(</a:t>
-            </a:r>
-            <a:r>
-              <a:rPr lang="en-US" sz="1600" dirty="0" err="1"/>
-              <a:t>eachAxiosResponse</a:t>
-            </a:r>
-            <a:r>
-              <a:rPr lang="en-US" sz="1600" dirty="0"/>
-              <a:t> =&gt; </a:t>
-            </a:r>
-            <a:r>
-              <a:rPr lang="en-US" sz="1600" dirty="0" err="1"/>
-              <a:t>eachAxiosResponse.</a:t>
-            </a:r>
-            <a:r>
-              <a:rPr lang="en-US" sz="1600" b="1" dirty="0" err="1">
-                <a:solidFill>
-                  <a:srgbClr val="660E7A"/>
-                </a:solidFill>
-              </a:rPr>
-              <a:t>data</a:t>
-            </a:r>
-            <a:r>
-              <a:rPr lang="en-US" sz="1600" dirty="0"/>
-              <a:t>));</a:t>
-            </a:r>
-            <a:br>
-              <a:rPr lang="en-US" sz="1600" dirty="0"/>
-            </a:br>
-            <a:r>
-              <a:rPr lang="en-US" sz="1600" dirty="0"/>
-              <a:t>}</a:t>
-            </a:r>
-            <a:br>
-              <a:rPr lang="en-US" sz="1600" dirty="0"/>
-            </a:br>
-            <a:r>
-              <a:rPr lang="en-US" sz="1600" dirty="0" err="1"/>
-              <a:t>makeThreeGetRequests</a:t>
+              <a:t>makeThreeSerialRequests</a:t>
             </a:r>
             <a:r>
               <a:rPr lang="en-US" sz="1600" dirty="0"/>
@@ -15665,13 +15549,13 @@
         </p:spPr>
         <p:txBody>
           <a:bodyPr>
-            <a:normAutofit/>
+            <a:normAutofit fontScale="90000"/>
           </a:bodyPr>
           <a:lstStyle/>
           <a:p>
             <a:r>
               <a:rPr lang="en-US" dirty="0"/>
-              <a:t>“Await” for Multiple Promises to be Fulfilled</a:t>
+              <a:t>Awaiting a Promise Prevents Your Method from Continuing</a:t>
             </a:r>
             <a:endParaRPr dirty="0"/>
           </a:p>
@@ -15703,113 +15587,23 @@
         </p:spPr>
         <p:txBody>
           <a:bodyPr>
-            <a:normAutofit/>
+            <a:normAutofit fontScale="92500" lnSpcReduction="10000"/>
           </a:bodyPr>
           <a:lstStyle/>
           <a:p>
             <a:r>
-              <a:rPr lang="en-US" sz="1800" dirty="0">
-                <a:solidFill>
-                  <a:schemeClr val="bg2">
-                    <a:lumMod val="10000"/>
-                  </a:schemeClr>
-                </a:solidFill>
-                <a:latin typeface="Helvetica" pitchFamily="2" charset="0"/>
-              </a:rPr>
-              <a:t>Syntax: </a:t>
-            </a:r>
-            <a:r>
-              <a:rPr lang="en-US" sz="1800" b="1" dirty="0">
-                <a:solidFill>
-                  <a:schemeClr val="bg2">
-                    <a:lumMod val="10000"/>
-                  </a:schemeClr>
-                </a:solidFill>
-                <a:latin typeface="Helvetica" pitchFamily="2" charset="0"/>
-              </a:rPr>
-              <a:t> </a:t>
-            </a:r>
-            <a:r>
-              <a:rPr lang="en-US" sz="1800" b="1" dirty="0" err="1">
-                <a:solidFill>
-                  <a:srgbClr val="660E7A"/>
-                </a:solidFill>
-                <a:latin typeface="Courier" pitchFamily="2" charset="0"/>
-              </a:rPr>
-              <a:t>Promise</a:t>
-            </a:r>
-            <a:r>
-              <a:rPr lang="en-US" sz="1800" dirty="0" err="1">
-                <a:solidFill>
-                  <a:srgbClr val="5E5E5E"/>
-                </a:solidFill>
-                <a:latin typeface="Courier" pitchFamily="2" charset="0"/>
-              </a:rPr>
-              <a:t>.</a:t>
-            </a:r>
-            <a:r>
-              <a:rPr lang="en-US" sz="1800" dirty="0" err="1">
-                <a:solidFill>
-                  <a:srgbClr val="7A7A43"/>
-                </a:solidFill>
-                <a:latin typeface="Courier" pitchFamily="2" charset="0"/>
-              </a:rPr>
-              <a:t>all</a:t>
-            </a:r>
-            <a:r>
-              <a:rPr lang="en-US" sz="1800" dirty="0">
-                <a:latin typeface="Courier" pitchFamily="2" charset="0"/>
-              </a:rPr>
-              <a:t>&lt;</a:t>
-            </a:r>
-            <a:r>
-              <a:rPr lang="en-US" sz="1800" dirty="0">
-                <a:solidFill>
-                  <a:srgbClr val="20999D"/>
-                </a:solidFill>
-                <a:latin typeface="Courier" pitchFamily="2" charset="0"/>
-              </a:rPr>
-              <a:t>T</a:t>
-            </a:r>
-            <a:r>
-              <a:rPr lang="en-US" sz="1800" dirty="0">
-                <a:latin typeface="Courier" pitchFamily="2" charset="0"/>
-              </a:rPr>
-              <a:t>&gt;(promises: Promise&lt;</a:t>
-            </a:r>
-            <a:r>
-              <a:rPr lang="en-US" sz="1800" dirty="0">
-                <a:solidFill>
-                  <a:srgbClr val="20999D"/>
-                </a:solidFill>
-                <a:latin typeface="Courier" pitchFamily="2" charset="0"/>
-              </a:rPr>
-              <a:t>T</a:t>
-            </a:r>
-            <a:r>
-              <a:rPr lang="en-US" sz="1800" dirty="0">
-                <a:latin typeface="Courier" pitchFamily="2" charset="0"/>
-              </a:rPr>
-              <a:t>&gt;[]): Promise&lt;</a:t>
-            </a:r>
-            <a:r>
-              <a:rPr lang="en-US" sz="1800" dirty="0">
-                <a:solidFill>
-                  <a:srgbClr val="20999D"/>
-                </a:solidFill>
-                <a:latin typeface="Courier" pitchFamily="2" charset="0"/>
-              </a:rPr>
-              <a:t>T</a:t>
-            </a:r>
-            <a:r>
-              <a:rPr lang="en-US" sz="1800" dirty="0">
-                <a:latin typeface="Courier" pitchFamily="2" charset="0"/>
-              </a:rPr>
-              <a:t>[]&gt;</a:t>
-            </a:r>
-            <a:endParaRPr sz="1800" dirty="0">
-              <a:latin typeface="Courier" pitchFamily="2" charset="0"/>
-            </a:endParaRPr>
+              <a:rPr lang="en-US" dirty="0"/>
+              <a:t>Example: Await calling our </a:t>
+            </a:r>
+            <a:r>
+              <a:rPr lang="en-US" dirty="0" err="1"/>
+              <a:t>makeOneGetRequest</a:t>
+            </a:r>
+            <a:r>
+              <a:rPr lang="en-US" dirty="0"/>
+              <a:t> from prior slide</a:t>
+            </a:r>
+            <a:endParaRPr dirty="0"/>
           </a:p>
         </p:txBody>
       </p:sp>
@@ -15906,8 +15700,8 @@
         </p:nvGrpSpPr>
         <p:grpSpPr>
           <a:xfrm>
-            <a:off x="3277250" y="4885397"/>
-            <a:ext cx="5637500" cy="1266176"/>
+            <a:off x="3691220" y="3820223"/>
+            <a:ext cx="6718872" cy="2537379"/>
             <a:chOff x="494837" y="452437"/>
             <a:chExt cx="1998928" cy="3633363"/>
           </a:xfrm>
@@ -15983,7 +15777,7 @@
               </a:pPr>
               <a:r>
                 <a:rPr lang="en-US" sz="1700" dirty="0"/>
-                <a:t>Heard back from all of the requests</a:t>
+                <a:t>Heard back from server</a:t>
               </a:r>
             </a:p>
             <a:p>
@@ -16000,7 +15794,7 @@
               </a:pPr>
               <a:r>
                 <a:rPr lang="en-US" sz="1700" dirty="0"/>
-                <a:t>[</a:t>
+                <a:t>This is GET number 2 on the current server</a:t>
               </a:r>
             </a:p>
             <a:p>
@@ -16017,7 +15811,7 @@
               </a:pPr>
               <a:r>
                 <a:rPr lang="en-US" sz="1700" dirty="0"/>
-                <a:t>  'This is GET number 4 on the current server',</a:t>
+                <a:t>Making Request</a:t>
               </a:r>
             </a:p>
             <a:p>
@@ -16034,7 +15828,7 @@
               </a:pPr>
               <a:r>
                 <a:rPr lang="en-US" sz="1700" dirty="0"/>
-                <a:t>  'This is GET number 2 on the current server',</a:t>
+                <a:t>Heard back from server</a:t>
               </a:r>
             </a:p>
             <a:p>
@@ -16051,7 +15845,7 @@
               </a:pPr>
               <a:r>
                 <a:rPr lang="en-US" sz="1700" dirty="0"/>
-                <a:t>  'This is GET number 3 on the current server'</a:t>
+                <a:t>This is GET number 3 on the current server</a:t>
               </a:r>
             </a:p>
             <a:p>
@@ -16068,7 +15862,815 @@
               </a:pPr>
               <a:r>
                 <a:rPr lang="en-US" sz="1700" dirty="0"/>
-                <a:t>]</a:t>
+                <a:t>Making Request</a:t>
+              </a:r>
+            </a:p>
+            <a:p>
+              <a:pPr algn="l" defTabSz="410766">
+                <a:defRPr sz="3400">
+                  <a:solidFill>
+                    <a:srgbClr val="000000"/>
+                  </a:solidFill>
+                  <a:latin typeface="Menlo Regular"/>
+                  <a:ea typeface="Menlo Regular"/>
+                  <a:cs typeface="Menlo Regular"/>
+                  <a:sym typeface="Menlo Regular"/>
+                </a:defRPr>
+              </a:pPr>
+              <a:r>
+                <a:rPr lang="en-US" sz="1700" dirty="0"/>
+                <a:t>Heard back from server</a:t>
+              </a:r>
+            </a:p>
+            <a:p>
+              <a:pPr algn="l" defTabSz="410766">
+                <a:defRPr sz="3400">
+                  <a:solidFill>
+                    <a:srgbClr val="000000"/>
+                  </a:solidFill>
+                  <a:latin typeface="Menlo Regular"/>
+                  <a:ea typeface="Menlo Regular"/>
+                  <a:cs typeface="Menlo Regular"/>
+                  <a:sym typeface="Menlo Regular"/>
+                </a:defRPr>
+              </a:pPr>
+              <a:r>
+                <a:rPr lang="en-US" sz="1700" dirty="0"/>
+                <a:t>This is GET number 4 on the current server</a:t>
+              </a:r>
+            </a:p>
+          </p:txBody>
+        </p:sp>
+        <p:sp>
+          <p:nvSpPr>
+            <p:cNvPr id="12" name="Output:">
+              <a:extLst>
+                <a:ext uri="{FF2B5EF4-FFF2-40B4-BE49-F238E27FC236}">
+                  <a16:creationId xmlns:a16="http://schemas.microsoft.com/office/drawing/2014/main" id="{A25D30E2-AC25-CD48-92B9-F37DE6275131}"/>
+                </a:ext>
+              </a:extLst>
+            </p:cNvPr>
+            <p:cNvSpPr/>
+            <p:nvPr/>
+          </p:nvSpPr>
+          <p:spPr>
+            <a:xfrm>
+              <a:off x="1223764" y="452437"/>
+              <a:ext cx="1270001" cy="1270001"/>
+            </a:xfrm>
+            <a:prstGeom prst="line">
+              <a:avLst/>
+            </a:prstGeom>
+            <a:noFill/>
+            <a:ln w="12700" cap="flat">
+              <a:noFill/>
+              <a:miter lim="400000"/>
+            </a:ln>
+            <a:effectLst/>
+            <a:extLst>
+              <a:ext uri="{C572A759-6A51-4108-AA02-DFA0A04FC94B}">
+                <ma14:wrappingTextBoxFlag xmlns:ma14="http://schemas.microsoft.com/office/mac/drawingml/2011/main" xmlns:a14="http://schemas.microsoft.com/office/drawing/2010/main" xmlns:m="http://schemas.openxmlformats.org/officeDocument/2006/math" xmlns="" val="1"/>
+              </a:ext>
+            </a:extLst>
+          </p:spPr>
+          <p:txBody>
+            <a:bodyPr wrap="none" lIns="35719" tIns="35719" rIns="35719" bIns="35719" numCol="1" anchor="ctr">
+              <a:spAutoFit/>
+            </a:bodyPr>
+            <a:lstStyle>
+              <a:lvl1pPr defTabSz="821531">
+                <a:defRPr sz="5000" b="1">
+                  <a:solidFill>
+                    <a:srgbClr val="000000"/>
+                  </a:solidFill>
+                  <a:latin typeface="Helvetica"/>
+                  <a:ea typeface="Helvetica"/>
+                  <a:cs typeface="Helvetica"/>
+                  <a:sym typeface="Helvetica"/>
+                </a:defRPr>
+              </a:lvl1pPr>
+            </a:lstStyle>
+            <a:p>
+              <a:endParaRPr sz="2500" dirty="0"/>
+            </a:p>
+          </p:txBody>
+        </p:sp>
+      </p:grpSp>
+    </p:spTree>
+    <p:extLst>
+      <p:ext uri="{BB962C8B-B14F-4D97-AF65-F5344CB8AC3E}">
+        <p14:creationId xmlns:p14="http://schemas.microsoft.com/office/powerpoint/2010/main" val="259646237"/>
+      </p:ext>
+    </p:extLst>
+  </p:cSld>
+  <p:clrMapOvr>
+    <a:masterClrMapping/>
+  </p:clrMapOvr>
+  <mc:AlternateContent xmlns:mc="http://schemas.openxmlformats.org/markup-compatibility/2006">
+    <mc:Choice xmlns:p14="http://schemas.microsoft.com/office/powerpoint/2010/main" Requires="p14">
+      <p:transition p14:dur="0"/>
+    </mc:Choice>
+    <mc:Fallback>
+      <p:transition/>
+    </mc:Fallback>
+  </mc:AlternateContent>
+  <p:timing>
+    <p:tnLst>
+      <p:par>
+        <p:cTn id="1" dur="indefinite" restart="never" fill="hold" nodeType="tmRoot">
+          <p:childTnLst>
+            <p:seq concurrent="1" nextAc="seek">
+              <p:cTn id="2" dur="indefinite" nodeType="mainSeq">
+                <p:childTnLst>
+                  <p:par>
+                    <p:cTn id="3" fill="hold">
+                      <p:stCondLst>
+                        <p:cond delay="indefinite"/>
+                      </p:stCondLst>
+                      <p:childTnLst>
+                        <p:par>
+                          <p:cTn id="4" fill="hold">
+                            <p:stCondLst>
+                              <p:cond delay="0"/>
+                            </p:stCondLst>
+                            <p:childTnLst>
+                              <p:par>
+                                <p:cTn id="5" presetID="1" presetClass="entr" presetSubtype="0" fill="hold" nodeType="clickEffect">
+                                  <p:stCondLst>
+                                    <p:cond delay="0"/>
+                                  </p:stCondLst>
+                                  <p:childTnLst>
+                                    <p:set>
+                                      <p:cBhvr>
+                                        <p:cTn id="6" dur="1" fill="hold">
+                                          <p:stCondLst>
+                                            <p:cond delay="0"/>
+                                          </p:stCondLst>
+                                        </p:cTn>
+                                        <p:tgtEl>
+                                          <p:spTgt spid="10"/>
+                                        </p:tgtEl>
+                                        <p:attrNameLst>
+                                          <p:attrName>style.visibility</p:attrName>
+                                        </p:attrNameLst>
+                                      </p:cBhvr>
+                                      <p:to>
+                                        <p:strVal val="visible"/>
+                                      </p:to>
+                                    </p:set>
+                                  </p:childTnLst>
+                                </p:cTn>
+                              </p:par>
+                            </p:childTnLst>
+                          </p:cTn>
+                        </p:par>
+                      </p:childTnLst>
+                    </p:cTn>
+                  </p:par>
+                </p:childTnLst>
+              </p:cTn>
+              <p:prevCondLst>
+                <p:cond evt="onPrev" delay="0">
+                  <p:tgtEl>
+                    <p:sldTgt/>
+                  </p:tgtEl>
+                </p:cond>
+              </p:prevCondLst>
+              <p:nextCondLst>
+                <p:cond evt="onNext" delay="0">
+                  <p:tgtEl>
+                    <p:sldTgt/>
+                  </p:tgtEl>
+                </p:cond>
+              </p:nextCondLst>
+            </p:seq>
+          </p:childTnLst>
+        </p:cTn>
+      </p:par>
+    </p:tnLst>
+  </p:timing>
+</p:sld>
+</file>
+
+<file path=ppt/slides/slide13.xml><?xml version="1.0" encoding="utf-8"?>
+<p:sld xmlns:a="http://schemas.openxmlformats.org/drawingml/2006/main" xmlns:r="http://schemas.openxmlformats.org/officeDocument/2006/relationships" xmlns:p="http://schemas.openxmlformats.org/presentationml/2006/main">
+  <p:cSld>
+    <p:spTree>
+      <p:nvGrpSpPr>
+        <p:cNvPr id="1" name=""/>
+        <p:cNvGrpSpPr/>
+        <p:nvPr/>
+      </p:nvGrpSpPr>
+      <p:grpSpPr>
+        <a:xfrm>
+          <a:off x="0" y="0"/>
+          <a:ext cx="0" cy="0"/>
+          <a:chOff x="0" y="0"/>
+          <a:chExt cx="0" cy="0"/>
+        </a:xfrm>
+      </p:grpSpPr>
+      <p:sp>
+        <p:nvSpPr>
+          <p:cNvPr id="17" name="async function axiosAwaitExample() {…">
+            <a:extLst>
+              <a:ext uri="{FF2B5EF4-FFF2-40B4-BE49-F238E27FC236}">
+                <a16:creationId xmlns:a16="http://schemas.microsoft.com/office/drawing/2014/main" id="{61604F25-F0FD-6F48-9683-8847BF1D0DAB}"/>
+              </a:ext>
+            </a:extLst>
+          </p:cNvPr>
+          <p:cNvSpPr txBox="1"/>
+          <p:nvPr/>
+        </p:nvSpPr>
+        <p:spPr>
+          <a:xfrm>
+            <a:off x="2538696" y="2328758"/>
+            <a:ext cx="6593899" cy="2267287"/>
+          </a:xfrm>
+          <a:prstGeom prst="rect">
+            <a:avLst/>
+          </a:prstGeom>
+          <a:ln w="25400">
+            <a:solidFill>
+              <a:srgbClr val="000000"/>
+            </a:solidFill>
+            <a:miter lim="400000"/>
+          </a:ln>
+          <a:extLst>
+            <a:ext uri="{C572A759-6A51-4108-AA02-DFA0A04FC94B}">
+              <ma14:wrappingTextBoxFlag xmlns="" xmlns:m="http://schemas.openxmlformats.org/officeDocument/2006/math" xmlns:a14="http://schemas.microsoft.com/office/drawing/2010/main" xmlns:ma14="http://schemas.microsoft.com/office/mac/drawingml/2011/main" val="1"/>
+            </a:ext>
+          </a:extLst>
+        </p:spPr>
+        <p:txBody>
+          <a:bodyPr wrap="square" lIns="25400" tIns="25400" rIns="25400" bIns="25400" anchor="ctr">
+            <a:spAutoFit/>
+          </a:bodyPr>
+          <a:lstStyle/>
+          <a:p>
+            <a:pPr algn="l" defTabSz="228600">
+              <a:defRPr sz="2000">
+                <a:solidFill>
+                  <a:srgbClr val="000000"/>
+                </a:solidFill>
+                <a:latin typeface="Courier"/>
+                <a:ea typeface="Courier"/>
+                <a:cs typeface="Courier"/>
+                <a:sym typeface="Courier"/>
+              </a:defRPr>
+            </a:pPr>
+            <a:r>
+              <a:rPr lang="en-US" sz="1600" b="1" dirty="0">
+                <a:solidFill>
+                  <a:srgbClr val="000080"/>
+                </a:solidFill>
+              </a:rPr>
+              <a:t>async function </a:t>
+            </a:r>
+            <a:r>
+              <a:rPr lang="en-US" sz="1600" dirty="0" err="1"/>
+              <a:t>makeThreeGetRequests</a:t>
+            </a:r>
+            <a:r>
+              <a:rPr lang="en-US" sz="1600" dirty="0"/>
+              <a:t>() {</a:t>
+            </a:r>
+            <a:br>
+              <a:rPr lang="en-US" sz="1600" dirty="0"/>
+            </a:br>
+            <a:r>
+              <a:rPr lang="en-US" sz="1600" dirty="0"/>
+              <a:t>  </a:t>
+            </a:r>
+            <a:r>
+              <a:rPr lang="en-US" sz="1600" b="1" dirty="0">
+                <a:solidFill>
+                  <a:srgbClr val="000080"/>
+                </a:solidFill>
+              </a:rPr>
+              <a:t>await </a:t>
+            </a:r>
+            <a:r>
+              <a:rPr lang="en-US" sz="1600" b="1" i="1" dirty="0" err="1">
+                <a:solidFill>
+                  <a:srgbClr val="660E7A"/>
+                </a:solidFill>
+              </a:rPr>
+              <a:t>Promise</a:t>
+            </a:r>
+            <a:r>
+              <a:rPr lang="en-US" sz="1600" dirty="0" err="1"/>
+              <a:t>.</a:t>
+            </a:r>
+            <a:r>
+              <a:rPr lang="en-US" sz="1600" dirty="0" err="1">
+                <a:solidFill>
+                  <a:srgbClr val="7A7A43"/>
+                </a:solidFill>
+              </a:rPr>
+              <a:t>all</a:t>
+            </a:r>
+            <a:r>
+              <a:rPr lang="en-US" sz="1600" dirty="0"/>
+              <a:t>([</a:t>
+            </a:r>
+            <a:br>
+              <a:rPr lang="en-US" sz="1600" dirty="0"/>
+            </a:br>
+            <a:r>
+              <a:rPr lang="en-US" sz="1600" dirty="0"/>
+              <a:t>    </a:t>
+            </a:r>
+            <a:r>
+              <a:rPr lang="en-US" sz="1600" dirty="0" err="1"/>
+              <a:t>makeOneGetRequest</a:t>
+            </a:r>
+            <a:r>
+              <a:rPr lang="en-US" sz="1600" dirty="0"/>
+              <a:t>(),</a:t>
+            </a:r>
+            <a:br>
+              <a:rPr lang="en-US" sz="1600" dirty="0"/>
+            </a:br>
+            <a:r>
+              <a:rPr lang="en-US" sz="1600" dirty="0"/>
+              <a:t>    </a:t>
+            </a:r>
+            <a:r>
+              <a:rPr lang="en-US" sz="1600" dirty="0" err="1"/>
+              <a:t>makeOneGetRequest</a:t>
+            </a:r>
+            <a:r>
+              <a:rPr lang="en-US" sz="1600" dirty="0"/>
+              <a:t>(),</a:t>
+            </a:r>
+            <a:br>
+              <a:rPr lang="en-US" sz="1600" dirty="0"/>
+            </a:br>
+            <a:r>
+              <a:rPr lang="en-US" sz="1600" dirty="0"/>
+              <a:t>    </a:t>
+            </a:r>
+            <a:r>
+              <a:rPr lang="en-US" sz="1600" dirty="0" err="1"/>
+              <a:t>makeOneGetRequest</a:t>
+            </a:r>
+            <a:r>
+              <a:rPr lang="en-US" sz="1600" dirty="0"/>
+              <a:t>(),</a:t>
+            </a:r>
+            <a:br>
+              <a:rPr lang="en-US" sz="1600" dirty="0"/>
+            </a:br>
+            <a:r>
+              <a:rPr lang="en-US" sz="1600" dirty="0"/>
+              <a:t>  ]);</a:t>
+            </a:r>
+            <a:br>
+              <a:rPr lang="en-US" sz="1600" dirty="0"/>
+            </a:br>
+            <a:r>
+              <a:rPr lang="en-US" sz="1600" dirty="0"/>
+              <a:t>  </a:t>
+            </a:r>
+            <a:r>
+              <a:rPr lang="en-US" sz="1600" b="1" i="1" dirty="0" err="1">
+                <a:solidFill>
+                  <a:srgbClr val="660E7A"/>
+                </a:solidFill>
+              </a:rPr>
+              <a:t>console</a:t>
+            </a:r>
+            <a:r>
+              <a:rPr lang="en-US" sz="1600" dirty="0" err="1"/>
+              <a:t>.</a:t>
+            </a:r>
+            <a:r>
+              <a:rPr lang="en-US" sz="1600" dirty="0" err="1">
+                <a:solidFill>
+                  <a:srgbClr val="7A7A43"/>
+                </a:solidFill>
+              </a:rPr>
+              <a:t>log</a:t>
+            </a:r>
+            <a:r>
+              <a:rPr lang="en-US" sz="1600" dirty="0"/>
+              <a:t>(</a:t>
+            </a:r>
+            <a:r>
+              <a:rPr lang="en-US" sz="1600" b="1" dirty="0">
+                <a:solidFill>
+                  <a:srgbClr val="008000"/>
+                </a:solidFill>
+              </a:rPr>
+              <a:t>'Heard back from all of the requests'</a:t>
+            </a:r>
+            <a:r>
+              <a:rPr lang="en-US" sz="1600" dirty="0"/>
+              <a:t>);</a:t>
+            </a:r>
+            <a:br>
+              <a:rPr lang="en-US" sz="1600" dirty="0"/>
+            </a:br>
+            <a:r>
+              <a:rPr lang="en-US" sz="1600" dirty="0"/>
+              <a:t>}</a:t>
+            </a:r>
+            <a:br>
+              <a:rPr lang="en-US" sz="1600" dirty="0"/>
+            </a:br>
+            <a:r>
+              <a:rPr lang="en-US" sz="1600" dirty="0" err="1"/>
+              <a:t>makeThreeGetRequests</a:t>
+            </a:r>
+            <a:r>
+              <a:rPr lang="en-US" sz="1600" dirty="0"/>
+              <a:t>();</a:t>
+            </a:r>
+            <a:endParaRPr lang="en-US" sz="1600" b="1" dirty="0">
+              <a:solidFill>
+                <a:srgbClr val="011480"/>
+              </a:solidFill>
+            </a:endParaRPr>
+          </a:p>
+        </p:txBody>
+      </p:sp>
+      <p:sp>
+        <p:nvSpPr>
+          <p:cNvPr id="252" name="Asynchronous Programming in JS/TS"/>
+          <p:cNvSpPr txBox="1">
+            <a:spLocks noGrp="1"/>
+          </p:cNvSpPr>
+          <p:nvPr>
+            <p:ph type="title"/>
+          </p:nvPr>
+        </p:nvSpPr>
+        <p:spPr>
+          <a:prstGeom prst="rect">
+            <a:avLst/>
+          </a:prstGeom>
+        </p:spPr>
+        <p:txBody>
+          <a:bodyPr>
+            <a:normAutofit/>
+          </a:bodyPr>
+          <a:lstStyle/>
+          <a:p>
+            <a:r>
+              <a:rPr lang="en-US" dirty="0"/>
+              <a:t>“Await” for Multiple Promises to be Fulfilled</a:t>
+            </a:r>
+            <a:endParaRPr dirty="0"/>
+          </a:p>
+        </p:txBody>
+      </p:sp>
+      <p:sp>
+        <p:nvSpPr>
+          <p:cNvPr id="253" name="Promises"/>
+          <p:cNvSpPr txBox="1">
+            <a:spLocks noGrp="1"/>
+          </p:cNvSpPr>
+          <p:nvPr>
+            <p:ph type="body" idx="21"/>
+          </p:nvPr>
+        </p:nvSpPr>
+        <p:spPr>
+          <a:xfrm>
+            <a:off x="775480" y="1558850"/>
+            <a:ext cx="10985500" cy="467390"/>
+          </a:xfrm>
+          <a:prstGeom prst="rect">
+            <a:avLst/>
+          </a:prstGeom>
+          <a:extLst>
+            <a:ext uri="{C572A759-6A51-4108-AA02-DFA0A04FC94B}">
+              <ma14:wrappingTextBoxFlag xmlns:ma14="http://schemas.microsoft.com/office/mac/drawingml/2011/main" xmlns:a14="http://schemas.microsoft.com/office/drawing/2010/main" xmlns:m="http://schemas.openxmlformats.org/officeDocument/2006/math" xmlns="" val="1"/>
+            </a:ext>
+          </a:extLst>
+        </p:spPr>
+        <p:txBody>
+          <a:bodyPr>
+            <a:normAutofit/>
+          </a:bodyPr>
+          <a:lstStyle/>
+          <a:p>
+            <a:r>
+              <a:rPr lang="en-US" sz="1800" dirty="0">
+                <a:solidFill>
+                  <a:schemeClr val="bg2">
+                    <a:lumMod val="10000"/>
+                  </a:schemeClr>
+                </a:solidFill>
+                <a:latin typeface="Helvetica" pitchFamily="2" charset="0"/>
+              </a:rPr>
+              <a:t>Syntax: </a:t>
+            </a:r>
+            <a:r>
+              <a:rPr lang="en-US" sz="1800" b="1" dirty="0">
+                <a:solidFill>
+                  <a:schemeClr val="bg2">
+                    <a:lumMod val="10000"/>
+                  </a:schemeClr>
+                </a:solidFill>
+                <a:latin typeface="Helvetica" pitchFamily="2" charset="0"/>
+              </a:rPr>
+              <a:t> </a:t>
+            </a:r>
+            <a:r>
+              <a:rPr lang="en-US" sz="1800" b="1" dirty="0" err="1">
+                <a:solidFill>
+                  <a:srgbClr val="660E7A"/>
+                </a:solidFill>
+                <a:latin typeface="Courier" pitchFamily="2" charset="0"/>
+              </a:rPr>
+              <a:t>Promise</a:t>
+            </a:r>
+            <a:r>
+              <a:rPr lang="en-US" sz="1800" dirty="0" err="1">
+                <a:solidFill>
+                  <a:srgbClr val="5E5E5E"/>
+                </a:solidFill>
+                <a:latin typeface="Courier" pitchFamily="2" charset="0"/>
+              </a:rPr>
+              <a:t>.</a:t>
+            </a:r>
+            <a:r>
+              <a:rPr lang="en-US" sz="1800" dirty="0" err="1">
+                <a:solidFill>
+                  <a:srgbClr val="7A7A43"/>
+                </a:solidFill>
+                <a:latin typeface="Courier" pitchFamily="2" charset="0"/>
+              </a:rPr>
+              <a:t>all</a:t>
+            </a:r>
+            <a:r>
+              <a:rPr lang="en-US" sz="1800" dirty="0">
+                <a:latin typeface="Courier" pitchFamily="2" charset="0"/>
+              </a:rPr>
+              <a:t>&lt;</a:t>
+            </a:r>
+            <a:r>
+              <a:rPr lang="en-US" sz="1800" dirty="0">
+                <a:solidFill>
+                  <a:srgbClr val="20999D"/>
+                </a:solidFill>
+                <a:latin typeface="Courier" pitchFamily="2" charset="0"/>
+              </a:rPr>
+              <a:t>T</a:t>
+            </a:r>
+            <a:r>
+              <a:rPr lang="en-US" sz="1800" dirty="0">
+                <a:latin typeface="Courier" pitchFamily="2" charset="0"/>
+              </a:rPr>
+              <a:t>&gt;(promises: Promise&lt;</a:t>
+            </a:r>
+            <a:r>
+              <a:rPr lang="en-US" sz="1800" dirty="0">
+                <a:solidFill>
+                  <a:srgbClr val="20999D"/>
+                </a:solidFill>
+                <a:latin typeface="Courier" pitchFamily="2" charset="0"/>
+              </a:rPr>
+              <a:t>T</a:t>
+            </a:r>
+            <a:r>
+              <a:rPr lang="en-US" sz="1800" dirty="0">
+                <a:latin typeface="Courier" pitchFamily="2" charset="0"/>
+              </a:rPr>
+              <a:t>&gt;[]): Promise&lt;</a:t>
+            </a:r>
+            <a:r>
+              <a:rPr lang="en-US" sz="1800" dirty="0">
+                <a:solidFill>
+                  <a:srgbClr val="20999D"/>
+                </a:solidFill>
+                <a:latin typeface="Courier" pitchFamily="2" charset="0"/>
+              </a:rPr>
+              <a:t>T</a:t>
+            </a:r>
+            <a:r>
+              <a:rPr lang="en-US" sz="1800" dirty="0">
+                <a:latin typeface="Courier" pitchFamily="2" charset="0"/>
+              </a:rPr>
+              <a:t>[]&gt;</a:t>
+            </a:r>
+            <a:endParaRPr sz="1800" dirty="0">
+              <a:latin typeface="Courier" pitchFamily="2" charset="0"/>
+            </a:endParaRPr>
+          </a:p>
+        </p:txBody>
+      </p:sp>
+      <p:sp>
+        <p:nvSpPr>
+          <p:cNvPr id="4" name="TextBox 3">
+            <a:extLst>
+              <a:ext uri="{FF2B5EF4-FFF2-40B4-BE49-F238E27FC236}">
+                <a16:creationId xmlns:a16="http://schemas.microsoft.com/office/drawing/2014/main" id="{BCD6FF73-1CFA-4A4B-A672-FDDAEB3149A5}"/>
+              </a:ext>
+            </a:extLst>
+          </p:cNvPr>
+          <p:cNvSpPr txBox="1"/>
+          <p:nvPr/>
+        </p:nvSpPr>
+        <p:spPr>
+          <a:xfrm>
+            <a:off x="1390610" y="3820223"/>
+            <a:ext cx="102657" cy="471924"/>
+          </a:xfrm>
+          <a:prstGeom prst="rect">
+            <a:avLst/>
+          </a:prstGeom>
+          <a:noFill/>
+          <a:ln w="12700" cap="flat">
+            <a:noFill/>
+            <a:miter lim="400000"/>
+          </a:ln>
+          <a:effectLst/>
+          <a:sp3d/>
+        </p:spPr>
+        <p:style>
+          <a:lnRef idx="0">
+            <a:scrgbClr r="0" g="0" b="0"/>
+          </a:lnRef>
+          <a:fillRef idx="0">
+            <a:scrgbClr r="0" g="0" b="0"/>
+          </a:fillRef>
+          <a:effectRef idx="0">
+            <a:scrgbClr r="0" g="0" b="0"/>
+          </a:effectRef>
+          <a:fontRef idx="none"/>
+        </p:style>
+        <p:txBody>
+          <a:bodyPr rot="0" spcFirstLastPara="1" vertOverflow="overflow" horzOverflow="overflow" vert="horz" wrap="none" lIns="50800" tIns="50800" rIns="50800" bIns="50800" numCol="1" spcCol="38100" rtlCol="0" anchor="ctr">
+            <a:spAutoFit/>
+          </a:bodyPr>
+          <a:lstStyle/>
+          <a:p>
+            <a:pPr marL="0" marR="0" indent="0" algn="ctr" defTabSz="2438338" rtl="0" fontAlgn="auto" latinLnBrk="0" hangingPunct="0">
+              <a:lnSpc>
+                <a:spcPct val="100000"/>
+              </a:lnSpc>
+              <a:spcBef>
+                <a:spcPts val="0"/>
+              </a:spcBef>
+              <a:spcAft>
+                <a:spcPts val="0"/>
+              </a:spcAft>
+              <a:buClrTx/>
+              <a:buSzTx/>
+              <a:buFontTx/>
+              <a:buNone/>
+              <a:tabLst/>
+            </a:pPr>
+            <a:endParaRPr kumimoji="0" lang="en-US" sz="2400" b="0" i="0" u="none" strike="noStrike" cap="none" spc="0" normalizeH="0" baseline="0" dirty="0">
+              <a:ln>
+                <a:noFill/>
+              </a:ln>
+              <a:solidFill>
+                <a:srgbClr val="5E5E5E"/>
+              </a:solidFill>
+              <a:effectLst/>
+              <a:uFillTx/>
+              <a:latin typeface="+mn-lt"/>
+              <a:ea typeface="+mn-ea"/>
+              <a:cs typeface="+mn-cs"/>
+              <a:sym typeface="Helvetica Neue"/>
+            </a:endParaRPr>
+          </a:p>
+        </p:txBody>
+      </p:sp>
+      <p:grpSp>
+        <p:nvGrpSpPr>
+          <p:cNvPr id="10" name="Group">
+            <a:extLst>
+              <a:ext uri="{FF2B5EF4-FFF2-40B4-BE49-F238E27FC236}">
+                <a16:creationId xmlns:a16="http://schemas.microsoft.com/office/drawing/2014/main" id="{9F14DF67-DA5B-8740-A5EF-E2DE0FBE1BAA}"/>
+              </a:ext>
+            </a:extLst>
+          </p:cNvPr>
+          <p:cNvGrpSpPr/>
+          <p:nvPr/>
+        </p:nvGrpSpPr>
+        <p:grpSpPr>
+          <a:xfrm>
+            <a:off x="2538696" y="4831761"/>
+            <a:ext cx="5637500" cy="1266176"/>
+            <a:chOff x="494837" y="452437"/>
+            <a:chExt cx="1998928" cy="3633363"/>
+          </a:xfrm>
+        </p:grpSpPr>
+        <p:sp>
+          <p:nvSpPr>
+            <p:cNvPr id="11" name="Making a request to rest-example…">
+              <a:extLst>
+                <a:ext uri="{FF2B5EF4-FFF2-40B4-BE49-F238E27FC236}">
+                  <a16:creationId xmlns:a16="http://schemas.microsoft.com/office/drawing/2014/main" id="{9FE548CE-971E-7447-ADF5-39CC44283CD4}"/>
+                </a:ext>
+              </a:extLst>
+            </p:cNvPr>
+            <p:cNvSpPr/>
+            <p:nvPr/>
+          </p:nvSpPr>
+          <p:spPr>
+            <a:xfrm>
+              <a:off x="494837" y="2815799"/>
+              <a:ext cx="1270001" cy="1270001"/>
+            </a:xfrm>
+            <a:prstGeom prst="line">
+              <a:avLst/>
+            </a:prstGeom>
+            <a:noFill/>
+            <a:ln w="12700" cap="flat">
+              <a:noFill/>
+              <a:miter lim="400000"/>
+            </a:ln>
+            <a:effectLst/>
+            <a:extLst>
+              <a:ext uri="{C572A759-6A51-4108-AA02-DFA0A04FC94B}">
+                <ma14:wrappingTextBoxFlag xmlns:ma14="http://schemas.microsoft.com/office/mac/drawingml/2011/main" xmlns:a14="http://schemas.microsoft.com/office/drawing/2010/main" xmlns:m="http://schemas.openxmlformats.org/officeDocument/2006/math" xmlns="" val="1"/>
+              </a:ext>
+            </a:extLst>
+          </p:spPr>
+          <p:txBody>
+            <a:bodyPr wrap="none" lIns="35719" tIns="35719" rIns="35719" bIns="35719" numCol="1" anchor="ctr">
+              <a:spAutoFit/>
+            </a:bodyPr>
+            <a:lstStyle/>
+            <a:p>
+              <a:pPr algn="l" defTabSz="410766">
+                <a:defRPr sz="3400">
+                  <a:solidFill>
+                    <a:srgbClr val="000000"/>
+                  </a:solidFill>
+                  <a:latin typeface="Menlo Regular"/>
+                  <a:ea typeface="Menlo Regular"/>
+                  <a:cs typeface="Menlo Regular"/>
+                  <a:sym typeface="Menlo Regular"/>
+                </a:defRPr>
+              </a:pPr>
+              <a:r>
+                <a:rPr lang="en-US" sz="2000" b="1" dirty="0">
+                  <a:latin typeface="Calibri" panose="020F0502020204030204" pitchFamily="34" charset="0"/>
+                  <a:cs typeface="Calibri" panose="020F0502020204030204" pitchFamily="34" charset="0"/>
+                </a:rPr>
+                <a:t>Output:</a:t>
+              </a:r>
+            </a:p>
+            <a:p>
+              <a:pPr algn="l" defTabSz="410766">
+                <a:defRPr sz="3400">
+                  <a:solidFill>
+                    <a:srgbClr val="000000"/>
+                  </a:solidFill>
+                  <a:latin typeface="Menlo Regular"/>
+                  <a:ea typeface="Menlo Regular"/>
+                  <a:cs typeface="Menlo Regular"/>
+                  <a:sym typeface="Menlo Regular"/>
+                </a:defRPr>
+              </a:pPr>
+              <a:r>
+                <a:rPr lang="en-US" sz="1600" dirty="0"/>
+                <a:t>This is GET number 4 on the current server</a:t>
+              </a:r>
+            </a:p>
+            <a:p>
+              <a:pPr algn="l" defTabSz="410766">
+                <a:defRPr sz="3400">
+                  <a:solidFill>
+                    <a:srgbClr val="000000"/>
+                  </a:solidFill>
+                  <a:latin typeface="Menlo Regular"/>
+                  <a:ea typeface="Menlo Regular"/>
+                  <a:cs typeface="Menlo Regular"/>
+                  <a:sym typeface="Menlo Regular"/>
+                </a:defRPr>
+              </a:pPr>
+              <a:r>
+                <a:rPr lang="en-US" sz="1600" dirty="0"/>
+                <a:t>This is GET number 2 on the current server</a:t>
+              </a:r>
+            </a:p>
+            <a:p>
+              <a:pPr algn="l" defTabSz="410766">
+                <a:defRPr sz="3400">
+                  <a:solidFill>
+                    <a:srgbClr val="000000"/>
+                  </a:solidFill>
+                  <a:latin typeface="Menlo Regular"/>
+                  <a:ea typeface="Menlo Regular"/>
+                  <a:cs typeface="Menlo Regular"/>
+                  <a:sym typeface="Menlo Regular"/>
+                </a:defRPr>
+              </a:pPr>
+              <a:r>
+                <a:rPr lang="en-US" sz="1600" dirty="0"/>
+                <a:t>This is GET number 3 on the current server</a:t>
+              </a:r>
+              <a:br>
+                <a:rPr lang="en-US" sz="1600" dirty="0"/>
+              </a:br>
+              <a:r>
+                <a:rPr lang="en-US" sz="1600" dirty="0"/>
+                <a:t>Heard back from all of the requests</a:t>
               </a:r>
             </a:p>
           </p:txBody>
@@ -16272,7 +16874,1206 @@
 </p:sld>
 </file>
 
-<file path=ppt/slides/slide13.xml><?xml version="1.0" encoding="utf-8"?>
+<file path=ppt/slides/slide14.xml><?xml version="1.0" encoding="utf-8"?>
+<p:sld xmlns:a="http://schemas.openxmlformats.org/drawingml/2006/main" xmlns:r="http://schemas.openxmlformats.org/officeDocument/2006/relationships" xmlns:p="http://schemas.openxmlformats.org/presentationml/2006/main">
+  <p:cSld>
+    <p:spTree>
+      <p:nvGrpSpPr>
+        <p:cNvPr id="1" name=""/>
+        <p:cNvGrpSpPr/>
+        <p:nvPr/>
+      </p:nvGrpSpPr>
+      <p:grpSpPr>
+        <a:xfrm>
+          <a:off x="0" y="0"/>
+          <a:ext cx="0" cy="0"/>
+          <a:chOff x="0" y="0"/>
+          <a:chExt cx="0" cy="0"/>
+        </a:xfrm>
+      </p:grpSpPr>
+      <p:sp>
+        <p:nvSpPr>
+          <p:cNvPr id="17" name="async function axiosAwaitExample() {…">
+            <a:extLst>
+              <a:ext uri="{FF2B5EF4-FFF2-40B4-BE49-F238E27FC236}">
+                <a16:creationId xmlns:a16="http://schemas.microsoft.com/office/drawing/2014/main" id="{61604F25-F0FD-6F48-9683-8847BF1D0DAB}"/>
+              </a:ext>
+            </a:extLst>
+          </p:cNvPr>
+          <p:cNvSpPr txBox="1"/>
+          <p:nvPr/>
+        </p:nvSpPr>
+        <p:spPr>
+          <a:xfrm>
+            <a:off x="5555024" y="2689826"/>
+            <a:ext cx="6534299" cy="2267287"/>
+          </a:xfrm>
+          <a:prstGeom prst="rect">
+            <a:avLst/>
+          </a:prstGeom>
+          <a:ln w="25400">
+            <a:solidFill>
+              <a:srgbClr val="000000"/>
+            </a:solidFill>
+            <a:miter lim="400000"/>
+          </a:ln>
+          <a:extLst>
+            <a:ext uri="{C572A759-6A51-4108-AA02-DFA0A04FC94B}">
+              <ma14:wrappingTextBoxFlag xmlns="" xmlns:m="http://schemas.openxmlformats.org/officeDocument/2006/math" xmlns:a14="http://schemas.microsoft.com/office/drawing/2010/main" xmlns:ma14="http://schemas.microsoft.com/office/mac/drawingml/2011/main" val="1"/>
+            </a:ext>
+          </a:extLst>
+        </p:spPr>
+        <p:txBody>
+          <a:bodyPr wrap="square" lIns="25400" tIns="25400" rIns="25400" bIns="25400" anchor="ctr">
+            <a:spAutoFit/>
+          </a:bodyPr>
+          <a:lstStyle/>
+          <a:p>
+            <a:pPr algn="l" defTabSz="228600">
+              <a:defRPr sz="2000">
+                <a:solidFill>
+                  <a:srgbClr val="000000"/>
+                </a:solidFill>
+                <a:latin typeface="Courier"/>
+                <a:ea typeface="Courier"/>
+                <a:cs typeface="Courier"/>
+                <a:sym typeface="Courier"/>
+              </a:defRPr>
+            </a:pPr>
+            <a:r>
+              <a:rPr lang="en-US" sz="1600" b="1" dirty="0">
+                <a:solidFill>
+                  <a:srgbClr val="000080"/>
+                </a:solidFill>
+              </a:rPr>
+              <a:t>async function </a:t>
+            </a:r>
+            <a:r>
+              <a:rPr lang="en-US" sz="1600" dirty="0" err="1"/>
+              <a:t>makeThreeGetRequests</a:t>
+            </a:r>
+            <a:r>
+              <a:rPr lang="en-US" sz="1600" dirty="0"/>
+              <a:t>() {</a:t>
+            </a:r>
+            <a:br>
+              <a:rPr lang="en-US" sz="1600" dirty="0"/>
+            </a:br>
+            <a:r>
+              <a:rPr lang="en-US" sz="1600" dirty="0"/>
+              <a:t>  </a:t>
+            </a:r>
+            <a:r>
+              <a:rPr lang="en-US" sz="1600" b="1" dirty="0">
+                <a:solidFill>
+                  <a:srgbClr val="000080"/>
+                </a:solidFill>
+              </a:rPr>
+              <a:t>await </a:t>
+            </a:r>
+            <a:r>
+              <a:rPr lang="en-US" sz="1600" b="1" i="1" dirty="0" err="1">
+                <a:solidFill>
+                  <a:srgbClr val="660E7A"/>
+                </a:solidFill>
+              </a:rPr>
+              <a:t>Promise</a:t>
+            </a:r>
+            <a:r>
+              <a:rPr lang="en-US" sz="1600" dirty="0" err="1"/>
+              <a:t>.</a:t>
+            </a:r>
+            <a:r>
+              <a:rPr lang="en-US" sz="1600" dirty="0" err="1">
+                <a:solidFill>
+                  <a:srgbClr val="7A7A43"/>
+                </a:solidFill>
+              </a:rPr>
+              <a:t>all</a:t>
+            </a:r>
+            <a:r>
+              <a:rPr lang="en-US" sz="1600" dirty="0"/>
+              <a:t>([</a:t>
+            </a:r>
+            <a:br>
+              <a:rPr lang="en-US" sz="1600" dirty="0"/>
+            </a:br>
+            <a:r>
+              <a:rPr lang="en-US" sz="1600" dirty="0"/>
+              <a:t>    </a:t>
+            </a:r>
+            <a:r>
+              <a:rPr lang="en-US" sz="1600" dirty="0" err="1"/>
+              <a:t>makeOneGetRequest</a:t>
+            </a:r>
+            <a:r>
+              <a:rPr lang="en-US" sz="1600" dirty="0"/>
+              <a:t>(),</a:t>
+            </a:r>
+            <a:br>
+              <a:rPr lang="en-US" sz="1600" dirty="0"/>
+            </a:br>
+            <a:r>
+              <a:rPr lang="en-US" sz="1600" dirty="0"/>
+              <a:t>    </a:t>
+            </a:r>
+            <a:r>
+              <a:rPr lang="en-US" sz="1600" dirty="0" err="1"/>
+              <a:t>makeOneGetRequest</a:t>
+            </a:r>
+            <a:r>
+              <a:rPr lang="en-US" sz="1600" dirty="0"/>
+              <a:t>(),</a:t>
+            </a:r>
+            <a:br>
+              <a:rPr lang="en-US" sz="1600" dirty="0"/>
+            </a:br>
+            <a:r>
+              <a:rPr lang="en-US" sz="1600" dirty="0"/>
+              <a:t>    </a:t>
+            </a:r>
+            <a:r>
+              <a:rPr lang="en-US" sz="1600" dirty="0" err="1"/>
+              <a:t>makeOneGetRequest</a:t>
+            </a:r>
+            <a:r>
+              <a:rPr lang="en-US" sz="1600" dirty="0"/>
+              <a:t>(),</a:t>
+            </a:r>
+            <a:br>
+              <a:rPr lang="en-US" sz="1600" dirty="0"/>
+            </a:br>
+            <a:r>
+              <a:rPr lang="en-US" sz="1600" dirty="0"/>
+              <a:t>  ]);</a:t>
+            </a:r>
+            <a:br>
+              <a:rPr lang="en-US" sz="1600" dirty="0"/>
+            </a:br>
+            <a:r>
+              <a:rPr lang="en-US" sz="1600" dirty="0"/>
+              <a:t>  </a:t>
+            </a:r>
+            <a:r>
+              <a:rPr lang="en-US" sz="1600" b="1" i="1" dirty="0" err="1">
+                <a:solidFill>
+                  <a:srgbClr val="660E7A"/>
+                </a:solidFill>
+              </a:rPr>
+              <a:t>console</a:t>
+            </a:r>
+            <a:r>
+              <a:rPr lang="en-US" sz="1600" dirty="0" err="1"/>
+              <a:t>.</a:t>
+            </a:r>
+            <a:r>
+              <a:rPr lang="en-US" sz="1600" dirty="0" err="1">
+                <a:solidFill>
+                  <a:srgbClr val="7A7A43"/>
+                </a:solidFill>
+              </a:rPr>
+              <a:t>log</a:t>
+            </a:r>
+            <a:r>
+              <a:rPr lang="en-US" sz="1600" dirty="0"/>
+              <a:t>(</a:t>
+            </a:r>
+            <a:r>
+              <a:rPr lang="en-US" sz="1600" b="1" dirty="0">
+                <a:solidFill>
+                  <a:srgbClr val="008000"/>
+                </a:solidFill>
+              </a:rPr>
+              <a:t>'Heard back from all of the requests'</a:t>
+            </a:r>
+            <a:r>
+              <a:rPr lang="en-US" sz="1600" dirty="0"/>
+              <a:t>);</a:t>
+            </a:r>
+            <a:br>
+              <a:rPr lang="en-US" sz="1600" dirty="0"/>
+            </a:br>
+            <a:r>
+              <a:rPr lang="en-US" sz="1600" dirty="0"/>
+              <a:t>}</a:t>
+            </a:r>
+            <a:br>
+              <a:rPr lang="en-US" sz="1600" dirty="0"/>
+            </a:br>
+            <a:r>
+              <a:rPr lang="en-US" sz="1600" dirty="0" err="1"/>
+              <a:t>makeThreeGetRequests</a:t>
+            </a:r>
+            <a:r>
+              <a:rPr lang="en-US" sz="1600" dirty="0"/>
+              <a:t>();</a:t>
+            </a:r>
+            <a:endParaRPr lang="en-US" sz="1600" b="1" dirty="0">
+              <a:solidFill>
+                <a:srgbClr val="011480"/>
+              </a:solidFill>
+            </a:endParaRPr>
+          </a:p>
+        </p:txBody>
+      </p:sp>
+      <p:sp>
+        <p:nvSpPr>
+          <p:cNvPr id="252" name="Asynchronous Programming in JS/TS"/>
+          <p:cNvSpPr txBox="1">
+            <a:spLocks noGrp="1"/>
+          </p:cNvSpPr>
+          <p:nvPr>
+            <p:ph type="title"/>
+          </p:nvPr>
+        </p:nvSpPr>
+        <p:spPr>
+          <a:prstGeom prst="rect">
+            <a:avLst/>
+          </a:prstGeom>
+        </p:spPr>
+        <p:txBody>
+          <a:bodyPr>
+            <a:normAutofit/>
+          </a:bodyPr>
+          <a:lstStyle/>
+          <a:p>
+            <a:r>
+              <a:rPr lang="en-US" dirty="0" err="1"/>
+              <a:t>Promise.all</a:t>
+            </a:r>
+            <a:r>
+              <a:rPr lang="en-US" dirty="0"/>
+              <a:t> Allows for Concurrency</a:t>
+            </a:r>
+            <a:endParaRPr dirty="0"/>
+          </a:p>
+        </p:txBody>
+      </p:sp>
+      <p:sp>
+        <p:nvSpPr>
+          <p:cNvPr id="253" name="Promises"/>
+          <p:cNvSpPr txBox="1">
+            <a:spLocks noGrp="1"/>
+          </p:cNvSpPr>
+          <p:nvPr>
+            <p:ph type="body" idx="21"/>
+          </p:nvPr>
+        </p:nvSpPr>
+        <p:spPr>
+          <a:xfrm>
+            <a:off x="775480" y="1558850"/>
+            <a:ext cx="10985500" cy="467390"/>
+          </a:xfrm>
+          <a:prstGeom prst="rect">
+            <a:avLst/>
+          </a:prstGeom>
+          <a:extLst>
+            <a:ext uri="{C572A759-6A51-4108-AA02-DFA0A04FC94B}">
+              <ma14:wrappingTextBoxFlag xmlns:ma14="http://schemas.microsoft.com/office/mac/drawingml/2011/main" xmlns:a14="http://schemas.microsoft.com/office/drawing/2010/main" xmlns:m="http://schemas.openxmlformats.org/officeDocument/2006/math" xmlns="" val="1"/>
+            </a:ext>
+          </a:extLst>
+        </p:spPr>
+        <p:txBody>
+          <a:bodyPr>
+            <a:normAutofit fontScale="85000" lnSpcReduction="10000"/>
+          </a:bodyPr>
+          <a:lstStyle/>
+          <a:p>
+            <a:r>
+              <a:rPr lang="en-US" sz="1800" dirty="0">
+                <a:solidFill>
+                  <a:schemeClr val="bg2">
+                    <a:lumMod val="10000"/>
+                  </a:schemeClr>
+                </a:solidFill>
+                <a:latin typeface="Helvetica" pitchFamily="2" charset="0"/>
+              </a:rPr>
+              <a:t>Await each request prevents next request from running. </a:t>
+            </a:r>
+            <a:r>
+              <a:rPr lang="en-US" sz="1800" dirty="0" err="1">
+                <a:solidFill>
+                  <a:schemeClr val="bg2">
+                    <a:lumMod val="10000"/>
+                  </a:schemeClr>
+                </a:solidFill>
+                <a:latin typeface="Helvetica" pitchFamily="2" charset="0"/>
+              </a:rPr>
+              <a:t>Promise.all</a:t>
+            </a:r>
+            <a:r>
+              <a:rPr lang="en-US" sz="1800" dirty="0">
+                <a:solidFill>
+                  <a:schemeClr val="bg2">
+                    <a:lumMod val="10000"/>
+                  </a:schemeClr>
+                </a:solidFill>
+                <a:latin typeface="Helvetica" pitchFamily="2" charset="0"/>
+              </a:rPr>
+              <a:t> makes all 3 requests and waits for all responses.</a:t>
+            </a:r>
+            <a:endParaRPr lang="en-US" sz="1800" dirty="0">
+              <a:latin typeface="Courier" pitchFamily="2" charset="0"/>
+            </a:endParaRPr>
+          </a:p>
+        </p:txBody>
+      </p:sp>
+      <p:sp>
+        <p:nvSpPr>
+          <p:cNvPr id="4" name="TextBox 3">
+            <a:extLst>
+              <a:ext uri="{FF2B5EF4-FFF2-40B4-BE49-F238E27FC236}">
+                <a16:creationId xmlns:a16="http://schemas.microsoft.com/office/drawing/2014/main" id="{BCD6FF73-1CFA-4A4B-A672-FDDAEB3149A5}"/>
+              </a:ext>
+            </a:extLst>
+          </p:cNvPr>
+          <p:cNvSpPr txBox="1"/>
+          <p:nvPr/>
+        </p:nvSpPr>
+        <p:spPr>
+          <a:xfrm>
+            <a:off x="1390610" y="3820223"/>
+            <a:ext cx="102657" cy="471924"/>
+          </a:xfrm>
+          <a:prstGeom prst="rect">
+            <a:avLst/>
+          </a:prstGeom>
+          <a:noFill/>
+          <a:ln w="12700" cap="flat">
+            <a:noFill/>
+            <a:miter lim="400000"/>
+          </a:ln>
+          <a:effectLst/>
+          <a:sp3d/>
+        </p:spPr>
+        <p:style>
+          <a:lnRef idx="0">
+            <a:scrgbClr r="0" g="0" b="0"/>
+          </a:lnRef>
+          <a:fillRef idx="0">
+            <a:scrgbClr r="0" g="0" b="0"/>
+          </a:fillRef>
+          <a:effectRef idx="0">
+            <a:scrgbClr r="0" g="0" b="0"/>
+          </a:effectRef>
+          <a:fontRef idx="none"/>
+        </p:style>
+        <p:txBody>
+          <a:bodyPr rot="0" spcFirstLastPara="1" vertOverflow="overflow" horzOverflow="overflow" vert="horz" wrap="none" lIns="50800" tIns="50800" rIns="50800" bIns="50800" numCol="1" spcCol="38100" rtlCol="0" anchor="ctr">
+            <a:spAutoFit/>
+          </a:bodyPr>
+          <a:lstStyle/>
+          <a:p>
+            <a:pPr marL="0" marR="0" indent="0" algn="ctr" defTabSz="2438338" rtl="0" fontAlgn="auto" latinLnBrk="0" hangingPunct="0">
+              <a:lnSpc>
+                <a:spcPct val="100000"/>
+              </a:lnSpc>
+              <a:spcBef>
+                <a:spcPts val="0"/>
+              </a:spcBef>
+              <a:spcAft>
+                <a:spcPts val="0"/>
+              </a:spcAft>
+              <a:buClrTx/>
+              <a:buSzTx/>
+              <a:buFontTx/>
+              <a:buNone/>
+              <a:tabLst/>
+            </a:pPr>
+            <a:endParaRPr kumimoji="0" lang="en-US" sz="2400" b="0" i="0" u="none" strike="noStrike" cap="none" spc="0" normalizeH="0" baseline="0" dirty="0">
+              <a:ln>
+                <a:noFill/>
+              </a:ln>
+              <a:solidFill>
+                <a:srgbClr val="5E5E5E"/>
+              </a:solidFill>
+              <a:effectLst/>
+              <a:uFillTx/>
+              <a:latin typeface="+mn-lt"/>
+              <a:ea typeface="+mn-ea"/>
+              <a:cs typeface="+mn-cs"/>
+              <a:sym typeface="Helvetica Neue"/>
+            </a:endParaRPr>
+          </a:p>
+        </p:txBody>
+      </p:sp>
+      <p:grpSp>
+        <p:nvGrpSpPr>
+          <p:cNvPr id="10" name="Group">
+            <a:extLst>
+              <a:ext uri="{FF2B5EF4-FFF2-40B4-BE49-F238E27FC236}">
+                <a16:creationId xmlns:a16="http://schemas.microsoft.com/office/drawing/2014/main" id="{9F14DF67-DA5B-8740-A5EF-E2DE0FBE1BAA}"/>
+              </a:ext>
+            </a:extLst>
+          </p:cNvPr>
+          <p:cNvGrpSpPr/>
+          <p:nvPr/>
+        </p:nvGrpSpPr>
+        <p:grpSpPr>
+          <a:xfrm>
+            <a:off x="6222582" y="5267871"/>
+            <a:ext cx="5637500" cy="633088"/>
+            <a:chOff x="494837" y="452437"/>
+            <a:chExt cx="1998928" cy="3633363"/>
+          </a:xfrm>
+        </p:grpSpPr>
+        <p:sp>
+          <p:nvSpPr>
+            <p:cNvPr id="11" name="Making a request to rest-example…">
+              <a:extLst>
+                <a:ext uri="{FF2B5EF4-FFF2-40B4-BE49-F238E27FC236}">
+                  <a16:creationId xmlns:a16="http://schemas.microsoft.com/office/drawing/2014/main" id="{9FE548CE-971E-7447-ADF5-39CC44283CD4}"/>
+                </a:ext>
+              </a:extLst>
+            </p:cNvPr>
+            <p:cNvSpPr/>
+            <p:nvPr/>
+          </p:nvSpPr>
+          <p:spPr>
+            <a:xfrm>
+              <a:off x="494837" y="2815799"/>
+              <a:ext cx="1270001" cy="1270001"/>
+            </a:xfrm>
+            <a:prstGeom prst="line">
+              <a:avLst/>
+            </a:prstGeom>
+            <a:noFill/>
+            <a:ln w="12700" cap="flat">
+              <a:noFill/>
+              <a:miter lim="400000"/>
+            </a:ln>
+            <a:effectLst/>
+            <a:extLst>
+              <a:ext uri="{C572A759-6A51-4108-AA02-DFA0A04FC94B}">
+                <ma14:wrappingTextBoxFlag xmlns:ma14="http://schemas.microsoft.com/office/mac/drawingml/2011/main" xmlns:a14="http://schemas.microsoft.com/office/drawing/2010/main" xmlns:m="http://schemas.openxmlformats.org/officeDocument/2006/math" xmlns="" val="1"/>
+              </a:ext>
+            </a:extLst>
+          </p:spPr>
+          <p:txBody>
+            <a:bodyPr wrap="none" lIns="35719" tIns="35719" rIns="35719" bIns="35719" numCol="1" anchor="ctr">
+              <a:spAutoFit/>
+            </a:bodyPr>
+            <a:lstStyle/>
+            <a:p>
+              <a:pPr algn="l" defTabSz="410766">
+                <a:defRPr sz="3400">
+                  <a:solidFill>
+                    <a:srgbClr val="000000"/>
+                  </a:solidFill>
+                  <a:latin typeface="Menlo Regular"/>
+                  <a:ea typeface="Menlo Regular"/>
+                  <a:cs typeface="Menlo Regular"/>
+                  <a:sym typeface="Menlo Regular"/>
+                </a:defRPr>
+              </a:pPr>
+              <a:r>
+                <a:rPr lang="en-US" sz="1800" b="1" dirty="0">
+                  <a:latin typeface="Calibri" panose="020F0502020204030204" pitchFamily="34" charset="0"/>
+                  <a:cs typeface="Calibri" panose="020F0502020204030204" pitchFamily="34" charset="0"/>
+                </a:rPr>
+                <a:t>Output:</a:t>
+              </a:r>
+            </a:p>
+            <a:p>
+              <a:pPr algn="l" defTabSz="410766">
+                <a:defRPr sz="3400">
+                  <a:solidFill>
+                    <a:srgbClr val="000000"/>
+                  </a:solidFill>
+                  <a:latin typeface="Menlo Regular"/>
+                  <a:ea typeface="Menlo Regular"/>
+                  <a:cs typeface="Menlo Regular"/>
+                  <a:sym typeface="Menlo Regular"/>
+                </a:defRPr>
+              </a:pPr>
+              <a:r>
+                <a:rPr lang="en-US" sz="1400" dirty="0"/>
+                <a:t>This is GET number 4 on the current server</a:t>
+              </a:r>
+            </a:p>
+            <a:p>
+              <a:pPr algn="l" defTabSz="410766">
+                <a:defRPr sz="3400">
+                  <a:solidFill>
+                    <a:srgbClr val="000000"/>
+                  </a:solidFill>
+                  <a:latin typeface="Menlo Regular"/>
+                  <a:ea typeface="Menlo Regular"/>
+                  <a:cs typeface="Menlo Regular"/>
+                  <a:sym typeface="Menlo Regular"/>
+                </a:defRPr>
+              </a:pPr>
+              <a:r>
+                <a:rPr lang="en-US" sz="1400" dirty="0"/>
+                <a:t>This is GET number 2 on the current server</a:t>
+              </a:r>
+            </a:p>
+            <a:p>
+              <a:pPr algn="l" defTabSz="410766">
+                <a:defRPr sz="3400">
+                  <a:solidFill>
+                    <a:srgbClr val="000000"/>
+                  </a:solidFill>
+                  <a:latin typeface="Menlo Regular"/>
+                  <a:ea typeface="Menlo Regular"/>
+                  <a:cs typeface="Menlo Regular"/>
+                  <a:sym typeface="Menlo Regular"/>
+                </a:defRPr>
+              </a:pPr>
+              <a:r>
+                <a:rPr lang="en-US" sz="1400" dirty="0"/>
+                <a:t>This is GET number 3 on the current server</a:t>
+              </a:r>
+              <a:br>
+                <a:rPr lang="en-US" sz="1400" dirty="0"/>
+              </a:br>
+              <a:r>
+                <a:rPr lang="en-US" sz="1400" dirty="0"/>
+                <a:t>Heard back from all of the requests</a:t>
+              </a:r>
+            </a:p>
+          </p:txBody>
+        </p:sp>
+        <p:sp>
+          <p:nvSpPr>
+            <p:cNvPr id="12" name="Output:">
+              <a:extLst>
+                <a:ext uri="{FF2B5EF4-FFF2-40B4-BE49-F238E27FC236}">
+                  <a16:creationId xmlns:a16="http://schemas.microsoft.com/office/drawing/2014/main" id="{A25D30E2-AC25-CD48-92B9-F37DE6275131}"/>
+                </a:ext>
+              </a:extLst>
+            </p:cNvPr>
+            <p:cNvSpPr/>
+            <p:nvPr/>
+          </p:nvSpPr>
+          <p:spPr>
+            <a:xfrm>
+              <a:off x="1223764" y="452437"/>
+              <a:ext cx="1270001" cy="1270001"/>
+            </a:xfrm>
+            <a:prstGeom prst="line">
+              <a:avLst/>
+            </a:prstGeom>
+            <a:noFill/>
+            <a:ln w="12700" cap="flat">
+              <a:noFill/>
+              <a:miter lim="400000"/>
+            </a:ln>
+            <a:effectLst/>
+            <a:extLst>
+              <a:ext uri="{C572A759-6A51-4108-AA02-DFA0A04FC94B}">
+                <ma14:wrappingTextBoxFlag xmlns:ma14="http://schemas.microsoft.com/office/mac/drawingml/2011/main" xmlns:a14="http://schemas.microsoft.com/office/drawing/2010/main" xmlns:m="http://schemas.openxmlformats.org/officeDocument/2006/math" xmlns="" val="1"/>
+              </a:ext>
+            </a:extLst>
+          </p:spPr>
+          <p:txBody>
+            <a:bodyPr wrap="none" lIns="35719" tIns="35719" rIns="35719" bIns="35719" numCol="1" anchor="ctr">
+              <a:spAutoFit/>
+            </a:bodyPr>
+            <a:lstStyle>
+              <a:lvl1pPr defTabSz="821531">
+                <a:defRPr sz="5000" b="1">
+                  <a:solidFill>
+                    <a:srgbClr val="000000"/>
+                  </a:solidFill>
+                  <a:latin typeface="Helvetica"/>
+                  <a:ea typeface="Helvetica"/>
+                  <a:cs typeface="Helvetica"/>
+                  <a:sym typeface="Helvetica"/>
+                </a:defRPr>
+              </a:lvl1pPr>
+            </a:lstStyle>
+            <a:p>
+              <a:endParaRPr sz="2000" dirty="0"/>
+            </a:p>
+          </p:txBody>
+        </p:sp>
+      </p:grpSp>
+      <p:sp>
+        <p:nvSpPr>
+          <p:cNvPr id="9" name="async function axiosAwaitExample() {…">
+            <a:extLst>
+              <a:ext uri="{FF2B5EF4-FFF2-40B4-BE49-F238E27FC236}">
+                <a16:creationId xmlns:a16="http://schemas.microsoft.com/office/drawing/2014/main" id="{BF06CFD2-3F9E-3C47-9B0D-43ECB8EF28A4}"/>
+              </a:ext>
+            </a:extLst>
+          </p:cNvPr>
+          <p:cNvSpPr txBox="1"/>
+          <p:nvPr/>
+        </p:nvSpPr>
+        <p:spPr>
+          <a:xfrm>
+            <a:off x="248415" y="2684853"/>
+            <a:ext cx="5067199" cy="2021066"/>
+          </a:xfrm>
+          <a:prstGeom prst="rect">
+            <a:avLst/>
+          </a:prstGeom>
+          <a:ln w="25400">
+            <a:solidFill>
+              <a:srgbClr val="000000"/>
+            </a:solidFill>
+            <a:miter lim="400000"/>
+          </a:ln>
+          <a:extLst>
+            <a:ext uri="{C572A759-6A51-4108-AA02-DFA0A04FC94B}">
+              <ma14:wrappingTextBoxFlag xmlns="" xmlns:m="http://schemas.openxmlformats.org/officeDocument/2006/math" xmlns:a14="http://schemas.microsoft.com/office/drawing/2010/main" xmlns:ma14="http://schemas.microsoft.com/office/mac/drawingml/2011/main" val="1"/>
+            </a:ext>
+          </a:extLst>
+        </p:spPr>
+        <p:txBody>
+          <a:bodyPr wrap="square" lIns="25400" tIns="25400" rIns="25400" bIns="25400" anchor="ctr">
+            <a:spAutoFit/>
+          </a:bodyPr>
+          <a:lstStyle/>
+          <a:p>
+            <a:pPr algn="l" defTabSz="228600">
+              <a:defRPr sz="2000">
+                <a:solidFill>
+                  <a:srgbClr val="000000"/>
+                </a:solidFill>
+                <a:latin typeface="Courier"/>
+                <a:ea typeface="Courier"/>
+                <a:cs typeface="Courier"/>
+                <a:sym typeface="Courier"/>
+              </a:defRPr>
+            </a:pPr>
+            <a:r>
+              <a:rPr lang="en-US" sz="1600" b="1" dirty="0">
+                <a:solidFill>
+                  <a:srgbClr val="000080"/>
+                </a:solidFill>
+              </a:rPr>
+              <a:t>async function </a:t>
+            </a:r>
+            <a:r>
+              <a:rPr lang="en-US" sz="1600" dirty="0" err="1"/>
+              <a:t>makeThreeSerialRequests</a:t>
+            </a:r>
+            <a:r>
+              <a:rPr lang="en-US" sz="1600" dirty="0"/>
+              <a:t>(): Promise&lt;</a:t>
+            </a:r>
+            <a:r>
+              <a:rPr lang="en-US" sz="1600" b="1" dirty="0">
+                <a:solidFill>
+                  <a:srgbClr val="000080"/>
+                </a:solidFill>
+              </a:rPr>
+              <a:t>void</a:t>
+            </a:r>
+            <a:r>
+              <a:rPr lang="en-US" sz="1600" dirty="0"/>
+              <a:t>&gt; {</a:t>
+            </a:r>
+            <a:br>
+              <a:rPr lang="en-US" sz="1600" dirty="0"/>
+            </a:br>
+            <a:r>
+              <a:rPr lang="en-US" sz="1600" dirty="0"/>
+              <a:t>  </a:t>
+            </a:r>
+            <a:r>
+              <a:rPr lang="en-US" sz="1600" b="1" dirty="0">
+                <a:solidFill>
+                  <a:srgbClr val="000080"/>
+                </a:solidFill>
+              </a:rPr>
+              <a:t>await </a:t>
+            </a:r>
+            <a:r>
+              <a:rPr lang="en-US" sz="1600" dirty="0" err="1"/>
+              <a:t>makeOneGetRequest</a:t>
+            </a:r>
+            <a:r>
+              <a:rPr lang="en-US" sz="1600" dirty="0"/>
+              <a:t>();</a:t>
+            </a:r>
+            <a:br>
+              <a:rPr lang="en-US" sz="1600" dirty="0"/>
+            </a:br>
+            <a:r>
+              <a:rPr lang="en-US" sz="1600" dirty="0"/>
+              <a:t>  </a:t>
+            </a:r>
+            <a:r>
+              <a:rPr lang="en-US" sz="1600" b="1" dirty="0">
+                <a:solidFill>
+                  <a:srgbClr val="000080"/>
+                </a:solidFill>
+              </a:rPr>
+              <a:t>await </a:t>
+            </a:r>
+            <a:r>
+              <a:rPr lang="en-US" sz="1600" dirty="0" err="1"/>
+              <a:t>makeOneGetRequest</a:t>
+            </a:r>
+            <a:r>
+              <a:rPr lang="en-US" sz="1600" dirty="0"/>
+              <a:t>();</a:t>
+            </a:r>
+            <a:br>
+              <a:rPr lang="en-US" sz="1600" dirty="0"/>
+            </a:br>
+            <a:r>
+              <a:rPr lang="en-US" sz="1600" dirty="0"/>
+              <a:t>  </a:t>
+            </a:r>
+            <a:r>
+              <a:rPr lang="en-US" sz="1600" b="1" dirty="0">
+                <a:solidFill>
+                  <a:srgbClr val="000080"/>
+                </a:solidFill>
+              </a:rPr>
+              <a:t>await </a:t>
+            </a:r>
+            <a:r>
+              <a:rPr lang="en-US" sz="1600" dirty="0" err="1"/>
+              <a:t>makeOneGetRequest</a:t>
+            </a:r>
+            <a:r>
+              <a:rPr lang="en-US" sz="1600" dirty="0"/>
+              <a:t>();</a:t>
+            </a:r>
+            <a:br>
+              <a:rPr lang="en-US" sz="1600" dirty="0"/>
+            </a:br>
+            <a:r>
+              <a:rPr lang="en-US" sz="1600" dirty="0"/>
+              <a:t>}</a:t>
+            </a:r>
+            <a:br>
+              <a:rPr lang="en-US" sz="1600" dirty="0"/>
+            </a:br>
+            <a:br>
+              <a:rPr lang="en-US" sz="1600" dirty="0"/>
+            </a:br>
+            <a:r>
+              <a:rPr lang="en-US" sz="1600" dirty="0" err="1"/>
+              <a:t>makeThreeSerialRequests</a:t>
+            </a:r>
+            <a:r>
+              <a:rPr lang="en-US" sz="1600" dirty="0"/>
+              <a:t>();</a:t>
+            </a:r>
+            <a:endParaRPr lang="en-US" sz="1600" b="1" dirty="0">
+              <a:solidFill>
+                <a:srgbClr val="011480"/>
+              </a:solidFill>
+            </a:endParaRPr>
+          </a:p>
+        </p:txBody>
+      </p:sp>
+      <p:grpSp>
+        <p:nvGrpSpPr>
+          <p:cNvPr id="13" name="Group">
+            <a:extLst>
+              <a:ext uri="{FF2B5EF4-FFF2-40B4-BE49-F238E27FC236}">
+                <a16:creationId xmlns:a16="http://schemas.microsoft.com/office/drawing/2014/main" id="{4E0B60BA-BB69-6A40-92AC-46CB4E1660C8}"/>
+              </a:ext>
+            </a:extLst>
+          </p:cNvPr>
+          <p:cNvGrpSpPr/>
+          <p:nvPr/>
+        </p:nvGrpSpPr>
+        <p:grpSpPr>
+          <a:xfrm>
+            <a:off x="331918" y="4070201"/>
+            <a:ext cx="6718872" cy="2537379"/>
+            <a:chOff x="494837" y="452437"/>
+            <a:chExt cx="1998928" cy="3633363"/>
+          </a:xfrm>
+        </p:grpSpPr>
+        <p:sp>
+          <p:nvSpPr>
+            <p:cNvPr id="14" name="Making a request to rest-example…">
+              <a:extLst>
+                <a:ext uri="{FF2B5EF4-FFF2-40B4-BE49-F238E27FC236}">
+                  <a16:creationId xmlns:a16="http://schemas.microsoft.com/office/drawing/2014/main" id="{09736555-341B-4243-8065-B87CF9C0AD9A}"/>
+                </a:ext>
+              </a:extLst>
+            </p:cNvPr>
+            <p:cNvSpPr/>
+            <p:nvPr/>
+          </p:nvSpPr>
+          <p:spPr>
+            <a:xfrm>
+              <a:off x="494837" y="2815799"/>
+              <a:ext cx="1270001" cy="1270001"/>
+            </a:xfrm>
+            <a:prstGeom prst="line">
+              <a:avLst/>
+            </a:prstGeom>
+            <a:noFill/>
+            <a:ln w="12700" cap="flat">
+              <a:noFill/>
+              <a:miter lim="400000"/>
+            </a:ln>
+            <a:effectLst/>
+            <a:extLst>
+              <a:ext uri="{C572A759-6A51-4108-AA02-DFA0A04FC94B}">
+                <ma14:wrappingTextBoxFlag xmlns:ma14="http://schemas.microsoft.com/office/mac/drawingml/2011/main" xmlns:a14="http://schemas.microsoft.com/office/drawing/2010/main" xmlns:m="http://schemas.openxmlformats.org/officeDocument/2006/math" xmlns="" val="1"/>
+              </a:ext>
+            </a:extLst>
+          </p:spPr>
+          <p:txBody>
+            <a:bodyPr wrap="none" lIns="35719" tIns="35719" rIns="35719" bIns="35719" numCol="1" anchor="ctr">
+              <a:spAutoFit/>
+            </a:bodyPr>
+            <a:lstStyle/>
+            <a:p>
+              <a:pPr algn="l" defTabSz="410766">
+                <a:defRPr sz="3400">
+                  <a:solidFill>
+                    <a:srgbClr val="000000"/>
+                  </a:solidFill>
+                  <a:latin typeface="Menlo Regular"/>
+                  <a:ea typeface="Menlo Regular"/>
+                  <a:cs typeface="Menlo Regular"/>
+                  <a:sym typeface="Menlo Regular"/>
+                </a:defRPr>
+              </a:pPr>
+              <a:r>
+                <a:rPr lang="en-US" sz="1800" b="1" dirty="0">
+                  <a:latin typeface="Calibri" panose="020F0502020204030204" pitchFamily="34" charset="0"/>
+                  <a:cs typeface="Calibri" panose="020F0502020204030204" pitchFamily="34" charset="0"/>
+                </a:rPr>
+                <a:t>Output:</a:t>
+              </a:r>
+            </a:p>
+            <a:p>
+              <a:pPr algn="l" defTabSz="410766">
+                <a:defRPr sz="3400">
+                  <a:solidFill>
+                    <a:srgbClr val="000000"/>
+                  </a:solidFill>
+                  <a:latin typeface="Menlo Regular"/>
+                  <a:ea typeface="Menlo Regular"/>
+                  <a:cs typeface="Menlo Regular"/>
+                  <a:sym typeface="Menlo Regular"/>
+                </a:defRPr>
+              </a:pPr>
+              <a:r>
+                <a:rPr lang="en-US" sz="1400" dirty="0"/>
+                <a:t>Heard back from server</a:t>
+              </a:r>
+            </a:p>
+            <a:p>
+              <a:pPr algn="l" defTabSz="410766">
+                <a:defRPr sz="3400">
+                  <a:solidFill>
+                    <a:srgbClr val="000000"/>
+                  </a:solidFill>
+                  <a:latin typeface="Menlo Regular"/>
+                  <a:ea typeface="Menlo Regular"/>
+                  <a:cs typeface="Menlo Regular"/>
+                  <a:sym typeface="Menlo Regular"/>
+                </a:defRPr>
+              </a:pPr>
+              <a:r>
+                <a:rPr lang="en-US" sz="1400" dirty="0"/>
+                <a:t>This is GET number 2 on the current server</a:t>
+              </a:r>
+            </a:p>
+            <a:p>
+              <a:pPr algn="l" defTabSz="410766">
+                <a:defRPr sz="3400">
+                  <a:solidFill>
+                    <a:srgbClr val="000000"/>
+                  </a:solidFill>
+                  <a:latin typeface="Menlo Regular"/>
+                  <a:ea typeface="Menlo Regular"/>
+                  <a:cs typeface="Menlo Regular"/>
+                  <a:sym typeface="Menlo Regular"/>
+                </a:defRPr>
+              </a:pPr>
+              <a:r>
+                <a:rPr lang="en-US" sz="1400" dirty="0"/>
+                <a:t>Making Request</a:t>
+              </a:r>
+            </a:p>
+            <a:p>
+              <a:pPr algn="l" defTabSz="410766">
+                <a:defRPr sz="3400">
+                  <a:solidFill>
+                    <a:srgbClr val="000000"/>
+                  </a:solidFill>
+                  <a:latin typeface="Menlo Regular"/>
+                  <a:ea typeface="Menlo Regular"/>
+                  <a:cs typeface="Menlo Regular"/>
+                  <a:sym typeface="Menlo Regular"/>
+                </a:defRPr>
+              </a:pPr>
+              <a:r>
+                <a:rPr lang="en-US" sz="1400" dirty="0"/>
+                <a:t>Heard back from server</a:t>
+              </a:r>
+            </a:p>
+            <a:p>
+              <a:pPr algn="l" defTabSz="410766">
+                <a:defRPr sz="3400">
+                  <a:solidFill>
+                    <a:srgbClr val="000000"/>
+                  </a:solidFill>
+                  <a:latin typeface="Menlo Regular"/>
+                  <a:ea typeface="Menlo Regular"/>
+                  <a:cs typeface="Menlo Regular"/>
+                  <a:sym typeface="Menlo Regular"/>
+                </a:defRPr>
+              </a:pPr>
+              <a:r>
+                <a:rPr lang="en-US" sz="1400" dirty="0"/>
+                <a:t>This is GET number 3 on the current server</a:t>
+              </a:r>
+            </a:p>
+            <a:p>
+              <a:pPr algn="l" defTabSz="410766">
+                <a:defRPr sz="3400">
+                  <a:solidFill>
+                    <a:srgbClr val="000000"/>
+                  </a:solidFill>
+                  <a:latin typeface="Menlo Regular"/>
+                  <a:ea typeface="Menlo Regular"/>
+                  <a:cs typeface="Menlo Regular"/>
+                  <a:sym typeface="Menlo Regular"/>
+                </a:defRPr>
+              </a:pPr>
+              <a:r>
+                <a:rPr lang="en-US" sz="1400" dirty="0"/>
+                <a:t>Making Request</a:t>
+              </a:r>
+            </a:p>
+            <a:p>
+              <a:pPr algn="l" defTabSz="410766">
+                <a:defRPr sz="3400">
+                  <a:solidFill>
+                    <a:srgbClr val="000000"/>
+                  </a:solidFill>
+                  <a:latin typeface="Menlo Regular"/>
+                  <a:ea typeface="Menlo Regular"/>
+                  <a:cs typeface="Menlo Regular"/>
+                  <a:sym typeface="Menlo Regular"/>
+                </a:defRPr>
+              </a:pPr>
+              <a:r>
+                <a:rPr lang="en-US" sz="1400" dirty="0"/>
+                <a:t>Heard back from server</a:t>
+              </a:r>
+            </a:p>
+            <a:p>
+              <a:pPr algn="l" defTabSz="410766">
+                <a:defRPr sz="3400">
+                  <a:solidFill>
+                    <a:srgbClr val="000000"/>
+                  </a:solidFill>
+                  <a:latin typeface="Menlo Regular"/>
+                  <a:ea typeface="Menlo Regular"/>
+                  <a:cs typeface="Menlo Regular"/>
+                  <a:sym typeface="Menlo Regular"/>
+                </a:defRPr>
+              </a:pPr>
+              <a:r>
+                <a:rPr lang="en-US" sz="1400" dirty="0"/>
+                <a:t>This is GET number 4 on the current server</a:t>
+              </a:r>
+            </a:p>
+          </p:txBody>
+        </p:sp>
+        <p:sp>
+          <p:nvSpPr>
+            <p:cNvPr id="15" name="Output:">
+              <a:extLst>
+                <a:ext uri="{FF2B5EF4-FFF2-40B4-BE49-F238E27FC236}">
+                  <a16:creationId xmlns:a16="http://schemas.microsoft.com/office/drawing/2014/main" id="{F4AB2906-E102-F44E-9AAA-672CFEA96DE1}"/>
+                </a:ext>
+              </a:extLst>
+            </p:cNvPr>
+            <p:cNvSpPr/>
+            <p:nvPr/>
+          </p:nvSpPr>
+          <p:spPr>
+            <a:xfrm>
+              <a:off x="1223764" y="452437"/>
+              <a:ext cx="1270001" cy="1270001"/>
+            </a:xfrm>
+            <a:prstGeom prst="line">
+              <a:avLst/>
+            </a:prstGeom>
+            <a:noFill/>
+            <a:ln w="12700" cap="flat">
+              <a:noFill/>
+              <a:miter lim="400000"/>
+            </a:ln>
+            <a:effectLst/>
+            <a:extLst>
+              <a:ext uri="{C572A759-6A51-4108-AA02-DFA0A04FC94B}">
+                <ma14:wrappingTextBoxFlag xmlns:ma14="http://schemas.microsoft.com/office/mac/drawingml/2011/main" xmlns:a14="http://schemas.microsoft.com/office/drawing/2010/main" xmlns:m="http://schemas.openxmlformats.org/officeDocument/2006/math" xmlns="" val="1"/>
+              </a:ext>
+            </a:extLst>
+          </p:spPr>
+          <p:txBody>
+            <a:bodyPr wrap="none" lIns="35719" tIns="35719" rIns="35719" bIns="35719" numCol="1" anchor="ctr">
+              <a:spAutoFit/>
+            </a:bodyPr>
+            <a:lstStyle>
+              <a:lvl1pPr defTabSz="821531">
+                <a:defRPr sz="5000" b="1">
+                  <a:solidFill>
+                    <a:srgbClr val="000000"/>
+                  </a:solidFill>
+                  <a:latin typeface="Helvetica"/>
+                  <a:ea typeface="Helvetica"/>
+                  <a:cs typeface="Helvetica"/>
+                  <a:sym typeface="Helvetica"/>
+                </a:defRPr>
+              </a:lvl1pPr>
+            </a:lstStyle>
+            <a:p>
+              <a:endParaRPr sz="2000" dirty="0"/>
+            </a:p>
+          </p:txBody>
+        </p:sp>
+      </p:grpSp>
+      <p:sp>
+        <p:nvSpPr>
+          <p:cNvPr id="18" name="TextBox 17">
+            <a:extLst>
+              <a:ext uri="{FF2B5EF4-FFF2-40B4-BE49-F238E27FC236}">
+                <a16:creationId xmlns:a16="http://schemas.microsoft.com/office/drawing/2014/main" id="{1002E598-970F-DA4F-9E4B-CDA40E328AC9}"/>
+              </a:ext>
+            </a:extLst>
+          </p:cNvPr>
+          <p:cNvSpPr txBox="1"/>
+          <p:nvPr/>
+        </p:nvSpPr>
+        <p:spPr>
+          <a:xfrm>
+            <a:off x="472875" y="2239935"/>
+            <a:ext cx="4618277" cy="400110"/>
+          </a:xfrm>
+          <a:prstGeom prst="rect">
+            <a:avLst/>
+          </a:prstGeom>
+          <a:noFill/>
+          <a:ln w="12700" cap="flat">
+            <a:noFill/>
+            <a:miter lim="400000"/>
+          </a:ln>
+          <a:effectLst/>
+          <a:sp3d/>
+        </p:spPr>
+        <p:style>
+          <a:lnRef idx="0">
+            <a:scrgbClr r="0" g="0" b="0"/>
+          </a:lnRef>
+          <a:fillRef idx="0">
+            <a:scrgbClr r="0" g="0" b="0"/>
+          </a:fillRef>
+          <a:effectRef idx="0">
+            <a:scrgbClr r="0" g="0" b="0"/>
+          </a:effectRef>
+          <a:fontRef idx="none"/>
+        </p:style>
+        <p:txBody>
+          <a:bodyPr wrap="square">
+            <a:spAutoFit/>
+          </a:bodyPr>
+          <a:lstStyle/>
+          <a:p>
+            <a:r>
+              <a:rPr lang="en-US" sz="2000" b="1" dirty="0">
+                <a:solidFill>
+                  <a:schemeClr val="bg2">
+                    <a:lumMod val="10000"/>
+                  </a:schemeClr>
+                </a:solidFill>
+              </a:rPr>
+              <a:t>Sequential version: ~200msec</a:t>
+            </a:r>
+          </a:p>
+        </p:txBody>
+      </p:sp>
+      <p:sp>
+        <p:nvSpPr>
+          <p:cNvPr id="19" name="TextBox 18">
+            <a:extLst>
+              <a:ext uri="{FF2B5EF4-FFF2-40B4-BE49-F238E27FC236}">
+                <a16:creationId xmlns:a16="http://schemas.microsoft.com/office/drawing/2014/main" id="{C282803E-0A89-3A4A-8801-831B206F649F}"/>
+              </a:ext>
+            </a:extLst>
+          </p:cNvPr>
+          <p:cNvSpPr txBox="1"/>
+          <p:nvPr/>
+        </p:nvSpPr>
+        <p:spPr>
+          <a:xfrm>
+            <a:off x="6768981" y="2309000"/>
+            <a:ext cx="4618277" cy="400110"/>
+          </a:xfrm>
+          <a:prstGeom prst="rect">
+            <a:avLst/>
+          </a:prstGeom>
+          <a:noFill/>
+          <a:ln w="12700" cap="flat">
+            <a:noFill/>
+            <a:miter lim="400000"/>
+          </a:ln>
+          <a:effectLst/>
+          <a:sp3d/>
+        </p:spPr>
+        <p:style>
+          <a:lnRef idx="0">
+            <a:scrgbClr r="0" g="0" b="0"/>
+          </a:lnRef>
+          <a:fillRef idx="0">
+            <a:scrgbClr r="0" g="0" b="0"/>
+          </a:fillRef>
+          <a:effectRef idx="0">
+            <a:scrgbClr r="0" g="0" b="0"/>
+          </a:effectRef>
+          <a:fontRef idx="none"/>
+        </p:style>
+        <p:txBody>
+          <a:bodyPr wrap="square">
+            <a:spAutoFit/>
+          </a:bodyPr>
+          <a:lstStyle/>
+          <a:p>
+            <a:r>
+              <a:rPr lang="en-US" sz="2000" b="1" dirty="0">
+                <a:solidFill>
+                  <a:schemeClr val="bg2">
+                    <a:lumMod val="10000"/>
+                  </a:schemeClr>
+                </a:solidFill>
+              </a:rPr>
+              <a:t>Concurrent version: ~70msec</a:t>
+            </a:r>
+          </a:p>
+        </p:txBody>
+      </p:sp>
+    </p:spTree>
+    <p:extLst>
+      <p:ext uri="{BB962C8B-B14F-4D97-AF65-F5344CB8AC3E}">
+        <p14:creationId xmlns:p14="http://schemas.microsoft.com/office/powerpoint/2010/main" val="3824388766"/>
+      </p:ext>
+    </p:extLst>
+  </p:cSld>
+  <p:clrMapOvr>
+    <a:masterClrMapping/>
+  </p:clrMapOvr>
+  <mc:AlternateContent xmlns:mc="http://schemas.openxmlformats.org/markup-compatibility/2006">
+    <mc:Choice xmlns:p14="http://schemas.microsoft.com/office/powerpoint/2010/main" Requires="p14">
+      <p:transition p14:dur="0"/>
+    </mc:Choice>
+    <mc:Fallback>
+      <p:transition/>
+    </mc:Fallback>
+  </mc:AlternateContent>
+</p:sld>
+</file>
+
+<file path=ppt/slides/slide15.xml><?xml version="1.0" encoding="utf-8"?>
 <p:sld xmlns:a="http://schemas.openxmlformats.org/drawingml/2006/main" xmlns:r="http://schemas.openxmlformats.org/officeDocument/2006/relationships" xmlns:p="http://schemas.openxmlformats.org/presentationml/2006/main">
   <p:cSld>
     <p:spTree>
@@ -18289,7 +20090,7 @@
 </p:sld>
 </file>
 
-<file path=ppt/slides/slide14.xml><?xml version="1.0" encoding="utf-8"?>
+<file path=ppt/slides/slide16.xml><?xml version="1.0" encoding="utf-8"?>
 <p:sld xmlns:a="http://schemas.openxmlformats.org/drawingml/2006/main" xmlns:r="http://schemas.openxmlformats.org/officeDocument/2006/relationships" xmlns:p="http://schemas.openxmlformats.org/presentationml/2006/main">
   <p:cSld>
     <p:spTree>
@@ -19868,7 +21669,7 @@
 </p:sld>
 </file>
 
-<file path=ppt/slides/slide15.xml><?xml version="1.0" encoding="utf-8"?>
+<file path=ppt/slides/slide17.xml><?xml version="1.0" encoding="utf-8"?>
 <p:sld xmlns:a="http://schemas.openxmlformats.org/drawingml/2006/main" xmlns:r="http://schemas.openxmlformats.org/officeDocument/2006/relationships" xmlns:p="http://schemas.openxmlformats.org/presentationml/2006/main">
   <p:cSld>
     <p:spTree>
@@ -21387,7 +23188,7 @@
 </p:sld>
 </file>
 
-<file path=ppt/slides/slide16.xml><?xml version="1.0" encoding="utf-8"?>
+<file path=ppt/slides/slide18.xml><?xml version="1.0" encoding="utf-8"?>
 <p:sld xmlns:a="http://schemas.openxmlformats.org/drawingml/2006/main" xmlns:r="http://schemas.openxmlformats.org/officeDocument/2006/relationships" xmlns:p="http://schemas.openxmlformats.org/presentationml/2006/main">
   <p:cSld>
     <p:spTree>
@@ -22846,7 +24647,7 @@
 </p:sld>
 </file>
 
-<file path=ppt/slides/slide17.xml><?xml version="1.0" encoding="utf-8"?>
+<file path=ppt/slides/slide19.xml><?xml version="1.0" encoding="utf-8"?>
 <p:sld xmlns:a="http://schemas.openxmlformats.org/drawingml/2006/main" xmlns:r="http://schemas.openxmlformats.org/officeDocument/2006/relationships" xmlns:p="http://schemas.openxmlformats.org/presentationml/2006/main">
   <p:cSld>
     <p:spTree>
@@ -23065,1931 +24866,6 @@
             <a:r>
               <a:rPr lang="en-US" dirty="0"/>
               <a:t>The order of event processing is (in the general sense) unpredictable</a:t>
-            </a:r>
-          </a:p>
-        </p:txBody>
-      </p:sp>
-    </p:spTree>
-  </p:cSld>
-  <p:clrMapOvr>
-    <a:masterClrMapping/>
-  </p:clrMapOvr>
-  <mc:AlternateContent xmlns:mc="http://schemas.openxmlformats.org/markup-compatibility/2006">
-    <mc:Choice xmlns:p14="http://schemas.microsoft.com/office/powerpoint/2010/main" Requires="p14">
-      <p:transition p14:dur="0"/>
-    </mc:Choice>
-    <mc:Fallback>
-      <p:transition/>
-    </mc:Fallback>
-  </mc:AlternateContent>
-</p:sld>
-</file>
-
-<file path=ppt/slides/slide18.xml><?xml version="1.0" encoding="utf-8"?>
-<p:sld xmlns:a="http://schemas.openxmlformats.org/drawingml/2006/main" xmlns:r="http://schemas.openxmlformats.org/officeDocument/2006/relationships" xmlns:p="http://schemas.openxmlformats.org/presentationml/2006/main">
-  <p:cSld>
-    <p:spTree>
-      <p:nvGrpSpPr>
-        <p:cNvPr id="1" name=""/>
-        <p:cNvGrpSpPr/>
-        <p:nvPr/>
-      </p:nvGrpSpPr>
-      <p:grpSpPr>
-        <a:xfrm>
-          <a:off x="0" y="0"/>
-          <a:ext cx="0" cy="0"/>
-          <a:chOff x="0" y="0"/>
-          <a:chExt cx="0" cy="0"/>
-        </a:xfrm>
-      </p:grpSpPr>
-      <p:sp>
-        <p:nvSpPr>
-          <p:cNvPr id="412" name="Run-to-completion semantics"/>
-          <p:cNvSpPr txBox="1">
-            <a:spLocks noGrp="1"/>
-          </p:cNvSpPr>
-          <p:nvPr>
-            <p:ph type="title"/>
-          </p:nvPr>
-        </p:nvSpPr>
-        <p:spPr>
-          <a:prstGeom prst="rect">
-            <a:avLst/>
-          </a:prstGeom>
-        </p:spPr>
-        <p:txBody>
-          <a:bodyPr/>
-          <a:lstStyle/>
-          <a:p>
-            <a:r>
-              <a:rPr lang="en-US" dirty="0"/>
-              <a:t>Event Handlers “Run To Completion”</a:t>
-            </a:r>
-            <a:endParaRPr dirty="0"/>
-          </a:p>
-        </p:txBody>
-      </p:sp>
-      <p:sp>
-        <p:nvSpPr>
-          <p:cNvPr id="413" name="Slide Subtitle"/>
-          <p:cNvSpPr txBox="1">
-            <a:spLocks noGrp="1"/>
-          </p:cNvSpPr>
-          <p:nvPr>
-            <p:ph type="body" idx="21"/>
-          </p:nvPr>
-        </p:nvSpPr>
-        <p:spPr>
-          <a:prstGeom prst="rect">
-            <a:avLst/>
-          </a:prstGeom>
-        </p:spPr>
-        <p:txBody>
-          <a:bodyPr>
-            <a:normAutofit fontScale="92500" lnSpcReduction="10000"/>
-          </a:bodyPr>
-          <a:lstStyle/>
-          <a:p>
-            <a:r>
-              <a:rPr lang="en-US" dirty="0"/>
-              <a:t>AKA: Your code will not be “interrupted”</a:t>
-            </a:r>
-            <a:endParaRPr dirty="0"/>
-          </a:p>
-        </p:txBody>
-      </p:sp>
-      <p:sp>
-        <p:nvSpPr>
-          <p:cNvPr id="414" name="Run-to-completion…"/>
-          <p:cNvSpPr txBox="1">
-            <a:spLocks noGrp="1"/>
-          </p:cNvSpPr>
-          <p:nvPr>
-            <p:ph type="body" idx="1"/>
-          </p:nvPr>
-        </p:nvSpPr>
-        <p:spPr>
-          <a:prstGeom prst="rect">
-            <a:avLst/>
-          </a:prstGeom>
-        </p:spPr>
-        <p:txBody>
-          <a:bodyPr/>
-          <a:lstStyle/>
-          <a:p>
-            <a:r>
-              <a:rPr dirty="0"/>
-              <a:t>The function handling an event and the functions that it (transitively) synchronously calls will keep executing until the function finishes.</a:t>
-            </a:r>
-          </a:p>
-          <a:p>
-            <a:r>
-              <a:rPr dirty="0"/>
-              <a:t>The JS engine will not handle the next event until the event handler finishes.</a:t>
-            </a:r>
-          </a:p>
-        </p:txBody>
-      </p:sp>
-      <p:sp>
-        <p:nvSpPr>
-          <p:cNvPr id="415" name="handler1"/>
-          <p:cNvSpPr txBox="1"/>
-          <p:nvPr/>
-        </p:nvSpPr>
-        <p:spPr>
-          <a:xfrm>
-            <a:off x="3971123" y="4608373"/>
-            <a:ext cx="982641" cy="349135"/>
-          </a:xfrm>
-          <a:prstGeom prst="rect">
-            <a:avLst/>
-          </a:prstGeom>
-          <a:ln w="12700">
-            <a:miter lim="400000"/>
-          </a:ln>
-          <a:extLst>
-            <a:ext uri="{C572A759-6A51-4108-AA02-DFA0A04FC94B}">
-              <ma14:wrappingTextBoxFlag xmlns:ma14="http://schemas.microsoft.com/office/mac/drawingml/2011/main" xmlns:a14="http://schemas.microsoft.com/office/drawing/2010/main" xmlns:m="http://schemas.openxmlformats.org/officeDocument/2006/math" xmlns="" val="1"/>
-            </a:ext>
-          </a:extLst>
-        </p:spPr>
-        <p:txBody>
-          <a:bodyPr wrap="none" lIns="35719" tIns="35719" rIns="35719" bIns="35719" anchor="ctr">
-            <a:spAutoFit/>
-          </a:bodyPr>
-          <a:lstStyle>
-            <a:lvl1pPr defTabSz="821531">
-              <a:defRPr sz="3600">
-                <a:solidFill>
-                  <a:srgbClr val="000000"/>
-                </a:solidFill>
-                <a:latin typeface="Helvetica Light"/>
-                <a:ea typeface="Helvetica Light"/>
-                <a:cs typeface="Helvetica Light"/>
-                <a:sym typeface="Helvetica Light"/>
-              </a:defRPr>
-            </a:lvl1pPr>
-          </a:lstStyle>
-          <a:p>
-            <a:r>
-              <a:rPr sz="1800"/>
-              <a:t>handler1</a:t>
-            </a:r>
-          </a:p>
-        </p:txBody>
-      </p:sp>
-      <p:sp>
-        <p:nvSpPr>
-          <p:cNvPr id="416" name="f"/>
-          <p:cNvSpPr txBox="1"/>
-          <p:nvPr/>
-        </p:nvSpPr>
-        <p:spPr>
-          <a:xfrm>
-            <a:off x="5587367" y="4256168"/>
-            <a:ext cx="136256" cy="349135"/>
-          </a:xfrm>
-          <a:prstGeom prst="rect">
-            <a:avLst/>
-          </a:prstGeom>
-          <a:ln w="12700">
-            <a:miter lim="400000"/>
-          </a:ln>
-          <a:extLst>
-            <a:ext uri="{C572A759-6A51-4108-AA02-DFA0A04FC94B}">
-              <ma14:wrappingTextBoxFlag xmlns:ma14="http://schemas.microsoft.com/office/mac/drawingml/2011/main" xmlns:a14="http://schemas.microsoft.com/office/drawing/2010/main" xmlns:m="http://schemas.openxmlformats.org/officeDocument/2006/math" xmlns="" val="1"/>
-            </a:ext>
-          </a:extLst>
-        </p:spPr>
-        <p:txBody>
-          <a:bodyPr wrap="none" lIns="35719" tIns="35719" rIns="35719" bIns="35719" anchor="ctr">
-            <a:spAutoFit/>
-          </a:bodyPr>
-          <a:lstStyle>
-            <a:lvl1pPr defTabSz="821531">
-              <a:defRPr sz="3600">
-                <a:solidFill>
-                  <a:srgbClr val="000000"/>
-                </a:solidFill>
-                <a:latin typeface="Helvetica Light"/>
-                <a:ea typeface="Helvetica Light"/>
-                <a:cs typeface="Helvetica Light"/>
-                <a:sym typeface="Helvetica Light"/>
-              </a:defRPr>
-            </a:lvl1pPr>
-          </a:lstStyle>
-          <a:p>
-            <a:r>
-              <a:rPr sz="1800"/>
-              <a:t>f</a:t>
-            </a:r>
-          </a:p>
-        </p:txBody>
-      </p:sp>
-      <p:sp>
-        <p:nvSpPr>
-          <p:cNvPr id="417" name="h"/>
-          <p:cNvSpPr txBox="1"/>
-          <p:nvPr/>
-        </p:nvSpPr>
-        <p:spPr>
-          <a:xfrm>
-            <a:off x="5555307" y="4786968"/>
-            <a:ext cx="200376" cy="349135"/>
-          </a:xfrm>
-          <a:prstGeom prst="rect">
-            <a:avLst/>
-          </a:prstGeom>
-          <a:ln w="12700">
-            <a:miter lim="400000"/>
-          </a:ln>
-          <a:extLst>
-            <a:ext uri="{C572A759-6A51-4108-AA02-DFA0A04FC94B}">
-              <ma14:wrappingTextBoxFlag xmlns:ma14="http://schemas.microsoft.com/office/mac/drawingml/2011/main" xmlns:a14="http://schemas.microsoft.com/office/drawing/2010/main" xmlns:m="http://schemas.openxmlformats.org/officeDocument/2006/math" xmlns="" val="1"/>
-            </a:ext>
-          </a:extLst>
-        </p:spPr>
-        <p:txBody>
-          <a:bodyPr wrap="none" lIns="35719" tIns="35719" rIns="35719" bIns="35719" anchor="ctr">
-            <a:spAutoFit/>
-          </a:bodyPr>
-          <a:lstStyle>
-            <a:lvl1pPr defTabSz="821531">
-              <a:defRPr sz="3600">
-                <a:solidFill>
-                  <a:srgbClr val="000000"/>
-                </a:solidFill>
-                <a:latin typeface="Helvetica Light"/>
-                <a:ea typeface="Helvetica Light"/>
-                <a:cs typeface="Helvetica Light"/>
-                <a:sym typeface="Helvetica Light"/>
-              </a:defRPr>
-            </a:lvl1pPr>
-          </a:lstStyle>
-          <a:p>
-            <a:r>
-              <a:rPr sz="1800"/>
-              <a:t>h</a:t>
-            </a:r>
-          </a:p>
-        </p:txBody>
-      </p:sp>
-      <p:sp>
-        <p:nvSpPr>
-          <p:cNvPr id="418" name="g"/>
-          <p:cNvSpPr txBox="1"/>
-          <p:nvPr/>
-        </p:nvSpPr>
-        <p:spPr>
-          <a:xfrm>
-            <a:off x="6785947" y="4256168"/>
-            <a:ext cx="213200" cy="349135"/>
-          </a:xfrm>
-          <a:prstGeom prst="rect">
-            <a:avLst/>
-          </a:prstGeom>
-          <a:ln w="12700">
-            <a:miter lim="400000"/>
-          </a:ln>
-          <a:extLst>
-            <a:ext uri="{C572A759-6A51-4108-AA02-DFA0A04FC94B}">
-              <ma14:wrappingTextBoxFlag xmlns:ma14="http://schemas.microsoft.com/office/mac/drawingml/2011/main" xmlns:a14="http://schemas.microsoft.com/office/drawing/2010/main" xmlns:m="http://schemas.openxmlformats.org/officeDocument/2006/math" xmlns="" val="1"/>
-            </a:ext>
-          </a:extLst>
-        </p:spPr>
-        <p:txBody>
-          <a:bodyPr wrap="none" lIns="35719" tIns="35719" rIns="35719" bIns="35719" anchor="ctr">
-            <a:spAutoFit/>
-          </a:bodyPr>
-          <a:lstStyle>
-            <a:lvl1pPr defTabSz="821531">
-              <a:defRPr sz="3600">
-                <a:solidFill>
-                  <a:srgbClr val="000000"/>
-                </a:solidFill>
-                <a:latin typeface="Helvetica Light"/>
-                <a:ea typeface="Helvetica Light"/>
-                <a:cs typeface="Helvetica Light"/>
-                <a:sym typeface="Helvetica Light"/>
-              </a:defRPr>
-            </a:lvl1pPr>
-          </a:lstStyle>
-          <a:p>
-            <a:r>
-              <a:rPr sz="1800"/>
-              <a:t>g</a:t>
-            </a:r>
-          </a:p>
-        </p:txBody>
-      </p:sp>
-      <p:sp>
-        <p:nvSpPr>
-          <p:cNvPr id="419" name="handler2"/>
-          <p:cNvSpPr txBox="1"/>
-          <p:nvPr/>
-        </p:nvSpPr>
-        <p:spPr>
-          <a:xfrm>
-            <a:off x="3971123" y="5875009"/>
-            <a:ext cx="982641" cy="349135"/>
-          </a:xfrm>
-          <a:prstGeom prst="rect">
-            <a:avLst/>
-          </a:prstGeom>
-          <a:ln w="12700">
-            <a:miter lim="400000"/>
-          </a:ln>
-          <a:extLst>
-            <a:ext uri="{C572A759-6A51-4108-AA02-DFA0A04FC94B}">
-              <ma14:wrappingTextBoxFlag xmlns:ma14="http://schemas.microsoft.com/office/mac/drawingml/2011/main" xmlns:a14="http://schemas.microsoft.com/office/drawing/2010/main" xmlns:m="http://schemas.openxmlformats.org/officeDocument/2006/math" xmlns="" val="1"/>
-            </a:ext>
-          </a:extLst>
-        </p:spPr>
-        <p:txBody>
-          <a:bodyPr wrap="none" lIns="35719" tIns="35719" rIns="35719" bIns="35719" anchor="ctr">
-            <a:spAutoFit/>
-          </a:bodyPr>
-          <a:lstStyle>
-            <a:lvl1pPr defTabSz="821531">
-              <a:defRPr sz="3600">
-                <a:solidFill>
-                  <a:srgbClr val="000000"/>
-                </a:solidFill>
-                <a:latin typeface="Helvetica Light"/>
-                <a:ea typeface="Helvetica Light"/>
-                <a:cs typeface="Helvetica Light"/>
-                <a:sym typeface="Helvetica Light"/>
-              </a:defRPr>
-            </a:lvl1pPr>
-          </a:lstStyle>
-          <a:p>
-            <a:r>
-              <a:rPr sz="1800"/>
-              <a:t>handler2</a:t>
-            </a:r>
-          </a:p>
-        </p:txBody>
-      </p:sp>
-      <p:sp>
-        <p:nvSpPr>
-          <p:cNvPr id="420" name="Line"/>
-          <p:cNvSpPr/>
-          <p:nvPr/>
-        </p:nvSpPr>
-        <p:spPr>
-          <a:xfrm>
-            <a:off x="5811400" y="4466681"/>
-            <a:ext cx="892969" cy="1"/>
-          </a:xfrm>
-          <a:prstGeom prst="line">
-            <a:avLst/>
-          </a:prstGeom>
-          <a:ln w="25400">
-            <a:solidFill>
-              <a:srgbClr val="000000"/>
-            </a:solidFill>
-            <a:miter lim="400000"/>
-            <a:tailEnd type="triangle"/>
-          </a:ln>
-        </p:spPr>
-        <p:txBody>
-          <a:bodyPr lIns="35719" tIns="35719" rIns="35719" bIns="35719" anchor="ctr"/>
-          <a:lstStyle/>
-          <a:p>
-            <a:pPr defTabSz="410766">
-              <a:defRPr sz="3200">
-                <a:solidFill>
-                  <a:srgbClr val="000000"/>
-                </a:solidFill>
-                <a:latin typeface="Helvetica Light"/>
-                <a:ea typeface="Helvetica Light"/>
-                <a:cs typeface="Helvetica Light"/>
-                <a:sym typeface="Helvetica Light"/>
-              </a:defRPr>
-            </a:pPr>
-            <a:endParaRPr sz="1600"/>
-          </a:p>
-        </p:txBody>
-      </p:sp>
-      <p:sp>
-        <p:nvSpPr>
-          <p:cNvPr id="421" name="Line"/>
-          <p:cNvSpPr/>
-          <p:nvPr/>
-        </p:nvSpPr>
-        <p:spPr>
-          <a:xfrm>
-            <a:off x="5811400" y="4997253"/>
-            <a:ext cx="892969" cy="1"/>
-          </a:xfrm>
-          <a:prstGeom prst="line">
-            <a:avLst/>
-          </a:prstGeom>
-          <a:ln w="25400">
-            <a:solidFill>
-              <a:srgbClr val="000000"/>
-            </a:solidFill>
-            <a:miter lim="400000"/>
-            <a:tailEnd type="triangle"/>
-          </a:ln>
-        </p:spPr>
-        <p:txBody>
-          <a:bodyPr lIns="35719" tIns="35719" rIns="35719" bIns="35719" anchor="ctr"/>
-          <a:lstStyle/>
-          <a:p>
-            <a:pPr defTabSz="410766">
-              <a:defRPr sz="3200">
-                <a:solidFill>
-                  <a:srgbClr val="000000"/>
-                </a:solidFill>
-                <a:latin typeface="Helvetica Light"/>
-                <a:ea typeface="Helvetica Light"/>
-                <a:cs typeface="Helvetica Light"/>
-                <a:sym typeface="Helvetica Light"/>
-              </a:defRPr>
-            </a:pPr>
-            <a:endParaRPr sz="1600"/>
-          </a:p>
-        </p:txBody>
-      </p:sp>
-      <p:sp>
-        <p:nvSpPr>
-          <p:cNvPr id="422" name="..."/>
-          <p:cNvSpPr txBox="1"/>
-          <p:nvPr/>
-        </p:nvSpPr>
-        <p:spPr>
-          <a:xfrm>
-            <a:off x="6760297" y="4786968"/>
-            <a:ext cx="264497" cy="349135"/>
-          </a:xfrm>
-          <a:prstGeom prst="rect">
-            <a:avLst/>
-          </a:prstGeom>
-          <a:ln w="12700">
-            <a:miter lim="400000"/>
-          </a:ln>
-          <a:extLst>
-            <a:ext uri="{C572A759-6A51-4108-AA02-DFA0A04FC94B}">
-              <ma14:wrappingTextBoxFlag xmlns:ma14="http://schemas.microsoft.com/office/mac/drawingml/2011/main" xmlns:a14="http://schemas.microsoft.com/office/drawing/2010/main" xmlns:m="http://schemas.openxmlformats.org/officeDocument/2006/math" xmlns="" val="1"/>
-            </a:ext>
-          </a:extLst>
-        </p:spPr>
-        <p:txBody>
-          <a:bodyPr wrap="none" lIns="35719" tIns="35719" rIns="35719" bIns="35719" anchor="ctr">
-            <a:spAutoFit/>
-          </a:bodyPr>
-          <a:lstStyle>
-            <a:lvl1pPr defTabSz="821531">
-              <a:defRPr sz="3600">
-                <a:solidFill>
-                  <a:srgbClr val="000000"/>
-                </a:solidFill>
-                <a:latin typeface="Helvetica Light"/>
-                <a:ea typeface="Helvetica Light"/>
-                <a:cs typeface="Helvetica Light"/>
-                <a:sym typeface="Helvetica Light"/>
-              </a:defRPr>
-            </a:lvl1pPr>
-          </a:lstStyle>
-          <a:p>
-            <a:r>
-              <a:rPr sz="1800"/>
-              <a:t>...</a:t>
-            </a:r>
-          </a:p>
-        </p:txBody>
-      </p:sp>
-      <p:sp>
-        <p:nvSpPr>
-          <p:cNvPr id="423" name="Line"/>
-          <p:cNvSpPr/>
-          <p:nvPr/>
-        </p:nvSpPr>
-        <p:spPr>
-          <a:xfrm flipV="1">
-            <a:off x="4992716" y="4514706"/>
-            <a:ext cx="530110" cy="193330"/>
-          </a:xfrm>
-          <a:prstGeom prst="line">
-            <a:avLst/>
-          </a:prstGeom>
-          <a:ln w="25400">
-            <a:solidFill>
-              <a:srgbClr val="000000"/>
-            </a:solidFill>
-            <a:miter lim="400000"/>
-            <a:tailEnd type="triangle"/>
-          </a:ln>
-        </p:spPr>
-        <p:txBody>
-          <a:bodyPr lIns="35719" tIns="35719" rIns="35719" bIns="35719" anchor="ctr"/>
-          <a:lstStyle/>
-          <a:p>
-            <a:pPr defTabSz="410766">
-              <a:defRPr sz="3200">
-                <a:solidFill>
-                  <a:srgbClr val="000000"/>
-                </a:solidFill>
-                <a:latin typeface="Helvetica Light"/>
-                <a:ea typeface="Helvetica Light"/>
-                <a:cs typeface="Helvetica Light"/>
-                <a:sym typeface="Helvetica Light"/>
-              </a:defRPr>
-            </a:pPr>
-            <a:endParaRPr sz="1600"/>
-          </a:p>
-        </p:txBody>
-      </p:sp>
-      <p:sp>
-        <p:nvSpPr>
-          <p:cNvPr id="424" name="Line"/>
-          <p:cNvSpPr/>
-          <p:nvPr/>
-        </p:nvSpPr>
-        <p:spPr>
-          <a:xfrm>
-            <a:off x="7080723" y="4997253"/>
-            <a:ext cx="892970" cy="1"/>
-          </a:xfrm>
-          <a:prstGeom prst="line">
-            <a:avLst/>
-          </a:prstGeom>
-          <a:ln w="25400">
-            <a:solidFill>
-              <a:srgbClr val="000000"/>
-            </a:solidFill>
-            <a:miter lim="400000"/>
-            <a:tailEnd type="triangle"/>
-          </a:ln>
-        </p:spPr>
-        <p:txBody>
-          <a:bodyPr lIns="35719" tIns="35719" rIns="35719" bIns="35719" anchor="ctr"/>
-          <a:lstStyle/>
-          <a:p>
-            <a:pPr defTabSz="410766">
-              <a:defRPr sz="3200">
-                <a:solidFill>
-                  <a:srgbClr val="000000"/>
-                </a:solidFill>
-                <a:latin typeface="Helvetica Light"/>
-                <a:ea typeface="Helvetica Light"/>
-                <a:cs typeface="Helvetica Light"/>
-                <a:sym typeface="Helvetica Light"/>
-              </a:defRPr>
-            </a:pPr>
-            <a:endParaRPr sz="1600"/>
-          </a:p>
-        </p:txBody>
-      </p:sp>
-      <p:sp>
-        <p:nvSpPr>
-          <p:cNvPr id="425" name="i"/>
-          <p:cNvSpPr txBox="1"/>
-          <p:nvPr/>
-        </p:nvSpPr>
-        <p:spPr>
-          <a:xfrm>
-            <a:off x="8061498" y="4786968"/>
-            <a:ext cx="123432" cy="349135"/>
-          </a:xfrm>
-          <a:prstGeom prst="rect">
-            <a:avLst/>
-          </a:prstGeom>
-          <a:ln w="12700">
-            <a:miter lim="400000"/>
-          </a:ln>
-          <a:extLst>
-            <a:ext uri="{C572A759-6A51-4108-AA02-DFA0A04FC94B}">
-              <ma14:wrappingTextBoxFlag xmlns:ma14="http://schemas.microsoft.com/office/mac/drawingml/2011/main" xmlns:a14="http://schemas.microsoft.com/office/drawing/2010/main" xmlns:m="http://schemas.openxmlformats.org/officeDocument/2006/math" xmlns="" val="1"/>
-            </a:ext>
-          </a:extLst>
-        </p:spPr>
-        <p:txBody>
-          <a:bodyPr wrap="none" lIns="35719" tIns="35719" rIns="35719" bIns="35719" anchor="ctr">
-            <a:spAutoFit/>
-          </a:bodyPr>
-          <a:lstStyle>
-            <a:lvl1pPr defTabSz="821531">
-              <a:defRPr sz="3600">
-                <a:solidFill>
-                  <a:srgbClr val="000000"/>
-                </a:solidFill>
-                <a:latin typeface="Helvetica Light"/>
-                <a:ea typeface="Helvetica Light"/>
-                <a:cs typeface="Helvetica Light"/>
-                <a:sym typeface="Helvetica Light"/>
-              </a:defRPr>
-            </a:lvl1pPr>
-          </a:lstStyle>
-          <a:p>
-            <a:r>
-              <a:rPr sz="1800"/>
-              <a:t>i</a:t>
-            </a:r>
-          </a:p>
-        </p:txBody>
-      </p:sp>
-      <p:sp>
-        <p:nvSpPr>
-          <p:cNvPr id="426" name="Line"/>
-          <p:cNvSpPr/>
-          <p:nvPr/>
-        </p:nvSpPr>
-        <p:spPr>
-          <a:xfrm>
-            <a:off x="5049475" y="4839471"/>
-            <a:ext cx="480889" cy="191383"/>
-          </a:xfrm>
-          <a:prstGeom prst="line">
-            <a:avLst/>
-          </a:prstGeom>
-          <a:ln w="25400">
-            <a:solidFill>
-              <a:srgbClr val="000000"/>
-            </a:solidFill>
-            <a:miter lim="400000"/>
-            <a:tailEnd type="triangle"/>
-          </a:ln>
-        </p:spPr>
-        <p:txBody>
-          <a:bodyPr lIns="35719" tIns="35719" rIns="35719" bIns="35719" anchor="ctr"/>
-          <a:lstStyle/>
-          <a:p>
-            <a:pPr defTabSz="410766">
-              <a:defRPr sz="3200">
-                <a:solidFill>
-                  <a:srgbClr val="000000"/>
-                </a:solidFill>
-                <a:latin typeface="Helvetica Light"/>
-                <a:ea typeface="Helvetica Light"/>
-                <a:cs typeface="Helvetica Light"/>
-                <a:sym typeface="Helvetica Light"/>
-              </a:defRPr>
-            </a:pPr>
-            <a:endParaRPr sz="1600"/>
-          </a:p>
-        </p:txBody>
-      </p:sp>
-      <p:sp>
-        <p:nvSpPr>
-          <p:cNvPr id="427" name="Line"/>
-          <p:cNvSpPr/>
-          <p:nvPr/>
-        </p:nvSpPr>
-        <p:spPr>
-          <a:xfrm>
-            <a:off x="5138772" y="6071704"/>
-            <a:ext cx="614176" cy="1"/>
-          </a:xfrm>
-          <a:prstGeom prst="line">
-            <a:avLst/>
-          </a:prstGeom>
-          <a:ln w="25400">
-            <a:solidFill>
-              <a:srgbClr val="000000"/>
-            </a:solidFill>
-            <a:miter lim="400000"/>
-            <a:tailEnd type="triangle"/>
-          </a:ln>
-        </p:spPr>
-        <p:txBody>
-          <a:bodyPr lIns="35719" tIns="35719" rIns="35719" bIns="35719" anchor="ctr"/>
-          <a:lstStyle/>
-          <a:p>
-            <a:pPr defTabSz="410766">
-              <a:defRPr sz="3200">
-                <a:solidFill>
-                  <a:srgbClr val="000000"/>
-                </a:solidFill>
-                <a:latin typeface="Helvetica Light"/>
-                <a:ea typeface="Helvetica Light"/>
-                <a:cs typeface="Helvetica Light"/>
-                <a:sym typeface="Helvetica Light"/>
-              </a:defRPr>
-            </a:pPr>
-            <a:endParaRPr sz="1600"/>
-          </a:p>
-        </p:txBody>
-      </p:sp>
-      <p:sp>
-        <p:nvSpPr>
-          <p:cNvPr id="428" name="j"/>
-          <p:cNvSpPr txBox="1"/>
-          <p:nvPr/>
-        </p:nvSpPr>
-        <p:spPr>
-          <a:xfrm>
-            <a:off x="6830831" y="5897137"/>
-            <a:ext cx="123432" cy="349135"/>
-          </a:xfrm>
-          <a:prstGeom prst="rect">
-            <a:avLst/>
-          </a:prstGeom>
-          <a:ln w="12700">
-            <a:miter lim="400000"/>
-          </a:ln>
-          <a:extLst>
-            <a:ext uri="{C572A759-6A51-4108-AA02-DFA0A04FC94B}">
-              <ma14:wrappingTextBoxFlag xmlns:ma14="http://schemas.microsoft.com/office/mac/drawingml/2011/main" xmlns:a14="http://schemas.microsoft.com/office/drawing/2010/main" xmlns:m="http://schemas.openxmlformats.org/officeDocument/2006/math" xmlns="" val="1"/>
-            </a:ext>
-          </a:extLst>
-        </p:spPr>
-        <p:txBody>
-          <a:bodyPr wrap="none" lIns="35719" tIns="35719" rIns="35719" bIns="35719" anchor="ctr">
-            <a:spAutoFit/>
-          </a:bodyPr>
-          <a:lstStyle>
-            <a:lvl1pPr defTabSz="821531">
-              <a:defRPr sz="3600">
-                <a:solidFill>
-                  <a:srgbClr val="000000"/>
-                </a:solidFill>
-                <a:latin typeface="Helvetica Light"/>
-                <a:ea typeface="Helvetica Light"/>
-                <a:cs typeface="Helvetica Light"/>
-                <a:sym typeface="Helvetica Light"/>
-              </a:defRPr>
-            </a:lvl1pPr>
-          </a:lstStyle>
-          <a:p>
-            <a:r>
-              <a:rPr sz="1800"/>
-              <a:t>j</a:t>
-            </a:r>
-          </a:p>
-        </p:txBody>
-      </p:sp>
-      <p:sp>
-        <p:nvSpPr>
-          <p:cNvPr id="429" name="..."/>
-          <p:cNvSpPr txBox="1"/>
-          <p:nvPr/>
-        </p:nvSpPr>
-        <p:spPr>
-          <a:xfrm>
-            <a:off x="5789989" y="5921152"/>
-            <a:ext cx="264497" cy="349135"/>
-          </a:xfrm>
-          <a:prstGeom prst="rect">
-            <a:avLst/>
-          </a:prstGeom>
-          <a:ln w="12700">
-            <a:miter lim="400000"/>
-          </a:ln>
-          <a:extLst>
-            <a:ext uri="{C572A759-6A51-4108-AA02-DFA0A04FC94B}">
-              <ma14:wrappingTextBoxFlag xmlns:ma14="http://schemas.microsoft.com/office/mac/drawingml/2011/main" xmlns:a14="http://schemas.microsoft.com/office/drawing/2010/main" xmlns:m="http://schemas.openxmlformats.org/officeDocument/2006/math" xmlns="" val="1"/>
-            </a:ext>
-          </a:extLst>
-        </p:spPr>
-        <p:txBody>
-          <a:bodyPr wrap="none" lIns="35719" tIns="35719" rIns="35719" bIns="35719" anchor="ctr">
-            <a:spAutoFit/>
-          </a:bodyPr>
-          <a:lstStyle>
-            <a:lvl1pPr defTabSz="821531">
-              <a:defRPr sz="3600">
-                <a:solidFill>
-                  <a:srgbClr val="000000"/>
-                </a:solidFill>
-                <a:latin typeface="Helvetica Light"/>
-                <a:ea typeface="Helvetica Light"/>
-                <a:cs typeface="Helvetica Light"/>
-                <a:sym typeface="Helvetica Light"/>
-              </a:defRPr>
-            </a:lvl1pPr>
-          </a:lstStyle>
-          <a:p>
-            <a:r>
-              <a:rPr sz="1800"/>
-              <a:t>...</a:t>
-            </a:r>
-          </a:p>
-        </p:txBody>
-      </p:sp>
-      <p:sp>
-        <p:nvSpPr>
-          <p:cNvPr id="430" name="Line"/>
-          <p:cNvSpPr/>
-          <p:nvPr/>
-        </p:nvSpPr>
-        <p:spPr>
-          <a:xfrm>
-            <a:off x="3452950" y="4470361"/>
-            <a:ext cx="1" cy="1818382"/>
-          </a:xfrm>
-          <a:prstGeom prst="line">
-            <a:avLst/>
-          </a:prstGeom>
-          <a:ln w="25400">
-            <a:solidFill>
-              <a:srgbClr val="000000"/>
-            </a:solidFill>
-            <a:miter lim="400000"/>
-            <a:tailEnd type="triangle"/>
-          </a:ln>
-        </p:spPr>
-        <p:txBody>
-          <a:bodyPr lIns="35719" tIns="35719" rIns="35719" bIns="35719" anchor="ctr"/>
-          <a:lstStyle/>
-          <a:p>
-            <a:pPr defTabSz="410766">
-              <a:defRPr sz="3200">
-                <a:solidFill>
-                  <a:srgbClr val="000000"/>
-                </a:solidFill>
-                <a:latin typeface="Helvetica Light"/>
-                <a:ea typeface="Helvetica Light"/>
-                <a:cs typeface="Helvetica Light"/>
-                <a:sym typeface="Helvetica Light"/>
-              </a:defRPr>
-            </a:pPr>
-            <a:endParaRPr sz="1600"/>
-          </a:p>
-        </p:txBody>
-      </p:sp>
-      <p:sp>
-        <p:nvSpPr>
-          <p:cNvPr id="431" name="processing of event queue"/>
-          <p:cNvSpPr txBox="1"/>
-          <p:nvPr/>
-        </p:nvSpPr>
-        <p:spPr>
-          <a:xfrm>
-            <a:off x="2473443" y="3938117"/>
-            <a:ext cx="1959015" cy="626133"/>
-          </a:xfrm>
-          <a:prstGeom prst="rect">
-            <a:avLst/>
-          </a:prstGeom>
-          <a:ln w="12700">
-            <a:miter lim="400000"/>
-          </a:ln>
-          <a:extLst>
-            <a:ext uri="{C572A759-6A51-4108-AA02-DFA0A04FC94B}">
-              <ma14:wrappingTextBoxFlag xmlns:ma14="http://schemas.microsoft.com/office/mac/drawingml/2011/main" xmlns:a14="http://schemas.microsoft.com/office/drawing/2010/main" xmlns:m="http://schemas.openxmlformats.org/officeDocument/2006/math" xmlns="" val="1"/>
-            </a:ext>
-          </a:extLst>
-        </p:spPr>
-        <p:txBody>
-          <a:bodyPr lIns="35719" tIns="35719" rIns="35719" bIns="35719" anchor="ctr">
-            <a:spAutoFit/>
-          </a:bodyPr>
-          <a:lstStyle>
-            <a:lvl1pPr defTabSz="821531">
-              <a:defRPr sz="3600">
-                <a:solidFill>
-                  <a:srgbClr val="000000"/>
-                </a:solidFill>
-                <a:latin typeface="Helvetica Light"/>
-                <a:ea typeface="Helvetica Light"/>
-                <a:cs typeface="Helvetica Light"/>
-                <a:sym typeface="Helvetica Light"/>
-              </a:defRPr>
-            </a:lvl1pPr>
-          </a:lstStyle>
-          <a:p>
-            <a:r>
-              <a:rPr sz="1800"/>
-              <a:t>processing of event queue</a:t>
-            </a:r>
-          </a:p>
-        </p:txBody>
-      </p:sp>
-      <p:sp>
-        <p:nvSpPr>
-          <p:cNvPr id="432" name="Line"/>
-          <p:cNvSpPr/>
-          <p:nvPr/>
-        </p:nvSpPr>
-        <p:spPr>
-          <a:xfrm>
-            <a:off x="6125790" y="6102134"/>
-            <a:ext cx="614175" cy="1"/>
-          </a:xfrm>
-          <a:prstGeom prst="line">
-            <a:avLst/>
-          </a:prstGeom>
-          <a:ln w="25400">
-            <a:solidFill>
-              <a:srgbClr val="000000"/>
-            </a:solidFill>
-            <a:miter lim="400000"/>
-            <a:tailEnd type="triangle"/>
-          </a:ln>
-        </p:spPr>
-        <p:txBody>
-          <a:bodyPr lIns="35719" tIns="35719" rIns="35719" bIns="35719" anchor="ctr"/>
-          <a:lstStyle/>
-          <a:p>
-            <a:pPr defTabSz="410766">
-              <a:defRPr sz="3200">
-                <a:solidFill>
-                  <a:srgbClr val="000000"/>
-                </a:solidFill>
-                <a:latin typeface="Helvetica Light"/>
-                <a:ea typeface="Helvetica Light"/>
-                <a:cs typeface="Helvetica Light"/>
-                <a:sym typeface="Helvetica Light"/>
-              </a:defRPr>
-            </a:pPr>
-            <a:endParaRPr sz="1600"/>
-          </a:p>
-        </p:txBody>
-      </p:sp>
-    </p:spTree>
-  </p:cSld>
-  <p:clrMapOvr>
-    <a:masterClrMapping/>
-  </p:clrMapOvr>
-  <mc:AlternateContent xmlns:mc="http://schemas.openxmlformats.org/markup-compatibility/2006">
-    <mc:Choice xmlns:p14="http://schemas.microsoft.com/office/powerpoint/2010/main" Requires="p14">
-      <p:transition p14:dur="0"/>
-    </mc:Choice>
-    <mc:Fallback>
-      <p:transition/>
-    </mc:Fallback>
-  </mc:AlternateContent>
-</p:sld>
-</file>
-
-<file path=ppt/slides/slide19.xml><?xml version="1.0" encoding="utf-8"?>
-<p:sld xmlns:a="http://schemas.openxmlformats.org/drawingml/2006/main" xmlns:r="http://schemas.openxmlformats.org/officeDocument/2006/relationships" xmlns:p="http://schemas.openxmlformats.org/presentationml/2006/main">
-  <p:cSld>
-    <p:spTree>
-      <p:nvGrpSpPr>
-        <p:cNvPr id="1" name=""/>
-        <p:cNvGrpSpPr/>
-        <p:nvPr/>
-      </p:nvGrpSpPr>
-      <p:grpSpPr>
-        <a:xfrm>
-          <a:off x="0" y="0"/>
-          <a:ext cx="0" cy="0"/>
-          <a:chOff x="0" y="0"/>
-          <a:chExt cx="0" cy="0"/>
-        </a:xfrm>
-      </p:grpSpPr>
-      <p:sp>
-        <p:nvSpPr>
-          <p:cNvPr id="434" name="Implications of run-to-completion"/>
-          <p:cNvSpPr txBox="1">
-            <a:spLocks noGrp="1"/>
-          </p:cNvSpPr>
-          <p:nvPr>
-            <p:ph type="title"/>
-          </p:nvPr>
-        </p:nvSpPr>
-        <p:spPr>
-          <a:prstGeom prst="rect">
-            <a:avLst/>
-          </a:prstGeom>
-        </p:spPr>
-        <p:txBody>
-          <a:bodyPr/>
-          <a:lstStyle/>
-          <a:p>
-            <a:r>
-              <a:rPr dirty="0"/>
-              <a:t>Implications of </a:t>
-            </a:r>
-            <a:r>
-              <a:rPr lang="en-US" dirty="0"/>
-              <a:t>R</a:t>
-            </a:r>
-            <a:r>
-              <a:rPr dirty="0"/>
-              <a:t>un-to-</a:t>
-            </a:r>
-            <a:r>
-              <a:rPr lang="en-US" dirty="0"/>
-              <a:t>C</a:t>
-            </a:r>
-            <a:r>
-              <a:rPr dirty="0"/>
-              <a:t>ompletion</a:t>
-            </a:r>
-          </a:p>
-        </p:txBody>
-      </p:sp>
-      <p:sp>
-        <p:nvSpPr>
-          <p:cNvPr id="435" name="Slide Subtitle"/>
-          <p:cNvSpPr txBox="1">
-            <a:spLocks noGrp="1"/>
-          </p:cNvSpPr>
-          <p:nvPr>
-            <p:ph type="body" idx="21"/>
-          </p:nvPr>
-        </p:nvSpPr>
-        <p:spPr>
-          <a:prstGeom prst="rect">
-            <a:avLst/>
-          </a:prstGeom>
-        </p:spPr>
-        <p:txBody>
-          <a:bodyPr>
-            <a:normAutofit fontScale="92500" lnSpcReduction="10000"/>
-          </a:bodyPr>
-          <a:lstStyle/>
-          <a:p>
-            <a:r>
-              <a:rPr lang="en-US" b="1" dirty="0"/>
-              <a:t>The good news: no interruptions/context switching</a:t>
-            </a:r>
-            <a:endParaRPr b="1" dirty="0"/>
-          </a:p>
-        </p:txBody>
-      </p:sp>
-      <p:sp>
-        <p:nvSpPr>
-          <p:cNvPr id="436" name="Good news: no other code will run until you finish (no worries about other threads overwriting your data)"/>
-          <p:cNvSpPr txBox="1">
-            <a:spLocks noGrp="1"/>
-          </p:cNvSpPr>
-          <p:nvPr>
-            <p:ph type="body" idx="1"/>
-          </p:nvPr>
-        </p:nvSpPr>
-        <p:spPr>
-          <a:prstGeom prst="rect">
-            <a:avLst/>
-          </a:prstGeom>
-        </p:spPr>
-        <p:txBody>
-          <a:bodyPr/>
-          <a:lstStyle/>
-          <a:p>
-            <a:pPr marL="0" indent="0">
-              <a:buNone/>
-            </a:pPr>
-            <a:r>
-              <a:rPr lang="en-US" dirty="0"/>
-              <a:t>N</a:t>
-            </a:r>
-            <a:r>
-              <a:rPr dirty="0"/>
-              <a:t>o other code will run until you finish (no worries about other threads overwriting your data)</a:t>
-            </a:r>
-          </a:p>
-        </p:txBody>
-      </p:sp>
-      <p:sp>
-        <p:nvSpPr>
-          <p:cNvPr id="437" name="handler1"/>
-          <p:cNvSpPr txBox="1"/>
-          <p:nvPr/>
-        </p:nvSpPr>
-        <p:spPr>
-          <a:xfrm>
-            <a:off x="4191874" y="4049137"/>
-            <a:ext cx="982641" cy="349135"/>
-          </a:xfrm>
-          <a:prstGeom prst="rect">
-            <a:avLst/>
-          </a:prstGeom>
-          <a:ln w="12700">
-            <a:miter lim="400000"/>
-          </a:ln>
-          <a:extLst>
-            <a:ext uri="{C572A759-6A51-4108-AA02-DFA0A04FC94B}">
-              <ma14:wrappingTextBoxFlag xmlns:ma14="http://schemas.microsoft.com/office/mac/drawingml/2011/main" xmlns:a14="http://schemas.microsoft.com/office/drawing/2010/main" xmlns:m="http://schemas.openxmlformats.org/officeDocument/2006/math" xmlns="" val="1"/>
-            </a:ext>
-          </a:extLst>
-        </p:spPr>
-        <p:txBody>
-          <a:bodyPr wrap="none" lIns="35719" tIns="35719" rIns="35719" bIns="35719" anchor="ctr">
-            <a:spAutoFit/>
-          </a:bodyPr>
-          <a:lstStyle>
-            <a:lvl1pPr defTabSz="821531">
-              <a:defRPr sz="3600">
-                <a:solidFill>
-                  <a:srgbClr val="000000"/>
-                </a:solidFill>
-                <a:latin typeface="Helvetica Light"/>
-                <a:ea typeface="Helvetica Light"/>
-                <a:cs typeface="Helvetica Light"/>
-                <a:sym typeface="Helvetica Light"/>
-              </a:defRPr>
-            </a:lvl1pPr>
-          </a:lstStyle>
-          <a:p>
-            <a:r>
-              <a:rPr sz="1800"/>
-              <a:t>handler1</a:t>
-            </a:r>
-          </a:p>
-        </p:txBody>
-      </p:sp>
-      <p:sp>
-        <p:nvSpPr>
-          <p:cNvPr id="438" name="f"/>
-          <p:cNvSpPr txBox="1"/>
-          <p:nvPr/>
-        </p:nvSpPr>
-        <p:spPr>
-          <a:xfrm>
-            <a:off x="5808118" y="3696932"/>
-            <a:ext cx="136256" cy="349135"/>
-          </a:xfrm>
-          <a:prstGeom prst="rect">
-            <a:avLst/>
-          </a:prstGeom>
-          <a:ln w="12700">
-            <a:miter lim="400000"/>
-          </a:ln>
-          <a:extLst>
-            <a:ext uri="{C572A759-6A51-4108-AA02-DFA0A04FC94B}">
-              <ma14:wrappingTextBoxFlag xmlns:ma14="http://schemas.microsoft.com/office/mac/drawingml/2011/main" xmlns:a14="http://schemas.microsoft.com/office/drawing/2010/main" xmlns:m="http://schemas.openxmlformats.org/officeDocument/2006/math" xmlns="" val="1"/>
-            </a:ext>
-          </a:extLst>
-        </p:spPr>
-        <p:txBody>
-          <a:bodyPr wrap="none" lIns="35719" tIns="35719" rIns="35719" bIns="35719" anchor="ctr">
-            <a:spAutoFit/>
-          </a:bodyPr>
-          <a:lstStyle>
-            <a:lvl1pPr defTabSz="821531">
-              <a:defRPr sz="3600">
-                <a:solidFill>
-                  <a:srgbClr val="000000"/>
-                </a:solidFill>
-                <a:latin typeface="Helvetica Light"/>
-                <a:ea typeface="Helvetica Light"/>
-                <a:cs typeface="Helvetica Light"/>
-                <a:sym typeface="Helvetica Light"/>
-              </a:defRPr>
-            </a:lvl1pPr>
-          </a:lstStyle>
-          <a:p>
-            <a:r>
-              <a:rPr sz="1800"/>
-              <a:t>f</a:t>
-            </a:r>
-          </a:p>
-        </p:txBody>
-      </p:sp>
-      <p:sp>
-        <p:nvSpPr>
-          <p:cNvPr id="439" name="h"/>
-          <p:cNvSpPr txBox="1"/>
-          <p:nvPr/>
-        </p:nvSpPr>
-        <p:spPr>
-          <a:xfrm>
-            <a:off x="5776059" y="4227731"/>
-            <a:ext cx="200376" cy="349135"/>
-          </a:xfrm>
-          <a:prstGeom prst="rect">
-            <a:avLst/>
-          </a:prstGeom>
-          <a:ln w="12700">
-            <a:miter lim="400000"/>
-          </a:ln>
-          <a:extLst>
-            <a:ext uri="{C572A759-6A51-4108-AA02-DFA0A04FC94B}">
-              <ma14:wrappingTextBoxFlag xmlns:ma14="http://schemas.microsoft.com/office/mac/drawingml/2011/main" xmlns:a14="http://schemas.microsoft.com/office/drawing/2010/main" xmlns:m="http://schemas.openxmlformats.org/officeDocument/2006/math" xmlns="" val="1"/>
-            </a:ext>
-          </a:extLst>
-        </p:spPr>
-        <p:txBody>
-          <a:bodyPr wrap="none" lIns="35719" tIns="35719" rIns="35719" bIns="35719" anchor="ctr">
-            <a:spAutoFit/>
-          </a:bodyPr>
-          <a:lstStyle>
-            <a:lvl1pPr defTabSz="821531">
-              <a:defRPr sz="3600">
-                <a:solidFill>
-                  <a:srgbClr val="000000"/>
-                </a:solidFill>
-                <a:latin typeface="Helvetica Light"/>
-                <a:ea typeface="Helvetica Light"/>
-                <a:cs typeface="Helvetica Light"/>
-                <a:sym typeface="Helvetica Light"/>
-              </a:defRPr>
-            </a:lvl1pPr>
-          </a:lstStyle>
-          <a:p>
-            <a:r>
-              <a:rPr sz="1800"/>
-              <a:t>h</a:t>
-            </a:r>
-          </a:p>
-        </p:txBody>
-      </p:sp>
-      <p:sp>
-        <p:nvSpPr>
-          <p:cNvPr id="440" name="g"/>
-          <p:cNvSpPr txBox="1"/>
-          <p:nvPr/>
-        </p:nvSpPr>
-        <p:spPr>
-          <a:xfrm>
-            <a:off x="7006697" y="3696932"/>
-            <a:ext cx="213200" cy="349135"/>
-          </a:xfrm>
-          <a:prstGeom prst="rect">
-            <a:avLst/>
-          </a:prstGeom>
-          <a:ln w="12700">
-            <a:miter lim="400000"/>
-          </a:ln>
-          <a:extLst>
-            <a:ext uri="{C572A759-6A51-4108-AA02-DFA0A04FC94B}">
-              <ma14:wrappingTextBoxFlag xmlns:ma14="http://schemas.microsoft.com/office/mac/drawingml/2011/main" xmlns:a14="http://schemas.microsoft.com/office/drawing/2010/main" xmlns:m="http://schemas.openxmlformats.org/officeDocument/2006/math" xmlns="" val="1"/>
-            </a:ext>
-          </a:extLst>
-        </p:spPr>
-        <p:txBody>
-          <a:bodyPr wrap="none" lIns="35719" tIns="35719" rIns="35719" bIns="35719" anchor="ctr">
-            <a:spAutoFit/>
-          </a:bodyPr>
-          <a:lstStyle>
-            <a:lvl1pPr defTabSz="821531">
-              <a:defRPr sz="3600">
-                <a:solidFill>
-                  <a:srgbClr val="000000"/>
-                </a:solidFill>
-                <a:latin typeface="Helvetica Light"/>
-                <a:ea typeface="Helvetica Light"/>
-                <a:cs typeface="Helvetica Light"/>
-                <a:sym typeface="Helvetica Light"/>
-              </a:defRPr>
-            </a:lvl1pPr>
-          </a:lstStyle>
-          <a:p>
-            <a:r>
-              <a:rPr sz="1800"/>
-              <a:t>g</a:t>
-            </a:r>
-          </a:p>
-        </p:txBody>
-      </p:sp>
-      <p:sp>
-        <p:nvSpPr>
-          <p:cNvPr id="441" name="handler2"/>
-          <p:cNvSpPr txBox="1"/>
-          <p:nvPr/>
-        </p:nvSpPr>
-        <p:spPr>
-          <a:xfrm>
-            <a:off x="4191874" y="5315773"/>
-            <a:ext cx="982641" cy="349135"/>
-          </a:xfrm>
-          <a:prstGeom prst="rect">
-            <a:avLst/>
-          </a:prstGeom>
-          <a:ln w="12700">
-            <a:miter lim="400000"/>
-          </a:ln>
-          <a:extLst>
-            <a:ext uri="{C572A759-6A51-4108-AA02-DFA0A04FC94B}">
-              <ma14:wrappingTextBoxFlag xmlns:ma14="http://schemas.microsoft.com/office/mac/drawingml/2011/main" xmlns:a14="http://schemas.microsoft.com/office/drawing/2010/main" xmlns:m="http://schemas.openxmlformats.org/officeDocument/2006/math" xmlns="" val="1"/>
-            </a:ext>
-          </a:extLst>
-        </p:spPr>
-        <p:txBody>
-          <a:bodyPr wrap="none" lIns="35719" tIns="35719" rIns="35719" bIns="35719" anchor="ctr">
-            <a:spAutoFit/>
-          </a:bodyPr>
-          <a:lstStyle>
-            <a:lvl1pPr defTabSz="821531">
-              <a:defRPr sz="3600">
-                <a:solidFill>
-                  <a:srgbClr val="000000"/>
-                </a:solidFill>
-                <a:latin typeface="Helvetica Light"/>
-                <a:ea typeface="Helvetica Light"/>
-                <a:cs typeface="Helvetica Light"/>
-                <a:sym typeface="Helvetica Light"/>
-              </a:defRPr>
-            </a:lvl1pPr>
-          </a:lstStyle>
-          <a:p>
-            <a:r>
-              <a:rPr sz="1800"/>
-              <a:t>handler2</a:t>
-            </a:r>
-          </a:p>
-        </p:txBody>
-      </p:sp>
-      <p:sp>
-        <p:nvSpPr>
-          <p:cNvPr id="442" name="Line"/>
-          <p:cNvSpPr/>
-          <p:nvPr/>
-        </p:nvSpPr>
-        <p:spPr>
-          <a:xfrm>
-            <a:off x="6032151" y="3907445"/>
-            <a:ext cx="892970" cy="1"/>
-          </a:xfrm>
-          <a:prstGeom prst="line">
-            <a:avLst/>
-          </a:prstGeom>
-          <a:ln w="25400">
-            <a:solidFill>
-              <a:srgbClr val="000000"/>
-            </a:solidFill>
-            <a:miter lim="400000"/>
-            <a:tailEnd type="triangle"/>
-          </a:ln>
-        </p:spPr>
-        <p:txBody>
-          <a:bodyPr lIns="35719" tIns="35719" rIns="35719" bIns="35719" anchor="ctr"/>
-          <a:lstStyle/>
-          <a:p>
-            <a:pPr defTabSz="410766">
-              <a:defRPr sz="3200">
-                <a:solidFill>
-                  <a:srgbClr val="000000"/>
-                </a:solidFill>
-                <a:latin typeface="Helvetica Light"/>
-                <a:ea typeface="Helvetica Light"/>
-                <a:cs typeface="Helvetica Light"/>
-                <a:sym typeface="Helvetica Light"/>
-              </a:defRPr>
-            </a:pPr>
-            <a:endParaRPr sz="1600"/>
-          </a:p>
-        </p:txBody>
-      </p:sp>
-      <p:sp>
-        <p:nvSpPr>
-          <p:cNvPr id="443" name="Line"/>
-          <p:cNvSpPr/>
-          <p:nvPr/>
-        </p:nvSpPr>
-        <p:spPr>
-          <a:xfrm>
-            <a:off x="6032151" y="4438017"/>
-            <a:ext cx="892970" cy="1"/>
-          </a:xfrm>
-          <a:prstGeom prst="line">
-            <a:avLst/>
-          </a:prstGeom>
-          <a:ln w="25400">
-            <a:solidFill>
-              <a:srgbClr val="000000"/>
-            </a:solidFill>
-            <a:miter lim="400000"/>
-            <a:tailEnd type="triangle"/>
-          </a:ln>
-        </p:spPr>
-        <p:txBody>
-          <a:bodyPr lIns="35719" tIns="35719" rIns="35719" bIns="35719" anchor="ctr"/>
-          <a:lstStyle/>
-          <a:p>
-            <a:pPr defTabSz="410766">
-              <a:defRPr sz="3200">
-                <a:solidFill>
-                  <a:srgbClr val="000000"/>
-                </a:solidFill>
-                <a:latin typeface="Helvetica Light"/>
-                <a:ea typeface="Helvetica Light"/>
-                <a:cs typeface="Helvetica Light"/>
-                <a:sym typeface="Helvetica Light"/>
-              </a:defRPr>
-            </a:pPr>
-            <a:endParaRPr sz="1600"/>
-          </a:p>
-        </p:txBody>
-      </p:sp>
-      <p:sp>
-        <p:nvSpPr>
-          <p:cNvPr id="444" name="..."/>
-          <p:cNvSpPr txBox="1"/>
-          <p:nvPr/>
-        </p:nvSpPr>
-        <p:spPr>
-          <a:xfrm>
-            <a:off x="6981048" y="4227731"/>
-            <a:ext cx="264497" cy="349135"/>
-          </a:xfrm>
-          <a:prstGeom prst="rect">
-            <a:avLst/>
-          </a:prstGeom>
-          <a:ln w="12700">
-            <a:miter lim="400000"/>
-          </a:ln>
-          <a:extLst>
-            <a:ext uri="{C572A759-6A51-4108-AA02-DFA0A04FC94B}">
-              <ma14:wrappingTextBoxFlag xmlns:ma14="http://schemas.microsoft.com/office/mac/drawingml/2011/main" xmlns:a14="http://schemas.microsoft.com/office/drawing/2010/main" xmlns:m="http://schemas.openxmlformats.org/officeDocument/2006/math" xmlns="" val="1"/>
-            </a:ext>
-          </a:extLst>
-        </p:spPr>
-        <p:txBody>
-          <a:bodyPr wrap="none" lIns="35719" tIns="35719" rIns="35719" bIns="35719" anchor="ctr">
-            <a:spAutoFit/>
-          </a:bodyPr>
-          <a:lstStyle>
-            <a:lvl1pPr defTabSz="821531">
-              <a:defRPr sz="3600">
-                <a:solidFill>
-                  <a:srgbClr val="000000"/>
-                </a:solidFill>
-                <a:latin typeface="Helvetica Light"/>
-                <a:ea typeface="Helvetica Light"/>
-                <a:cs typeface="Helvetica Light"/>
-                <a:sym typeface="Helvetica Light"/>
-              </a:defRPr>
-            </a:lvl1pPr>
-          </a:lstStyle>
-          <a:p>
-            <a:r>
-              <a:rPr sz="1800"/>
-              <a:t>...</a:t>
-            </a:r>
-          </a:p>
-        </p:txBody>
-      </p:sp>
-      <p:sp>
-        <p:nvSpPr>
-          <p:cNvPr id="445" name="Line"/>
-          <p:cNvSpPr/>
-          <p:nvPr/>
-        </p:nvSpPr>
-        <p:spPr>
-          <a:xfrm flipV="1">
-            <a:off x="5213467" y="3955470"/>
-            <a:ext cx="530110" cy="193330"/>
-          </a:xfrm>
-          <a:prstGeom prst="line">
-            <a:avLst/>
-          </a:prstGeom>
-          <a:ln w="25400">
-            <a:solidFill>
-              <a:srgbClr val="000000"/>
-            </a:solidFill>
-            <a:miter lim="400000"/>
-            <a:tailEnd type="triangle"/>
-          </a:ln>
-        </p:spPr>
-        <p:txBody>
-          <a:bodyPr lIns="35719" tIns="35719" rIns="35719" bIns="35719" anchor="ctr"/>
-          <a:lstStyle/>
-          <a:p>
-            <a:pPr defTabSz="410766">
-              <a:defRPr sz="3200">
-                <a:solidFill>
-                  <a:srgbClr val="000000"/>
-                </a:solidFill>
-                <a:latin typeface="Helvetica Light"/>
-                <a:ea typeface="Helvetica Light"/>
-                <a:cs typeface="Helvetica Light"/>
-                <a:sym typeface="Helvetica Light"/>
-              </a:defRPr>
-            </a:pPr>
-            <a:endParaRPr sz="1600"/>
-          </a:p>
-        </p:txBody>
-      </p:sp>
-      <p:sp>
-        <p:nvSpPr>
-          <p:cNvPr id="446" name="Line"/>
-          <p:cNvSpPr/>
-          <p:nvPr/>
-        </p:nvSpPr>
-        <p:spPr>
-          <a:xfrm>
-            <a:off x="7301474" y="4438017"/>
-            <a:ext cx="892969" cy="1"/>
-          </a:xfrm>
-          <a:prstGeom prst="line">
-            <a:avLst/>
-          </a:prstGeom>
-          <a:ln w="25400">
-            <a:solidFill>
-              <a:srgbClr val="000000"/>
-            </a:solidFill>
-            <a:miter lim="400000"/>
-            <a:tailEnd type="triangle"/>
-          </a:ln>
-        </p:spPr>
-        <p:txBody>
-          <a:bodyPr lIns="35719" tIns="35719" rIns="35719" bIns="35719" anchor="ctr"/>
-          <a:lstStyle/>
-          <a:p>
-            <a:pPr defTabSz="410766">
-              <a:defRPr sz="3200">
-                <a:solidFill>
-                  <a:srgbClr val="000000"/>
-                </a:solidFill>
-                <a:latin typeface="Helvetica Light"/>
-                <a:ea typeface="Helvetica Light"/>
-                <a:cs typeface="Helvetica Light"/>
-                <a:sym typeface="Helvetica Light"/>
-              </a:defRPr>
-            </a:pPr>
-            <a:endParaRPr sz="1600"/>
-          </a:p>
-        </p:txBody>
-      </p:sp>
-      <p:sp>
-        <p:nvSpPr>
-          <p:cNvPr id="447" name="i"/>
-          <p:cNvSpPr txBox="1"/>
-          <p:nvPr/>
-        </p:nvSpPr>
-        <p:spPr>
-          <a:xfrm>
-            <a:off x="8282248" y="4227731"/>
-            <a:ext cx="123432" cy="349135"/>
-          </a:xfrm>
-          <a:prstGeom prst="rect">
-            <a:avLst/>
-          </a:prstGeom>
-          <a:ln w="12700">
-            <a:miter lim="400000"/>
-          </a:ln>
-          <a:extLst>
-            <a:ext uri="{C572A759-6A51-4108-AA02-DFA0A04FC94B}">
-              <ma14:wrappingTextBoxFlag xmlns:ma14="http://schemas.microsoft.com/office/mac/drawingml/2011/main" xmlns:a14="http://schemas.microsoft.com/office/drawing/2010/main" xmlns:m="http://schemas.openxmlformats.org/officeDocument/2006/math" xmlns="" val="1"/>
-            </a:ext>
-          </a:extLst>
-        </p:spPr>
-        <p:txBody>
-          <a:bodyPr wrap="none" lIns="35719" tIns="35719" rIns="35719" bIns="35719" anchor="ctr">
-            <a:spAutoFit/>
-          </a:bodyPr>
-          <a:lstStyle>
-            <a:lvl1pPr defTabSz="821531">
-              <a:defRPr sz="3600">
-                <a:solidFill>
-                  <a:srgbClr val="000000"/>
-                </a:solidFill>
-                <a:latin typeface="Helvetica Light"/>
-                <a:ea typeface="Helvetica Light"/>
-                <a:cs typeface="Helvetica Light"/>
-                <a:sym typeface="Helvetica Light"/>
-              </a:defRPr>
-            </a:lvl1pPr>
-          </a:lstStyle>
-          <a:p>
-            <a:r>
-              <a:rPr sz="1800"/>
-              <a:t>i</a:t>
-            </a:r>
-          </a:p>
-        </p:txBody>
-      </p:sp>
-      <p:sp>
-        <p:nvSpPr>
-          <p:cNvPr id="448" name="Line"/>
-          <p:cNvSpPr/>
-          <p:nvPr/>
-        </p:nvSpPr>
-        <p:spPr>
-          <a:xfrm>
-            <a:off x="5270226" y="4280235"/>
-            <a:ext cx="480889" cy="191383"/>
-          </a:xfrm>
-          <a:prstGeom prst="line">
-            <a:avLst/>
-          </a:prstGeom>
-          <a:ln w="25400">
-            <a:solidFill>
-              <a:srgbClr val="000000"/>
-            </a:solidFill>
-            <a:miter lim="400000"/>
-            <a:tailEnd type="triangle"/>
-          </a:ln>
-        </p:spPr>
-        <p:txBody>
-          <a:bodyPr lIns="35719" tIns="35719" rIns="35719" bIns="35719" anchor="ctr"/>
-          <a:lstStyle/>
-          <a:p>
-            <a:pPr defTabSz="410766">
-              <a:defRPr sz="3200">
-                <a:solidFill>
-                  <a:srgbClr val="000000"/>
-                </a:solidFill>
-                <a:latin typeface="Helvetica Light"/>
-                <a:ea typeface="Helvetica Light"/>
-                <a:cs typeface="Helvetica Light"/>
-                <a:sym typeface="Helvetica Light"/>
-              </a:defRPr>
-            </a:pPr>
-            <a:endParaRPr sz="1600"/>
-          </a:p>
-        </p:txBody>
-      </p:sp>
-      <p:sp>
-        <p:nvSpPr>
-          <p:cNvPr id="449" name="Line"/>
-          <p:cNvSpPr/>
-          <p:nvPr/>
-        </p:nvSpPr>
-        <p:spPr>
-          <a:xfrm>
-            <a:off x="5359523" y="5512468"/>
-            <a:ext cx="614176" cy="1"/>
-          </a:xfrm>
-          <a:prstGeom prst="line">
-            <a:avLst/>
-          </a:prstGeom>
-          <a:ln w="25400">
-            <a:solidFill>
-              <a:srgbClr val="000000"/>
-            </a:solidFill>
-            <a:miter lim="400000"/>
-            <a:tailEnd type="triangle"/>
-          </a:ln>
-        </p:spPr>
-        <p:txBody>
-          <a:bodyPr lIns="35719" tIns="35719" rIns="35719" bIns="35719" anchor="ctr"/>
-          <a:lstStyle/>
-          <a:p>
-            <a:pPr defTabSz="410766">
-              <a:defRPr sz="3200">
-                <a:solidFill>
-                  <a:srgbClr val="000000"/>
-                </a:solidFill>
-                <a:latin typeface="Helvetica Light"/>
-                <a:ea typeface="Helvetica Light"/>
-                <a:cs typeface="Helvetica Light"/>
-                <a:sym typeface="Helvetica Light"/>
-              </a:defRPr>
-            </a:pPr>
-            <a:endParaRPr sz="1600"/>
-          </a:p>
-        </p:txBody>
-      </p:sp>
-      <p:sp>
-        <p:nvSpPr>
-          <p:cNvPr id="450" name="j"/>
-          <p:cNvSpPr txBox="1"/>
-          <p:nvPr/>
-        </p:nvSpPr>
-        <p:spPr>
-          <a:xfrm>
-            <a:off x="7051582" y="5337901"/>
-            <a:ext cx="123432" cy="349135"/>
-          </a:xfrm>
-          <a:prstGeom prst="rect">
-            <a:avLst/>
-          </a:prstGeom>
-          <a:ln w="12700">
-            <a:miter lim="400000"/>
-          </a:ln>
-          <a:extLst>
-            <a:ext uri="{C572A759-6A51-4108-AA02-DFA0A04FC94B}">
-              <ma14:wrappingTextBoxFlag xmlns:ma14="http://schemas.microsoft.com/office/mac/drawingml/2011/main" xmlns:a14="http://schemas.microsoft.com/office/drawing/2010/main" xmlns:m="http://schemas.openxmlformats.org/officeDocument/2006/math" xmlns="" val="1"/>
-            </a:ext>
-          </a:extLst>
-        </p:spPr>
-        <p:txBody>
-          <a:bodyPr wrap="none" lIns="35719" tIns="35719" rIns="35719" bIns="35719" anchor="ctr">
-            <a:spAutoFit/>
-          </a:bodyPr>
-          <a:lstStyle>
-            <a:lvl1pPr defTabSz="821531">
-              <a:defRPr sz="3600">
-                <a:solidFill>
-                  <a:srgbClr val="000000"/>
-                </a:solidFill>
-                <a:latin typeface="Helvetica Light"/>
-                <a:ea typeface="Helvetica Light"/>
-                <a:cs typeface="Helvetica Light"/>
-                <a:sym typeface="Helvetica Light"/>
-              </a:defRPr>
-            </a:lvl1pPr>
-          </a:lstStyle>
-          <a:p>
-            <a:r>
-              <a:rPr sz="1800"/>
-              <a:t>j</a:t>
-            </a:r>
-          </a:p>
-        </p:txBody>
-      </p:sp>
-      <p:sp>
-        <p:nvSpPr>
-          <p:cNvPr id="451" name="..."/>
-          <p:cNvSpPr txBox="1"/>
-          <p:nvPr/>
-        </p:nvSpPr>
-        <p:spPr>
-          <a:xfrm>
-            <a:off x="6010740" y="5361916"/>
-            <a:ext cx="264497" cy="349135"/>
-          </a:xfrm>
-          <a:prstGeom prst="rect">
-            <a:avLst/>
-          </a:prstGeom>
-          <a:ln w="12700">
-            <a:miter lim="400000"/>
-          </a:ln>
-          <a:extLst>
-            <a:ext uri="{C572A759-6A51-4108-AA02-DFA0A04FC94B}">
-              <ma14:wrappingTextBoxFlag xmlns:ma14="http://schemas.microsoft.com/office/mac/drawingml/2011/main" xmlns:a14="http://schemas.microsoft.com/office/drawing/2010/main" xmlns:m="http://schemas.openxmlformats.org/officeDocument/2006/math" xmlns="" val="1"/>
-            </a:ext>
-          </a:extLst>
-        </p:spPr>
-        <p:txBody>
-          <a:bodyPr wrap="none" lIns="35719" tIns="35719" rIns="35719" bIns="35719" anchor="ctr">
-            <a:spAutoFit/>
-          </a:bodyPr>
-          <a:lstStyle>
-            <a:lvl1pPr defTabSz="821531">
-              <a:defRPr sz="3600">
-                <a:solidFill>
-                  <a:srgbClr val="000000"/>
-                </a:solidFill>
-                <a:latin typeface="Helvetica Light"/>
-                <a:ea typeface="Helvetica Light"/>
-                <a:cs typeface="Helvetica Light"/>
-                <a:sym typeface="Helvetica Light"/>
-              </a:defRPr>
-            </a:lvl1pPr>
-          </a:lstStyle>
-          <a:p>
-            <a:r>
-              <a:rPr sz="1800"/>
-              <a:t>...</a:t>
-            </a:r>
-          </a:p>
-        </p:txBody>
-      </p:sp>
-      <p:sp>
-        <p:nvSpPr>
-          <p:cNvPr id="452" name="Line"/>
-          <p:cNvSpPr/>
-          <p:nvPr/>
-        </p:nvSpPr>
-        <p:spPr>
-          <a:xfrm>
-            <a:off x="3673701" y="3911126"/>
-            <a:ext cx="1" cy="1818382"/>
-          </a:xfrm>
-          <a:prstGeom prst="line">
-            <a:avLst/>
-          </a:prstGeom>
-          <a:ln w="25400">
-            <a:solidFill>
-              <a:srgbClr val="000000"/>
-            </a:solidFill>
-            <a:miter lim="400000"/>
-            <a:tailEnd type="triangle"/>
-          </a:ln>
-        </p:spPr>
-        <p:txBody>
-          <a:bodyPr lIns="35719" tIns="35719" rIns="35719" bIns="35719" anchor="ctr"/>
-          <a:lstStyle/>
-          <a:p>
-            <a:pPr defTabSz="410766">
-              <a:defRPr sz="3200">
-                <a:solidFill>
-                  <a:srgbClr val="000000"/>
-                </a:solidFill>
-                <a:latin typeface="Helvetica Light"/>
-                <a:ea typeface="Helvetica Light"/>
-                <a:cs typeface="Helvetica Light"/>
-                <a:sym typeface="Helvetica Light"/>
-              </a:defRPr>
-            </a:pPr>
-            <a:endParaRPr sz="1600"/>
-          </a:p>
-        </p:txBody>
-      </p:sp>
-      <p:sp>
-        <p:nvSpPr>
-          <p:cNvPr id="453" name="processing of event queue"/>
-          <p:cNvSpPr txBox="1"/>
-          <p:nvPr/>
-        </p:nvSpPr>
-        <p:spPr>
-          <a:xfrm>
-            <a:off x="2694194" y="3378881"/>
-            <a:ext cx="1959015" cy="626133"/>
-          </a:xfrm>
-          <a:prstGeom prst="rect">
-            <a:avLst/>
-          </a:prstGeom>
-          <a:ln w="12700">
-            <a:miter lim="400000"/>
-          </a:ln>
-          <a:extLst>
-            <a:ext uri="{C572A759-6A51-4108-AA02-DFA0A04FC94B}">
-              <ma14:wrappingTextBoxFlag xmlns:ma14="http://schemas.microsoft.com/office/mac/drawingml/2011/main" xmlns:a14="http://schemas.microsoft.com/office/drawing/2010/main" xmlns:m="http://schemas.openxmlformats.org/officeDocument/2006/math" xmlns="" val="1"/>
-            </a:ext>
-          </a:extLst>
-        </p:spPr>
-        <p:txBody>
-          <a:bodyPr lIns="35719" tIns="35719" rIns="35719" bIns="35719" anchor="ctr">
-            <a:spAutoFit/>
-          </a:bodyPr>
-          <a:lstStyle>
-            <a:lvl1pPr defTabSz="821531">
-              <a:defRPr sz="3600">
-                <a:solidFill>
-                  <a:srgbClr val="000000"/>
-                </a:solidFill>
-                <a:latin typeface="Helvetica Light"/>
-                <a:ea typeface="Helvetica Light"/>
-                <a:cs typeface="Helvetica Light"/>
-                <a:sym typeface="Helvetica Light"/>
-              </a:defRPr>
-            </a:lvl1pPr>
-          </a:lstStyle>
-          <a:p>
-            <a:r>
-              <a:rPr sz="1800"/>
-              <a:t>processing of event queue</a:t>
-            </a:r>
-          </a:p>
-        </p:txBody>
-      </p:sp>
-      <p:sp>
-        <p:nvSpPr>
-          <p:cNvPr id="454" name="Line"/>
-          <p:cNvSpPr/>
-          <p:nvPr/>
-        </p:nvSpPr>
-        <p:spPr>
-          <a:xfrm>
-            <a:off x="6346541" y="5542898"/>
-            <a:ext cx="614176" cy="1"/>
-          </a:xfrm>
-          <a:prstGeom prst="line">
-            <a:avLst/>
-          </a:prstGeom>
-          <a:ln w="25400">
-            <a:solidFill>
-              <a:srgbClr val="000000"/>
-            </a:solidFill>
-            <a:miter lim="400000"/>
-            <a:tailEnd type="triangle"/>
-          </a:ln>
-        </p:spPr>
-        <p:txBody>
-          <a:bodyPr lIns="35719" tIns="35719" rIns="35719" bIns="35719" anchor="ctr"/>
-          <a:lstStyle/>
-          <a:p>
-            <a:pPr defTabSz="410766">
-              <a:defRPr sz="3200">
-                <a:solidFill>
-                  <a:srgbClr val="000000"/>
-                </a:solidFill>
-                <a:latin typeface="Helvetica Light"/>
-                <a:ea typeface="Helvetica Light"/>
-                <a:cs typeface="Helvetica Light"/>
-                <a:sym typeface="Helvetica Light"/>
-              </a:defRPr>
-            </a:pPr>
-            <a:endParaRPr sz="1600"/>
-          </a:p>
-        </p:txBody>
-      </p:sp>
-      <p:sp>
-        <p:nvSpPr>
-          <p:cNvPr id="455" name="j will not execute until after i"/>
-          <p:cNvSpPr txBox="1"/>
-          <p:nvPr/>
-        </p:nvSpPr>
-        <p:spPr>
-          <a:xfrm>
-            <a:off x="3861762" y="6066639"/>
-            <a:ext cx="3991478" cy="456856"/>
-          </a:xfrm>
-          <a:prstGeom prst="rect">
-            <a:avLst/>
-          </a:prstGeom>
-          <a:ln w="12700">
-            <a:miter lim="400000"/>
-          </a:ln>
-          <a:extLst>
-            <a:ext uri="{C572A759-6A51-4108-AA02-DFA0A04FC94B}">
-              <ma14:wrappingTextBoxFlag xmlns:ma14="http://schemas.microsoft.com/office/mac/drawingml/2011/main" xmlns:a14="http://schemas.microsoft.com/office/drawing/2010/main" xmlns:m="http://schemas.openxmlformats.org/officeDocument/2006/math" xmlns="" val="1"/>
-            </a:ext>
-          </a:extLst>
-        </p:spPr>
-        <p:txBody>
-          <a:bodyPr wrap="none" lIns="35719" tIns="35719" rIns="35719" bIns="35719" anchor="ctr">
-            <a:spAutoFit/>
-          </a:bodyPr>
-          <a:lstStyle>
-            <a:lvl1pPr algn="l" defTabSz="821531">
-              <a:spcBef>
-                <a:spcPts val="1500"/>
-              </a:spcBef>
-              <a:defRPr sz="5000" i="1">
-                <a:solidFill>
-                  <a:srgbClr val="000000"/>
-                </a:solidFill>
-                <a:latin typeface="Helvetica"/>
-                <a:ea typeface="Helvetica"/>
-                <a:cs typeface="Helvetica"/>
-                <a:sym typeface="Helvetica"/>
-              </a:defRPr>
-            </a:lvl1pPr>
-          </a:lstStyle>
-          <a:p>
-            <a:r>
-              <a:rPr sz="2500"/>
-              <a:t>j will not execute until after i</a:t>
             </a:r>
           </a:p>
         </p:txBody>
@@ -25152,6 +25028,1931 @@
 </file>
 
 <file path=ppt/slides/slide20.xml><?xml version="1.0" encoding="utf-8"?>
+<p:sld xmlns:a="http://schemas.openxmlformats.org/drawingml/2006/main" xmlns:r="http://schemas.openxmlformats.org/officeDocument/2006/relationships" xmlns:p="http://schemas.openxmlformats.org/presentationml/2006/main">
+  <p:cSld>
+    <p:spTree>
+      <p:nvGrpSpPr>
+        <p:cNvPr id="1" name=""/>
+        <p:cNvGrpSpPr/>
+        <p:nvPr/>
+      </p:nvGrpSpPr>
+      <p:grpSpPr>
+        <a:xfrm>
+          <a:off x="0" y="0"/>
+          <a:ext cx="0" cy="0"/>
+          <a:chOff x="0" y="0"/>
+          <a:chExt cx="0" cy="0"/>
+        </a:xfrm>
+      </p:grpSpPr>
+      <p:sp>
+        <p:nvSpPr>
+          <p:cNvPr id="412" name="Run-to-completion semantics"/>
+          <p:cNvSpPr txBox="1">
+            <a:spLocks noGrp="1"/>
+          </p:cNvSpPr>
+          <p:nvPr>
+            <p:ph type="title"/>
+          </p:nvPr>
+        </p:nvSpPr>
+        <p:spPr>
+          <a:prstGeom prst="rect">
+            <a:avLst/>
+          </a:prstGeom>
+        </p:spPr>
+        <p:txBody>
+          <a:bodyPr/>
+          <a:lstStyle/>
+          <a:p>
+            <a:r>
+              <a:rPr lang="en-US" dirty="0"/>
+              <a:t>Event Handlers “Run To Completion”</a:t>
+            </a:r>
+            <a:endParaRPr dirty="0"/>
+          </a:p>
+        </p:txBody>
+      </p:sp>
+      <p:sp>
+        <p:nvSpPr>
+          <p:cNvPr id="413" name="Slide Subtitle"/>
+          <p:cNvSpPr txBox="1">
+            <a:spLocks noGrp="1"/>
+          </p:cNvSpPr>
+          <p:nvPr>
+            <p:ph type="body" idx="21"/>
+          </p:nvPr>
+        </p:nvSpPr>
+        <p:spPr>
+          <a:prstGeom prst="rect">
+            <a:avLst/>
+          </a:prstGeom>
+        </p:spPr>
+        <p:txBody>
+          <a:bodyPr>
+            <a:normAutofit fontScale="92500" lnSpcReduction="10000"/>
+          </a:bodyPr>
+          <a:lstStyle/>
+          <a:p>
+            <a:r>
+              <a:rPr lang="en-US" dirty="0"/>
+              <a:t>AKA: Your code will not be “interrupted”</a:t>
+            </a:r>
+            <a:endParaRPr dirty="0"/>
+          </a:p>
+        </p:txBody>
+      </p:sp>
+      <p:sp>
+        <p:nvSpPr>
+          <p:cNvPr id="414" name="Run-to-completion…"/>
+          <p:cNvSpPr txBox="1">
+            <a:spLocks noGrp="1"/>
+          </p:cNvSpPr>
+          <p:nvPr>
+            <p:ph type="body" idx="1"/>
+          </p:nvPr>
+        </p:nvSpPr>
+        <p:spPr>
+          <a:prstGeom prst="rect">
+            <a:avLst/>
+          </a:prstGeom>
+        </p:spPr>
+        <p:txBody>
+          <a:bodyPr/>
+          <a:lstStyle/>
+          <a:p>
+            <a:r>
+              <a:rPr dirty="0"/>
+              <a:t>The function handling an event and the functions that it (transitively) synchronously calls will keep executing until the function finishes.</a:t>
+            </a:r>
+          </a:p>
+          <a:p>
+            <a:r>
+              <a:rPr dirty="0"/>
+              <a:t>The JS engine will not handle the next event until the event handler finishes.</a:t>
+            </a:r>
+          </a:p>
+        </p:txBody>
+      </p:sp>
+      <p:sp>
+        <p:nvSpPr>
+          <p:cNvPr id="415" name="handler1"/>
+          <p:cNvSpPr txBox="1"/>
+          <p:nvPr/>
+        </p:nvSpPr>
+        <p:spPr>
+          <a:xfrm>
+            <a:off x="3971123" y="4608373"/>
+            <a:ext cx="982641" cy="349135"/>
+          </a:xfrm>
+          <a:prstGeom prst="rect">
+            <a:avLst/>
+          </a:prstGeom>
+          <a:ln w="12700">
+            <a:miter lim="400000"/>
+          </a:ln>
+          <a:extLst>
+            <a:ext uri="{C572A759-6A51-4108-AA02-DFA0A04FC94B}">
+              <ma14:wrappingTextBoxFlag xmlns:ma14="http://schemas.microsoft.com/office/mac/drawingml/2011/main" xmlns:a14="http://schemas.microsoft.com/office/drawing/2010/main" xmlns:m="http://schemas.openxmlformats.org/officeDocument/2006/math" xmlns="" val="1"/>
+            </a:ext>
+          </a:extLst>
+        </p:spPr>
+        <p:txBody>
+          <a:bodyPr wrap="none" lIns="35719" tIns="35719" rIns="35719" bIns="35719" anchor="ctr">
+            <a:spAutoFit/>
+          </a:bodyPr>
+          <a:lstStyle>
+            <a:lvl1pPr defTabSz="821531">
+              <a:defRPr sz="3600">
+                <a:solidFill>
+                  <a:srgbClr val="000000"/>
+                </a:solidFill>
+                <a:latin typeface="Helvetica Light"/>
+                <a:ea typeface="Helvetica Light"/>
+                <a:cs typeface="Helvetica Light"/>
+                <a:sym typeface="Helvetica Light"/>
+              </a:defRPr>
+            </a:lvl1pPr>
+          </a:lstStyle>
+          <a:p>
+            <a:r>
+              <a:rPr sz="1800"/>
+              <a:t>handler1</a:t>
+            </a:r>
+          </a:p>
+        </p:txBody>
+      </p:sp>
+      <p:sp>
+        <p:nvSpPr>
+          <p:cNvPr id="416" name="f"/>
+          <p:cNvSpPr txBox="1"/>
+          <p:nvPr/>
+        </p:nvSpPr>
+        <p:spPr>
+          <a:xfrm>
+            <a:off x="5587367" y="4256168"/>
+            <a:ext cx="136256" cy="349135"/>
+          </a:xfrm>
+          <a:prstGeom prst="rect">
+            <a:avLst/>
+          </a:prstGeom>
+          <a:ln w="12700">
+            <a:miter lim="400000"/>
+          </a:ln>
+          <a:extLst>
+            <a:ext uri="{C572A759-6A51-4108-AA02-DFA0A04FC94B}">
+              <ma14:wrappingTextBoxFlag xmlns:ma14="http://schemas.microsoft.com/office/mac/drawingml/2011/main" xmlns:a14="http://schemas.microsoft.com/office/drawing/2010/main" xmlns:m="http://schemas.openxmlformats.org/officeDocument/2006/math" xmlns="" val="1"/>
+            </a:ext>
+          </a:extLst>
+        </p:spPr>
+        <p:txBody>
+          <a:bodyPr wrap="none" lIns="35719" tIns="35719" rIns="35719" bIns="35719" anchor="ctr">
+            <a:spAutoFit/>
+          </a:bodyPr>
+          <a:lstStyle>
+            <a:lvl1pPr defTabSz="821531">
+              <a:defRPr sz="3600">
+                <a:solidFill>
+                  <a:srgbClr val="000000"/>
+                </a:solidFill>
+                <a:latin typeface="Helvetica Light"/>
+                <a:ea typeface="Helvetica Light"/>
+                <a:cs typeface="Helvetica Light"/>
+                <a:sym typeface="Helvetica Light"/>
+              </a:defRPr>
+            </a:lvl1pPr>
+          </a:lstStyle>
+          <a:p>
+            <a:r>
+              <a:rPr sz="1800"/>
+              <a:t>f</a:t>
+            </a:r>
+          </a:p>
+        </p:txBody>
+      </p:sp>
+      <p:sp>
+        <p:nvSpPr>
+          <p:cNvPr id="417" name="h"/>
+          <p:cNvSpPr txBox="1"/>
+          <p:nvPr/>
+        </p:nvSpPr>
+        <p:spPr>
+          <a:xfrm>
+            <a:off x="5555307" y="4786968"/>
+            <a:ext cx="200376" cy="349135"/>
+          </a:xfrm>
+          <a:prstGeom prst="rect">
+            <a:avLst/>
+          </a:prstGeom>
+          <a:ln w="12700">
+            <a:miter lim="400000"/>
+          </a:ln>
+          <a:extLst>
+            <a:ext uri="{C572A759-6A51-4108-AA02-DFA0A04FC94B}">
+              <ma14:wrappingTextBoxFlag xmlns:ma14="http://schemas.microsoft.com/office/mac/drawingml/2011/main" xmlns:a14="http://schemas.microsoft.com/office/drawing/2010/main" xmlns:m="http://schemas.openxmlformats.org/officeDocument/2006/math" xmlns="" val="1"/>
+            </a:ext>
+          </a:extLst>
+        </p:spPr>
+        <p:txBody>
+          <a:bodyPr wrap="none" lIns="35719" tIns="35719" rIns="35719" bIns="35719" anchor="ctr">
+            <a:spAutoFit/>
+          </a:bodyPr>
+          <a:lstStyle>
+            <a:lvl1pPr defTabSz="821531">
+              <a:defRPr sz="3600">
+                <a:solidFill>
+                  <a:srgbClr val="000000"/>
+                </a:solidFill>
+                <a:latin typeface="Helvetica Light"/>
+                <a:ea typeface="Helvetica Light"/>
+                <a:cs typeface="Helvetica Light"/>
+                <a:sym typeface="Helvetica Light"/>
+              </a:defRPr>
+            </a:lvl1pPr>
+          </a:lstStyle>
+          <a:p>
+            <a:r>
+              <a:rPr sz="1800"/>
+              <a:t>h</a:t>
+            </a:r>
+          </a:p>
+        </p:txBody>
+      </p:sp>
+      <p:sp>
+        <p:nvSpPr>
+          <p:cNvPr id="418" name="g"/>
+          <p:cNvSpPr txBox="1"/>
+          <p:nvPr/>
+        </p:nvSpPr>
+        <p:spPr>
+          <a:xfrm>
+            <a:off x="6785947" y="4256168"/>
+            <a:ext cx="213200" cy="349135"/>
+          </a:xfrm>
+          <a:prstGeom prst="rect">
+            <a:avLst/>
+          </a:prstGeom>
+          <a:ln w="12700">
+            <a:miter lim="400000"/>
+          </a:ln>
+          <a:extLst>
+            <a:ext uri="{C572A759-6A51-4108-AA02-DFA0A04FC94B}">
+              <ma14:wrappingTextBoxFlag xmlns:ma14="http://schemas.microsoft.com/office/mac/drawingml/2011/main" xmlns:a14="http://schemas.microsoft.com/office/drawing/2010/main" xmlns:m="http://schemas.openxmlformats.org/officeDocument/2006/math" xmlns="" val="1"/>
+            </a:ext>
+          </a:extLst>
+        </p:spPr>
+        <p:txBody>
+          <a:bodyPr wrap="none" lIns="35719" tIns="35719" rIns="35719" bIns="35719" anchor="ctr">
+            <a:spAutoFit/>
+          </a:bodyPr>
+          <a:lstStyle>
+            <a:lvl1pPr defTabSz="821531">
+              <a:defRPr sz="3600">
+                <a:solidFill>
+                  <a:srgbClr val="000000"/>
+                </a:solidFill>
+                <a:latin typeface="Helvetica Light"/>
+                <a:ea typeface="Helvetica Light"/>
+                <a:cs typeface="Helvetica Light"/>
+                <a:sym typeface="Helvetica Light"/>
+              </a:defRPr>
+            </a:lvl1pPr>
+          </a:lstStyle>
+          <a:p>
+            <a:r>
+              <a:rPr sz="1800"/>
+              <a:t>g</a:t>
+            </a:r>
+          </a:p>
+        </p:txBody>
+      </p:sp>
+      <p:sp>
+        <p:nvSpPr>
+          <p:cNvPr id="419" name="handler2"/>
+          <p:cNvSpPr txBox="1"/>
+          <p:nvPr/>
+        </p:nvSpPr>
+        <p:spPr>
+          <a:xfrm>
+            <a:off x="3971123" y="5875009"/>
+            <a:ext cx="982641" cy="349135"/>
+          </a:xfrm>
+          <a:prstGeom prst="rect">
+            <a:avLst/>
+          </a:prstGeom>
+          <a:ln w="12700">
+            <a:miter lim="400000"/>
+          </a:ln>
+          <a:extLst>
+            <a:ext uri="{C572A759-6A51-4108-AA02-DFA0A04FC94B}">
+              <ma14:wrappingTextBoxFlag xmlns:ma14="http://schemas.microsoft.com/office/mac/drawingml/2011/main" xmlns:a14="http://schemas.microsoft.com/office/drawing/2010/main" xmlns:m="http://schemas.openxmlformats.org/officeDocument/2006/math" xmlns="" val="1"/>
+            </a:ext>
+          </a:extLst>
+        </p:spPr>
+        <p:txBody>
+          <a:bodyPr wrap="none" lIns="35719" tIns="35719" rIns="35719" bIns="35719" anchor="ctr">
+            <a:spAutoFit/>
+          </a:bodyPr>
+          <a:lstStyle>
+            <a:lvl1pPr defTabSz="821531">
+              <a:defRPr sz="3600">
+                <a:solidFill>
+                  <a:srgbClr val="000000"/>
+                </a:solidFill>
+                <a:latin typeface="Helvetica Light"/>
+                <a:ea typeface="Helvetica Light"/>
+                <a:cs typeface="Helvetica Light"/>
+                <a:sym typeface="Helvetica Light"/>
+              </a:defRPr>
+            </a:lvl1pPr>
+          </a:lstStyle>
+          <a:p>
+            <a:r>
+              <a:rPr sz="1800"/>
+              <a:t>handler2</a:t>
+            </a:r>
+          </a:p>
+        </p:txBody>
+      </p:sp>
+      <p:sp>
+        <p:nvSpPr>
+          <p:cNvPr id="420" name="Line"/>
+          <p:cNvSpPr/>
+          <p:nvPr/>
+        </p:nvSpPr>
+        <p:spPr>
+          <a:xfrm>
+            <a:off x="5811400" y="4466681"/>
+            <a:ext cx="892969" cy="1"/>
+          </a:xfrm>
+          <a:prstGeom prst="line">
+            <a:avLst/>
+          </a:prstGeom>
+          <a:ln w="25400">
+            <a:solidFill>
+              <a:srgbClr val="000000"/>
+            </a:solidFill>
+            <a:miter lim="400000"/>
+            <a:tailEnd type="triangle"/>
+          </a:ln>
+        </p:spPr>
+        <p:txBody>
+          <a:bodyPr lIns="35719" tIns="35719" rIns="35719" bIns="35719" anchor="ctr"/>
+          <a:lstStyle/>
+          <a:p>
+            <a:pPr defTabSz="410766">
+              <a:defRPr sz="3200">
+                <a:solidFill>
+                  <a:srgbClr val="000000"/>
+                </a:solidFill>
+                <a:latin typeface="Helvetica Light"/>
+                <a:ea typeface="Helvetica Light"/>
+                <a:cs typeface="Helvetica Light"/>
+                <a:sym typeface="Helvetica Light"/>
+              </a:defRPr>
+            </a:pPr>
+            <a:endParaRPr sz="1600"/>
+          </a:p>
+        </p:txBody>
+      </p:sp>
+      <p:sp>
+        <p:nvSpPr>
+          <p:cNvPr id="421" name="Line"/>
+          <p:cNvSpPr/>
+          <p:nvPr/>
+        </p:nvSpPr>
+        <p:spPr>
+          <a:xfrm>
+            <a:off x="5811400" y="4997253"/>
+            <a:ext cx="892969" cy="1"/>
+          </a:xfrm>
+          <a:prstGeom prst="line">
+            <a:avLst/>
+          </a:prstGeom>
+          <a:ln w="25400">
+            <a:solidFill>
+              <a:srgbClr val="000000"/>
+            </a:solidFill>
+            <a:miter lim="400000"/>
+            <a:tailEnd type="triangle"/>
+          </a:ln>
+        </p:spPr>
+        <p:txBody>
+          <a:bodyPr lIns="35719" tIns="35719" rIns="35719" bIns="35719" anchor="ctr"/>
+          <a:lstStyle/>
+          <a:p>
+            <a:pPr defTabSz="410766">
+              <a:defRPr sz="3200">
+                <a:solidFill>
+                  <a:srgbClr val="000000"/>
+                </a:solidFill>
+                <a:latin typeface="Helvetica Light"/>
+                <a:ea typeface="Helvetica Light"/>
+                <a:cs typeface="Helvetica Light"/>
+                <a:sym typeface="Helvetica Light"/>
+              </a:defRPr>
+            </a:pPr>
+            <a:endParaRPr sz="1600"/>
+          </a:p>
+        </p:txBody>
+      </p:sp>
+      <p:sp>
+        <p:nvSpPr>
+          <p:cNvPr id="422" name="..."/>
+          <p:cNvSpPr txBox="1"/>
+          <p:nvPr/>
+        </p:nvSpPr>
+        <p:spPr>
+          <a:xfrm>
+            <a:off x="6760297" y="4786968"/>
+            <a:ext cx="264497" cy="349135"/>
+          </a:xfrm>
+          <a:prstGeom prst="rect">
+            <a:avLst/>
+          </a:prstGeom>
+          <a:ln w="12700">
+            <a:miter lim="400000"/>
+          </a:ln>
+          <a:extLst>
+            <a:ext uri="{C572A759-6A51-4108-AA02-DFA0A04FC94B}">
+              <ma14:wrappingTextBoxFlag xmlns:ma14="http://schemas.microsoft.com/office/mac/drawingml/2011/main" xmlns:a14="http://schemas.microsoft.com/office/drawing/2010/main" xmlns:m="http://schemas.openxmlformats.org/officeDocument/2006/math" xmlns="" val="1"/>
+            </a:ext>
+          </a:extLst>
+        </p:spPr>
+        <p:txBody>
+          <a:bodyPr wrap="none" lIns="35719" tIns="35719" rIns="35719" bIns="35719" anchor="ctr">
+            <a:spAutoFit/>
+          </a:bodyPr>
+          <a:lstStyle>
+            <a:lvl1pPr defTabSz="821531">
+              <a:defRPr sz="3600">
+                <a:solidFill>
+                  <a:srgbClr val="000000"/>
+                </a:solidFill>
+                <a:latin typeface="Helvetica Light"/>
+                <a:ea typeface="Helvetica Light"/>
+                <a:cs typeface="Helvetica Light"/>
+                <a:sym typeface="Helvetica Light"/>
+              </a:defRPr>
+            </a:lvl1pPr>
+          </a:lstStyle>
+          <a:p>
+            <a:r>
+              <a:rPr sz="1800"/>
+              <a:t>...</a:t>
+            </a:r>
+          </a:p>
+        </p:txBody>
+      </p:sp>
+      <p:sp>
+        <p:nvSpPr>
+          <p:cNvPr id="423" name="Line"/>
+          <p:cNvSpPr/>
+          <p:nvPr/>
+        </p:nvSpPr>
+        <p:spPr>
+          <a:xfrm flipV="1">
+            <a:off x="4992716" y="4514706"/>
+            <a:ext cx="530110" cy="193330"/>
+          </a:xfrm>
+          <a:prstGeom prst="line">
+            <a:avLst/>
+          </a:prstGeom>
+          <a:ln w="25400">
+            <a:solidFill>
+              <a:srgbClr val="000000"/>
+            </a:solidFill>
+            <a:miter lim="400000"/>
+            <a:tailEnd type="triangle"/>
+          </a:ln>
+        </p:spPr>
+        <p:txBody>
+          <a:bodyPr lIns="35719" tIns="35719" rIns="35719" bIns="35719" anchor="ctr"/>
+          <a:lstStyle/>
+          <a:p>
+            <a:pPr defTabSz="410766">
+              <a:defRPr sz="3200">
+                <a:solidFill>
+                  <a:srgbClr val="000000"/>
+                </a:solidFill>
+                <a:latin typeface="Helvetica Light"/>
+                <a:ea typeface="Helvetica Light"/>
+                <a:cs typeface="Helvetica Light"/>
+                <a:sym typeface="Helvetica Light"/>
+              </a:defRPr>
+            </a:pPr>
+            <a:endParaRPr sz="1600"/>
+          </a:p>
+        </p:txBody>
+      </p:sp>
+      <p:sp>
+        <p:nvSpPr>
+          <p:cNvPr id="424" name="Line"/>
+          <p:cNvSpPr/>
+          <p:nvPr/>
+        </p:nvSpPr>
+        <p:spPr>
+          <a:xfrm>
+            <a:off x="7080723" y="4997253"/>
+            <a:ext cx="892970" cy="1"/>
+          </a:xfrm>
+          <a:prstGeom prst="line">
+            <a:avLst/>
+          </a:prstGeom>
+          <a:ln w="25400">
+            <a:solidFill>
+              <a:srgbClr val="000000"/>
+            </a:solidFill>
+            <a:miter lim="400000"/>
+            <a:tailEnd type="triangle"/>
+          </a:ln>
+        </p:spPr>
+        <p:txBody>
+          <a:bodyPr lIns="35719" tIns="35719" rIns="35719" bIns="35719" anchor="ctr"/>
+          <a:lstStyle/>
+          <a:p>
+            <a:pPr defTabSz="410766">
+              <a:defRPr sz="3200">
+                <a:solidFill>
+                  <a:srgbClr val="000000"/>
+                </a:solidFill>
+                <a:latin typeface="Helvetica Light"/>
+                <a:ea typeface="Helvetica Light"/>
+                <a:cs typeface="Helvetica Light"/>
+                <a:sym typeface="Helvetica Light"/>
+              </a:defRPr>
+            </a:pPr>
+            <a:endParaRPr sz="1600"/>
+          </a:p>
+        </p:txBody>
+      </p:sp>
+      <p:sp>
+        <p:nvSpPr>
+          <p:cNvPr id="425" name="i"/>
+          <p:cNvSpPr txBox="1"/>
+          <p:nvPr/>
+        </p:nvSpPr>
+        <p:spPr>
+          <a:xfrm>
+            <a:off x="8061498" y="4786968"/>
+            <a:ext cx="123432" cy="349135"/>
+          </a:xfrm>
+          <a:prstGeom prst="rect">
+            <a:avLst/>
+          </a:prstGeom>
+          <a:ln w="12700">
+            <a:miter lim="400000"/>
+          </a:ln>
+          <a:extLst>
+            <a:ext uri="{C572A759-6A51-4108-AA02-DFA0A04FC94B}">
+              <ma14:wrappingTextBoxFlag xmlns:ma14="http://schemas.microsoft.com/office/mac/drawingml/2011/main" xmlns:a14="http://schemas.microsoft.com/office/drawing/2010/main" xmlns:m="http://schemas.openxmlformats.org/officeDocument/2006/math" xmlns="" val="1"/>
+            </a:ext>
+          </a:extLst>
+        </p:spPr>
+        <p:txBody>
+          <a:bodyPr wrap="none" lIns="35719" tIns="35719" rIns="35719" bIns="35719" anchor="ctr">
+            <a:spAutoFit/>
+          </a:bodyPr>
+          <a:lstStyle>
+            <a:lvl1pPr defTabSz="821531">
+              <a:defRPr sz="3600">
+                <a:solidFill>
+                  <a:srgbClr val="000000"/>
+                </a:solidFill>
+                <a:latin typeface="Helvetica Light"/>
+                <a:ea typeface="Helvetica Light"/>
+                <a:cs typeface="Helvetica Light"/>
+                <a:sym typeface="Helvetica Light"/>
+              </a:defRPr>
+            </a:lvl1pPr>
+          </a:lstStyle>
+          <a:p>
+            <a:r>
+              <a:rPr sz="1800"/>
+              <a:t>i</a:t>
+            </a:r>
+          </a:p>
+        </p:txBody>
+      </p:sp>
+      <p:sp>
+        <p:nvSpPr>
+          <p:cNvPr id="426" name="Line"/>
+          <p:cNvSpPr/>
+          <p:nvPr/>
+        </p:nvSpPr>
+        <p:spPr>
+          <a:xfrm>
+            <a:off x="5049475" y="4839471"/>
+            <a:ext cx="480889" cy="191383"/>
+          </a:xfrm>
+          <a:prstGeom prst="line">
+            <a:avLst/>
+          </a:prstGeom>
+          <a:ln w="25400">
+            <a:solidFill>
+              <a:srgbClr val="000000"/>
+            </a:solidFill>
+            <a:miter lim="400000"/>
+            <a:tailEnd type="triangle"/>
+          </a:ln>
+        </p:spPr>
+        <p:txBody>
+          <a:bodyPr lIns="35719" tIns="35719" rIns="35719" bIns="35719" anchor="ctr"/>
+          <a:lstStyle/>
+          <a:p>
+            <a:pPr defTabSz="410766">
+              <a:defRPr sz="3200">
+                <a:solidFill>
+                  <a:srgbClr val="000000"/>
+                </a:solidFill>
+                <a:latin typeface="Helvetica Light"/>
+                <a:ea typeface="Helvetica Light"/>
+                <a:cs typeface="Helvetica Light"/>
+                <a:sym typeface="Helvetica Light"/>
+              </a:defRPr>
+            </a:pPr>
+            <a:endParaRPr sz="1600"/>
+          </a:p>
+        </p:txBody>
+      </p:sp>
+      <p:sp>
+        <p:nvSpPr>
+          <p:cNvPr id="427" name="Line"/>
+          <p:cNvSpPr/>
+          <p:nvPr/>
+        </p:nvSpPr>
+        <p:spPr>
+          <a:xfrm>
+            <a:off x="5138772" y="6071704"/>
+            <a:ext cx="614176" cy="1"/>
+          </a:xfrm>
+          <a:prstGeom prst="line">
+            <a:avLst/>
+          </a:prstGeom>
+          <a:ln w="25400">
+            <a:solidFill>
+              <a:srgbClr val="000000"/>
+            </a:solidFill>
+            <a:miter lim="400000"/>
+            <a:tailEnd type="triangle"/>
+          </a:ln>
+        </p:spPr>
+        <p:txBody>
+          <a:bodyPr lIns="35719" tIns="35719" rIns="35719" bIns="35719" anchor="ctr"/>
+          <a:lstStyle/>
+          <a:p>
+            <a:pPr defTabSz="410766">
+              <a:defRPr sz="3200">
+                <a:solidFill>
+                  <a:srgbClr val="000000"/>
+                </a:solidFill>
+                <a:latin typeface="Helvetica Light"/>
+                <a:ea typeface="Helvetica Light"/>
+                <a:cs typeface="Helvetica Light"/>
+                <a:sym typeface="Helvetica Light"/>
+              </a:defRPr>
+            </a:pPr>
+            <a:endParaRPr sz="1600"/>
+          </a:p>
+        </p:txBody>
+      </p:sp>
+      <p:sp>
+        <p:nvSpPr>
+          <p:cNvPr id="428" name="j"/>
+          <p:cNvSpPr txBox="1"/>
+          <p:nvPr/>
+        </p:nvSpPr>
+        <p:spPr>
+          <a:xfrm>
+            <a:off x="6830831" y="5897137"/>
+            <a:ext cx="123432" cy="349135"/>
+          </a:xfrm>
+          <a:prstGeom prst="rect">
+            <a:avLst/>
+          </a:prstGeom>
+          <a:ln w="12700">
+            <a:miter lim="400000"/>
+          </a:ln>
+          <a:extLst>
+            <a:ext uri="{C572A759-6A51-4108-AA02-DFA0A04FC94B}">
+              <ma14:wrappingTextBoxFlag xmlns:ma14="http://schemas.microsoft.com/office/mac/drawingml/2011/main" xmlns:a14="http://schemas.microsoft.com/office/drawing/2010/main" xmlns:m="http://schemas.openxmlformats.org/officeDocument/2006/math" xmlns="" val="1"/>
+            </a:ext>
+          </a:extLst>
+        </p:spPr>
+        <p:txBody>
+          <a:bodyPr wrap="none" lIns="35719" tIns="35719" rIns="35719" bIns="35719" anchor="ctr">
+            <a:spAutoFit/>
+          </a:bodyPr>
+          <a:lstStyle>
+            <a:lvl1pPr defTabSz="821531">
+              <a:defRPr sz="3600">
+                <a:solidFill>
+                  <a:srgbClr val="000000"/>
+                </a:solidFill>
+                <a:latin typeface="Helvetica Light"/>
+                <a:ea typeface="Helvetica Light"/>
+                <a:cs typeface="Helvetica Light"/>
+                <a:sym typeface="Helvetica Light"/>
+              </a:defRPr>
+            </a:lvl1pPr>
+          </a:lstStyle>
+          <a:p>
+            <a:r>
+              <a:rPr sz="1800"/>
+              <a:t>j</a:t>
+            </a:r>
+          </a:p>
+        </p:txBody>
+      </p:sp>
+      <p:sp>
+        <p:nvSpPr>
+          <p:cNvPr id="429" name="..."/>
+          <p:cNvSpPr txBox="1"/>
+          <p:nvPr/>
+        </p:nvSpPr>
+        <p:spPr>
+          <a:xfrm>
+            <a:off x="5789989" y="5921152"/>
+            <a:ext cx="264497" cy="349135"/>
+          </a:xfrm>
+          <a:prstGeom prst="rect">
+            <a:avLst/>
+          </a:prstGeom>
+          <a:ln w="12700">
+            <a:miter lim="400000"/>
+          </a:ln>
+          <a:extLst>
+            <a:ext uri="{C572A759-6A51-4108-AA02-DFA0A04FC94B}">
+              <ma14:wrappingTextBoxFlag xmlns:ma14="http://schemas.microsoft.com/office/mac/drawingml/2011/main" xmlns:a14="http://schemas.microsoft.com/office/drawing/2010/main" xmlns:m="http://schemas.openxmlformats.org/officeDocument/2006/math" xmlns="" val="1"/>
+            </a:ext>
+          </a:extLst>
+        </p:spPr>
+        <p:txBody>
+          <a:bodyPr wrap="none" lIns="35719" tIns="35719" rIns="35719" bIns="35719" anchor="ctr">
+            <a:spAutoFit/>
+          </a:bodyPr>
+          <a:lstStyle>
+            <a:lvl1pPr defTabSz="821531">
+              <a:defRPr sz="3600">
+                <a:solidFill>
+                  <a:srgbClr val="000000"/>
+                </a:solidFill>
+                <a:latin typeface="Helvetica Light"/>
+                <a:ea typeface="Helvetica Light"/>
+                <a:cs typeface="Helvetica Light"/>
+                <a:sym typeface="Helvetica Light"/>
+              </a:defRPr>
+            </a:lvl1pPr>
+          </a:lstStyle>
+          <a:p>
+            <a:r>
+              <a:rPr sz="1800"/>
+              <a:t>...</a:t>
+            </a:r>
+          </a:p>
+        </p:txBody>
+      </p:sp>
+      <p:sp>
+        <p:nvSpPr>
+          <p:cNvPr id="430" name="Line"/>
+          <p:cNvSpPr/>
+          <p:nvPr/>
+        </p:nvSpPr>
+        <p:spPr>
+          <a:xfrm>
+            <a:off x="3452950" y="4470361"/>
+            <a:ext cx="1" cy="1818382"/>
+          </a:xfrm>
+          <a:prstGeom prst="line">
+            <a:avLst/>
+          </a:prstGeom>
+          <a:ln w="25400">
+            <a:solidFill>
+              <a:srgbClr val="000000"/>
+            </a:solidFill>
+            <a:miter lim="400000"/>
+            <a:tailEnd type="triangle"/>
+          </a:ln>
+        </p:spPr>
+        <p:txBody>
+          <a:bodyPr lIns="35719" tIns="35719" rIns="35719" bIns="35719" anchor="ctr"/>
+          <a:lstStyle/>
+          <a:p>
+            <a:pPr defTabSz="410766">
+              <a:defRPr sz="3200">
+                <a:solidFill>
+                  <a:srgbClr val="000000"/>
+                </a:solidFill>
+                <a:latin typeface="Helvetica Light"/>
+                <a:ea typeface="Helvetica Light"/>
+                <a:cs typeface="Helvetica Light"/>
+                <a:sym typeface="Helvetica Light"/>
+              </a:defRPr>
+            </a:pPr>
+            <a:endParaRPr sz="1600"/>
+          </a:p>
+        </p:txBody>
+      </p:sp>
+      <p:sp>
+        <p:nvSpPr>
+          <p:cNvPr id="431" name="processing of event queue"/>
+          <p:cNvSpPr txBox="1"/>
+          <p:nvPr/>
+        </p:nvSpPr>
+        <p:spPr>
+          <a:xfrm>
+            <a:off x="2473443" y="3938117"/>
+            <a:ext cx="1959015" cy="626133"/>
+          </a:xfrm>
+          <a:prstGeom prst="rect">
+            <a:avLst/>
+          </a:prstGeom>
+          <a:ln w="12700">
+            <a:miter lim="400000"/>
+          </a:ln>
+          <a:extLst>
+            <a:ext uri="{C572A759-6A51-4108-AA02-DFA0A04FC94B}">
+              <ma14:wrappingTextBoxFlag xmlns:ma14="http://schemas.microsoft.com/office/mac/drawingml/2011/main" xmlns:a14="http://schemas.microsoft.com/office/drawing/2010/main" xmlns:m="http://schemas.openxmlformats.org/officeDocument/2006/math" xmlns="" val="1"/>
+            </a:ext>
+          </a:extLst>
+        </p:spPr>
+        <p:txBody>
+          <a:bodyPr lIns="35719" tIns="35719" rIns="35719" bIns="35719" anchor="ctr">
+            <a:spAutoFit/>
+          </a:bodyPr>
+          <a:lstStyle>
+            <a:lvl1pPr defTabSz="821531">
+              <a:defRPr sz="3600">
+                <a:solidFill>
+                  <a:srgbClr val="000000"/>
+                </a:solidFill>
+                <a:latin typeface="Helvetica Light"/>
+                <a:ea typeface="Helvetica Light"/>
+                <a:cs typeface="Helvetica Light"/>
+                <a:sym typeface="Helvetica Light"/>
+              </a:defRPr>
+            </a:lvl1pPr>
+          </a:lstStyle>
+          <a:p>
+            <a:r>
+              <a:rPr sz="1800"/>
+              <a:t>processing of event queue</a:t>
+            </a:r>
+          </a:p>
+        </p:txBody>
+      </p:sp>
+      <p:sp>
+        <p:nvSpPr>
+          <p:cNvPr id="432" name="Line"/>
+          <p:cNvSpPr/>
+          <p:nvPr/>
+        </p:nvSpPr>
+        <p:spPr>
+          <a:xfrm>
+            <a:off x="6125790" y="6102134"/>
+            <a:ext cx="614175" cy="1"/>
+          </a:xfrm>
+          <a:prstGeom prst="line">
+            <a:avLst/>
+          </a:prstGeom>
+          <a:ln w="25400">
+            <a:solidFill>
+              <a:srgbClr val="000000"/>
+            </a:solidFill>
+            <a:miter lim="400000"/>
+            <a:tailEnd type="triangle"/>
+          </a:ln>
+        </p:spPr>
+        <p:txBody>
+          <a:bodyPr lIns="35719" tIns="35719" rIns="35719" bIns="35719" anchor="ctr"/>
+          <a:lstStyle/>
+          <a:p>
+            <a:pPr defTabSz="410766">
+              <a:defRPr sz="3200">
+                <a:solidFill>
+                  <a:srgbClr val="000000"/>
+                </a:solidFill>
+                <a:latin typeface="Helvetica Light"/>
+                <a:ea typeface="Helvetica Light"/>
+                <a:cs typeface="Helvetica Light"/>
+                <a:sym typeface="Helvetica Light"/>
+              </a:defRPr>
+            </a:pPr>
+            <a:endParaRPr sz="1600"/>
+          </a:p>
+        </p:txBody>
+      </p:sp>
+    </p:spTree>
+  </p:cSld>
+  <p:clrMapOvr>
+    <a:masterClrMapping/>
+  </p:clrMapOvr>
+  <mc:AlternateContent xmlns:mc="http://schemas.openxmlformats.org/markup-compatibility/2006">
+    <mc:Choice xmlns:p14="http://schemas.microsoft.com/office/powerpoint/2010/main" Requires="p14">
+      <p:transition p14:dur="0"/>
+    </mc:Choice>
+    <mc:Fallback>
+      <p:transition/>
+    </mc:Fallback>
+  </mc:AlternateContent>
+</p:sld>
+</file>
+
+<file path=ppt/slides/slide21.xml><?xml version="1.0" encoding="utf-8"?>
+<p:sld xmlns:a="http://schemas.openxmlformats.org/drawingml/2006/main" xmlns:r="http://schemas.openxmlformats.org/officeDocument/2006/relationships" xmlns:p="http://schemas.openxmlformats.org/presentationml/2006/main">
+  <p:cSld>
+    <p:spTree>
+      <p:nvGrpSpPr>
+        <p:cNvPr id="1" name=""/>
+        <p:cNvGrpSpPr/>
+        <p:nvPr/>
+      </p:nvGrpSpPr>
+      <p:grpSpPr>
+        <a:xfrm>
+          <a:off x="0" y="0"/>
+          <a:ext cx="0" cy="0"/>
+          <a:chOff x="0" y="0"/>
+          <a:chExt cx="0" cy="0"/>
+        </a:xfrm>
+      </p:grpSpPr>
+      <p:sp>
+        <p:nvSpPr>
+          <p:cNvPr id="434" name="Implications of run-to-completion"/>
+          <p:cNvSpPr txBox="1">
+            <a:spLocks noGrp="1"/>
+          </p:cNvSpPr>
+          <p:nvPr>
+            <p:ph type="title"/>
+          </p:nvPr>
+        </p:nvSpPr>
+        <p:spPr>
+          <a:prstGeom prst="rect">
+            <a:avLst/>
+          </a:prstGeom>
+        </p:spPr>
+        <p:txBody>
+          <a:bodyPr/>
+          <a:lstStyle/>
+          <a:p>
+            <a:r>
+              <a:rPr dirty="0"/>
+              <a:t>Implications of </a:t>
+            </a:r>
+            <a:r>
+              <a:rPr lang="en-US" dirty="0"/>
+              <a:t>R</a:t>
+            </a:r>
+            <a:r>
+              <a:rPr dirty="0"/>
+              <a:t>un-to-</a:t>
+            </a:r>
+            <a:r>
+              <a:rPr lang="en-US" dirty="0"/>
+              <a:t>C</a:t>
+            </a:r>
+            <a:r>
+              <a:rPr dirty="0"/>
+              <a:t>ompletion</a:t>
+            </a:r>
+          </a:p>
+        </p:txBody>
+      </p:sp>
+      <p:sp>
+        <p:nvSpPr>
+          <p:cNvPr id="435" name="Slide Subtitle"/>
+          <p:cNvSpPr txBox="1">
+            <a:spLocks noGrp="1"/>
+          </p:cNvSpPr>
+          <p:nvPr>
+            <p:ph type="body" idx="21"/>
+          </p:nvPr>
+        </p:nvSpPr>
+        <p:spPr>
+          <a:prstGeom prst="rect">
+            <a:avLst/>
+          </a:prstGeom>
+        </p:spPr>
+        <p:txBody>
+          <a:bodyPr>
+            <a:normAutofit fontScale="92500" lnSpcReduction="10000"/>
+          </a:bodyPr>
+          <a:lstStyle/>
+          <a:p>
+            <a:r>
+              <a:rPr lang="en-US" b="1" dirty="0"/>
+              <a:t>The good news: no interruptions/context switching</a:t>
+            </a:r>
+            <a:endParaRPr b="1" dirty="0"/>
+          </a:p>
+        </p:txBody>
+      </p:sp>
+      <p:sp>
+        <p:nvSpPr>
+          <p:cNvPr id="436" name="Good news: no other code will run until you finish (no worries about other threads overwriting your data)"/>
+          <p:cNvSpPr txBox="1">
+            <a:spLocks noGrp="1"/>
+          </p:cNvSpPr>
+          <p:nvPr>
+            <p:ph type="body" idx="1"/>
+          </p:nvPr>
+        </p:nvSpPr>
+        <p:spPr>
+          <a:prstGeom prst="rect">
+            <a:avLst/>
+          </a:prstGeom>
+        </p:spPr>
+        <p:txBody>
+          <a:bodyPr/>
+          <a:lstStyle/>
+          <a:p>
+            <a:pPr marL="0" indent="0">
+              <a:buNone/>
+            </a:pPr>
+            <a:r>
+              <a:rPr lang="en-US" dirty="0"/>
+              <a:t>N</a:t>
+            </a:r>
+            <a:r>
+              <a:rPr dirty="0"/>
+              <a:t>o other code will run until you finish (no worries about other threads overwriting your data)</a:t>
+            </a:r>
+          </a:p>
+        </p:txBody>
+      </p:sp>
+      <p:sp>
+        <p:nvSpPr>
+          <p:cNvPr id="437" name="handler1"/>
+          <p:cNvSpPr txBox="1"/>
+          <p:nvPr/>
+        </p:nvSpPr>
+        <p:spPr>
+          <a:xfrm>
+            <a:off x="4191874" y="4049137"/>
+            <a:ext cx="982641" cy="349135"/>
+          </a:xfrm>
+          <a:prstGeom prst="rect">
+            <a:avLst/>
+          </a:prstGeom>
+          <a:ln w="12700">
+            <a:miter lim="400000"/>
+          </a:ln>
+          <a:extLst>
+            <a:ext uri="{C572A759-6A51-4108-AA02-DFA0A04FC94B}">
+              <ma14:wrappingTextBoxFlag xmlns:ma14="http://schemas.microsoft.com/office/mac/drawingml/2011/main" xmlns:a14="http://schemas.microsoft.com/office/drawing/2010/main" xmlns:m="http://schemas.openxmlformats.org/officeDocument/2006/math" xmlns="" val="1"/>
+            </a:ext>
+          </a:extLst>
+        </p:spPr>
+        <p:txBody>
+          <a:bodyPr wrap="none" lIns="35719" tIns="35719" rIns="35719" bIns="35719" anchor="ctr">
+            <a:spAutoFit/>
+          </a:bodyPr>
+          <a:lstStyle>
+            <a:lvl1pPr defTabSz="821531">
+              <a:defRPr sz="3600">
+                <a:solidFill>
+                  <a:srgbClr val="000000"/>
+                </a:solidFill>
+                <a:latin typeface="Helvetica Light"/>
+                <a:ea typeface="Helvetica Light"/>
+                <a:cs typeface="Helvetica Light"/>
+                <a:sym typeface="Helvetica Light"/>
+              </a:defRPr>
+            </a:lvl1pPr>
+          </a:lstStyle>
+          <a:p>
+            <a:r>
+              <a:rPr sz="1800"/>
+              <a:t>handler1</a:t>
+            </a:r>
+          </a:p>
+        </p:txBody>
+      </p:sp>
+      <p:sp>
+        <p:nvSpPr>
+          <p:cNvPr id="438" name="f"/>
+          <p:cNvSpPr txBox="1"/>
+          <p:nvPr/>
+        </p:nvSpPr>
+        <p:spPr>
+          <a:xfrm>
+            <a:off x="5808118" y="3696932"/>
+            <a:ext cx="136256" cy="349135"/>
+          </a:xfrm>
+          <a:prstGeom prst="rect">
+            <a:avLst/>
+          </a:prstGeom>
+          <a:ln w="12700">
+            <a:miter lim="400000"/>
+          </a:ln>
+          <a:extLst>
+            <a:ext uri="{C572A759-6A51-4108-AA02-DFA0A04FC94B}">
+              <ma14:wrappingTextBoxFlag xmlns:ma14="http://schemas.microsoft.com/office/mac/drawingml/2011/main" xmlns:a14="http://schemas.microsoft.com/office/drawing/2010/main" xmlns:m="http://schemas.openxmlformats.org/officeDocument/2006/math" xmlns="" val="1"/>
+            </a:ext>
+          </a:extLst>
+        </p:spPr>
+        <p:txBody>
+          <a:bodyPr wrap="none" lIns="35719" tIns="35719" rIns="35719" bIns="35719" anchor="ctr">
+            <a:spAutoFit/>
+          </a:bodyPr>
+          <a:lstStyle>
+            <a:lvl1pPr defTabSz="821531">
+              <a:defRPr sz="3600">
+                <a:solidFill>
+                  <a:srgbClr val="000000"/>
+                </a:solidFill>
+                <a:latin typeface="Helvetica Light"/>
+                <a:ea typeface="Helvetica Light"/>
+                <a:cs typeface="Helvetica Light"/>
+                <a:sym typeface="Helvetica Light"/>
+              </a:defRPr>
+            </a:lvl1pPr>
+          </a:lstStyle>
+          <a:p>
+            <a:r>
+              <a:rPr sz="1800"/>
+              <a:t>f</a:t>
+            </a:r>
+          </a:p>
+        </p:txBody>
+      </p:sp>
+      <p:sp>
+        <p:nvSpPr>
+          <p:cNvPr id="439" name="h"/>
+          <p:cNvSpPr txBox="1"/>
+          <p:nvPr/>
+        </p:nvSpPr>
+        <p:spPr>
+          <a:xfrm>
+            <a:off x="5776059" y="4227731"/>
+            <a:ext cx="200376" cy="349135"/>
+          </a:xfrm>
+          <a:prstGeom prst="rect">
+            <a:avLst/>
+          </a:prstGeom>
+          <a:ln w="12700">
+            <a:miter lim="400000"/>
+          </a:ln>
+          <a:extLst>
+            <a:ext uri="{C572A759-6A51-4108-AA02-DFA0A04FC94B}">
+              <ma14:wrappingTextBoxFlag xmlns:ma14="http://schemas.microsoft.com/office/mac/drawingml/2011/main" xmlns:a14="http://schemas.microsoft.com/office/drawing/2010/main" xmlns:m="http://schemas.openxmlformats.org/officeDocument/2006/math" xmlns="" val="1"/>
+            </a:ext>
+          </a:extLst>
+        </p:spPr>
+        <p:txBody>
+          <a:bodyPr wrap="none" lIns="35719" tIns="35719" rIns="35719" bIns="35719" anchor="ctr">
+            <a:spAutoFit/>
+          </a:bodyPr>
+          <a:lstStyle>
+            <a:lvl1pPr defTabSz="821531">
+              <a:defRPr sz="3600">
+                <a:solidFill>
+                  <a:srgbClr val="000000"/>
+                </a:solidFill>
+                <a:latin typeface="Helvetica Light"/>
+                <a:ea typeface="Helvetica Light"/>
+                <a:cs typeface="Helvetica Light"/>
+                <a:sym typeface="Helvetica Light"/>
+              </a:defRPr>
+            </a:lvl1pPr>
+          </a:lstStyle>
+          <a:p>
+            <a:r>
+              <a:rPr sz="1800"/>
+              <a:t>h</a:t>
+            </a:r>
+          </a:p>
+        </p:txBody>
+      </p:sp>
+      <p:sp>
+        <p:nvSpPr>
+          <p:cNvPr id="440" name="g"/>
+          <p:cNvSpPr txBox="1"/>
+          <p:nvPr/>
+        </p:nvSpPr>
+        <p:spPr>
+          <a:xfrm>
+            <a:off x="7006697" y="3696932"/>
+            <a:ext cx="213200" cy="349135"/>
+          </a:xfrm>
+          <a:prstGeom prst="rect">
+            <a:avLst/>
+          </a:prstGeom>
+          <a:ln w="12700">
+            <a:miter lim="400000"/>
+          </a:ln>
+          <a:extLst>
+            <a:ext uri="{C572A759-6A51-4108-AA02-DFA0A04FC94B}">
+              <ma14:wrappingTextBoxFlag xmlns:ma14="http://schemas.microsoft.com/office/mac/drawingml/2011/main" xmlns:a14="http://schemas.microsoft.com/office/drawing/2010/main" xmlns:m="http://schemas.openxmlformats.org/officeDocument/2006/math" xmlns="" val="1"/>
+            </a:ext>
+          </a:extLst>
+        </p:spPr>
+        <p:txBody>
+          <a:bodyPr wrap="none" lIns="35719" tIns="35719" rIns="35719" bIns="35719" anchor="ctr">
+            <a:spAutoFit/>
+          </a:bodyPr>
+          <a:lstStyle>
+            <a:lvl1pPr defTabSz="821531">
+              <a:defRPr sz="3600">
+                <a:solidFill>
+                  <a:srgbClr val="000000"/>
+                </a:solidFill>
+                <a:latin typeface="Helvetica Light"/>
+                <a:ea typeface="Helvetica Light"/>
+                <a:cs typeface="Helvetica Light"/>
+                <a:sym typeface="Helvetica Light"/>
+              </a:defRPr>
+            </a:lvl1pPr>
+          </a:lstStyle>
+          <a:p>
+            <a:r>
+              <a:rPr sz="1800"/>
+              <a:t>g</a:t>
+            </a:r>
+          </a:p>
+        </p:txBody>
+      </p:sp>
+      <p:sp>
+        <p:nvSpPr>
+          <p:cNvPr id="441" name="handler2"/>
+          <p:cNvSpPr txBox="1"/>
+          <p:nvPr/>
+        </p:nvSpPr>
+        <p:spPr>
+          <a:xfrm>
+            <a:off x="4191874" y="5315773"/>
+            <a:ext cx="982641" cy="349135"/>
+          </a:xfrm>
+          <a:prstGeom prst="rect">
+            <a:avLst/>
+          </a:prstGeom>
+          <a:ln w="12700">
+            <a:miter lim="400000"/>
+          </a:ln>
+          <a:extLst>
+            <a:ext uri="{C572A759-6A51-4108-AA02-DFA0A04FC94B}">
+              <ma14:wrappingTextBoxFlag xmlns:ma14="http://schemas.microsoft.com/office/mac/drawingml/2011/main" xmlns:a14="http://schemas.microsoft.com/office/drawing/2010/main" xmlns:m="http://schemas.openxmlformats.org/officeDocument/2006/math" xmlns="" val="1"/>
+            </a:ext>
+          </a:extLst>
+        </p:spPr>
+        <p:txBody>
+          <a:bodyPr wrap="none" lIns="35719" tIns="35719" rIns="35719" bIns="35719" anchor="ctr">
+            <a:spAutoFit/>
+          </a:bodyPr>
+          <a:lstStyle>
+            <a:lvl1pPr defTabSz="821531">
+              <a:defRPr sz="3600">
+                <a:solidFill>
+                  <a:srgbClr val="000000"/>
+                </a:solidFill>
+                <a:latin typeface="Helvetica Light"/>
+                <a:ea typeface="Helvetica Light"/>
+                <a:cs typeface="Helvetica Light"/>
+                <a:sym typeface="Helvetica Light"/>
+              </a:defRPr>
+            </a:lvl1pPr>
+          </a:lstStyle>
+          <a:p>
+            <a:r>
+              <a:rPr sz="1800"/>
+              <a:t>handler2</a:t>
+            </a:r>
+          </a:p>
+        </p:txBody>
+      </p:sp>
+      <p:sp>
+        <p:nvSpPr>
+          <p:cNvPr id="442" name="Line"/>
+          <p:cNvSpPr/>
+          <p:nvPr/>
+        </p:nvSpPr>
+        <p:spPr>
+          <a:xfrm>
+            <a:off x="6032151" y="3907445"/>
+            <a:ext cx="892970" cy="1"/>
+          </a:xfrm>
+          <a:prstGeom prst="line">
+            <a:avLst/>
+          </a:prstGeom>
+          <a:ln w="25400">
+            <a:solidFill>
+              <a:srgbClr val="000000"/>
+            </a:solidFill>
+            <a:miter lim="400000"/>
+            <a:tailEnd type="triangle"/>
+          </a:ln>
+        </p:spPr>
+        <p:txBody>
+          <a:bodyPr lIns="35719" tIns="35719" rIns="35719" bIns="35719" anchor="ctr"/>
+          <a:lstStyle/>
+          <a:p>
+            <a:pPr defTabSz="410766">
+              <a:defRPr sz="3200">
+                <a:solidFill>
+                  <a:srgbClr val="000000"/>
+                </a:solidFill>
+                <a:latin typeface="Helvetica Light"/>
+                <a:ea typeface="Helvetica Light"/>
+                <a:cs typeface="Helvetica Light"/>
+                <a:sym typeface="Helvetica Light"/>
+              </a:defRPr>
+            </a:pPr>
+            <a:endParaRPr sz="1600"/>
+          </a:p>
+        </p:txBody>
+      </p:sp>
+      <p:sp>
+        <p:nvSpPr>
+          <p:cNvPr id="443" name="Line"/>
+          <p:cNvSpPr/>
+          <p:nvPr/>
+        </p:nvSpPr>
+        <p:spPr>
+          <a:xfrm>
+            <a:off x="6032151" y="4438017"/>
+            <a:ext cx="892970" cy="1"/>
+          </a:xfrm>
+          <a:prstGeom prst="line">
+            <a:avLst/>
+          </a:prstGeom>
+          <a:ln w="25400">
+            <a:solidFill>
+              <a:srgbClr val="000000"/>
+            </a:solidFill>
+            <a:miter lim="400000"/>
+            <a:tailEnd type="triangle"/>
+          </a:ln>
+        </p:spPr>
+        <p:txBody>
+          <a:bodyPr lIns="35719" tIns="35719" rIns="35719" bIns="35719" anchor="ctr"/>
+          <a:lstStyle/>
+          <a:p>
+            <a:pPr defTabSz="410766">
+              <a:defRPr sz="3200">
+                <a:solidFill>
+                  <a:srgbClr val="000000"/>
+                </a:solidFill>
+                <a:latin typeface="Helvetica Light"/>
+                <a:ea typeface="Helvetica Light"/>
+                <a:cs typeface="Helvetica Light"/>
+                <a:sym typeface="Helvetica Light"/>
+              </a:defRPr>
+            </a:pPr>
+            <a:endParaRPr sz="1600"/>
+          </a:p>
+        </p:txBody>
+      </p:sp>
+      <p:sp>
+        <p:nvSpPr>
+          <p:cNvPr id="444" name="..."/>
+          <p:cNvSpPr txBox="1"/>
+          <p:nvPr/>
+        </p:nvSpPr>
+        <p:spPr>
+          <a:xfrm>
+            <a:off x="6981048" y="4227731"/>
+            <a:ext cx="264497" cy="349135"/>
+          </a:xfrm>
+          <a:prstGeom prst="rect">
+            <a:avLst/>
+          </a:prstGeom>
+          <a:ln w="12700">
+            <a:miter lim="400000"/>
+          </a:ln>
+          <a:extLst>
+            <a:ext uri="{C572A759-6A51-4108-AA02-DFA0A04FC94B}">
+              <ma14:wrappingTextBoxFlag xmlns:ma14="http://schemas.microsoft.com/office/mac/drawingml/2011/main" xmlns:a14="http://schemas.microsoft.com/office/drawing/2010/main" xmlns:m="http://schemas.openxmlformats.org/officeDocument/2006/math" xmlns="" val="1"/>
+            </a:ext>
+          </a:extLst>
+        </p:spPr>
+        <p:txBody>
+          <a:bodyPr wrap="none" lIns="35719" tIns="35719" rIns="35719" bIns="35719" anchor="ctr">
+            <a:spAutoFit/>
+          </a:bodyPr>
+          <a:lstStyle>
+            <a:lvl1pPr defTabSz="821531">
+              <a:defRPr sz="3600">
+                <a:solidFill>
+                  <a:srgbClr val="000000"/>
+                </a:solidFill>
+                <a:latin typeface="Helvetica Light"/>
+                <a:ea typeface="Helvetica Light"/>
+                <a:cs typeface="Helvetica Light"/>
+                <a:sym typeface="Helvetica Light"/>
+              </a:defRPr>
+            </a:lvl1pPr>
+          </a:lstStyle>
+          <a:p>
+            <a:r>
+              <a:rPr sz="1800"/>
+              <a:t>...</a:t>
+            </a:r>
+          </a:p>
+        </p:txBody>
+      </p:sp>
+      <p:sp>
+        <p:nvSpPr>
+          <p:cNvPr id="445" name="Line"/>
+          <p:cNvSpPr/>
+          <p:nvPr/>
+        </p:nvSpPr>
+        <p:spPr>
+          <a:xfrm flipV="1">
+            <a:off x="5213467" y="3955470"/>
+            <a:ext cx="530110" cy="193330"/>
+          </a:xfrm>
+          <a:prstGeom prst="line">
+            <a:avLst/>
+          </a:prstGeom>
+          <a:ln w="25400">
+            <a:solidFill>
+              <a:srgbClr val="000000"/>
+            </a:solidFill>
+            <a:miter lim="400000"/>
+            <a:tailEnd type="triangle"/>
+          </a:ln>
+        </p:spPr>
+        <p:txBody>
+          <a:bodyPr lIns="35719" tIns="35719" rIns="35719" bIns="35719" anchor="ctr"/>
+          <a:lstStyle/>
+          <a:p>
+            <a:pPr defTabSz="410766">
+              <a:defRPr sz="3200">
+                <a:solidFill>
+                  <a:srgbClr val="000000"/>
+                </a:solidFill>
+                <a:latin typeface="Helvetica Light"/>
+                <a:ea typeface="Helvetica Light"/>
+                <a:cs typeface="Helvetica Light"/>
+                <a:sym typeface="Helvetica Light"/>
+              </a:defRPr>
+            </a:pPr>
+            <a:endParaRPr sz="1600"/>
+          </a:p>
+        </p:txBody>
+      </p:sp>
+      <p:sp>
+        <p:nvSpPr>
+          <p:cNvPr id="446" name="Line"/>
+          <p:cNvSpPr/>
+          <p:nvPr/>
+        </p:nvSpPr>
+        <p:spPr>
+          <a:xfrm>
+            <a:off x="7301474" y="4438017"/>
+            <a:ext cx="892969" cy="1"/>
+          </a:xfrm>
+          <a:prstGeom prst="line">
+            <a:avLst/>
+          </a:prstGeom>
+          <a:ln w="25400">
+            <a:solidFill>
+              <a:srgbClr val="000000"/>
+            </a:solidFill>
+            <a:miter lim="400000"/>
+            <a:tailEnd type="triangle"/>
+          </a:ln>
+        </p:spPr>
+        <p:txBody>
+          <a:bodyPr lIns="35719" tIns="35719" rIns="35719" bIns="35719" anchor="ctr"/>
+          <a:lstStyle/>
+          <a:p>
+            <a:pPr defTabSz="410766">
+              <a:defRPr sz="3200">
+                <a:solidFill>
+                  <a:srgbClr val="000000"/>
+                </a:solidFill>
+                <a:latin typeface="Helvetica Light"/>
+                <a:ea typeface="Helvetica Light"/>
+                <a:cs typeface="Helvetica Light"/>
+                <a:sym typeface="Helvetica Light"/>
+              </a:defRPr>
+            </a:pPr>
+            <a:endParaRPr sz="1600"/>
+          </a:p>
+        </p:txBody>
+      </p:sp>
+      <p:sp>
+        <p:nvSpPr>
+          <p:cNvPr id="447" name="i"/>
+          <p:cNvSpPr txBox="1"/>
+          <p:nvPr/>
+        </p:nvSpPr>
+        <p:spPr>
+          <a:xfrm>
+            <a:off x="8282248" y="4227731"/>
+            <a:ext cx="123432" cy="349135"/>
+          </a:xfrm>
+          <a:prstGeom prst="rect">
+            <a:avLst/>
+          </a:prstGeom>
+          <a:ln w="12700">
+            <a:miter lim="400000"/>
+          </a:ln>
+          <a:extLst>
+            <a:ext uri="{C572A759-6A51-4108-AA02-DFA0A04FC94B}">
+              <ma14:wrappingTextBoxFlag xmlns:ma14="http://schemas.microsoft.com/office/mac/drawingml/2011/main" xmlns:a14="http://schemas.microsoft.com/office/drawing/2010/main" xmlns:m="http://schemas.openxmlformats.org/officeDocument/2006/math" xmlns="" val="1"/>
+            </a:ext>
+          </a:extLst>
+        </p:spPr>
+        <p:txBody>
+          <a:bodyPr wrap="none" lIns="35719" tIns="35719" rIns="35719" bIns="35719" anchor="ctr">
+            <a:spAutoFit/>
+          </a:bodyPr>
+          <a:lstStyle>
+            <a:lvl1pPr defTabSz="821531">
+              <a:defRPr sz="3600">
+                <a:solidFill>
+                  <a:srgbClr val="000000"/>
+                </a:solidFill>
+                <a:latin typeface="Helvetica Light"/>
+                <a:ea typeface="Helvetica Light"/>
+                <a:cs typeface="Helvetica Light"/>
+                <a:sym typeface="Helvetica Light"/>
+              </a:defRPr>
+            </a:lvl1pPr>
+          </a:lstStyle>
+          <a:p>
+            <a:r>
+              <a:rPr sz="1800"/>
+              <a:t>i</a:t>
+            </a:r>
+          </a:p>
+        </p:txBody>
+      </p:sp>
+      <p:sp>
+        <p:nvSpPr>
+          <p:cNvPr id="448" name="Line"/>
+          <p:cNvSpPr/>
+          <p:nvPr/>
+        </p:nvSpPr>
+        <p:spPr>
+          <a:xfrm>
+            <a:off x="5270226" y="4280235"/>
+            <a:ext cx="480889" cy="191383"/>
+          </a:xfrm>
+          <a:prstGeom prst="line">
+            <a:avLst/>
+          </a:prstGeom>
+          <a:ln w="25400">
+            <a:solidFill>
+              <a:srgbClr val="000000"/>
+            </a:solidFill>
+            <a:miter lim="400000"/>
+            <a:tailEnd type="triangle"/>
+          </a:ln>
+        </p:spPr>
+        <p:txBody>
+          <a:bodyPr lIns="35719" tIns="35719" rIns="35719" bIns="35719" anchor="ctr"/>
+          <a:lstStyle/>
+          <a:p>
+            <a:pPr defTabSz="410766">
+              <a:defRPr sz="3200">
+                <a:solidFill>
+                  <a:srgbClr val="000000"/>
+                </a:solidFill>
+                <a:latin typeface="Helvetica Light"/>
+                <a:ea typeface="Helvetica Light"/>
+                <a:cs typeface="Helvetica Light"/>
+                <a:sym typeface="Helvetica Light"/>
+              </a:defRPr>
+            </a:pPr>
+            <a:endParaRPr sz="1600"/>
+          </a:p>
+        </p:txBody>
+      </p:sp>
+      <p:sp>
+        <p:nvSpPr>
+          <p:cNvPr id="449" name="Line"/>
+          <p:cNvSpPr/>
+          <p:nvPr/>
+        </p:nvSpPr>
+        <p:spPr>
+          <a:xfrm>
+            <a:off x="5359523" y="5512468"/>
+            <a:ext cx="614176" cy="1"/>
+          </a:xfrm>
+          <a:prstGeom prst="line">
+            <a:avLst/>
+          </a:prstGeom>
+          <a:ln w="25400">
+            <a:solidFill>
+              <a:srgbClr val="000000"/>
+            </a:solidFill>
+            <a:miter lim="400000"/>
+            <a:tailEnd type="triangle"/>
+          </a:ln>
+        </p:spPr>
+        <p:txBody>
+          <a:bodyPr lIns="35719" tIns="35719" rIns="35719" bIns="35719" anchor="ctr"/>
+          <a:lstStyle/>
+          <a:p>
+            <a:pPr defTabSz="410766">
+              <a:defRPr sz="3200">
+                <a:solidFill>
+                  <a:srgbClr val="000000"/>
+                </a:solidFill>
+                <a:latin typeface="Helvetica Light"/>
+                <a:ea typeface="Helvetica Light"/>
+                <a:cs typeface="Helvetica Light"/>
+                <a:sym typeface="Helvetica Light"/>
+              </a:defRPr>
+            </a:pPr>
+            <a:endParaRPr sz="1600"/>
+          </a:p>
+        </p:txBody>
+      </p:sp>
+      <p:sp>
+        <p:nvSpPr>
+          <p:cNvPr id="450" name="j"/>
+          <p:cNvSpPr txBox="1"/>
+          <p:nvPr/>
+        </p:nvSpPr>
+        <p:spPr>
+          <a:xfrm>
+            <a:off x="7051582" y="5337901"/>
+            <a:ext cx="123432" cy="349135"/>
+          </a:xfrm>
+          <a:prstGeom prst="rect">
+            <a:avLst/>
+          </a:prstGeom>
+          <a:ln w="12700">
+            <a:miter lim="400000"/>
+          </a:ln>
+          <a:extLst>
+            <a:ext uri="{C572A759-6A51-4108-AA02-DFA0A04FC94B}">
+              <ma14:wrappingTextBoxFlag xmlns:ma14="http://schemas.microsoft.com/office/mac/drawingml/2011/main" xmlns:a14="http://schemas.microsoft.com/office/drawing/2010/main" xmlns:m="http://schemas.openxmlformats.org/officeDocument/2006/math" xmlns="" val="1"/>
+            </a:ext>
+          </a:extLst>
+        </p:spPr>
+        <p:txBody>
+          <a:bodyPr wrap="none" lIns="35719" tIns="35719" rIns="35719" bIns="35719" anchor="ctr">
+            <a:spAutoFit/>
+          </a:bodyPr>
+          <a:lstStyle>
+            <a:lvl1pPr defTabSz="821531">
+              <a:defRPr sz="3600">
+                <a:solidFill>
+                  <a:srgbClr val="000000"/>
+                </a:solidFill>
+                <a:latin typeface="Helvetica Light"/>
+                <a:ea typeface="Helvetica Light"/>
+                <a:cs typeface="Helvetica Light"/>
+                <a:sym typeface="Helvetica Light"/>
+              </a:defRPr>
+            </a:lvl1pPr>
+          </a:lstStyle>
+          <a:p>
+            <a:r>
+              <a:rPr sz="1800"/>
+              <a:t>j</a:t>
+            </a:r>
+          </a:p>
+        </p:txBody>
+      </p:sp>
+      <p:sp>
+        <p:nvSpPr>
+          <p:cNvPr id="451" name="..."/>
+          <p:cNvSpPr txBox="1"/>
+          <p:nvPr/>
+        </p:nvSpPr>
+        <p:spPr>
+          <a:xfrm>
+            <a:off x="6010740" y="5361916"/>
+            <a:ext cx="264497" cy="349135"/>
+          </a:xfrm>
+          <a:prstGeom prst="rect">
+            <a:avLst/>
+          </a:prstGeom>
+          <a:ln w="12700">
+            <a:miter lim="400000"/>
+          </a:ln>
+          <a:extLst>
+            <a:ext uri="{C572A759-6A51-4108-AA02-DFA0A04FC94B}">
+              <ma14:wrappingTextBoxFlag xmlns:ma14="http://schemas.microsoft.com/office/mac/drawingml/2011/main" xmlns:a14="http://schemas.microsoft.com/office/drawing/2010/main" xmlns:m="http://schemas.openxmlformats.org/officeDocument/2006/math" xmlns="" val="1"/>
+            </a:ext>
+          </a:extLst>
+        </p:spPr>
+        <p:txBody>
+          <a:bodyPr wrap="none" lIns="35719" tIns="35719" rIns="35719" bIns="35719" anchor="ctr">
+            <a:spAutoFit/>
+          </a:bodyPr>
+          <a:lstStyle>
+            <a:lvl1pPr defTabSz="821531">
+              <a:defRPr sz="3600">
+                <a:solidFill>
+                  <a:srgbClr val="000000"/>
+                </a:solidFill>
+                <a:latin typeface="Helvetica Light"/>
+                <a:ea typeface="Helvetica Light"/>
+                <a:cs typeface="Helvetica Light"/>
+                <a:sym typeface="Helvetica Light"/>
+              </a:defRPr>
+            </a:lvl1pPr>
+          </a:lstStyle>
+          <a:p>
+            <a:r>
+              <a:rPr sz="1800"/>
+              <a:t>...</a:t>
+            </a:r>
+          </a:p>
+        </p:txBody>
+      </p:sp>
+      <p:sp>
+        <p:nvSpPr>
+          <p:cNvPr id="452" name="Line"/>
+          <p:cNvSpPr/>
+          <p:nvPr/>
+        </p:nvSpPr>
+        <p:spPr>
+          <a:xfrm>
+            <a:off x="3673701" y="3911126"/>
+            <a:ext cx="1" cy="1818382"/>
+          </a:xfrm>
+          <a:prstGeom prst="line">
+            <a:avLst/>
+          </a:prstGeom>
+          <a:ln w="25400">
+            <a:solidFill>
+              <a:srgbClr val="000000"/>
+            </a:solidFill>
+            <a:miter lim="400000"/>
+            <a:tailEnd type="triangle"/>
+          </a:ln>
+        </p:spPr>
+        <p:txBody>
+          <a:bodyPr lIns="35719" tIns="35719" rIns="35719" bIns="35719" anchor="ctr"/>
+          <a:lstStyle/>
+          <a:p>
+            <a:pPr defTabSz="410766">
+              <a:defRPr sz="3200">
+                <a:solidFill>
+                  <a:srgbClr val="000000"/>
+                </a:solidFill>
+                <a:latin typeface="Helvetica Light"/>
+                <a:ea typeface="Helvetica Light"/>
+                <a:cs typeface="Helvetica Light"/>
+                <a:sym typeface="Helvetica Light"/>
+              </a:defRPr>
+            </a:pPr>
+            <a:endParaRPr sz="1600"/>
+          </a:p>
+        </p:txBody>
+      </p:sp>
+      <p:sp>
+        <p:nvSpPr>
+          <p:cNvPr id="453" name="processing of event queue"/>
+          <p:cNvSpPr txBox="1"/>
+          <p:nvPr/>
+        </p:nvSpPr>
+        <p:spPr>
+          <a:xfrm>
+            <a:off x="2694194" y="3378881"/>
+            <a:ext cx="1959015" cy="626133"/>
+          </a:xfrm>
+          <a:prstGeom prst="rect">
+            <a:avLst/>
+          </a:prstGeom>
+          <a:ln w="12700">
+            <a:miter lim="400000"/>
+          </a:ln>
+          <a:extLst>
+            <a:ext uri="{C572A759-6A51-4108-AA02-DFA0A04FC94B}">
+              <ma14:wrappingTextBoxFlag xmlns:ma14="http://schemas.microsoft.com/office/mac/drawingml/2011/main" xmlns:a14="http://schemas.microsoft.com/office/drawing/2010/main" xmlns:m="http://schemas.openxmlformats.org/officeDocument/2006/math" xmlns="" val="1"/>
+            </a:ext>
+          </a:extLst>
+        </p:spPr>
+        <p:txBody>
+          <a:bodyPr lIns="35719" tIns="35719" rIns="35719" bIns="35719" anchor="ctr">
+            <a:spAutoFit/>
+          </a:bodyPr>
+          <a:lstStyle>
+            <a:lvl1pPr defTabSz="821531">
+              <a:defRPr sz="3600">
+                <a:solidFill>
+                  <a:srgbClr val="000000"/>
+                </a:solidFill>
+                <a:latin typeface="Helvetica Light"/>
+                <a:ea typeface="Helvetica Light"/>
+                <a:cs typeface="Helvetica Light"/>
+                <a:sym typeface="Helvetica Light"/>
+              </a:defRPr>
+            </a:lvl1pPr>
+          </a:lstStyle>
+          <a:p>
+            <a:r>
+              <a:rPr sz="1800"/>
+              <a:t>processing of event queue</a:t>
+            </a:r>
+          </a:p>
+        </p:txBody>
+      </p:sp>
+      <p:sp>
+        <p:nvSpPr>
+          <p:cNvPr id="454" name="Line"/>
+          <p:cNvSpPr/>
+          <p:nvPr/>
+        </p:nvSpPr>
+        <p:spPr>
+          <a:xfrm>
+            <a:off x="6346541" y="5542898"/>
+            <a:ext cx="614176" cy="1"/>
+          </a:xfrm>
+          <a:prstGeom prst="line">
+            <a:avLst/>
+          </a:prstGeom>
+          <a:ln w="25400">
+            <a:solidFill>
+              <a:srgbClr val="000000"/>
+            </a:solidFill>
+            <a:miter lim="400000"/>
+            <a:tailEnd type="triangle"/>
+          </a:ln>
+        </p:spPr>
+        <p:txBody>
+          <a:bodyPr lIns="35719" tIns="35719" rIns="35719" bIns="35719" anchor="ctr"/>
+          <a:lstStyle/>
+          <a:p>
+            <a:pPr defTabSz="410766">
+              <a:defRPr sz="3200">
+                <a:solidFill>
+                  <a:srgbClr val="000000"/>
+                </a:solidFill>
+                <a:latin typeface="Helvetica Light"/>
+                <a:ea typeface="Helvetica Light"/>
+                <a:cs typeface="Helvetica Light"/>
+                <a:sym typeface="Helvetica Light"/>
+              </a:defRPr>
+            </a:pPr>
+            <a:endParaRPr sz="1600"/>
+          </a:p>
+        </p:txBody>
+      </p:sp>
+      <p:sp>
+        <p:nvSpPr>
+          <p:cNvPr id="455" name="j will not execute until after i"/>
+          <p:cNvSpPr txBox="1"/>
+          <p:nvPr/>
+        </p:nvSpPr>
+        <p:spPr>
+          <a:xfrm>
+            <a:off x="3861762" y="6066639"/>
+            <a:ext cx="3991478" cy="456856"/>
+          </a:xfrm>
+          <a:prstGeom prst="rect">
+            <a:avLst/>
+          </a:prstGeom>
+          <a:ln w="12700">
+            <a:miter lim="400000"/>
+          </a:ln>
+          <a:extLst>
+            <a:ext uri="{C572A759-6A51-4108-AA02-DFA0A04FC94B}">
+              <ma14:wrappingTextBoxFlag xmlns:ma14="http://schemas.microsoft.com/office/mac/drawingml/2011/main" xmlns:a14="http://schemas.microsoft.com/office/drawing/2010/main" xmlns:m="http://schemas.openxmlformats.org/officeDocument/2006/math" xmlns="" val="1"/>
+            </a:ext>
+          </a:extLst>
+        </p:spPr>
+        <p:txBody>
+          <a:bodyPr wrap="none" lIns="35719" tIns="35719" rIns="35719" bIns="35719" anchor="ctr">
+            <a:spAutoFit/>
+          </a:bodyPr>
+          <a:lstStyle>
+            <a:lvl1pPr algn="l" defTabSz="821531">
+              <a:spcBef>
+                <a:spcPts val="1500"/>
+              </a:spcBef>
+              <a:defRPr sz="5000" i="1">
+                <a:solidFill>
+                  <a:srgbClr val="000000"/>
+                </a:solidFill>
+                <a:latin typeface="Helvetica"/>
+                <a:ea typeface="Helvetica"/>
+                <a:cs typeface="Helvetica"/>
+                <a:sym typeface="Helvetica"/>
+              </a:defRPr>
+            </a:lvl1pPr>
+          </a:lstStyle>
+          <a:p>
+            <a:r>
+              <a:rPr sz="2500"/>
+              <a:t>j will not execute until after i</a:t>
+            </a:r>
+          </a:p>
+        </p:txBody>
+      </p:sp>
+    </p:spTree>
+  </p:cSld>
+  <p:clrMapOvr>
+    <a:masterClrMapping/>
+  </p:clrMapOvr>
+  <mc:AlternateContent xmlns:mc="http://schemas.openxmlformats.org/markup-compatibility/2006">
+    <mc:Choice xmlns:p14="http://schemas.microsoft.com/office/powerpoint/2010/main" Requires="p14">
+      <p:transition p14:dur="0"/>
+    </mc:Choice>
+    <mc:Fallback>
+      <p:transition/>
+    </mc:Fallback>
+  </mc:AlternateContent>
+</p:sld>
+</file>
+
+<file path=ppt/slides/slide22.xml><?xml version="1.0" encoding="utf-8"?>
 <p:sld xmlns:a="http://schemas.openxmlformats.org/drawingml/2006/main" xmlns:r="http://schemas.openxmlformats.org/officeDocument/2006/relationships" xmlns:p="http://schemas.openxmlformats.org/presentationml/2006/main">
   <p:cSld>
     <p:spTree>
@@ -26455,7 +28256,7 @@
 </p:sld>
 </file>
 
-<file path=ppt/slides/slide21.xml><?xml version="1.0" encoding="utf-8"?>
+<file path=ppt/slides/slide23.xml><?xml version="1.0" encoding="utf-8"?>
 <p:sld xmlns:a="http://schemas.openxmlformats.org/drawingml/2006/main" xmlns:r="http://schemas.openxmlformats.org/officeDocument/2006/relationships" xmlns:p="http://schemas.openxmlformats.org/presentationml/2006/main">
   <p:cSld>
     <p:spTree>
@@ -26577,7 +28378,7 @@
           <a:p>
             <a:fld id="{20F37917-FD3A-4669-9018-DA04BCDD3D75}" type="slidenum">
               <a:rPr lang="en-US" smtClean="0"/>
-              <a:t>21</a:t>
+              <a:t>23</a:t>
             </a:fld>
             <a:endParaRPr lang="en-US"/>
           </a:p>

--- a/Slides/Lesson 4.1 Concurrent Programming.pptx
+++ b/Slides/Lesson 4.1 Concurrent Programming.pptx
@@ -1749,13 +1749,8 @@
           <a:p>
             <a:r>
               <a:rPr lang="en-US" dirty="0"/>
-              <a:t>As we’ll see in the next few lessons, despite this run-to-completion semantics, async programming can still be very confusing. What happens if we do NOT await an </a:t>
-            </a:r>
-            <a:r>
-              <a:rPr lang="en-US"/>
-              <a:t>async function?</a:t>
-            </a:r>
-            <a:endParaRPr lang="en-US" dirty="0"/>
+              <a:t>As we’ll see in the next few lessons, despite this run-to-completion semantics, async programming can still be very confusing. What happens if we do NOT await an async function?</a:t>
+            </a:r>
           </a:p>
           <a:p>
             <a:endParaRPr lang="en-US" dirty="0"/>

--- a/Slides/Lesson 4.1 Concurrent Programming.pptx
+++ b/Slides/Lesson 4.1 Concurrent Programming.pptx
@@ -333,6 +333,11 @@
       </a:defRPr>
     </a:lvl9pPr>
   </p:defaultTextStyle>
+  <p:extLst>
+    <p:ext uri="{EFAFB233-063F-42B5-8137-9DF3F51BA10A}">
+      <p15:sldGuideLst xmlns:p15="http://schemas.microsoft.com/office/powerpoint/2012/main"/>
+    </p:ext>
+  </p:extLst>
 </p:presentation>
 </file>
 
@@ -1822,14 +1827,39 @@
           <a:p>
             <a:r>
               <a:rPr lang="en-US" dirty="0"/>
-              <a:t>Is this a violation of run to completion?</a:t>
+              <a:t>Interesting question - Is this a violation of run to completion? </a:t>
             </a:r>
           </a:p>
           <a:p>
             <a:r>
               <a:rPr lang="en-US" dirty="0"/>
-              <a:t>No, it’s a horribly confusing language design choice. But that’s a topic for another course. What is important to understand is when you write “await” you are saying “let other things keep going, but don’t keep running the code in this method” – this is how we get asynchronous stuff, so that’s good! We’ll revisit this behavior in more examples in the next lesson.</a:t>
-            </a:r>
+              <a:t>(This is a judgement call, think about it)</a:t>
+            </a:r>
+          </a:p>
+          <a:p>
+            <a:pPr marL="171450" indent="-171450">
+              <a:buFont typeface="Arial" panose="020B0604020202020204" pitchFamily="34" charset="0"/>
+              <a:buChar char="•"/>
+            </a:pPr>
+            <a:r>
+              <a:rPr lang="en-US" dirty="0"/>
+              <a:t>One argument: No, it’s a horribly confusing language design choice. “Await” means “return”, and then later on come back to this line of code. Seems confusing, but maybe there is no better way? Or maybe there is… But that’s a topic for another course. What is important to understand is when you write “await” you are saying “let other things keep going, but don’t keep running the code in this method” – this is how we get asynchronous stuff, so that’s good! We’ll revisit this behavior in more examples in the next lesson.</a:t>
+            </a:r>
+          </a:p>
+          <a:p>
+            <a:pPr marL="171450" indent="-171450">
+              <a:buFont typeface="Arial" panose="020B0604020202020204" pitchFamily="34" charset="0"/>
+              <a:buChar char="•"/>
+            </a:pPr>
+            <a:r>
+              <a:rPr lang="en-US" dirty="0"/>
+              <a:t>Another argument: No, it’s still run to completion: you have just signaled that you have ”completed” until you get your promise fulfilled (</a:t>
+            </a:r>
+            <a:r>
+              <a:rPr lang="en-US"/>
+              <a:t>or rejected).</a:t>
+            </a:r>
+            <a:endParaRPr lang="en-US" dirty="0"/>
           </a:p>
         </p:txBody>
       </p:sp>
@@ -3320,7 +3350,7 @@
           <a:p>
             <a:fld id="{5D2A64DE-480B-420F-9649-4F8E696E08E0}" type="datetime1">
               <a:rPr lang="en-US" smtClean="0"/>
-              <a:t>2/1/22</a:t>
+              <a:t>2/3/22</a:t>
             </a:fld>
             <a:endParaRPr lang="en-US"/>
           </a:p>
@@ -3574,7 +3604,7 @@
           <a:p>
             <a:fld id="{07C7BFD4-467E-4EDE-93EA-052F5B39A4E5}" type="datetime1">
               <a:rPr lang="en-US" smtClean="0"/>
-              <a:t>2/1/22</a:t>
+              <a:t>2/3/22</a:t>
             </a:fld>
             <a:endParaRPr lang="en-US"/>
           </a:p>
@@ -5751,7 +5781,7 @@
           <a:p>
             <a:fld id="{07C7BFD4-467E-4EDE-93EA-052F5B39A4E5}" type="datetime1">
               <a:rPr lang="en-US" smtClean="0"/>
-              <a:t>2/1/22</a:t>
+              <a:t>2/3/22</a:t>
             </a:fld>
             <a:endParaRPr lang="en-US"/>
           </a:p>
@@ -8247,7 +8277,7 @@
           <a:p>
             <a:fld id="{5D2A64DE-480B-420F-9649-4F8E696E08E0}" type="datetime1">
               <a:rPr lang="en-US" smtClean="0"/>
-              <a:t>2/1/22</a:t>
+              <a:t>2/3/22</a:t>
             </a:fld>
             <a:endParaRPr lang="en-US"/>
           </a:p>
@@ -8501,7 +8531,7 @@
           <a:p>
             <a:fld id="{07C7BFD4-467E-4EDE-93EA-052F5B39A4E5}" type="datetime1">
               <a:rPr lang="en-US" smtClean="0"/>
-              <a:t>2/1/22</a:t>
+              <a:t>2/3/22</a:t>
             </a:fld>
             <a:endParaRPr lang="en-US"/>
           </a:p>
@@ -10752,7 +10782,7 @@
           <a:p>
             <a:fld id="{07C7BFD4-467E-4EDE-93EA-052F5B39A4E5}" type="datetime1">
               <a:rPr lang="en-US" smtClean="0"/>
-              <a:t>2/1/22</a:t>
+              <a:t>2/3/22</a:t>
             </a:fld>
             <a:endParaRPr lang="en-US"/>
           </a:p>
@@ -11544,7 +11574,7 @@
           </a:ln>
           <a:extLst>
             <a:ext uri="{C572A759-6A51-4108-AA02-DFA0A04FC94B}">
-              <ma14:wrappingTextBoxFlag xmlns:ma14="http://schemas.microsoft.com/office/mac/drawingml/2011/main" xmlns:a14="http://schemas.microsoft.com/office/drawing/2010/main" xmlns:m="http://schemas.openxmlformats.org/officeDocument/2006/math" xmlns="" val="1"/>
+              <ma14:wrappingTextBoxFlag xmlns="" xmlns:m="http://schemas.openxmlformats.org/officeDocument/2006/math" xmlns:a14="http://schemas.microsoft.com/office/drawing/2010/main" xmlns:ma14="http://schemas.microsoft.com/office/mac/drawingml/2011/main" val="1"/>
             </a:ext>
           </a:extLst>
         </p:spPr>
@@ -11584,7 +11614,7 @@
           </a:ln>
           <a:extLst>
             <a:ext uri="{C572A759-6A51-4108-AA02-DFA0A04FC94B}">
-              <ma14:wrappingTextBoxFlag xmlns:ma14="http://schemas.microsoft.com/office/mac/drawingml/2011/main" xmlns:a14="http://schemas.microsoft.com/office/drawing/2010/main" xmlns:m="http://schemas.openxmlformats.org/officeDocument/2006/math" xmlns="" val="1"/>
+              <ma14:wrappingTextBoxFlag xmlns="" xmlns:m="http://schemas.openxmlformats.org/officeDocument/2006/math" xmlns:a14="http://schemas.microsoft.com/office/drawing/2010/main" xmlns:ma14="http://schemas.microsoft.com/office/mac/drawingml/2011/main" val="1"/>
             </a:ext>
           </a:extLst>
         </p:spPr>
@@ -12451,7 +12481,7 @@
           </a:ln>
           <a:extLst>
             <a:ext uri="{C572A759-6A51-4108-AA02-DFA0A04FC94B}">
-              <ma14:wrappingTextBoxFlag xmlns="" xmlns:m="http://schemas.openxmlformats.org/officeDocument/2006/math" xmlns:a14="http://schemas.microsoft.com/office/drawing/2010/main" xmlns:ma14="http://schemas.microsoft.com/office/mac/drawingml/2011/main" val="1"/>
+              <ma14:wrappingTextBoxFlag xmlns:ma14="http://schemas.microsoft.com/office/mac/drawingml/2011/main" xmlns:a14="http://schemas.microsoft.com/office/drawing/2010/main" xmlns:m="http://schemas.openxmlformats.org/officeDocument/2006/math" xmlns="" val="1"/>
             </a:ext>
           </a:extLst>
         </p:spPr>
@@ -12491,7 +12521,7 @@
           </a:ln>
           <a:extLst>
             <a:ext uri="{C572A759-6A51-4108-AA02-DFA0A04FC94B}">
-              <ma14:wrappingTextBoxFlag xmlns="" xmlns:m="http://schemas.openxmlformats.org/officeDocument/2006/math" xmlns:a14="http://schemas.microsoft.com/office/drawing/2010/main" xmlns:ma14="http://schemas.microsoft.com/office/mac/drawingml/2011/main" val="1"/>
+              <ma14:wrappingTextBoxFlag xmlns:ma14="http://schemas.microsoft.com/office/mac/drawingml/2011/main" xmlns:a14="http://schemas.microsoft.com/office/drawing/2010/main" xmlns:m="http://schemas.openxmlformats.org/officeDocument/2006/math" xmlns="" val="1"/>
             </a:ext>
           </a:extLst>
         </p:spPr>
@@ -13618,7 +13648,7 @@
           </a:ln>
           <a:extLst>
             <a:ext uri="{C572A759-6A51-4108-AA02-DFA0A04FC94B}">
-              <ma14:wrappingTextBoxFlag xmlns="" xmlns:m="http://schemas.openxmlformats.org/officeDocument/2006/math" xmlns:a14="http://schemas.microsoft.com/office/drawing/2010/main" xmlns:ma14="http://schemas.microsoft.com/office/mac/drawingml/2011/main" val="1"/>
+              <ma14:wrappingTextBoxFlag xmlns:ma14="http://schemas.microsoft.com/office/mac/drawingml/2011/main" xmlns:a14="http://schemas.microsoft.com/office/drawing/2010/main" xmlns:m="http://schemas.openxmlformats.org/officeDocument/2006/math" xmlns="" val="1"/>
             </a:ext>
           </a:extLst>
         </p:spPr>
@@ -13918,7 +13948,7 @@
             </a:ln>
             <a:extLst>
               <a:ext uri="{C572A759-6A51-4108-AA02-DFA0A04FC94B}">
-                <ma14:wrappingTextBoxFlag xmlns:ma14="http://schemas.microsoft.com/office/mac/drawingml/2011/main" xmlns:a14="http://schemas.microsoft.com/office/drawing/2010/main" xmlns:m="http://schemas.openxmlformats.org/officeDocument/2006/math" xmlns="" val="1"/>
+                <ma14:wrappingTextBoxFlag xmlns="" xmlns:m="http://schemas.openxmlformats.org/officeDocument/2006/math" xmlns:a14="http://schemas.microsoft.com/office/drawing/2010/main" xmlns:ma14="http://schemas.microsoft.com/office/mac/drawingml/2011/main" val="1"/>
               </a:ext>
             </a:extLst>
           </p:spPr>
@@ -14337,11 +14367,11 @@
   <p:clrMapOvr>
     <a:masterClrMapping/>
   </p:clrMapOvr>
-  <mc:AlternateContent xmlns:mc="http://schemas.openxmlformats.org/markup-compatibility/2006">
-    <mc:Choice xmlns:p14="http://schemas.microsoft.com/office/powerpoint/2010/main" Requires="p14">
+  <mc:AlternateContent xmlns:mc="http://schemas.openxmlformats.org/markup-compatibility/2006" xmlns:p14="http://schemas.microsoft.com/office/powerpoint/2010/main">
+    <mc:Choice Requires="p14">
       <p:transition p14:dur="0"/>
     </mc:Choice>
-    <mc:Fallback>
+    <mc:Fallback xmlns="">
       <p:transition/>
     </mc:Fallback>
   </mc:AlternateContent>
@@ -14495,7 +14525,7 @@
           </a:ln>
           <a:extLst>
             <a:ext uri="{C572A759-6A51-4108-AA02-DFA0A04FC94B}">
-              <ma14:wrappingTextBoxFlag xmlns="" xmlns:m="http://schemas.openxmlformats.org/officeDocument/2006/math" xmlns:a14="http://schemas.microsoft.com/office/drawing/2010/main" xmlns:ma14="http://schemas.microsoft.com/office/mac/drawingml/2011/main" val="1"/>
+              <ma14:wrappingTextBoxFlag xmlns:ma14="http://schemas.microsoft.com/office/mac/drawingml/2011/main" xmlns:a14="http://schemas.microsoft.com/office/drawing/2010/main" xmlns:m="http://schemas.openxmlformats.org/officeDocument/2006/math" xmlns="" val="1"/>
             </a:ext>
           </a:extLst>
         </p:spPr>
@@ -14790,7 +14820,7 @@
           </a:prstGeom>
           <a:extLst>
             <a:ext uri="{C572A759-6A51-4108-AA02-DFA0A04FC94B}">
-              <ma14:wrappingTextBoxFlag xmlns:ma14="http://schemas.microsoft.com/office/mac/drawingml/2011/main" xmlns:a14="http://schemas.microsoft.com/office/drawing/2010/main" xmlns:m="http://schemas.openxmlformats.org/officeDocument/2006/math" xmlns="" val="1"/>
+              <ma14:wrappingTextBoxFlag xmlns="" xmlns:m="http://schemas.openxmlformats.org/officeDocument/2006/math" xmlns:a14="http://schemas.microsoft.com/office/drawing/2010/main" xmlns:ma14="http://schemas.microsoft.com/office/mac/drawingml/2011/main" val="1"/>
             </a:ext>
           </a:extLst>
         </p:spPr>
@@ -14847,7 +14877,7 @@
             </a:ln>
             <a:extLst>
               <a:ext uri="{C572A759-6A51-4108-AA02-DFA0A04FC94B}">
-                <ma14:wrappingTextBoxFlag xmlns:ma14="http://schemas.microsoft.com/office/mac/drawingml/2011/main" xmlns:a14="http://schemas.microsoft.com/office/drawing/2010/main" xmlns:m="http://schemas.openxmlformats.org/officeDocument/2006/math" xmlns="" val="1"/>
+                <ma14:wrappingTextBoxFlag xmlns="" xmlns:m="http://schemas.openxmlformats.org/officeDocument/2006/math" xmlns:a14="http://schemas.microsoft.com/office/drawing/2010/main" xmlns:ma14="http://schemas.microsoft.com/office/mac/drawingml/2011/main" val="1"/>
               </a:ext>
             </a:extLst>
           </p:spPr>
@@ -15111,7 +15141,7 @@
             <a:effectLst/>
             <a:extLst>
               <a:ext uri="{C572A759-6A51-4108-AA02-DFA0A04FC94B}">
-                <ma14:wrappingTextBoxFlag xmlns:ma14="http://schemas.microsoft.com/office/mac/drawingml/2011/main" xmlns:a14="http://schemas.microsoft.com/office/drawing/2010/main" xmlns:m="http://schemas.openxmlformats.org/officeDocument/2006/math" xmlns="" val="1"/>
+                <ma14:wrappingTextBoxFlag xmlns="" xmlns:m="http://schemas.openxmlformats.org/officeDocument/2006/math" xmlns:a14="http://schemas.microsoft.com/office/drawing/2010/main" xmlns:ma14="http://schemas.microsoft.com/office/mac/drawingml/2011/main" val="1"/>
               </a:ext>
             </a:extLst>
           </p:spPr>
@@ -15212,7 +15242,7 @@
             <a:effectLst/>
             <a:extLst>
               <a:ext uri="{C572A759-6A51-4108-AA02-DFA0A04FC94B}">
-                <ma14:wrappingTextBoxFlag xmlns:ma14="http://schemas.microsoft.com/office/mac/drawingml/2011/main" xmlns:a14="http://schemas.microsoft.com/office/drawing/2010/main" xmlns:m="http://schemas.openxmlformats.org/officeDocument/2006/math" xmlns="" val="1"/>
+                <ma14:wrappingTextBoxFlag xmlns="" xmlns:m="http://schemas.openxmlformats.org/officeDocument/2006/math" xmlns:a14="http://schemas.microsoft.com/office/drawing/2010/main" xmlns:ma14="http://schemas.microsoft.com/office/mac/drawingml/2011/main" val="1"/>
               </a:ext>
             </a:extLst>
           </p:spPr>
@@ -15249,11 +15279,11 @@
   <p:clrMapOvr>
     <a:masterClrMapping/>
   </p:clrMapOvr>
-  <mc:AlternateContent xmlns:mc="http://schemas.openxmlformats.org/markup-compatibility/2006">
-    <mc:Choice xmlns:p14="http://schemas.microsoft.com/office/powerpoint/2010/main" Requires="p14">
+  <mc:AlternateContent xmlns:mc="http://schemas.openxmlformats.org/markup-compatibility/2006" xmlns:p14="http://schemas.microsoft.com/office/powerpoint/2010/main">
+    <mc:Choice Requires="p14">
       <p:transition p14:dur="0"/>
     </mc:Choice>
-    <mc:Fallback>
+    <mc:Fallback xmlns="">
       <p:transition/>
     </mc:Fallback>
   </mc:AlternateContent>
@@ -15380,7 +15410,7 @@
           </a:ln>
           <a:extLst>
             <a:ext uri="{C572A759-6A51-4108-AA02-DFA0A04FC94B}">
-              <ma14:wrappingTextBoxFlag xmlns="" xmlns:m="http://schemas.openxmlformats.org/officeDocument/2006/math" xmlns:a14="http://schemas.microsoft.com/office/drawing/2010/main" xmlns:ma14="http://schemas.microsoft.com/office/mac/drawingml/2011/main" val="1"/>
+              <ma14:wrappingTextBoxFlag xmlns:ma14="http://schemas.microsoft.com/office/mac/drawingml/2011/main" xmlns:a14="http://schemas.microsoft.com/office/drawing/2010/main" xmlns:m="http://schemas.openxmlformats.org/officeDocument/2006/math" xmlns="" val="1"/>
             </a:ext>
           </a:extLst>
         </p:spPr>
@@ -15576,7 +15606,7 @@
           </a:prstGeom>
           <a:extLst>
             <a:ext uri="{C572A759-6A51-4108-AA02-DFA0A04FC94B}">
-              <ma14:wrappingTextBoxFlag xmlns:ma14="http://schemas.microsoft.com/office/mac/drawingml/2011/main" xmlns:a14="http://schemas.microsoft.com/office/drawing/2010/main" xmlns:m="http://schemas.openxmlformats.org/officeDocument/2006/math" xmlns="" val="1"/>
+              <ma14:wrappingTextBoxFlag xmlns="" xmlns:m="http://schemas.openxmlformats.org/officeDocument/2006/math" xmlns:a14="http://schemas.microsoft.com/office/drawing/2010/main" xmlns:ma14="http://schemas.microsoft.com/office/mac/drawingml/2011/main" val="1"/>
             </a:ext>
           </a:extLst>
         </p:spPr>
@@ -15729,7 +15759,7 @@
             <a:effectLst/>
             <a:extLst>
               <a:ext uri="{C572A759-6A51-4108-AA02-DFA0A04FC94B}">
-                <ma14:wrappingTextBoxFlag xmlns:ma14="http://schemas.microsoft.com/office/mac/drawingml/2011/main" xmlns:a14="http://schemas.microsoft.com/office/drawing/2010/main" xmlns:m="http://schemas.openxmlformats.org/officeDocument/2006/math" xmlns="" val="1"/>
+                <ma14:wrappingTextBoxFlag xmlns="" xmlns:m="http://schemas.openxmlformats.org/officeDocument/2006/math" xmlns:a14="http://schemas.microsoft.com/office/drawing/2010/main" xmlns:ma14="http://schemas.microsoft.com/office/mac/drawingml/2011/main" val="1"/>
               </a:ext>
             </a:extLst>
           </p:spPr>
@@ -15924,7 +15954,7 @@
             <a:effectLst/>
             <a:extLst>
               <a:ext uri="{C572A759-6A51-4108-AA02-DFA0A04FC94B}">
-                <ma14:wrappingTextBoxFlag xmlns:ma14="http://schemas.microsoft.com/office/mac/drawingml/2011/main" xmlns:a14="http://schemas.microsoft.com/office/drawing/2010/main" xmlns:m="http://schemas.openxmlformats.org/officeDocument/2006/math" xmlns="" val="1"/>
+                <ma14:wrappingTextBoxFlag xmlns="" xmlns:m="http://schemas.openxmlformats.org/officeDocument/2006/math" xmlns:a14="http://schemas.microsoft.com/office/drawing/2010/main" xmlns:ma14="http://schemas.microsoft.com/office/mac/drawingml/2011/main" val="1"/>
               </a:ext>
             </a:extLst>
           </p:spPr>
@@ -15961,11 +15991,11 @@
   <p:clrMapOvr>
     <a:masterClrMapping/>
   </p:clrMapOvr>
-  <mc:AlternateContent xmlns:mc="http://schemas.openxmlformats.org/markup-compatibility/2006">
-    <mc:Choice xmlns:p14="http://schemas.microsoft.com/office/powerpoint/2010/main" Requires="p14">
+  <mc:AlternateContent xmlns:mc="http://schemas.openxmlformats.org/markup-compatibility/2006" xmlns:p14="http://schemas.microsoft.com/office/powerpoint/2010/main">
+    <mc:Choice Requires="p14">
       <p:transition p14:dur="0"/>
     </mc:Choice>
-    <mc:Fallback>
+    <mc:Fallback xmlns="">
       <p:transition/>
     </mc:Fallback>
   </mc:AlternateContent>
@@ -16092,7 +16122,7 @@
           </a:ln>
           <a:extLst>
             <a:ext uri="{C572A759-6A51-4108-AA02-DFA0A04FC94B}">
-              <ma14:wrappingTextBoxFlag xmlns="" xmlns:m="http://schemas.openxmlformats.org/officeDocument/2006/math" xmlns:a14="http://schemas.microsoft.com/office/drawing/2010/main" xmlns:ma14="http://schemas.microsoft.com/office/mac/drawingml/2011/main" val="1"/>
+              <ma14:wrappingTextBoxFlag xmlns:ma14="http://schemas.microsoft.com/office/mac/drawingml/2011/main" xmlns:a14="http://schemas.microsoft.com/office/drawing/2010/main" xmlns:m="http://schemas.openxmlformats.org/officeDocument/2006/math" xmlns="" val="1"/>
             </a:ext>
           </a:extLst>
         </p:spPr>
@@ -16338,7 +16368,7 @@
           </a:prstGeom>
           <a:extLst>
             <a:ext uri="{C572A759-6A51-4108-AA02-DFA0A04FC94B}">
-              <ma14:wrappingTextBoxFlag xmlns:ma14="http://schemas.microsoft.com/office/mac/drawingml/2011/main" xmlns:a14="http://schemas.microsoft.com/office/drawing/2010/main" xmlns:m="http://schemas.openxmlformats.org/officeDocument/2006/math" xmlns="" val="1"/>
+              <ma14:wrappingTextBoxFlag xmlns="" xmlns:m="http://schemas.openxmlformats.org/officeDocument/2006/math" xmlns:a14="http://schemas.microsoft.com/office/drawing/2010/main" xmlns:ma14="http://schemas.microsoft.com/office/mac/drawingml/2011/main" val="1"/>
             </a:ext>
           </a:extLst>
         </p:spPr>
@@ -16581,7 +16611,7 @@
             <a:effectLst/>
             <a:extLst>
               <a:ext uri="{C572A759-6A51-4108-AA02-DFA0A04FC94B}">
-                <ma14:wrappingTextBoxFlag xmlns:ma14="http://schemas.microsoft.com/office/mac/drawingml/2011/main" xmlns:a14="http://schemas.microsoft.com/office/drawing/2010/main" xmlns:m="http://schemas.openxmlformats.org/officeDocument/2006/math" xmlns="" val="1"/>
+                <ma14:wrappingTextBoxFlag xmlns="" xmlns:m="http://schemas.openxmlformats.org/officeDocument/2006/math" xmlns:a14="http://schemas.microsoft.com/office/drawing/2010/main" xmlns:ma14="http://schemas.microsoft.com/office/mac/drawingml/2011/main" val="1"/>
               </a:ext>
             </a:extLst>
           </p:spPr>
@@ -16698,7 +16728,7 @@
             <a:effectLst/>
             <a:extLst>
               <a:ext uri="{C572A759-6A51-4108-AA02-DFA0A04FC94B}">
-                <ma14:wrappingTextBoxFlag xmlns:ma14="http://schemas.microsoft.com/office/mac/drawingml/2011/main" xmlns:a14="http://schemas.microsoft.com/office/drawing/2010/main" xmlns:m="http://schemas.openxmlformats.org/officeDocument/2006/math" xmlns="" val="1"/>
+                <ma14:wrappingTextBoxFlag xmlns="" xmlns:m="http://schemas.openxmlformats.org/officeDocument/2006/math" xmlns:a14="http://schemas.microsoft.com/office/drawing/2010/main" xmlns:ma14="http://schemas.microsoft.com/office/mac/drawingml/2011/main" val="1"/>
               </a:ext>
             </a:extLst>
           </p:spPr>
@@ -16735,11 +16765,11 @@
   <p:clrMapOvr>
     <a:masterClrMapping/>
   </p:clrMapOvr>
-  <mc:AlternateContent xmlns:mc="http://schemas.openxmlformats.org/markup-compatibility/2006">
-    <mc:Choice xmlns:p14="http://schemas.microsoft.com/office/powerpoint/2010/main" Requires="p14">
+  <mc:AlternateContent xmlns:mc="http://schemas.openxmlformats.org/markup-compatibility/2006" xmlns:p14="http://schemas.microsoft.com/office/powerpoint/2010/main">
+    <mc:Choice Requires="p14">
       <p:transition p14:dur="0"/>
     </mc:Choice>
-    <mc:Fallback>
+    <mc:Fallback xmlns="">
       <p:transition/>
     </mc:Fallback>
   </mc:AlternateContent>
@@ -16914,7 +16944,7 @@
           </a:ln>
           <a:extLst>
             <a:ext uri="{C572A759-6A51-4108-AA02-DFA0A04FC94B}">
-              <ma14:wrappingTextBoxFlag xmlns="" xmlns:m="http://schemas.openxmlformats.org/officeDocument/2006/math" xmlns:a14="http://schemas.microsoft.com/office/drawing/2010/main" xmlns:ma14="http://schemas.microsoft.com/office/mac/drawingml/2011/main" val="1"/>
+              <ma14:wrappingTextBoxFlag xmlns:ma14="http://schemas.microsoft.com/office/mac/drawingml/2011/main" xmlns:a14="http://schemas.microsoft.com/office/drawing/2010/main" xmlns:m="http://schemas.openxmlformats.org/officeDocument/2006/math" xmlns="" val="1"/>
             </a:ext>
           </a:extLst>
         </p:spPr>
@@ -17164,7 +17194,7 @@
           </a:prstGeom>
           <a:extLst>
             <a:ext uri="{C572A759-6A51-4108-AA02-DFA0A04FC94B}">
-              <ma14:wrappingTextBoxFlag xmlns:ma14="http://schemas.microsoft.com/office/mac/drawingml/2011/main" xmlns:a14="http://schemas.microsoft.com/office/drawing/2010/main" xmlns:m="http://schemas.openxmlformats.org/officeDocument/2006/math" xmlns="" val="1"/>
+              <ma14:wrappingTextBoxFlag xmlns="" xmlns:m="http://schemas.openxmlformats.org/officeDocument/2006/math" xmlns:a14="http://schemas.microsoft.com/office/drawing/2010/main" xmlns:ma14="http://schemas.microsoft.com/office/mac/drawingml/2011/main" val="1"/>
             </a:ext>
           </a:extLst>
         </p:spPr>
@@ -17340,7 +17370,7 @@
             <a:effectLst/>
             <a:extLst>
               <a:ext uri="{C572A759-6A51-4108-AA02-DFA0A04FC94B}">
-                <ma14:wrappingTextBoxFlag xmlns:ma14="http://schemas.microsoft.com/office/mac/drawingml/2011/main" xmlns:a14="http://schemas.microsoft.com/office/drawing/2010/main" xmlns:m="http://schemas.openxmlformats.org/officeDocument/2006/math" xmlns="" val="1"/>
+                <ma14:wrappingTextBoxFlag xmlns="" xmlns:m="http://schemas.openxmlformats.org/officeDocument/2006/math" xmlns:a14="http://schemas.microsoft.com/office/drawing/2010/main" xmlns:ma14="http://schemas.microsoft.com/office/mac/drawingml/2011/main" val="1"/>
               </a:ext>
             </a:extLst>
           </p:spPr>
@@ -17457,7 +17487,7 @@
             <a:effectLst/>
             <a:extLst>
               <a:ext uri="{C572A759-6A51-4108-AA02-DFA0A04FC94B}">
-                <ma14:wrappingTextBoxFlag xmlns:ma14="http://schemas.microsoft.com/office/mac/drawingml/2011/main" xmlns:a14="http://schemas.microsoft.com/office/drawing/2010/main" xmlns:m="http://schemas.openxmlformats.org/officeDocument/2006/math" xmlns="" val="1"/>
+                <ma14:wrappingTextBoxFlag xmlns="" xmlns:m="http://schemas.openxmlformats.org/officeDocument/2006/math" xmlns:a14="http://schemas.microsoft.com/office/drawing/2010/main" xmlns:ma14="http://schemas.microsoft.com/office/mac/drawingml/2011/main" val="1"/>
               </a:ext>
             </a:extLst>
           </p:spPr>
@@ -17512,7 +17542,7 @@
           </a:ln>
           <a:extLst>
             <a:ext uri="{C572A759-6A51-4108-AA02-DFA0A04FC94B}">
-              <ma14:wrappingTextBoxFlag xmlns="" xmlns:m="http://schemas.openxmlformats.org/officeDocument/2006/math" xmlns:a14="http://schemas.microsoft.com/office/drawing/2010/main" xmlns:ma14="http://schemas.microsoft.com/office/mac/drawingml/2011/main" val="1"/>
+              <ma14:wrappingTextBoxFlag xmlns:ma14="http://schemas.microsoft.com/office/mac/drawingml/2011/main" xmlns:a14="http://schemas.microsoft.com/office/drawing/2010/main" xmlns:m="http://schemas.openxmlformats.org/officeDocument/2006/math" xmlns="" val="1"/>
             </a:ext>
           </a:extLst>
         </p:spPr>
@@ -17707,7 +17737,7 @@
             <a:effectLst/>
             <a:extLst>
               <a:ext uri="{C572A759-6A51-4108-AA02-DFA0A04FC94B}">
-                <ma14:wrappingTextBoxFlag xmlns:ma14="http://schemas.microsoft.com/office/mac/drawingml/2011/main" xmlns:a14="http://schemas.microsoft.com/office/drawing/2010/main" xmlns:m="http://schemas.openxmlformats.org/officeDocument/2006/math" xmlns="" val="1"/>
+                <ma14:wrappingTextBoxFlag xmlns="" xmlns:m="http://schemas.openxmlformats.org/officeDocument/2006/math" xmlns:a14="http://schemas.microsoft.com/office/drawing/2010/main" xmlns:ma14="http://schemas.microsoft.com/office/mac/drawingml/2011/main" val="1"/>
               </a:ext>
             </a:extLst>
           </p:spPr>
@@ -17902,7 +17932,7 @@
             <a:effectLst/>
             <a:extLst>
               <a:ext uri="{C572A759-6A51-4108-AA02-DFA0A04FC94B}">
-                <ma14:wrappingTextBoxFlag xmlns:ma14="http://schemas.microsoft.com/office/mac/drawingml/2011/main" xmlns:a14="http://schemas.microsoft.com/office/drawing/2010/main" xmlns:m="http://schemas.openxmlformats.org/officeDocument/2006/math" xmlns="" val="1"/>
+                <ma14:wrappingTextBoxFlag xmlns="" xmlns:m="http://schemas.openxmlformats.org/officeDocument/2006/math" xmlns:a14="http://schemas.microsoft.com/office/drawing/2010/main" xmlns:ma14="http://schemas.microsoft.com/office/mac/drawingml/2011/main" val="1"/>
               </a:ext>
             </a:extLst>
           </p:spPr>
@@ -18057,11 +18087,11 @@
   <p:clrMapOvr>
     <a:masterClrMapping/>
   </p:clrMapOvr>
-  <mc:AlternateContent xmlns:mc="http://schemas.openxmlformats.org/markup-compatibility/2006">
-    <mc:Choice xmlns:p14="http://schemas.microsoft.com/office/powerpoint/2010/main" Requires="p14">
+  <mc:AlternateContent xmlns:mc="http://schemas.openxmlformats.org/markup-compatibility/2006" xmlns:p14="http://schemas.microsoft.com/office/powerpoint/2010/main">
+    <mc:Choice Requires="p14">
       <p:transition p14:dur="0"/>
     </mc:Choice>
-    <mc:Fallback>
+    <mc:Fallback xmlns="">
       <p:transition/>
     </mc:Fallback>
   </mc:AlternateContent>
@@ -18104,7 +18134,7 @@
           </a:ln>
           <a:extLst>
             <a:ext uri="{C572A759-6A51-4108-AA02-DFA0A04FC94B}">
-              <ma14:wrappingTextBoxFlag xmlns:ma14="http://schemas.microsoft.com/office/mac/drawingml/2011/main" xmlns:a14="http://schemas.microsoft.com/office/drawing/2010/main" xmlns:m="http://schemas.openxmlformats.org/officeDocument/2006/math" xmlns="" val="1"/>
+              <ma14:wrappingTextBoxFlag xmlns="" xmlns:m="http://schemas.openxmlformats.org/officeDocument/2006/math" xmlns:a14="http://schemas.microsoft.com/office/drawing/2010/main" xmlns:ma14="http://schemas.microsoft.com/office/mac/drawingml/2011/main" val="1"/>
             </a:ext>
           </a:extLst>
         </p:spPr>
@@ -18183,7 +18213,7 @@
           </a:ln>
           <a:extLst>
             <a:ext uri="{C572A759-6A51-4108-AA02-DFA0A04FC94B}">
-              <ma14:wrappingTextBoxFlag xmlns:ma14="http://schemas.microsoft.com/office/mac/drawingml/2011/main" xmlns:a14="http://schemas.microsoft.com/office/drawing/2010/main" xmlns:m="http://schemas.openxmlformats.org/officeDocument/2006/math" xmlns="" val="1"/>
+              <ma14:wrappingTextBoxFlag xmlns="" xmlns:m="http://schemas.openxmlformats.org/officeDocument/2006/math" xmlns:a14="http://schemas.microsoft.com/office/drawing/2010/main" xmlns:ma14="http://schemas.microsoft.com/office/mac/drawingml/2011/main" val="1"/>
             </a:ext>
           </a:extLst>
         </p:spPr>
@@ -18376,7 +18406,7 @@
               </a:effectLst>
               <a:extLst>
                 <a:ext uri="{C572A759-6A51-4108-AA02-DFA0A04FC94B}">
-                  <ma14:wrappingTextBoxFlag xmlns:ma14="http://schemas.microsoft.com/office/mac/drawingml/2011/main" xmlns:a14="http://schemas.microsoft.com/office/drawing/2010/main" xmlns:m="http://schemas.openxmlformats.org/officeDocument/2006/math" xmlns="" val="1"/>
+                  <ma14:wrappingTextBoxFlag xmlns="" xmlns:m="http://schemas.openxmlformats.org/officeDocument/2006/math" xmlns:a14="http://schemas.microsoft.com/office/drawing/2010/main" xmlns:ma14="http://schemas.microsoft.com/office/mac/drawingml/2011/main" val="1"/>
                 </a:ext>
               </a:extLst>
             </p:spPr>
@@ -18506,7 +18536,7 @@
               </a:effectLst>
               <a:extLst>
                 <a:ext uri="{C572A759-6A51-4108-AA02-DFA0A04FC94B}">
-                  <ma14:wrappingTextBoxFlag xmlns:ma14="http://schemas.microsoft.com/office/mac/drawingml/2011/main" xmlns:a14="http://schemas.microsoft.com/office/drawing/2010/main" xmlns:m="http://schemas.openxmlformats.org/officeDocument/2006/math" xmlns="" val="1"/>
+                  <ma14:wrappingTextBoxFlag xmlns="" xmlns:m="http://schemas.openxmlformats.org/officeDocument/2006/math" xmlns:a14="http://schemas.microsoft.com/office/drawing/2010/main" xmlns:ma14="http://schemas.microsoft.com/office/mac/drawingml/2011/main" val="1"/>
                 </a:ext>
               </a:extLst>
             </p:spPr>
@@ -18636,7 +18666,7 @@
               </a:effectLst>
               <a:extLst>
                 <a:ext uri="{C572A759-6A51-4108-AA02-DFA0A04FC94B}">
-                  <ma14:wrappingTextBoxFlag xmlns:ma14="http://schemas.microsoft.com/office/mac/drawingml/2011/main" xmlns:a14="http://schemas.microsoft.com/office/drawing/2010/main" xmlns:m="http://schemas.openxmlformats.org/officeDocument/2006/math" xmlns="" val="1"/>
+                  <ma14:wrappingTextBoxFlag xmlns="" xmlns:m="http://schemas.openxmlformats.org/officeDocument/2006/math" xmlns:a14="http://schemas.microsoft.com/office/drawing/2010/main" xmlns:ma14="http://schemas.microsoft.com/office/mac/drawingml/2011/main" val="1"/>
                 </a:ext>
               </a:extLst>
             </p:spPr>
@@ -18766,7 +18796,7 @@
               </a:effectLst>
               <a:extLst>
                 <a:ext uri="{C572A759-6A51-4108-AA02-DFA0A04FC94B}">
-                  <ma14:wrappingTextBoxFlag xmlns:ma14="http://schemas.microsoft.com/office/mac/drawingml/2011/main" xmlns:a14="http://schemas.microsoft.com/office/drawing/2010/main" xmlns:m="http://schemas.openxmlformats.org/officeDocument/2006/math" xmlns="" val="1"/>
+                  <ma14:wrappingTextBoxFlag xmlns="" xmlns:m="http://schemas.openxmlformats.org/officeDocument/2006/math" xmlns:a14="http://schemas.microsoft.com/office/drawing/2010/main" xmlns:ma14="http://schemas.microsoft.com/office/mac/drawingml/2011/main" val="1"/>
                 </a:ext>
               </a:extLst>
             </p:spPr>
@@ -18818,7 +18848,7 @@
             <a:effectLst/>
             <a:extLst>
               <a:ext uri="{C572A759-6A51-4108-AA02-DFA0A04FC94B}">
-                <ma14:wrappingTextBoxFlag xmlns:ma14="http://schemas.microsoft.com/office/mac/drawingml/2011/main" xmlns:a14="http://schemas.microsoft.com/office/drawing/2010/main" xmlns:m="http://schemas.openxmlformats.org/officeDocument/2006/math" xmlns="" val="1"/>
+                <ma14:wrappingTextBoxFlag xmlns="" xmlns:m="http://schemas.openxmlformats.org/officeDocument/2006/math" xmlns:a14="http://schemas.microsoft.com/office/drawing/2010/main" xmlns:ma14="http://schemas.microsoft.com/office/mac/drawingml/2011/main" val="1"/>
               </a:ext>
             </a:extLst>
           </p:spPr>
@@ -18869,7 +18899,7 @@
             <a:effectLst/>
             <a:extLst>
               <a:ext uri="{C572A759-6A51-4108-AA02-DFA0A04FC94B}">
-                <ma14:wrappingTextBoxFlag xmlns:ma14="http://schemas.microsoft.com/office/mac/drawingml/2011/main" xmlns:a14="http://schemas.microsoft.com/office/drawing/2010/main" xmlns:m="http://schemas.openxmlformats.org/officeDocument/2006/math" xmlns="" val="1"/>
+                <ma14:wrappingTextBoxFlag xmlns="" xmlns:m="http://schemas.openxmlformats.org/officeDocument/2006/math" xmlns:a14="http://schemas.microsoft.com/office/drawing/2010/main" xmlns:ma14="http://schemas.microsoft.com/office/mac/drawingml/2011/main" val="1"/>
               </a:ext>
             </a:extLst>
           </p:spPr>
@@ -19015,7 +19045,7 @@
             </a:effectLst>
             <a:extLst>
               <a:ext uri="{C572A759-6A51-4108-AA02-DFA0A04FC94B}">
-                <ma14:wrappingTextBoxFlag xmlns:ma14="http://schemas.microsoft.com/office/mac/drawingml/2011/main" xmlns:a14="http://schemas.microsoft.com/office/drawing/2010/main" xmlns:m="http://schemas.openxmlformats.org/officeDocument/2006/math" xmlns="" val="1"/>
+                <ma14:wrappingTextBoxFlag xmlns="" xmlns:m="http://schemas.openxmlformats.org/officeDocument/2006/math" xmlns:a14="http://schemas.microsoft.com/office/drawing/2010/main" xmlns:ma14="http://schemas.microsoft.com/office/mac/drawingml/2011/main" val="1"/>
               </a:ext>
             </a:extLst>
           </p:spPr>
@@ -19121,7 +19151,7 @@
           </a:effectLst>
           <a:extLst>
             <a:ext uri="{C572A759-6A51-4108-AA02-DFA0A04FC94B}">
-              <ma14:wrappingTextBoxFlag xmlns:ma14="http://schemas.microsoft.com/office/mac/drawingml/2011/main" xmlns:a14="http://schemas.microsoft.com/office/drawing/2010/main" xmlns:m="http://schemas.openxmlformats.org/officeDocument/2006/math" xmlns="" val="1"/>
+              <ma14:wrappingTextBoxFlag xmlns="" xmlns:m="http://schemas.openxmlformats.org/officeDocument/2006/math" xmlns:a14="http://schemas.microsoft.com/office/drawing/2010/main" xmlns:ma14="http://schemas.microsoft.com/office/mac/drawingml/2011/main" val="1"/>
             </a:ext>
           </a:extLst>
         </p:spPr>
@@ -19181,7 +19211,7 @@
           </a:effectLst>
           <a:extLst>
             <a:ext uri="{C572A759-6A51-4108-AA02-DFA0A04FC94B}">
-              <ma14:wrappingTextBoxFlag xmlns:ma14="http://schemas.microsoft.com/office/mac/drawingml/2011/main" xmlns:a14="http://schemas.microsoft.com/office/drawing/2010/main" xmlns:m="http://schemas.openxmlformats.org/officeDocument/2006/math" xmlns="" val="1"/>
+              <ma14:wrappingTextBoxFlag xmlns="" xmlns:m="http://schemas.openxmlformats.org/officeDocument/2006/math" xmlns:a14="http://schemas.microsoft.com/office/drawing/2010/main" xmlns:ma14="http://schemas.microsoft.com/office/mac/drawingml/2011/main" val="1"/>
             </a:ext>
           </a:extLst>
         </p:spPr>
@@ -19241,7 +19271,7 @@
           </a:effectLst>
           <a:extLst>
             <a:ext uri="{C572A759-6A51-4108-AA02-DFA0A04FC94B}">
-              <ma14:wrappingTextBoxFlag xmlns:ma14="http://schemas.microsoft.com/office/mac/drawingml/2011/main" xmlns:a14="http://schemas.microsoft.com/office/drawing/2010/main" xmlns:m="http://schemas.openxmlformats.org/officeDocument/2006/math" xmlns="" val="1"/>
+              <ma14:wrappingTextBoxFlag xmlns="" xmlns:m="http://schemas.openxmlformats.org/officeDocument/2006/math" xmlns:a14="http://schemas.microsoft.com/office/drawing/2010/main" xmlns:ma14="http://schemas.microsoft.com/office/mac/drawingml/2011/main" val="1"/>
             </a:ext>
           </a:extLst>
         </p:spPr>
@@ -19320,7 +19350,7 @@
             <a:effectLst/>
             <a:extLst>
               <a:ext uri="{C572A759-6A51-4108-AA02-DFA0A04FC94B}">
-                <ma14:wrappingTextBoxFlag xmlns:ma14="http://schemas.microsoft.com/office/mac/drawingml/2011/main" xmlns:a14="http://schemas.microsoft.com/office/drawing/2010/main" xmlns:m="http://schemas.openxmlformats.org/officeDocument/2006/math" xmlns="" val="1"/>
+                <ma14:wrappingTextBoxFlag xmlns="" xmlns:m="http://schemas.openxmlformats.org/officeDocument/2006/math" xmlns:a14="http://schemas.microsoft.com/office/drawing/2010/main" xmlns:ma14="http://schemas.microsoft.com/office/mac/drawingml/2011/main" val="1"/>
               </a:ext>
             </a:extLst>
           </p:spPr>
@@ -19432,7 +19462,7 @@
             <a:effectLst/>
             <a:extLst>
               <a:ext uri="{C572A759-6A51-4108-AA02-DFA0A04FC94B}">
-                <ma14:wrappingTextBoxFlag xmlns:ma14="http://schemas.microsoft.com/office/mac/drawingml/2011/main" xmlns:a14="http://schemas.microsoft.com/office/drawing/2010/main" xmlns:m="http://schemas.openxmlformats.org/officeDocument/2006/math" xmlns="" val="1"/>
+                <ma14:wrappingTextBoxFlag xmlns="" xmlns:m="http://schemas.openxmlformats.org/officeDocument/2006/math" xmlns:a14="http://schemas.microsoft.com/office/drawing/2010/main" xmlns:ma14="http://schemas.microsoft.com/office/mac/drawingml/2011/main" val="1"/>
               </a:ext>
             </a:extLst>
           </p:spPr>
@@ -19544,7 +19574,7 @@
             <a:effectLst/>
             <a:extLst>
               <a:ext uri="{C572A759-6A51-4108-AA02-DFA0A04FC94B}">
-                <ma14:wrappingTextBoxFlag xmlns:ma14="http://schemas.microsoft.com/office/mac/drawingml/2011/main" xmlns:a14="http://schemas.microsoft.com/office/drawing/2010/main" xmlns:m="http://schemas.openxmlformats.org/officeDocument/2006/math" xmlns="" val="1"/>
+                <ma14:wrappingTextBoxFlag xmlns="" xmlns:m="http://schemas.openxmlformats.org/officeDocument/2006/math" xmlns:a14="http://schemas.microsoft.com/office/drawing/2010/main" xmlns:ma14="http://schemas.microsoft.com/office/mac/drawingml/2011/main" val="1"/>
               </a:ext>
             </a:extLst>
           </p:spPr>
@@ -19625,11 +19655,11 @@
   <p:clrMapOvr>
     <a:masterClrMapping/>
   </p:clrMapOvr>
-  <mc:AlternateContent xmlns:mc="http://schemas.openxmlformats.org/markup-compatibility/2006">
-    <mc:Choice xmlns:p14="http://schemas.microsoft.com/office/powerpoint/2010/main" Requires="p14">
+  <mc:AlternateContent xmlns:mc="http://schemas.openxmlformats.org/markup-compatibility/2006" xmlns:p14="http://schemas.microsoft.com/office/powerpoint/2010/main">
+    <mc:Choice Requires="p14">
       <p:transition p14:dur="0"/>
     </mc:Choice>
-    <mc:Fallback>
+    <mc:Fallback xmlns="">
       <p:transition/>
     </mc:Fallback>
   </mc:AlternateContent>
@@ -20121,7 +20151,7 @@
           </a:ln>
           <a:extLst>
             <a:ext uri="{C572A759-6A51-4108-AA02-DFA0A04FC94B}">
-              <ma14:wrappingTextBoxFlag xmlns:ma14="http://schemas.microsoft.com/office/mac/drawingml/2011/main" xmlns:a14="http://schemas.microsoft.com/office/drawing/2010/main" xmlns:m="http://schemas.openxmlformats.org/officeDocument/2006/math" xmlns="" val="1"/>
+              <ma14:wrappingTextBoxFlag xmlns="" xmlns:m="http://schemas.openxmlformats.org/officeDocument/2006/math" xmlns:a14="http://schemas.microsoft.com/office/drawing/2010/main" xmlns:ma14="http://schemas.microsoft.com/office/mac/drawingml/2011/main" val="1"/>
             </a:ext>
           </a:extLst>
         </p:spPr>
@@ -20248,7 +20278,7 @@
           </a:ln>
           <a:extLst>
             <a:ext uri="{C572A759-6A51-4108-AA02-DFA0A04FC94B}">
-              <ma14:wrappingTextBoxFlag xmlns:ma14="http://schemas.microsoft.com/office/mac/drawingml/2011/main" xmlns:a14="http://schemas.microsoft.com/office/drawing/2010/main" xmlns:m="http://schemas.openxmlformats.org/officeDocument/2006/math" xmlns="" val="1"/>
+              <ma14:wrappingTextBoxFlag xmlns="" xmlns:m="http://schemas.openxmlformats.org/officeDocument/2006/math" xmlns:a14="http://schemas.microsoft.com/office/drawing/2010/main" xmlns:ma14="http://schemas.microsoft.com/office/mac/drawingml/2011/main" val="1"/>
             </a:ext>
           </a:extLst>
         </p:spPr>
@@ -20441,7 +20471,7 @@
               </a:effectLst>
               <a:extLst>
                 <a:ext uri="{C572A759-6A51-4108-AA02-DFA0A04FC94B}">
-                  <ma14:wrappingTextBoxFlag xmlns:ma14="http://schemas.microsoft.com/office/mac/drawingml/2011/main" xmlns:a14="http://schemas.microsoft.com/office/drawing/2010/main" xmlns:m="http://schemas.openxmlformats.org/officeDocument/2006/math" xmlns="" val="1"/>
+                  <ma14:wrappingTextBoxFlag xmlns="" xmlns:m="http://schemas.openxmlformats.org/officeDocument/2006/math" xmlns:a14="http://schemas.microsoft.com/office/drawing/2010/main" xmlns:ma14="http://schemas.microsoft.com/office/mac/drawingml/2011/main" val="1"/>
                 </a:ext>
               </a:extLst>
             </p:spPr>
@@ -20571,7 +20601,7 @@
               </a:effectLst>
               <a:extLst>
                 <a:ext uri="{C572A759-6A51-4108-AA02-DFA0A04FC94B}">
-                  <ma14:wrappingTextBoxFlag xmlns:ma14="http://schemas.microsoft.com/office/mac/drawingml/2011/main" xmlns:a14="http://schemas.microsoft.com/office/drawing/2010/main" xmlns:m="http://schemas.openxmlformats.org/officeDocument/2006/math" xmlns="" val="1"/>
+                  <ma14:wrappingTextBoxFlag xmlns="" xmlns:m="http://schemas.openxmlformats.org/officeDocument/2006/math" xmlns:a14="http://schemas.microsoft.com/office/drawing/2010/main" xmlns:ma14="http://schemas.microsoft.com/office/mac/drawingml/2011/main" val="1"/>
                 </a:ext>
               </a:extLst>
             </p:spPr>
@@ -20701,7 +20731,7 @@
               </a:effectLst>
               <a:extLst>
                 <a:ext uri="{C572A759-6A51-4108-AA02-DFA0A04FC94B}">
-                  <ma14:wrappingTextBoxFlag xmlns:ma14="http://schemas.microsoft.com/office/mac/drawingml/2011/main" xmlns:a14="http://schemas.microsoft.com/office/drawing/2010/main" xmlns:m="http://schemas.openxmlformats.org/officeDocument/2006/math" xmlns="" val="1"/>
+                  <ma14:wrappingTextBoxFlag xmlns="" xmlns:m="http://schemas.openxmlformats.org/officeDocument/2006/math" xmlns:a14="http://schemas.microsoft.com/office/drawing/2010/main" xmlns:ma14="http://schemas.microsoft.com/office/mac/drawingml/2011/main" val="1"/>
                 </a:ext>
               </a:extLst>
             </p:spPr>
@@ -20831,7 +20861,7 @@
               </a:effectLst>
               <a:extLst>
                 <a:ext uri="{C572A759-6A51-4108-AA02-DFA0A04FC94B}">
-                  <ma14:wrappingTextBoxFlag xmlns:ma14="http://schemas.microsoft.com/office/mac/drawingml/2011/main" xmlns:a14="http://schemas.microsoft.com/office/drawing/2010/main" xmlns:m="http://schemas.openxmlformats.org/officeDocument/2006/math" xmlns="" val="1"/>
+                  <ma14:wrappingTextBoxFlag xmlns="" xmlns:m="http://schemas.openxmlformats.org/officeDocument/2006/math" xmlns:a14="http://schemas.microsoft.com/office/drawing/2010/main" xmlns:ma14="http://schemas.microsoft.com/office/mac/drawingml/2011/main" val="1"/>
                 </a:ext>
               </a:extLst>
             </p:spPr>
@@ -20883,7 +20913,7 @@
             <a:effectLst/>
             <a:extLst>
               <a:ext uri="{C572A759-6A51-4108-AA02-DFA0A04FC94B}">
-                <ma14:wrappingTextBoxFlag xmlns:ma14="http://schemas.microsoft.com/office/mac/drawingml/2011/main" xmlns:a14="http://schemas.microsoft.com/office/drawing/2010/main" xmlns:m="http://schemas.openxmlformats.org/officeDocument/2006/math" xmlns="" val="1"/>
+                <ma14:wrappingTextBoxFlag xmlns="" xmlns:m="http://schemas.openxmlformats.org/officeDocument/2006/math" xmlns:a14="http://schemas.microsoft.com/office/drawing/2010/main" xmlns:ma14="http://schemas.microsoft.com/office/mac/drawingml/2011/main" val="1"/>
               </a:ext>
             </a:extLst>
           </p:spPr>
@@ -20934,7 +20964,7 @@
             <a:effectLst/>
             <a:extLst>
               <a:ext uri="{C572A759-6A51-4108-AA02-DFA0A04FC94B}">
-                <ma14:wrappingTextBoxFlag xmlns:ma14="http://schemas.microsoft.com/office/mac/drawingml/2011/main" xmlns:a14="http://schemas.microsoft.com/office/drawing/2010/main" xmlns:m="http://schemas.openxmlformats.org/officeDocument/2006/math" xmlns="" val="1"/>
+                <ma14:wrappingTextBoxFlag xmlns="" xmlns:m="http://schemas.openxmlformats.org/officeDocument/2006/math" xmlns:a14="http://schemas.microsoft.com/office/drawing/2010/main" xmlns:ma14="http://schemas.microsoft.com/office/mac/drawingml/2011/main" val="1"/>
               </a:ext>
             </a:extLst>
           </p:spPr>
@@ -21080,7 +21110,7 @@
             </a:effectLst>
             <a:extLst>
               <a:ext uri="{C572A759-6A51-4108-AA02-DFA0A04FC94B}">
-                <ma14:wrappingTextBoxFlag xmlns:ma14="http://schemas.microsoft.com/office/mac/drawingml/2011/main" xmlns:a14="http://schemas.microsoft.com/office/drawing/2010/main" xmlns:m="http://schemas.openxmlformats.org/officeDocument/2006/math" xmlns="" val="1"/>
+                <ma14:wrappingTextBoxFlag xmlns="" xmlns:m="http://schemas.openxmlformats.org/officeDocument/2006/math" xmlns:a14="http://schemas.microsoft.com/office/drawing/2010/main" xmlns:ma14="http://schemas.microsoft.com/office/mac/drawingml/2011/main" val="1"/>
               </a:ext>
             </a:extLst>
           </p:spPr>
@@ -21176,7 +21206,7 @@
           </a:ln>
           <a:extLst>
             <a:ext uri="{C572A759-6A51-4108-AA02-DFA0A04FC94B}">
-              <ma14:wrappingTextBoxFlag xmlns:ma14="http://schemas.microsoft.com/office/mac/drawingml/2011/main" xmlns:a14="http://schemas.microsoft.com/office/drawing/2010/main" xmlns:m="http://schemas.openxmlformats.org/officeDocument/2006/math" xmlns="" val="1"/>
+              <ma14:wrappingTextBoxFlag xmlns="" xmlns:m="http://schemas.openxmlformats.org/officeDocument/2006/math" xmlns:a14="http://schemas.microsoft.com/office/drawing/2010/main" xmlns:ma14="http://schemas.microsoft.com/office/mac/drawingml/2011/main" val="1"/>
             </a:ext>
           </a:extLst>
         </p:spPr>
@@ -21224,7 +21254,7 @@
           </a:ln>
           <a:extLst>
             <a:ext uri="{C572A759-6A51-4108-AA02-DFA0A04FC94B}">
-              <ma14:wrappingTextBoxFlag xmlns:ma14="http://schemas.microsoft.com/office/mac/drawingml/2011/main" xmlns:a14="http://schemas.microsoft.com/office/drawing/2010/main" xmlns:m="http://schemas.openxmlformats.org/officeDocument/2006/math" xmlns="" val="1"/>
+              <ma14:wrappingTextBoxFlag xmlns="" xmlns:m="http://schemas.openxmlformats.org/officeDocument/2006/math" xmlns:a14="http://schemas.microsoft.com/office/drawing/2010/main" xmlns:ma14="http://schemas.microsoft.com/office/mac/drawingml/2011/main" val="1"/>
             </a:ext>
           </a:extLst>
         </p:spPr>
@@ -21272,7 +21302,7 @@
           </a:ln>
           <a:extLst>
             <a:ext uri="{C572A759-6A51-4108-AA02-DFA0A04FC94B}">
-              <ma14:wrappingTextBoxFlag xmlns:ma14="http://schemas.microsoft.com/office/mac/drawingml/2011/main" xmlns:a14="http://schemas.microsoft.com/office/drawing/2010/main" xmlns:m="http://schemas.openxmlformats.org/officeDocument/2006/math" xmlns="" val="1"/>
+              <ma14:wrappingTextBoxFlag xmlns="" xmlns:m="http://schemas.openxmlformats.org/officeDocument/2006/math" xmlns:a14="http://schemas.microsoft.com/office/drawing/2010/main" xmlns:ma14="http://schemas.microsoft.com/office/mac/drawingml/2011/main" val="1"/>
             </a:ext>
           </a:extLst>
         </p:spPr>
@@ -21330,7 +21360,7 @@
           </a:effectLst>
           <a:extLst>
             <a:ext uri="{C572A759-6A51-4108-AA02-DFA0A04FC94B}">
-              <ma14:wrappingTextBoxFlag xmlns:ma14="http://schemas.microsoft.com/office/mac/drawingml/2011/main" xmlns:a14="http://schemas.microsoft.com/office/drawing/2010/main" xmlns:m="http://schemas.openxmlformats.org/officeDocument/2006/math" xmlns="" val="1"/>
+              <ma14:wrappingTextBoxFlag xmlns="" xmlns:m="http://schemas.openxmlformats.org/officeDocument/2006/math" xmlns:a14="http://schemas.microsoft.com/office/drawing/2010/main" xmlns:ma14="http://schemas.microsoft.com/office/mac/drawingml/2011/main" val="1"/>
             </a:ext>
           </a:extLst>
         </p:spPr>
@@ -21390,7 +21420,7 @@
           </a:effectLst>
           <a:extLst>
             <a:ext uri="{C572A759-6A51-4108-AA02-DFA0A04FC94B}">
-              <ma14:wrappingTextBoxFlag xmlns:ma14="http://schemas.microsoft.com/office/mac/drawingml/2011/main" xmlns:a14="http://schemas.microsoft.com/office/drawing/2010/main" xmlns:m="http://schemas.openxmlformats.org/officeDocument/2006/math" xmlns="" val="1"/>
+              <ma14:wrappingTextBoxFlag xmlns="" xmlns:m="http://schemas.openxmlformats.org/officeDocument/2006/math" xmlns:a14="http://schemas.microsoft.com/office/drawing/2010/main" xmlns:ma14="http://schemas.microsoft.com/office/mac/drawingml/2011/main" val="1"/>
             </a:ext>
           </a:extLst>
         </p:spPr>
@@ -21450,7 +21480,7 @@
           </a:effectLst>
           <a:extLst>
             <a:ext uri="{C572A759-6A51-4108-AA02-DFA0A04FC94B}">
-              <ma14:wrappingTextBoxFlag xmlns:ma14="http://schemas.microsoft.com/office/mac/drawingml/2011/main" xmlns:a14="http://schemas.microsoft.com/office/drawing/2010/main" xmlns:m="http://schemas.openxmlformats.org/officeDocument/2006/math" xmlns="" val="1"/>
+              <ma14:wrappingTextBoxFlag xmlns="" xmlns:m="http://schemas.openxmlformats.org/officeDocument/2006/math" xmlns:a14="http://schemas.microsoft.com/office/drawing/2010/main" xmlns:ma14="http://schemas.microsoft.com/office/mac/drawingml/2011/main" val="1"/>
             </a:ext>
           </a:extLst>
         </p:spPr>
@@ -21486,11 +21516,11 @@
   <p:clrMapOvr>
     <a:masterClrMapping/>
   </p:clrMapOvr>
-  <mc:AlternateContent xmlns:mc="http://schemas.openxmlformats.org/markup-compatibility/2006">
-    <mc:Choice xmlns:p14="http://schemas.microsoft.com/office/powerpoint/2010/main" Requires="p14">
+  <mc:AlternateContent xmlns:mc="http://schemas.openxmlformats.org/markup-compatibility/2006" xmlns:p14="http://schemas.microsoft.com/office/powerpoint/2010/main">
+    <mc:Choice Requires="p14">
       <p:transition p14:dur="0"/>
     </mc:Choice>
-    <mc:Fallback>
+    <mc:Fallback xmlns="">
       <p:transition/>
     </mc:Fallback>
   </mc:AlternateContent>
@@ -21700,7 +21730,7 @@
           </a:ln>
           <a:extLst>
             <a:ext uri="{C572A759-6A51-4108-AA02-DFA0A04FC94B}">
-              <ma14:wrappingTextBoxFlag xmlns:ma14="http://schemas.microsoft.com/office/mac/drawingml/2011/main" xmlns:a14="http://schemas.microsoft.com/office/drawing/2010/main" xmlns:m="http://schemas.openxmlformats.org/officeDocument/2006/math" xmlns="" val="1"/>
+              <ma14:wrappingTextBoxFlag xmlns="" xmlns:m="http://schemas.openxmlformats.org/officeDocument/2006/math" xmlns:a14="http://schemas.microsoft.com/office/drawing/2010/main" xmlns:ma14="http://schemas.microsoft.com/office/mac/drawingml/2011/main" val="1"/>
             </a:ext>
           </a:extLst>
         </p:spPr>
@@ -21827,7 +21857,7 @@
           </a:ln>
           <a:extLst>
             <a:ext uri="{C572A759-6A51-4108-AA02-DFA0A04FC94B}">
-              <ma14:wrappingTextBoxFlag xmlns:ma14="http://schemas.microsoft.com/office/mac/drawingml/2011/main" xmlns:a14="http://schemas.microsoft.com/office/drawing/2010/main" xmlns:m="http://schemas.openxmlformats.org/officeDocument/2006/math" xmlns="" val="1"/>
+              <ma14:wrappingTextBoxFlag xmlns="" xmlns:m="http://schemas.openxmlformats.org/officeDocument/2006/math" xmlns:a14="http://schemas.microsoft.com/office/drawing/2010/main" xmlns:ma14="http://schemas.microsoft.com/office/mac/drawingml/2011/main" val="1"/>
             </a:ext>
           </a:extLst>
         </p:spPr>
@@ -22020,7 +22050,7 @@
               </a:effectLst>
               <a:extLst>
                 <a:ext uri="{C572A759-6A51-4108-AA02-DFA0A04FC94B}">
-                  <ma14:wrappingTextBoxFlag xmlns:ma14="http://schemas.microsoft.com/office/mac/drawingml/2011/main" xmlns:a14="http://schemas.microsoft.com/office/drawing/2010/main" xmlns:m="http://schemas.openxmlformats.org/officeDocument/2006/math" xmlns="" val="1"/>
+                  <ma14:wrappingTextBoxFlag xmlns="" xmlns:m="http://schemas.openxmlformats.org/officeDocument/2006/math" xmlns:a14="http://schemas.microsoft.com/office/drawing/2010/main" xmlns:ma14="http://schemas.microsoft.com/office/mac/drawingml/2011/main" val="1"/>
                 </a:ext>
               </a:extLst>
             </p:spPr>
@@ -22150,7 +22180,7 @@
               </a:effectLst>
               <a:extLst>
                 <a:ext uri="{C572A759-6A51-4108-AA02-DFA0A04FC94B}">
-                  <ma14:wrappingTextBoxFlag xmlns:ma14="http://schemas.microsoft.com/office/mac/drawingml/2011/main" xmlns:a14="http://schemas.microsoft.com/office/drawing/2010/main" xmlns:m="http://schemas.openxmlformats.org/officeDocument/2006/math" xmlns="" val="1"/>
+                  <ma14:wrappingTextBoxFlag xmlns="" xmlns:m="http://schemas.openxmlformats.org/officeDocument/2006/math" xmlns:a14="http://schemas.microsoft.com/office/drawing/2010/main" xmlns:ma14="http://schemas.microsoft.com/office/mac/drawingml/2011/main" val="1"/>
                 </a:ext>
               </a:extLst>
             </p:spPr>
@@ -22280,7 +22310,7 @@
               </a:effectLst>
               <a:extLst>
                 <a:ext uri="{C572A759-6A51-4108-AA02-DFA0A04FC94B}">
-                  <ma14:wrappingTextBoxFlag xmlns:ma14="http://schemas.microsoft.com/office/mac/drawingml/2011/main" xmlns:a14="http://schemas.microsoft.com/office/drawing/2010/main" xmlns:m="http://schemas.openxmlformats.org/officeDocument/2006/math" xmlns="" val="1"/>
+                  <ma14:wrappingTextBoxFlag xmlns="" xmlns:m="http://schemas.openxmlformats.org/officeDocument/2006/math" xmlns:a14="http://schemas.microsoft.com/office/drawing/2010/main" xmlns:ma14="http://schemas.microsoft.com/office/mac/drawingml/2011/main" val="1"/>
                 </a:ext>
               </a:extLst>
             </p:spPr>
@@ -22410,7 +22440,7 @@
               </a:effectLst>
               <a:extLst>
                 <a:ext uri="{C572A759-6A51-4108-AA02-DFA0A04FC94B}">
-                  <ma14:wrappingTextBoxFlag xmlns:ma14="http://schemas.microsoft.com/office/mac/drawingml/2011/main" xmlns:a14="http://schemas.microsoft.com/office/drawing/2010/main" xmlns:m="http://schemas.openxmlformats.org/officeDocument/2006/math" xmlns="" val="1"/>
+                  <ma14:wrappingTextBoxFlag xmlns="" xmlns:m="http://schemas.openxmlformats.org/officeDocument/2006/math" xmlns:a14="http://schemas.microsoft.com/office/drawing/2010/main" xmlns:ma14="http://schemas.microsoft.com/office/mac/drawingml/2011/main" val="1"/>
                 </a:ext>
               </a:extLst>
             </p:spPr>
@@ -22462,7 +22492,7 @@
             <a:effectLst/>
             <a:extLst>
               <a:ext uri="{C572A759-6A51-4108-AA02-DFA0A04FC94B}">
-                <ma14:wrappingTextBoxFlag xmlns:ma14="http://schemas.microsoft.com/office/mac/drawingml/2011/main" xmlns:a14="http://schemas.microsoft.com/office/drawing/2010/main" xmlns:m="http://schemas.openxmlformats.org/officeDocument/2006/math" xmlns="" val="1"/>
+                <ma14:wrappingTextBoxFlag xmlns="" xmlns:m="http://schemas.openxmlformats.org/officeDocument/2006/math" xmlns:a14="http://schemas.microsoft.com/office/drawing/2010/main" xmlns:ma14="http://schemas.microsoft.com/office/mac/drawingml/2011/main" val="1"/>
               </a:ext>
             </a:extLst>
           </p:spPr>
@@ -22513,7 +22543,7 @@
             <a:effectLst/>
             <a:extLst>
               <a:ext uri="{C572A759-6A51-4108-AA02-DFA0A04FC94B}">
-                <ma14:wrappingTextBoxFlag xmlns:ma14="http://schemas.microsoft.com/office/mac/drawingml/2011/main" xmlns:a14="http://schemas.microsoft.com/office/drawing/2010/main" xmlns:m="http://schemas.openxmlformats.org/officeDocument/2006/math" xmlns="" val="1"/>
+                <ma14:wrappingTextBoxFlag xmlns="" xmlns:m="http://schemas.openxmlformats.org/officeDocument/2006/math" xmlns:a14="http://schemas.microsoft.com/office/drawing/2010/main" xmlns:ma14="http://schemas.microsoft.com/office/mac/drawingml/2011/main" val="1"/>
               </a:ext>
             </a:extLst>
           </p:spPr>
@@ -22659,7 +22689,7 @@
             </a:effectLst>
             <a:extLst>
               <a:ext uri="{C572A759-6A51-4108-AA02-DFA0A04FC94B}">
-                <ma14:wrappingTextBoxFlag xmlns:ma14="http://schemas.microsoft.com/office/mac/drawingml/2011/main" xmlns:a14="http://schemas.microsoft.com/office/drawing/2010/main" xmlns:m="http://schemas.openxmlformats.org/officeDocument/2006/math" xmlns="" val="1"/>
+                <ma14:wrappingTextBoxFlag xmlns="" xmlns:m="http://schemas.openxmlformats.org/officeDocument/2006/math" xmlns:a14="http://schemas.microsoft.com/office/drawing/2010/main" xmlns:ma14="http://schemas.microsoft.com/office/mac/drawingml/2011/main" val="1"/>
               </a:ext>
             </a:extLst>
           </p:spPr>
@@ -22755,7 +22785,7 @@
           </a:ln>
           <a:extLst>
             <a:ext uri="{C572A759-6A51-4108-AA02-DFA0A04FC94B}">
-              <ma14:wrappingTextBoxFlag xmlns:ma14="http://schemas.microsoft.com/office/mac/drawingml/2011/main" xmlns:a14="http://schemas.microsoft.com/office/drawing/2010/main" xmlns:m="http://schemas.openxmlformats.org/officeDocument/2006/math" xmlns="" val="1"/>
+              <ma14:wrappingTextBoxFlag xmlns="" xmlns:m="http://schemas.openxmlformats.org/officeDocument/2006/math" xmlns:a14="http://schemas.microsoft.com/office/drawing/2010/main" xmlns:ma14="http://schemas.microsoft.com/office/mac/drawingml/2011/main" val="1"/>
             </a:ext>
           </a:extLst>
         </p:spPr>
@@ -22803,7 +22833,7 @@
           </a:ln>
           <a:extLst>
             <a:ext uri="{C572A759-6A51-4108-AA02-DFA0A04FC94B}">
-              <ma14:wrappingTextBoxFlag xmlns:ma14="http://schemas.microsoft.com/office/mac/drawingml/2011/main" xmlns:a14="http://schemas.microsoft.com/office/drawing/2010/main" xmlns:m="http://schemas.openxmlformats.org/officeDocument/2006/math" xmlns="" val="1"/>
+              <ma14:wrappingTextBoxFlag xmlns="" xmlns:m="http://schemas.openxmlformats.org/officeDocument/2006/math" xmlns:a14="http://schemas.microsoft.com/office/drawing/2010/main" xmlns:ma14="http://schemas.microsoft.com/office/mac/drawingml/2011/main" val="1"/>
             </a:ext>
           </a:extLst>
         </p:spPr>
@@ -22851,7 +22881,7 @@
           </a:ln>
           <a:extLst>
             <a:ext uri="{C572A759-6A51-4108-AA02-DFA0A04FC94B}">
-              <ma14:wrappingTextBoxFlag xmlns:ma14="http://schemas.microsoft.com/office/mac/drawingml/2011/main" xmlns:a14="http://schemas.microsoft.com/office/drawing/2010/main" xmlns:m="http://schemas.openxmlformats.org/officeDocument/2006/math" xmlns="" val="1"/>
+              <ma14:wrappingTextBoxFlag xmlns="" xmlns:m="http://schemas.openxmlformats.org/officeDocument/2006/math" xmlns:a14="http://schemas.microsoft.com/office/drawing/2010/main" xmlns:ma14="http://schemas.microsoft.com/office/mac/drawingml/2011/main" val="1"/>
             </a:ext>
           </a:extLst>
         </p:spPr>
@@ -22909,7 +22939,7 @@
           </a:effectLst>
           <a:extLst>
             <a:ext uri="{C572A759-6A51-4108-AA02-DFA0A04FC94B}">
-              <ma14:wrappingTextBoxFlag xmlns:ma14="http://schemas.microsoft.com/office/mac/drawingml/2011/main" xmlns:a14="http://schemas.microsoft.com/office/drawing/2010/main" xmlns:m="http://schemas.openxmlformats.org/officeDocument/2006/math" xmlns="" val="1"/>
+              <ma14:wrappingTextBoxFlag xmlns="" xmlns:m="http://schemas.openxmlformats.org/officeDocument/2006/math" xmlns:a14="http://schemas.microsoft.com/office/drawing/2010/main" xmlns:ma14="http://schemas.microsoft.com/office/mac/drawingml/2011/main" val="1"/>
             </a:ext>
           </a:extLst>
         </p:spPr>
@@ -22969,7 +22999,7 @@
           </a:effectLst>
           <a:extLst>
             <a:ext uri="{C572A759-6A51-4108-AA02-DFA0A04FC94B}">
-              <ma14:wrappingTextBoxFlag xmlns:ma14="http://schemas.microsoft.com/office/mac/drawingml/2011/main" xmlns:a14="http://schemas.microsoft.com/office/drawing/2010/main" xmlns:m="http://schemas.openxmlformats.org/officeDocument/2006/math" xmlns="" val="1"/>
+              <ma14:wrappingTextBoxFlag xmlns="" xmlns:m="http://schemas.openxmlformats.org/officeDocument/2006/math" xmlns:a14="http://schemas.microsoft.com/office/drawing/2010/main" xmlns:ma14="http://schemas.microsoft.com/office/mac/drawingml/2011/main" val="1"/>
             </a:ext>
           </a:extLst>
         </p:spPr>
@@ -23005,11 +23035,11 @@
   <p:clrMapOvr>
     <a:masterClrMapping/>
   </p:clrMapOvr>
-  <mc:AlternateContent xmlns:mc="http://schemas.openxmlformats.org/markup-compatibility/2006">
-    <mc:Choice xmlns:p14="http://schemas.microsoft.com/office/powerpoint/2010/main" Requires="p14">
+  <mc:AlternateContent xmlns:mc="http://schemas.openxmlformats.org/markup-compatibility/2006" xmlns:p14="http://schemas.microsoft.com/office/powerpoint/2010/main">
+    <mc:Choice Requires="p14">
       <p:transition p14:dur="0"/>
     </mc:Choice>
-    <mc:Fallback>
+    <mc:Fallback xmlns="">
       <p:transition/>
     </mc:Fallback>
   </mc:AlternateContent>
@@ -23219,7 +23249,7 @@
           </a:ln>
           <a:extLst>
             <a:ext uri="{C572A759-6A51-4108-AA02-DFA0A04FC94B}">
-              <ma14:wrappingTextBoxFlag xmlns:ma14="http://schemas.microsoft.com/office/mac/drawingml/2011/main" xmlns:a14="http://schemas.microsoft.com/office/drawing/2010/main" xmlns:m="http://schemas.openxmlformats.org/officeDocument/2006/math" xmlns="" val="1"/>
+              <ma14:wrappingTextBoxFlag xmlns="" xmlns:m="http://schemas.openxmlformats.org/officeDocument/2006/math" xmlns:a14="http://schemas.microsoft.com/office/drawing/2010/main" xmlns:ma14="http://schemas.microsoft.com/office/mac/drawingml/2011/main" val="1"/>
             </a:ext>
           </a:extLst>
         </p:spPr>
@@ -23346,7 +23376,7 @@
           </a:ln>
           <a:extLst>
             <a:ext uri="{C572A759-6A51-4108-AA02-DFA0A04FC94B}">
-              <ma14:wrappingTextBoxFlag xmlns:ma14="http://schemas.microsoft.com/office/mac/drawingml/2011/main" xmlns:a14="http://schemas.microsoft.com/office/drawing/2010/main" xmlns:m="http://schemas.openxmlformats.org/officeDocument/2006/math" xmlns="" val="1"/>
+              <ma14:wrappingTextBoxFlag xmlns="" xmlns:m="http://schemas.openxmlformats.org/officeDocument/2006/math" xmlns:a14="http://schemas.microsoft.com/office/drawing/2010/main" xmlns:ma14="http://schemas.microsoft.com/office/mac/drawingml/2011/main" val="1"/>
             </a:ext>
           </a:extLst>
         </p:spPr>
@@ -23539,7 +23569,7 @@
               </a:effectLst>
               <a:extLst>
                 <a:ext uri="{C572A759-6A51-4108-AA02-DFA0A04FC94B}">
-                  <ma14:wrappingTextBoxFlag xmlns:ma14="http://schemas.microsoft.com/office/mac/drawingml/2011/main" xmlns:a14="http://schemas.microsoft.com/office/drawing/2010/main" xmlns:m="http://schemas.openxmlformats.org/officeDocument/2006/math" xmlns="" val="1"/>
+                  <ma14:wrappingTextBoxFlag xmlns="" xmlns:m="http://schemas.openxmlformats.org/officeDocument/2006/math" xmlns:a14="http://schemas.microsoft.com/office/drawing/2010/main" xmlns:ma14="http://schemas.microsoft.com/office/mac/drawingml/2011/main" val="1"/>
                 </a:ext>
               </a:extLst>
             </p:spPr>
@@ -23669,7 +23699,7 @@
               </a:effectLst>
               <a:extLst>
                 <a:ext uri="{C572A759-6A51-4108-AA02-DFA0A04FC94B}">
-                  <ma14:wrappingTextBoxFlag xmlns:ma14="http://schemas.microsoft.com/office/mac/drawingml/2011/main" xmlns:a14="http://schemas.microsoft.com/office/drawing/2010/main" xmlns:m="http://schemas.openxmlformats.org/officeDocument/2006/math" xmlns="" val="1"/>
+                  <ma14:wrappingTextBoxFlag xmlns="" xmlns:m="http://schemas.openxmlformats.org/officeDocument/2006/math" xmlns:a14="http://schemas.microsoft.com/office/drawing/2010/main" xmlns:ma14="http://schemas.microsoft.com/office/mac/drawingml/2011/main" val="1"/>
                 </a:ext>
               </a:extLst>
             </p:spPr>
@@ -23799,7 +23829,7 @@
               </a:effectLst>
               <a:extLst>
                 <a:ext uri="{C572A759-6A51-4108-AA02-DFA0A04FC94B}">
-                  <ma14:wrappingTextBoxFlag xmlns:ma14="http://schemas.microsoft.com/office/mac/drawingml/2011/main" xmlns:a14="http://schemas.microsoft.com/office/drawing/2010/main" xmlns:m="http://schemas.openxmlformats.org/officeDocument/2006/math" xmlns="" val="1"/>
+                  <ma14:wrappingTextBoxFlag xmlns="" xmlns:m="http://schemas.openxmlformats.org/officeDocument/2006/math" xmlns:a14="http://schemas.microsoft.com/office/drawing/2010/main" xmlns:ma14="http://schemas.microsoft.com/office/mac/drawingml/2011/main" val="1"/>
                 </a:ext>
               </a:extLst>
             </p:spPr>
@@ -23929,7 +23959,7 @@
               </a:effectLst>
               <a:extLst>
                 <a:ext uri="{C572A759-6A51-4108-AA02-DFA0A04FC94B}">
-                  <ma14:wrappingTextBoxFlag xmlns:ma14="http://schemas.microsoft.com/office/mac/drawingml/2011/main" xmlns:a14="http://schemas.microsoft.com/office/drawing/2010/main" xmlns:m="http://schemas.openxmlformats.org/officeDocument/2006/math" xmlns="" val="1"/>
+                  <ma14:wrappingTextBoxFlag xmlns="" xmlns:m="http://schemas.openxmlformats.org/officeDocument/2006/math" xmlns:a14="http://schemas.microsoft.com/office/drawing/2010/main" xmlns:ma14="http://schemas.microsoft.com/office/mac/drawingml/2011/main" val="1"/>
                 </a:ext>
               </a:extLst>
             </p:spPr>
@@ -23981,7 +24011,7 @@
             <a:effectLst/>
             <a:extLst>
               <a:ext uri="{C572A759-6A51-4108-AA02-DFA0A04FC94B}">
-                <ma14:wrappingTextBoxFlag xmlns:ma14="http://schemas.microsoft.com/office/mac/drawingml/2011/main" xmlns:a14="http://schemas.microsoft.com/office/drawing/2010/main" xmlns:m="http://schemas.openxmlformats.org/officeDocument/2006/math" xmlns="" val="1"/>
+                <ma14:wrappingTextBoxFlag xmlns="" xmlns:m="http://schemas.openxmlformats.org/officeDocument/2006/math" xmlns:a14="http://schemas.microsoft.com/office/drawing/2010/main" xmlns:ma14="http://schemas.microsoft.com/office/mac/drawingml/2011/main" val="1"/>
               </a:ext>
             </a:extLst>
           </p:spPr>
@@ -24032,7 +24062,7 @@
             <a:effectLst/>
             <a:extLst>
               <a:ext uri="{C572A759-6A51-4108-AA02-DFA0A04FC94B}">
-                <ma14:wrappingTextBoxFlag xmlns:ma14="http://schemas.microsoft.com/office/mac/drawingml/2011/main" xmlns:a14="http://schemas.microsoft.com/office/drawing/2010/main" xmlns:m="http://schemas.openxmlformats.org/officeDocument/2006/math" xmlns="" val="1"/>
+                <ma14:wrappingTextBoxFlag xmlns="" xmlns:m="http://schemas.openxmlformats.org/officeDocument/2006/math" xmlns:a14="http://schemas.microsoft.com/office/drawing/2010/main" xmlns:ma14="http://schemas.microsoft.com/office/mac/drawingml/2011/main" val="1"/>
               </a:ext>
             </a:extLst>
           </p:spPr>
@@ -24178,7 +24208,7 @@
             </a:effectLst>
             <a:extLst>
               <a:ext uri="{C572A759-6A51-4108-AA02-DFA0A04FC94B}">
-                <ma14:wrappingTextBoxFlag xmlns:ma14="http://schemas.microsoft.com/office/mac/drawingml/2011/main" xmlns:a14="http://schemas.microsoft.com/office/drawing/2010/main" xmlns:m="http://schemas.openxmlformats.org/officeDocument/2006/math" xmlns="" val="1"/>
+                <ma14:wrappingTextBoxFlag xmlns="" xmlns:m="http://schemas.openxmlformats.org/officeDocument/2006/math" xmlns:a14="http://schemas.microsoft.com/office/drawing/2010/main" xmlns:ma14="http://schemas.microsoft.com/office/mac/drawingml/2011/main" val="1"/>
               </a:ext>
             </a:extLst>
           </p:spPr>
@@ -24274,7 +24304,7 @@
           </a:ln>
           <a:extLst>
             <a:ext uri="{C572A759-6A51-4108-AA02-DFA0A04FC94B}">
-              <ma14:wrappingTextBoxFlag xmlns:ma14="http://schemas.microsoft.com/office/mac/drawingml/2011/main" xmlns:a14="http://schemas.microsoft.com/office/drawing/2010/main" xmlns:m="http://schemas.openxmlformats.org/officeDocument/2006/math" xmlns="" val="1"/>
+              <ma14:wrappingTextBoxFlag xmlns="" xmlns:m="http://schemas.openxmlformats.org/officeDocument/2006/math" xmlns:a14="http://schemas.microsoft.com/office/drawing/2010/main" xmlns:ma14="http://schemas.microsoft.com/office/mac/drawingml/2011/main" val="1"/>
             </a:ext>
           </a:extLst>
         </p:spPr>
@@ -24322,7 +24352,7 @@
           </a:ln>
           <a:extLst>
             <a:ext uri="{C572A759-6A51-4108-AA02-DFA0A04FC94B}">
-              <ma14:wrappingTextBoxFlag xmlns:ma14="http://schemas.microsoft.com/office/mac/drawingml/2011/main" xmlns:a14="http://schemas.microsoft.com/office/drawing/2010/main" xmlns:m="http://schemas.openxmlformats.org/officeDocument/2006/math" xmlns="" val="1"/>
+              <ma14:wrappingTextBoxFlag xmlns="" xmlns:m="http://schemas.openxmlformats.org/officeDocument/2006/math" xmlns:a14="http://schemas.microsoft.com/office/drawing/2010/main" xmlns:ma14="http://schemas.microsoft.com/office/mac/drawingml/2011/main" val="1"/>
             </a:ext>
           </a:extLst>
         </p:spPr>
@@ -24370,7 +24400,7 @@
           </a:ln>
           <a:extLst>
             <a:ext uri="{C572A759-6A51-4108-AA02-DFA0A04FC94B}">
-              <ma14:wrappingTextBoxFlag xmlns:ma14="http://schemas.microsoft.com/office/mac/drawingml/2011/main" xmlns:a14="http://schemas.microsoft.com/office/drawing/2010/main" xmlns:m="http://schemas.openxmlformats.org/officeDocument/2006/math" xmlns="" val="1"/>
+              <ma14:wrappingTextBoxFlag xmlns="" xmlns:m="http://schemas.openxmlformats.org/officeDocument/2006/math" xmlns:a14="http://schemas.microsoft.com/office/drawing/2010/main" xmlns:ma14="http://schemas.microsoft.com/office/mac/drawingml/2011/main" val="1"/>
             </a:ext>
           </a:extLst>
         </p:spPr>
@@ -24428,7 +24458,7 @@
           </a:effectLst>
           <a:extLst>
             <a:ext uri="{C572A759-6A51-4108-AA02-DFA0A04FC94B}">
-              <ma14:wrappingTextBoxFlag xmlns:ma14="http://schemas.microsoft.com/office/mac/drawingml/2011/main" xmlns:a14="http://schemas.microsoft.com/office/drawing/2010/main" xmlns:m="http://schemas.openxmlformats.org/officeDocument/2006/math" xmlns="" val="1"/>
+              <ma14:wrappingTextBoxFlag xmlns="" xmlns:m="http://schemas.openxmlformats.org/officeDocument/2006/math" xmlns:a14="http://schemas.microsoft.com/office/drawing/2010/main" xmlns:ma14="http://schemas.microsoft.com/office/mac/drawingml/2011/main" val="1"/>
             </a:ext>
           </a:extLst>
         </p:spPr>
@@ -24464,11 +24494,11 @@
   <p:clrMapOvr>
     <a:masterClrMapping/>
   </p:clrMapOvr>
-  <mc:AlternateContent xmlns:mc="http://schemas.openxmlformats.org/markup-compatibility/2006">
-    <mc:Choice xmlns:p14="http://schemas.microsoft.com/office/powerpoint/2010/main" Requires="p14">
+  <mc:AlternateContent xmlns:mc="http://schemas.openxmlformats.org/markup-compatibility/2006" xmlns:p14="http://schemas.microsoft.com/office/powerpoint/2010/main">
+    <mc:Choice Requires="p14">
       <p:transition p14:dur="0"/>
     </mc:Choice>
-    <mc:Fallback>
+    <mc:Fallback xmlns="">
       <p:transition/>
     </mc:Fallback>
   </mc:AlternateContent>
@@ -24870,11 +24900,11 @@
   <p:clrMapOvr>
     <a:masterClrMapping/>
   </p:clrMapOvr>
-  <mc:AlternateContent xmlns:mc="http://schemas.openxmlformats.org/markup-compatibility/2006">
-    <mc:Choice xmlns:p14="http://schemas.microsoft.com/office/powerpoint/2010/main" Requires="p14">
+  <mc:AlternateContent xmlns:mc="http://schemas.openxmlformats.org/markup-compatibility/2006" xmlns:p14="http://schemas.microsoft.com/office/powerpoint/2010/main">
+    <mc:Choice Requires="p14">
       <p:transition p14:dur="0"/>
     </mc:Choice>
-    <mc:Fallback>
+    <mc:Fallback xmlns="">
       <p:transition/>
     </mc:Fallback>
   </mc:AlternateContent>
@@ -25146,7 +25176,7 @@
           </a:ln>
           <a:extLst>
             <a:ext uri="{C572A759-6A51-4108-AA02-DFA0A04FC94B}">
-              <ma14:wrappingTextBoxFlag xmlns:ma14="http://schemas.microsoft.com/office/mac/drawingml/2011/main" xmlns:a14="http://schemas.microsoft.com/office/drawing/2010/main" xmlns:m="http://schemas.openxmlformats.org/officeDocument/2006/math" xmlns="" val="1"/>
+              <ma14:wrappingTextBoxFlag xmlns="" xmlns:m="http://schemas.openxmlformats.org/officeDocument/2006/math" xmlns:a14="http://schemas.microsoft.com/office/drawing/2010/main" xmlns:ma14="http://schemas.microsoft.com/office/mac/drawingml/2011/main" val="1"/>
             </a:ext>
           </a:extLst>
         </p:spPr>
@@ -25194,7 +25224,7 @@
           </a:ln>
           <a:extLst>
             <a:ext uri="{C572A759-6A51-4108-AA02-DFA0A04FC94B}">
-              <ma14:wrappingTextBoxFlag xmlns:ma14="http://schemas.microsoft.com/office/mac/drawingml/2011/main" xmlns:a14="http://schemas.microsoft.com/office/drawing/2010/main" xmlns:m="http://schemas.openxmlformats.org/officeDocument/2006/math" xmlns="" val="1"/>
+              <ma14:wrappingTextBoxFlag xmlns="" xmlns:m="http://schemas.openxmlformats.org/officeDocument/2006/math" xmlns:a14="http://schemas.microsoft.com/office/drawing/2010/main" xmlns:ma14="http://schemas.microsoft.com/office/mac/drawingml/2011/main" val="1"/>
             </a:ext>
           </a:extLst>
         </p:spPr>
@@ -25242,7 +25272,7 @@
           </a:ln>
           <a:extLst>
             <a:ext uri="{C572A759-6A51-4108-AA02-DFA0A04FC94B}">
-              <ma14:wrappingTextBoxFlag xmlns:ma14="http://schemas.microsoft.com/office/mac/drawingml/2011/main" xmlns:a14="http://schemas.microsoft.com/office/drawing/2010/main" xmlns:m="http://schemas.openxmlformats.org/officeDocument/2006/math" xmlns="" val="1"/>
+              <ma14:wrappingTextBoxFlag xmlns="" xmlns:m="http://schemas.openxmlformats.org/officeDocument/2006/math" xmlns:a14="http://schemas.microsoft.com/office/drawing/2010/main" xmlns:ma14="http://schemas.microsoft.com/office/mac/drawingml/2011/main" val="1"/>
             </a:ext>
           </a:extLst>
         </p:spPr>
@@ -25290,7 +25320,7 @@
           </a:ln>
           <a:extLst>
             <a:ext uri="{C572A759-6A51-4108-AA02-DFA0A04FC94B}">
-              <ma14:wrappingTextBoxFlag xmlns:ma14="http://schemas.microsoft.com/office/mac/drawingml/2011/main" xmlns:a14="http://schemas.microsoft.com/office/drawing/2010/main" xmlns:m="http://schemas.openxmlformats.org/officeDocument/2006/math" xmlns="" val="1"/>
+              <ma14:wrappingTextBoxFlag xmlns="" xmlns:m="http://schemas.openxmlformats.org/officeDocument/2006/math" xmlns:a14="http://schemas.microsoft.com/office/drawing/2010/main" xmlns:ma14="http://schemas.microsoft.com/office/mac/drawingml/2011/main" val="1"/>
             </a:ext>
           </a:extLst>
         </p:spPr>
@@ -25338,7 +25368,7 @@
           </a:ln>
           <a:extLst>
             <a:ext uri="{C572A759-6A51-4108-AA02-DFA0A04FC94B}">
-              <ma14:wrappingTextBoxFlag xmlns:ma14="http://schemas.microsoft.com/office/mac/drawingml/2011/main" xmlns:a14="http://schemas.microsoft.com/office/drawing/2010/main" xmlns:m="http://schemas.openxmlformats.org/officeDocument/2006/math" xmlns="" val="1"/>
+              <ma14:wrappingTextBoxFlag xmlns="" xmlns:m="http://schemas.openxmlformats.org/officeDocument/2006/math" xmlns:a14="http://schemas.microsoft.com/office/drawing/2010/main" xmlns:ma14="http://schemas.microsoft.com/office/mac/drawingml/2011/main" val="1"/>
             </a:ext>
           </a:extLst>
         </p:spPr>
@@ -25468,7 +25498,7 @@
           </a:ln>
           <a:extLst>
             <a:ext uri="{C572A759-6A51-4108-AA02-DFA0A04FC94B}">
-              <ma14:wrappingTextBoxFlag xmlns:ma14="http://schemas.microsoft.com/office/mac/drawingml/2011/main" xmlns:a14="http://schemas.microsoft.com/office/drawing/2010/main" xmlns:m="http://schemas.openxmlformats.org/officeDocument/2006/math" xmlns="" val="1"/>
+              <ma14:wrappingTextBoxFlag xmlns="" xmlns:m="http://schemas.openxmlformats.org/officeDocument/2006/math" xmlns:a14="http://schemas.microsoft.com/office/drawing/2010/main" xmlns:ma14="http://schemas.microsoft.com/office/mac/drawingml/2011/main" val="1"/>
             </a:ext>
           </a:extLst>
         </p:spPr>
@@ -25598,7 +25628,7 @@
           </a:ln>
           <a:extLst>
             <a:ext uri="{C572A759-6A51-4108-AA02-DFA0A04FC94B}">
-              <ma14:wrappingTextBoxFlag xmlns:ma14="http://schemas.microsoft.com/office/mac/drawingml/2011/main" xmlns:a14="http://schemas.microsoft.com/office/drawing/2010/main" xmlns:m="http://schemas.openxmlformats.org/officeDocument/2006/math" xmlns="" val="1"/>
+              <ma14:wrappingTextBoxFlag xmlns="" xmlns:m="http://schemas.openxmlformats.org/officeDocument/2006/math" xmlns:a14="http://schemas.microsoft.com/office/drawing/2010/main" xmlns:ma14="http://schemas.microsoft.com/office/mac/drawingml/2011/main" val="1"/>
             </a:ext>
           </a:extLst>
         </p:spPr>
@@ -25728,7 +25758,7 @@
           </a:ln>
           <a:extLst>
             <a:ext uri="{C572A759-6A51-4108-AA02-DFA0A04FC94B}">
-              <ma14:wrappingTextBoxFlag xmlns:ma14="http://schemas.microsoft.com/office/mac/drawingml/2011/main" xmlns:a14="http://schemas.microsoft.com/office/drawing/2010/main" xmlns:m="http://schemas.openxmlformats.org/officeDocument/2006/math" xmlns="" val="1"/>
+              <ma14:wrappingTextBoxFlag xmlns="" xmlns:m="http://schemas.openxmlformats.org/officeDocument/2006/math" xmlns:a14="http://schemas.microsoft.com/office/drawing/2010/main" xmlns:ma14="http://schemas.microsoft.com/office/mac/drawingml/2011/main" val="1"/>
             </a:ext>
           </a:extLst>
         </p:spPr>
@@ -25776,7 +25806,7 @@
           </a:ln>
           <a:extLst>
             <a:ext uri="{C572A759-6A51-4108-AA02-DFA0A04FC94B}">
-              <ma14:wrappingTextBoxFlag xmlns:ma14="http://schemas.microsoft.com/office/mac/drawingml/2011/main" xmlns:a14="http://schemas.microsoft.com/office/drawing/2010/main" xmlns:m="http://schemas.openxmlformats.org/officeDocument/2006/math" xmlns="" val="1"/>
+              <ma14:wrappingTextBoxFlag xmlns="" xmlns:m="http://schemas.openxmlformats.org/officeDocument/2006/math" xmlns:a14="http://schemas.microsoft.com/office/drawing/2010/main" xmlns:ma14="http://schemas.microsoft.com/office/mac/drawingml/2011/main" val="1"/>
             </a:ext>
           </a:extLst>
         </p:spPr>
@@ -25865,7 +25895,7 @@
           </a:ln>
           <a:extLst>
             <a:ext uri="{C572A759-6A51-4108-AA02-DFA0A04FC94B}">
-              <ma14:wrappingTextBoxFlag xmlns:ma14="http://schemas.microsoft.com/office/mac/drawingml/2011/main" xmlns:a14="http://schemas.microsoft.com/office/drawing/2010/main" xmlns:m="http://schemas.openxmlformats.org/officeDocument/2006/math" xmlns="" val="1"/>
+              <ma14:wrappingTextBoxFlag xmlns="" xmlns:m="http://schemas.openxmlformats.org/officeDocument/2006/math" xmlns:a14="http://schemas.microsoft.com/office/drawing/2010/main" xmlns:ma14="http://schemas.microsoft.com/office/mac/drawingml/2011/main" val="1"/>
             </a:ext>
           </a:extLst>
         </p:spPr>
@@ -25940,11 +25970,11 @@
   <p:clrMapOvr>
     <a:masterClrMapping/>
   </p:clrMapOvr>
-  <mc:AlternateContent xmlns:mc="http://schemas.openxmlformats.org/markup-compatibility/2006">
-    <mc:Choice xmlns:p14="http://schemas.microsoft.com/office/powerpoint/2010/main" Requires="p14">
+  <mc:AlternateContent xmlns:mc="http://schemas.openxmlformats.org/markup-compatibility/2006" xmlns:p14="http://schemas.microsoft.com/office/powerpoint/2010/main">
+    <mc:Choice Requires="p14">
       <p:transition p14:dur="0"/>
     </mc:Choice>
-    <mc:Fallback>
+    <mc:Fallback xmlns="">
       <p:transition/>
     </mc:Fallback>
   </mc:AlternateContent>
@@ -26091,7 +26121,7 @@
           </a:ln>
           <a:extLst>
             <a:ext uri="{C572A759-6A51-4108-AA02-DFA0A04FC94B}">
-              <ma14:wrappingTextBoxFlag xmlns:ma14="http://schemas.microsoft.com/office/mac/drawingml/2011/main" xmlns:a14="http://schemas.microsoft.com/office/drawing/2010/main" xmlns:m="http://schemas.openxmlformats.org/officeDocument/2006/math" xmlns="" val="1"/>
+              <ma14:wrappingTextBoxFlag xmlns="" xmlns:m="http://schemas.openxmlformats.org/officeDocument/2006/math" xmlns:a14="http://schemas.microsoft.com/office/drawing/2010/main" xmlns:ma14="http://schemas.microsoft.com/office/mac/drawingml/2011/main" val="1"/>
             </a:ext>
           </a:extLst>
         </p:spPr>
@@ -26139,7 +26169,7 @@
           </a:ln>
           <a:extLst>
             <a:ext uri="{C572A759-6A51-4108-AA02-DFA0A04FC94B}">
-              <ma14:wrappingTextBoxFlag xmlns:ma14="http://schemas.microsoft.com/office/mac/drawingml/2011/main" xmlns:a14="http://schemas.microsoft.com/office/drawing/2010/main" xmlns:m="http://schemas.openxmlformats.org/officeDocument/2006/math" xmlns="" val="1"/>
+              <ma14:wrappingTextBoxFlag xmlns="" xmlns:m="http://schemas.openxmlformats.org/officeDocument/2006/math" xmlns:a14="http://schemas.microsoft.com/office/drawing/2010/main" xmlns:ma14="http://schemas.microsoft.com/office/mac/drawingml/2011/main" val="1"/>
             </a:ext>
           </a:extLst>
         </p:spPr>
@@ -26187,7 +26217,7 @@
           </a:ln>
           <a:extLst>
             <a:ext uri="{C572A759-6A51-4108-AA02-DFA0A04FC94B}">
-              <ma14:wrappingTextBoxFlag xmlns:ma14="http://schemas.microsoft.com/office/mac/drawingml/2011/main" xmlns:a14="http://schemas.microsoft.com/office/drawing/2010/main" xmlns:m="http://schemas.openxmlformats.org/officeDocument/2006/math" xmlns="" val="1"/>
+              <ma14:wrappingTextBoxFlag xmlns="" xmlns:m="http://schemas.openxmlformats.org/officeDocument/2006/math" xmlns:a14="http://schemas.microsoft.com/office/drawing/2010/main" xmlns:ma14="http://schemas.microsoft.com/office/mac/drawingml/2011/main" val="1"/>
             </a:ext>
           </a:extLst>
         </p:spPr>
@@ -26235,7 +26265,7 @@
           </a:ln>
           <a:extLst>
             <a:ext uri="{C572A759-6A51-4108-AA02-DFA0A04FC94B}">
-              <ma14:wrappingTextBoxFlag xmlns:ma14="http://schemas.microsoft.com/office/mac/drawingml/2011/main" xmlns:a14="http://schemas.microsoft.com/office/drawing/2010/main" xmlns:m="http://schemas.openxmlformats.org/officeDocument/2006/math" xmlns="" val="1"/>
+              <ma14:wrappingTextBoxFlag xmlns="" xmlns:m="http://schemas.openxmlformats.org/officeDocument/2006/math" xmlns:a14="http://schemas.microsoft.com/office/drawing/2010/main" xmlns:ma14="http://schemas.microsoft.com/office/mac/drawingml/2011/main" val="1"/>
             </a:ext>
           </a:extLst>
         </p:spPr>
@@ -26283,7 +26313,7 @@
           </a:ln>
           <a:extLst>
             <a:ext uri="{C572A759-6A51-4108-AA02-DFA0A04FC94B}">
-              <ma14:wrappingTextBoxFlag xmlns:ma14="http://schemas.microsoft.com/office/mac/drawingml/2011/main" xmlns:a14="http://schemas.microsoft.com/office/drawing/2010/main" xmlns:m="http://schemas.openxmlformats.org/officeDocument/2006/math" xmlns="" val="1"/>
+              <ma14:wrappingTextBoxFlag xmlns="" xmlns:m="http://schemas.openxmlformats.org/officeDocument/2006/math" xmlns:a14="http://schemas.microsoft.com/office/drawing/2010/main" xmlns:ma14="http://schemas.microsoft.com/office/mac/drawingml/2011/main" val="1"/>
             </a:ext>
           </a:extLst>
         </p:spPr>
@@ -26413,7 +26443,7 @@
           </a:ln>
           <a:extLst>
             <a:ext uri="{C572A759-6A51-4108-AA02-DFA0A04FC94B}">
-              <ma14:wrappingTextBoxFlag xmlns:ma14="http://schemas.microsoft.com/office/mac/drawingml/2011/main" xmlns:a14="http://schemas.microsoft.com/office/drawing/2010/main" xmlns:m="http://schemas.openxmlformats.org/officeDocument/2006/math" xmlns="" val="1"/>
+              <ma14:wrappingTextBoxFlag xmlns="" xmlns:m="http://schemas.openxmlformats.org/officeDocument/2006/math" xmlns:a14="http://schemas.microsoft.com/office/drawing/2010/main" xmlns:ma14="http://schemas.microsoft.com/office/mac/drawingml/2011/main" val="1"/>
             </a:ext>
           </a:extLst>
         </p:spPr>
@@ -26543,7 +26573,7 @@
           </a:ln>
           <a:extLst>
             <a:ext uri="{C572A759-6A51-4108-AA02-DFA0A04FC94B}">
-              <ma14:wrappingTextBoxFlag xmlns:ma14="http://schemas.microsoft.com/office/mac/drawingml/2011/main" xmlns:a14="http://schemas.microsoft.com/office/drawing/2010/main" xmlns:m="http://schemas.openxmlformats.org/officeDocument/2006/math" xmlns="" val="1"/>
+              <ma14:wrappingTextBoxFlag xmlns="" xmlns:m="http://schemas.openxmlformats.org/officeDocument/2006/math" xmlns:a14="http://schemas.microsoft.com/office/drawing/2010/main" xmlns:ma14="http://schemas.microsoft.com/office/mac/drawingml/2011/main" val="1"/>
             </a:ext>
           </a:extLst>
         </p:spPr>
@@ -26673,7 +26703,7 @@
           </a:ln>
           <a:extLst>
             <a:ext uri="{C572A759-6A51-4108-AA02-DFA0A04FC94B}">
-              <ma14:wrappingTextBoxFlag xmlns:ma14="http://schemas.microsoft.com/office/mac/drawingml/2011/main" xmlns:a14="http://schemas.microsoft.com/office/drawing/2010/main" xmlns:m="http://schemas.openxmlformats.org/officeDocument/2006/math" xmlns="" val="1"/>
+              <ma14:wrappingTextBoxFlag xmlns="" xmlns:m="http://schemas.openxmlformats.org/officeDocument/2006/math" xmlns:a14="http://schemas.microsoft.com/office/drawing/2010/main" xmlns:ma14="http://schemas.microsoft.com/office/mac/drawingml/2011/main" val="1"/>
             </a:ext>
           </a:extLst>
         </p:spPr>
@@ -26721,7 +26751,7 @@
           </a:ln>
           <a:extLst>
             <a:ext uri="{C572A759-6A51-4108-AA02-DFA0A04FC94B}">
-              <ma14:wrappingTextBoxFlag xmlns:ma14="http://schemas.microsoft.com/office/mac/drawingml/2011/main" xmlns:a14="http://schemas.microsoft.com/office/drawing/2010/main" xmlns:m="http://schemas.openxmlformats.org/officeDocument/2006/math" xmlns="" val="1"/>
+              <ma14:wrappingTextBoxFlag xmlns="" xmlns:m="http://schemas.openxmlformats.org/officeDocument/2006/math" xmlns:a14="http://schemas.microsoft.com/office/drawing/2010/main" xmlns:ma14="http://schemas.microsoft.com/office/mac/drawingml/2011/main" val="1"/>
             </a:ext>
           </a:extLst>
         </p:spPr>
@@ -26810,7 +26840,7 @@
           </a:ln>
           <a:extLst>
             <a:ext uri="{C572A759-6A51-4108-AA02-DFA0A04FC94B}">
-              <ma14:wrappingTextBoxFlag xmlns:ma14="http://schemas.microsoft.com/office/mac/drawingml/2011/main" xmlns:a14="http://schemas.microsoft.com/office/drawing/2010/main" xmlns:m="http://schemas.openxmlformats.org/officeDocument/2006/math" xmlns="" val="1"/>
+              <ma14:wrappingTextBoxFlag xmlns="" xmlns:m="http://schemas.openxmlformats.org/officeDocument/2006/math" xmlns:a14="http://schemas.microsoft.com/office/drawing/2010/main" xmlns:ma14="http://schemas.microsoft.com/office/mac/drawingml/2011/main" val="1"/>
             </a:ext>
           </a:extLst>
         </p:spPr>
@@ -26899,7 +26929,7 @@
           </a:ln>
           <a:extLst>
             <a:ext uri="{C572A759-6A51-4108-AA02-DFA0A04FC94B}">
-              <ma14:wrappingTextBoxFlag xmlns:ma14="http://schemas.microsoft.com/office/mac/drawingml/2011/main" xmlns:a14="http://schemas.microsoft.com/office/drawing/2010/main" xmlns:m="http://schemas.openxmlformats.org/officeDocument/2006/math" xmlns="" val="1"/>
+              <ma14:wrappingTextBoxFlag xmlns="" xmlns:m="http://schemas.openxmlformats.org/officeDocument/2006/math" xmlns:a14="http://schemas.microsoft.com/office/drawing/2010/main" xmlns:ma14="http://schemas.microsoft.com/office/mac/drawingml/2011/main" val="1"/>
             </a:ext>
           </a:extLst>
         </p:spPr>
@@ -26936,11 +26966,11 @@
   <p:clrMapOvr>
     <a:masterClrMapping/>
   </p:clrMapOvr>
-  <mc:AlternateContent xmlns:mc="http://schemas.openxmlformats.org/markup-compatibility/2006">
-    <mc:Choice xmlns:p14="http://schemas.microsoft.com/office/powerpoint/2010/main" Requires="p14">
+  <mc:AlternateContent xmlns:mc="http://schemas.openxmlformats.org/markup-compatibility/2006" xmlns:p14="http://schemas.microsoft.com/office/powerpoint/2010/main">
+    <mc:Choice Requires="p14">
       <p:transition p14:dur="0"/>
     </mc:Choice>
-    <mc:Fallback>
+    <mc:Fallback xmlns="">
       <p:transition/>
     </mc:Fallback>
   </mc:AlternateContent>
@@ -26992,7 +27022,7 @@
           </a:ln>
           <a:extLst>
             <a:ext uri="{C572A759-6A51-4108-AA02-DFA0A04FC94B}">
-              <ma14:wrappingTextBoxFlag xmlns="" xmlns:m="http://schemas.openxmlformats.org/officeDocument/2006/math" xmlns:a14="http://schemas.microsoft.com/office/drawing/2010/main" xmlns:ma14="http://schemas.microsoft.com/office/mac/drawingml/2011/main" val="1"/>
+              <ma14:wrappingTextBoxFlag xmlns:ma14="http://schemas.microsoft.com/office/mac/drawingml/2011/main" xmlns:a14="http://schemas.microsoft.com/office/drawing/2010/main" xmlns:m="http://schemas.openxmlformats.org/officeDocument/2006/math" xmlns="" val="1"/>
             </a:ext>
           </a:extLst>
         </p:spPr>
@@ -27386,7 +27416,7 @@
           </a:prstGeom>
           <a:extLst>
             <a:ext uri="{C572A759-6A51-4108-AA02-DFA0A04FC94B}">
-              <ma14:wrappingTextBoxFlag xmlns:ma14="http://schemas.microsoft.com/office/mac/drawingml/2011/main" xmlns:a14="http://schemas.microsoft.com/office/drawing/2010/main" xmlns:m="http://schemas.openxmlformats.org/officeDocument/2006/math" xmlns="" val="1"/>
+              <ma14:wrappingTextBoxFlag xmlns="" xmlns:m="http://schemas.openxmlformats.org/officeDocument/2006/math" xmlns:a14="http://schemas.microsoft.com/office/drawing/2010/main" xmlns:ma14="http://schemas.microsoft.com/office/mac/drawingml/2011/main" val="1"/>
             </a:ext>
           </a:extLst>
         </p:spPr>
@@ -27443,7 +27473,7 @@
             </a:ln>
             <a:extLst>
               <a:ext uri="{C572A759-6A51-4108-AA02-DFA0A04FC94B}">
-                <ma14:wrappingTextBoxFlag xmlns:ma14="http://schemas.microsoft.com/office/mac/drawingml/2011/main" xmlns:a14="http://schemas.microsoft.com/office/drawing/2010/main" xmlns:m="http://schemas.openxmlformats.org/officeDocument/2006/math" xmlns="" val="1"/>
+                <ma14:wrappingTextBoxFlag xmlns="" xmlns:m="http://schemas.openxmlformats.org/officeDocument/2006/math" xmlns:a14="http://schemas.microsoft.com/office/drawing/2010/main" xmlns:ma14="http://schemas.microsoft.com/office/mac/drawingml/2011/main" val="1"/>
               </a:ext>
             </a:extLst>
           </p:spPr>
@@ -27707,7 +27737,7 @@
             <a:effectLst/>
             <a:extLst>
               <a:ext uri="{C572A759-6A51-4108-AA02-DFA0A04FC94B}">
-                <ma14:wrappingTextBoxFlag xmlns:ma14="http://schemas.microsoft.com/office/mac/drawingml/2011/main" xmlns:a14="http://schemas.microsoft.com/office/drawing/2010/main" xmlns:m="http://schemas.openxmlformats.org/officeDocument/2006/math" xmlns="" val="1"/>
+                <ma14:wrappingTextBoxFlag xmlns="" xmlns:m="http://schemas.openxmlformats.org/officeDocument/2006/math" xmlns:a14="http://schemas.microsoft.com/office/drawing/2010/main" xmlns:ma14="http://schemas.microsoft.com/office/mac/drawingml/2011/main" val="1"/>
               </a:ext>
             </a:extLst>
           </p:spPr>
@@ -27847,7 +27877,7 @@
             <a:effectLst/>
             <a:extLst>
               <a:ext uri="{C572A759-6A51-4108-AA02-DFA0A04FC94B}">
-                <ma14:wrappingTextBoxFlag xmlns:ma14="http://schemas.microsoft.com/office/mac/drawingml/2011/main" xmlns:a14="http://schemas.microsoft.com/office/drawing/2010/main" xmlns:m="http://schemas.openxmlformats.org/officeDocument/2006/math" xmlns="" val="1"/>
+                <ma14:wrappingTextBoxFlag xmlns="" xmlns:m="http://schemas.openxmlformats.org/officeDocument/2006/math" xmlns:a14="http://schemas.microsoft.com/office/drawing/2010/main" xmlns:ma14="http://schemas.microsoft.com/office/mac/drawingml/2011/main" val="1"/>
               </a:ext>
             </a:extLst>
           </p:spPr>
@@ -27919,7 +27949,7 @@
             </a:ln>
             <a:extLst>
               <a:ext uri="{C572A759-6A51-4108-AA02-DFA0A04FC94B}">
-                <ma14:wrappingTextBoxFlag xmlns:ma14="http://schemas.microsoft.com/office/mac/drawingml/2011/main" xmlns:a14="http://schemas.microsoft.com/office/drawing/2010/main" xmlns:m="http://schemas.openxmlformats.org/officeDocument/2006/math" xmlns="" val="1"/>
+                <ma14:wrappingTextBoxFlag xmlns="" xmlns:m="http://schemas.openxmlformats.org/officeDocument/2006/math" xmlns:a14="http://schemas.microsoft.com/office/drawing/2010/main" xmlns:ma14="http://schemas.microsoft.com/office/mac/drawingml/2011/main" val="1"/>
               </a:ext>
             </a:extLst>
           </p:spPr>
@@ -28120,11 +28150,11 @@
   <p:clrMapOvr>
     <a:masterClrMapping/>
   </p:clrMapOvr>
-  <mc:AlternateContent xmlns:mc="http://schemas.openxmlformats.org/markup-compatibility/2006">
-    <mc:Choice xmlns:p14="http://schemas.microsoft.com/office/powerpoint/2010/main" Requires="p14">
+  <mc:AlternateContent xmlns:mc="http://schemas.openxmlformats.org/markup-compatibility/2006" xmlns:p14="http://schemas.microsoft.com/office/powerpoint/2010/main">
+    <mc:Choice Requires="p14">
       <p:transition p14:dur="0"/>
     </mc:Choice>
-    <mc:Fallback>
+    <mc:Fallback xmlns="">
       <p:transition/>
     </mc:Fallback>
   </mc:AlternateContent>
@@ -28461,7 +28491,7 @@
           </a:prstGeom>
           <a:extLst>
             <a:ext uri="{C572A759-6A51-4108-AA02-DFA0A04FC94B}">
-              <ma14:wrappingTextBoxFlag xmlns:ma14="http://schemas.microsoft.com/office/mac/drawingml/2011/main" xmlns:a14="http://schemas.microsoft.com/office/drawing/2010/main" xmlns:m="http://schemas.openxmlformats.org/officeDocument/2006/math" xmlns="" val="1"/>
+              <ma14:wrappingTextBoxFlag xmlns="" xmlns:m="http://schemas.openxmlformats.org/officeDocument/2006/math" xmlns:a14="http://schemas.microsoft.com/office/drawing/2010/main" xmlns:ma14="http://schemas.microsoft.com/office/mac/drawingml/2011/main" val="1"/>
             </a:ext>
           </a:extLst>
         </p:spPr>
@@ -28831,7 +28861,7 @@
             </a:effectLst>
             <a:extLst>
               <a:ext uri="{C572A759-6A51-4108-AA02-DFA0A04FC94B}">
-                <ma14:wrappingTextBoxFlag xmlns:ma14="http://schemas.microsoft.com/office/mac/drawingml/2011/main" xmlns:a14="http://schemas.microsoft.com/office/drawing/2010/main" xmlns:m="http://schemas.openxmlformats.org/officeDocument/2006/math" xmlns="" val="1"/>
+                <ma14:wrappingTextBoxFlag xmlns="" xmlns:m="http://schemas.openxmlformats.org/officeDocument/2006/math" xmlns:a14="http://schemas.microsoft.com/office/drawing/2010/main" xmlns:ma14="http://schemas.microsoft.com/office/mac/drawingml/2011/main" val="1"/>
               </a:ext>
             </a:extLst>
           </p:spPr>
@@ -28901,7 +28931,7 @@
             </a:effectLst>
             <a:extLst>
               <a:ext uri="{C572A759-6A51-4108-AA02-DFA0A04FC94B}">
-                <ma14:wrappingTextBoxFlag xmlns:ma14="http://schemas.microsoft.com/office/mac/drawingml/2011/main" xmlns:a14="http://schemas.microsoft.com/office/drawing/2010/main" xmlns:m="http://schemas.openxmlformats.org/officeDocument/2006/math" xmlns="" val="1"/>
+                <ma14:wrappingTextBoxFlag xmlns="" xmlns:m="http://schemas.openxmlformats.org/officeDocument/2006/math" xmlns:a14="http://schemas.microsoft.com/office/drawing/2010/main" xmlns:ma14="http://schemas.microsoft.com/office/mac/drawingml/2011/main" val="1"/>
               </a:ext>
             </a:extLst>
           </p:spPr>
@@ -28969,7 +28999,7 @@
             </a:effectLst>
             <a:extLst>
               <a:ext uri="{C572A759-6A51-4108-AA02-DFA0A04FC94B}">
-                <ma14:wrappingTextBoxFlag xmlns:ma14="http://schemas.microsoft.com/office/mac/drawingml/2011/main" xmlns:a14="http://schemas.microsoft.com/office/drawing/2010/main" xmlns:m="http://schemas.openxmlformats.org/officeDocument/2006/math" xmlns="" val="1"/>
+                <ma14:wrappingTextBoxFlag xmlns="" xmlns:m="http://schemas.openxmlformats.org/officeDocument/2006/math" xmlns:a14="http://schemas.microsoft.com/office/drawing/2010/main" xmlns:ma14="http://schemas.microsoft.com/office/mac/drawingml/2011/main" val="1"/>
               </a:ext>
             </a:extLst>
           </p:spPr>
@@ -29057,7 +29087,7 @@
               </a:effectLst>
               <a:extLst>
                 <a:ext uri="{C572A759-6A51-4108-AA02-DFA0A04FC94B}">
-                  <ma14:wrappingTextBoxFlag xmlns:ma14="http://schemas.microsoft.com/office/mac/drawingml/2011/main" xmlns:a14="http://schemas.microsoft.com/office/drawing/2010/main" xmlns:m="http://schemas.openxmlformats.org/officeDocument/2006/math" xmlns="" val="1"/>
+                  <ma14:wrappingTextBoxFlag xmlns="" xmlns:m="http://schemas.openxmlformats.org/officeDocument/2006/math" xmlns:a14="http://schemas.microsoft.com/office/drawing/2010/main" xmlns:ma14="http://schemas.microsoft.com/office/mac/drawingml/2011/main" val="1"/>
                 </a:ext>
               </a:extLst>
             </p:spPr>
@@ -29235,7 +29265,7 @@
                 <a:effectLst/>
                 <a:extLst>
                   <a:ext uri="{C572A759-6A51-4108-AA02-DFA0A04FC94B}">
-                    <ma14:wrappingTextBoxFlag xmlns:ma14="http://schemas.microsoft.com/office/mac/drawingml/2011/main" xmlns:a14="http://schemas.microsoft.com/office/drawing/2010/main" xmlns:m="http://schemas.openxmlformats.org/officeDocument/2006/math" xmlns="" val="1"/>
+                    <ma14:wrappingTextBoxFlag xmlns="" xmlns:m="http://schemas.openxmlformats.org/officeDocument/2006/math" xmlns:a14="http://schemas.microsoft.com/office/drawing/2010/main" xmlns:ma14="http://schemas.microsoft.com/office/mac/drawingml/2011/main" val="1"/>
                   </a:ext>
                 </a:extLst>
               </p:spPr>
@@ -29435,7 +29465,7 @@
                 <a:effectLst/>
                 <a:extLst>
                   <a:ext uri="{C572A759-6A51-4108-AA02-DFA0A04FC94B}">
-                    <ma14:wrappingTextBoxFlag xmlns:ma14="http://schemas.microsoft.com/office/mac/drawingml/2011/main" xmlns:a14="http://schemas.microsoft.com/office/drawing/2010/main" xmlns:m="http://schemas.openxmlformats.org/officeDocument/2006/math" xmlns="" val="1"/>
+                    <ma14:wrappingTextBoxFlag xmlns="" xmlns:m="http://schemas.openxmlformats.org/officeDocument/2006/math" xmlns:a14="http://schemas.microsoft.com/office/drawing/2010/main" xmlns:ma14="http://schemas.microsoft.com/office/mac/drawingml/2011/main" val="1"/>
                   </a:ext>
                 </a:extLst>
               </p:spPr>
@@ -29525,7 +29555,7 @@
               </a:effectLst>
               <a:extLst>
                 <a:ext uri="{C572A759-6A51-4108-AA02-DFA0A04FC94B}">
-                  <ma14:wrappingTextBoxFlag xmlns:ma14="http://schemas.microsoft.com/office/mac/drawingml/2011/main" xmlns:a14="http://schemas.microsoft.com/office/drawing/2010/main" xmlns:m="http://schemas.openxmlformats.org/officeDocument/2006/math" xmlns="" val="1"/>
+                  <ma14:wrappingTextBoxFlag xmlns="" xmlns:m="http://schemas.openxmlformats.org/officeDocument/2006/math" xmlns:a14="http://schemas.microsoft.com/office/drawing/2010/main" xmlns:ma14="http://schemas.microsoft.com/office/mac/drawingml/2011/main" val="1"/>
                 </a:ext>
               </a:extLst>
             </p:spPr>
@@ -29703,7 +29733,7 @@
                 <a:effectLst/>
                 <a:extLst>
                   <a:ext uri="{C572A759-6A51-4108-AA02-DFA0A04FC94B}">
-                    <ma14:wrappingTextBoxFlag xmlns:ma14="http://schemas.microsoft.com/office/mac/drawingml/2011/main" xmlns:a14="http://schemas.microsoft.com/office/drawing/2010/main" xmlns:m="http://schemas.openxmlformats.org/officeDocument/2006/math" xmlns="" val="1"/>
+                    <ma14:wrappingTextBoxFlag xmlns="" xmlns:m="http://schemas.openxmlformats.org/officeDocument/2006/math" xmlns:a14="http://schemas.microsoft.com/office/drawing/2010/main" xmlns:ma14="http://schemas.microsoft.com/office/mac/drawingml/2011/main" val="1"/>
                   </a:ext>
                 </a:extLst>
               </p:spPr>
@@ -29793,7 +29823,7 @@
               </a:effectLst>
               <a:extLst>
                 <a:ext uri="{C572A759-6A51-4108-AA02-DFA0A04FC94B}">
-                  <ma14:wrappingTextBoxFlag xmlns:ma14="http://schemas.microsoft.com/office/mac/drawingml/2011/main" xmlns:a14="http://schemas.microsoft.com/office/drawing/2010/main" xmlns:m="http://schemas.openxmlformats.org/officeDocument/2006/math" xmlns="" val="1"/>
+                  <ma14:wrappingTextBoxFlag xmlns="" xmlns:m="http://schemas.openxmlformats.org/officeDocument/2006/math" xmlns:a14="http://schemas.microsoft.com/office/drawing/2010/main" xmlns:ma14="http://schemas.microsoft.com/office/mac/drawingml/2011/main" val="1"/>
                 </a:ext>
               </a:extLst>
             </p:spPr>
@@ -29971,7 +30001,7 @@
                 <a:effectLst/>
                 <a:extLst>
                   <a:ext uri="{C572A759-6A51-4108-AA02-DFA0A04FC94B}">
-                    <ma14:wrappingTextBoxFlag xmlns:ma14="http://schemas.microsoft.com/office/mac/drawingml/2011/main" xmlns:a14="http://schemas.microsoft.com/office/drawing/2010/main" xmlns:m="http://schemas.openxmlformats.org/officeDocument/2006/math" xmlns="" val="1"/>
+                    <ma14:wrappingTextBoxFlag xmlns="" xmlns:m="http://schemas.openxmlformats.org/officeDocument/2006/math" xmlns:a14="http://schemas.microsoft.com/office/drawing/2010/main" xmlns:ma14="http://schemas.microsoft.com/office/mac/drawingml/2011/main" val="1"/>
                   </a:ext>
                 </a:extLst>
               </p:spPr>
@@ -30042,7 +30072,7 @@
           </a:effectLst>
           <a:extLst>
             <a:ext uri="{C572A759-6A51-4108-AA02-DFA0A04FC94B}">
-              <ma14:wrappingTextBoxFlag xmlns:ma14="http://schemas.microsoft.com/office/mac/drawingml/2011/main" xmlns:a14="http://schemas.microsoft.com/office/drawing/2010/main" xmlns:m="http://schemas.openxmlformats.org/officeDocument/2006/math" xmlns="" val="1"/>
+              <ma14:wrappingTextBoxFlag xmlns="" xmlns:m="http://schemas.openxmlformats.org/officeDocument/2006/math" xmlns:a14="http://schemas.microsoft.com/office/drawing/2010/main" xmlns:ma14="http://schemas.microsoft.com/office/mac/drawingml/2011/main" val="1"/>
             </a:ext>
           </a:extLst>
         </p:spPr>
@@ -30254,7 +30284,7 @@
           </a:prstGeom>
           <a:extLst>
             <a:ext uri="{C572A759-6A51-4108-AA02-DFA0A04FC94B}">
-              <ma14:wrappingTextBoxFlag xmlns:ma14="http://schemas.microsoft.com/office/mac/drawingml/2011/main" xmlns:a14="http://schemas.microsoft.com/office/drawing/2010/main" xmlns:m="http://schemas.openxmlformats.org/officeDocument/2006/math" xmlns="" val="1"/>
+              <ma14:wrappingTextBoxFlag xmlns="" xmlns:m="http://schemas.openxmlformats.org/officeDocument/2006/math" xmlns:a14="http://schemas.microsoft.com/office/drawing/2010/main" xmlns:ma14="http://schemas.microsoft.com/office/mac/drawingml/2011/main" val="1"/>
             </a:ext>
           </a:extLst>
         </p:spPr>
@@ -30519,11 +30549,11 @@
   <p:clrMapOvr>
     <a:masterClrMapping/>
   </p:clrMapOvr>
-  <mc:AlternateContent xmlns:mc="http://schemas.openxmlformats.org/markup-compatibility/2006">
-    <mc:Choice xmlns:p14="http://schemas.microsoft.com/office/powerpoint/2010/main" Requires="p14">
+  <mc:AlternateContent xmlns:mc="http://schemas.openxmlformats.org/markup-compatibility/2006" xmlns:p14="http://schemas.microsoft.com/office/powerpoint/2010/main">
+    <mc:Choice Requires="p14">
       <p:transition p14:dur="0"/>
     </mc:Choice>
-    <mc:Fallback>
+    <mc:Fallback xmlns="">
       <p:transition/>
     </mc:Fallback>
   </mc:AlternateContent>
@@ -30670,11 +30700,11 @@
   <p:clrMapOvr>
     <a:masterClrMapping/>
   </p:clrMapOvr>
-  <mc:AlternateContent xmlns:mc="http://schemas.openxmlformats.org/markup-compatibility/2006">
-    <mc:Choice xmlns:p14="http://schemas.microsoft.com/office/powerpoint/2010/main" Requires="p14">
+  <mc:AlternateContent xmlns:mc="http://schemas.openxmlformats.org/markup-compatibility/2006" xmlns:p14="http://schemas.microsoft.com/office/powerpoint/2010/main">
+    <mc:Choice Requires="p14">
       <p:transition p14:dur="0"/>
     </mc:Choice>
-    <mc:Fallback>
+    <mc:Fallback xmlns="">
       <p:transition/>
     </mc:Fallback>
   </mc:AlternateContent>
@@ -30739,7 +30769,7 @@
           </a:prstGeom>
           <a:extLst>
             <a:ext uri="{C572A759-6A51-4108-AA02-DFA0A04FC94B}">
-              <ma14:wrappingTextBoxFlag xmlns:ma14="http://schemas.microsoft.com/office/mac/drawingml/2011/main" xmlns:a14="http://schemas.microsoft.com/office/drawing/2010/main" xmlns:m="http://schemas.openxmlformats.org/officeDocument/2006/math" xmlns="" val="1"/>
+              <ma14:wrappingTextBoxFlag xmlns="" xmlns:m="http://schemas.openxmlformats.org/officeDocument/2006/math" xmlns:a14="http://schemas.microsoft.com/office/drawing/2010/main" xmlns:ma14="http://schemas.microsoft.com/office/mac/drawingml/2011/main" val="1"/>
             </a:ext>
           </a:extLst>
         </p:spPr>
@@ -30774,7 +30804,7 @@
           </a:ln>
           <a:extLst>
             <a:ext uri="{C572A759-6A51-4108-AA02-DFA0A04FC94B}">
-              <ma14:wrappingTextBoxFlag xmlns:ma14="http://schemas.microsoft.com/office/mac/drawingml/2011/main" xmlns:a14="http://schemas.microsoft.com/office/drawing/2010/main" xmlns:m="http://schemas.openxmlformats.org/officeDocument/2006/math" xmlns="" val="1"/>
+              <ma14:wrappingTextBoxFlag xmlns="" xmlns:m="http://schemas.openxmlformats.org/officeDocument/2006/math" xmlns:a14="http://schemas.microsoft.com/office/drawing/2010/main" xmlns:ma14="http://schemas.microsoft.com/office/mac/drawingml/2011/main" val="1"/>
             </a:ext>
           </a:extLst>
         </p:spPr>
@@ -31440,7 +31470,7 @@
           </a:ln>
           <a:extLst>
             <a:ext uri="{C572A759-6A51-4108-AA02-DFA0A04FC94B}">
-              <ma14:wrappingTextBoxFlag xmlns:ma14="http://schemas.microsoft.com/office/mac/drawingml/2011/main" xmlns:a14="http://schemas.microsoft.com/office/drawing/2010/main" xmlns:m="http://schemas.openxmlformats.org/officeDocument/2006/math" xmlns="" val="1"/>
+              <ma14:wrappingTextBoxFlag xmlns="" xmlns:m="http://schemas.openxmlformats.org/officeDocument/2006/math" xmlns:a14="http://schemas.microsoft.com/office/drawing/2010/main" xmlns:ma14="http://schemas.microsoft.com/office/mac/drawingml/2011/main" val="1"/>
             </a:ext>
           </a:extLst>
         </p:spPr>
@@ -31488,7 +31518,7 @@
           </a:ln>
           <a:extLst>
             <a:ext uri="{C572A759-6A51-4108-AA02-DFA0A04FC94B}">
-              <ma14:wrappingTextBoxFlag xmlns:ma14="http://schemas.microsoft.com/office/mac/drawingml/2011/main" xmlns:a14="http://schemas.microsoft.com/office/drawing/2010/main" xmlns:m="http://schemas.openxmlformats.org/officeDocument/2006/math" xmlns="" val="1"/>
+              <ma14:wrappingTextBoxFlag xmlns="" xmlns:m="http://schemas.openxmlformats.org/officeDocument/2006/math" xmlns:a14="http://schemas.microsoft.com/office/drawing/2010/main" xmlns:ma14="http://schemas.microsoft.com/office/mac/drawingml/2011/main" val="1"/>
             </a:ext>
           </a:extLst>
         </p:spPr>
@@ -31566,11 +31596,11 @@
   <p:clrMapOvr>
     <a:masterClrMapping/>
   </p:clrMapOvr>
-  <mc:AlternateContent xmlns:mc="http://schemas.openxmlformats.org/markup-compatibility/2006">
-    <mc:Choice xmlns:p14="http://schemas.microsoft.com/office/powerpoint/2010/main" Requires="p14">
+  <mc:AlternateContent xmlns:mc="http://schemas.openxmlformats.org/markup-compatibility/2006" xmlns:p14="http://schemas.microsoft.com/office/powerpoint/2010/main">
+    <mc:Choice Requires="p14">
       <p:transition p14:dur="0"/>
     </mc:Choice>
-    <mc:Fallback>
+    <mc:Fallback xmlns="">
       <p:transition/>
     </mc:Fallback>
   </mc:AlternateContent>
@@ -32188,7 +32218,7 @@
           </a:prstGeom>
           <a:extLst>
             <a:ext uri="{C572A759-6A51-4108-AA02-DFA0A04FC94B}">
-              <ma14:wrappingTextBoxFlag xmlns:ma14="http://schemas.microsoft.com/office/mac/drawingml/2011/main" xmlns:a14="http://schemas.microsoft.com/office/drawing/2010/main" xmlns:m="http://schemas.openxmlformats.org/officeDocument/2006/math" xmlns="" val="1"/>
+              <ma14:wrappingTextBoxFlag xmlns="" xmlns:m="http://schemas.openxmlformats.org/officeDocument/2006/math" xmlns:a14="http://schemas.microsoft.com/office/drawing/2010/main" xmlns:ma14="http://schemas.microsoft.com/office/mac/drawingml/2011/main" val="1"/>
             </a:ext>
           </a:extLst>
         </p:spPr>
@@ -32223,7 +32253,7 @@
           </a:ln>
           <a:extLst>
             <a:ext uri="{C572A759-6A51-4108-AA02-DFA0A04FC94B}">
-              <ma14:wrappingTextBoxFlag xmlns:ma14="http://schemas.microsoft.com/office/mac/drawingml/2011/main" xmlns:a14="http://schemas.microsoft.com/office/drawing/2010/main" xmlns:m="http://schemas.openxmlformats.org/officeDocument/2006/math" xmlns="" val="1"/>
+              <ma14:wrappingTextBoxFlag xmlns="" xmlns:m="http://schemas.openxmlformats.org/officeDocument/2006/math" xmlns:a14="http://schemas.microsoft.com/office/drawing/2010/main" xmlns:ma14="http://schemas.microsoft.com/office/mac/drawingml/2011/main" val="1"/>
             </a:ext>
           </a:extLst>
         </p:spPr>
@@ -32271,7 +32301,7 @@
           </a:ln>
           <a:extLst>
             <a:ext uri="{C572A759-6A51-4108-AA02-DFA0A04FC94B}">
-              <ma14:wrappingTextBoxFlag xmlns:ma14="http://schemas.microsoft.com/office/mac/drawingml/2011/main" xmlns:a14="http://schemas.microsoft.com/office/drawing/2010/main" xmlns:m="http://schemas.openxmlformats.org/officeDocument/2006/math" xmlns="" val="1"/>
+              <ma14:wrappingTextBoxFlag xmlns="" xmlns:m="http://schemas.openxmlformats.org/officeDocument/2006/math" xmlns:a14="http://schemas.microsoft.com/office/drawing/2010/main" xmlns:ma14="http://schemas.microsoft.com/office/mac/drawingml/2011/main" val="1"/>
             </a:ext>
           </a:extLst>
         </p:spPr>
@@ -32319,7 +32349,7 @@
           </a:ln>
           <a:extLst>
             <a:ext uri="{C572A759-6A51-4108-AA02-DFA0A04FC94B}">
-              <ma14:wrappingTextBoxFlag xmlns:ma14="http://schemas.microsoft.com/office/mac/drawingml/2011/main" xmlns:a14="http://schemas.microsoft.com/office/drawing/2010/main" xmlns:m="http://schemas.openxmlformats.org/officeDocument/2006/math" xmlns="" val="1"/>
+              <ma14:wrappingTextBoxFlag xmlns="" xmlns:m="http://schemas.openxmlformats.org/officeDocument/2006/math" xmlns:a14="http://schemas.microsoft.com/office/drawing/2010/main" xmlns:ma14="http://schemas.microsoft.com/office/mac/drawingml/2011/main" val="1"/>
             </a:ext>
           </a:extLst>
         </p:spPr>
@@ -32411,7 +32441,7 @@
           </a:ln>
           <a:extLst>
             <a:ext uri="{C572A759-6A51-4108-AA02-DFA0A04FC94B}">
-              <ma14:wrappingTextBoxFlag xmlns:ma14="http://schemas.microsoft.com/office/mac/drawingml/2011/main" xmlns:a14="http://schemas.microsoft.com/office/drawing/2010/main" xmlns:m="http://schemas.openxmlformats.org/officeDocument/2006/math" xmlns="" val="1"/>
+              <ma14:wrappingTextBoxFlag xmlns="" xmlns:m="http://schemas.openxmlformats.org/officeDocument/2006/math" xmlns:a14="http://schemas.microsoft.com/office/drawing/2010/main" xmlns:ma14="http://schemas.microsoft.com/office/mac/drawingml/2011/main" val="1"/>
             </a:ext>
           </a:extLst>
         </p:spPr>
@@ -32521,11 +32551,11 @@
   <p:clrMapOvr>
     <a:masterClrMapping/>
   </p:clrMapOvr>
-  <mc:AlternateContent xmlns:mc="http://schemas.openxmlformats.org/markup-compatibility/2006">
-    <mc:Choice xmlns:p14="http://schemas.microsoft.com/office/powerpoint/2010/main" Requires="p14">
+  <mc:AlternateContent xmlns:mc="http://schemas.openxmlformats.org/markup-compatibility/2006" xmlns:p14="http://schemas.microsoft.com/office/powerpoint/2010/main">
+    <mc:Choice Requires="p14">
       <p:transition p14:dur="0"/>
     </mc:Choice>
-    <mc:Fallback>
+    <mc:Fallback xmlns="">
       <p:transition/>
     </mc:Fallback>
   </mc:AlternateContent>
@@ -32828,7 +32858,7 @@
           </a:prstGeom>
           <a:extLst>
             <a:ext uri="{C572A759-6A51-4108-AA02-DFA0A04FC94B}">
-              <ma14:wrappingTextBoxFlag xmlns:ma14="http://schemas.microsoft.com/office/mac/drawingml/2011/main" xmlns:a14="http://schemas.microsoft.com/office/drawing/2010/main" xmlns:m="http://schemas.openxmlformats.org/officeDocument/2006/math" xmlns="" val="1"/>
+              <ma14:wrappingTextBoxFlag xmlns="" xmlns:m="http://schemas.openxmlformats.org/officeDocument/2006/math" xmlns:a14="http://schemas.microsoft.com/office/drawing/2010/main" xmlns:ma14="http://schemas.microsoft.com/office/mac/drawingml/2011/main" val="1"/>
             </a:ext>
           </a:extLst>
         </p:spPr>
@@ -32985,7 +33015,7 @@
               <a:effectLst/>
               <a:extLst>
                 <a:ext uri="{C572A759-6A51-4108-AA02-DFA0A04FC94B}">
-                  <ma14:wrappingTextBoxFlag xmlns:ma14="http://schemas.microsoft.com/office/mac/drawingml/2011/main" xmlns:a14="http://schemas.microsoft.com/office/drawing/2010/main" xmlns:m="http://schemas.openxmlformats.org/officeDocument/2006/math" xmlns="" val="1"/>
+                  <ma14:wrappingTextBoxFlag xmlns="" xmlns:m="http://schemas.openxmlformats.org/officeDocument/2006/math" xmlns:a14="http://schemas.microsoft.com/office/drawing/2010/main" xmlns:ma14="http://schemas.microsoft.com/office/mac/drawingml/2011/main" val="1"/>
                 </a:ext>
               </a:extLst>
             </p:spPr>
@@ -33036,7 +33066,7 @@
               <a:effectLst/>
               <a:extLst>
                 <a:ext uri="{C572A759-6A51-4108-AA02-DFA0A04FC94B}">
-                  <ma14:wrappingTextBoxFlag xmlns:ma14="http://schemas.microsoft.com/office/mac/drawingml/2011/main" xmlns:a14="http://schemas.microsoft.com/office/drawing/2010/main" xmlns:m="http://schemas.openxmlformats.org/officeDocument/2006/math" xmlns="" val="1"/>
+                  <ma14:wrappingTextBoxFlag xmlns="" xmlns:m="http://schemas.openxmlformats.org/officeDocument/2006/math" xmlns:a14="http://schemas.microsoft.com/office/drawing/2010/main" xmlns:ma14="http://schemas.microsoft.com/office/mac/drawingml/2011/main" val="1"/>
                 </a:ext>
               </a:extLst>
             </p:spPr>
@@ -33088,7 +33118,7 @@
             <a:effectLst/>
             <a:extLst>
               <a:ext uri="{C572A759-6A51-4108-AA02-DFA0A04FC94B}">
-                <ma14:wrappingTextBoxFlag xmlns:ma14="http://schemas.microsoft.com/office/mac/drawingml/2011/main" xmlns:a14="http://schemas.microsoft.com/office/drawing/2010/main" xmlns:m="http://schemas.openxmlformats.org/officeDocument/2006/math" xmlns="" val="1"/>
+                <ma14:wrappingTextBoxFlag xmlns="" xmlns:m="http://schemas.openxmlformats.org/officeDocument/2006/math" xmlns:a14="http://schemas.microsoft.com/office/drawing/2010/main" xmlns:ma14="http://schemas.microsoft.com/office/mac/drawingml/2011/main" val="1"/>
               </a:ext>
             </a:extLst>
           </p:spPr>
@@ -33266,7 +33296,7 @@
               <a:effectLst/>
               <a:extLst>
                 <a:ext uri="{C572A759-6A51-4108-AA02-DFA0A04FC94B}">
-                  <ma14:wrappingTextBoxFlag xmlns:ma14="http://schemas.microsoft.com/office/mac/drawingml/2011/main" xmlns:a14="http://schemas.microsoft.com/office/drawing/2010/main" xmlns:m="http://schemas.openxmlformats.org/officeDocument/2006/math" xmlns="" val="1"/>
+                  <ma14:wrappingTextBoxFlag xmlns="" xmlns:m="http://schemas.openxmlformats.org/officeDocument/2006/math" xmlns:a14="http://schemas.microsoft.com/office/drawing/2010/main" xmlns:ma14="http://schemas.microsoft.com/office/mac/drawingml/2011/main" val="1"/>
                 </a:ext>
               </a:extLst>
             </p:spPr>
@@ -33317,7 +33347,7 @@
               <a:effectLst/>
               <a:extLst>
                 <a:ext uri="{C572A759-6A51-4108-AA02-DFA0A04FC94B}">
-                  <ma14:wrappingTextBoxFlag xmlns:ma14="http://schemas.microsoft.com/office/mac/drawingml/2011/main" xmlns:a14="http://schemas.microsoft.com/office/drawing/2010/main" xmlns:m="http://schemas.openxmlformats.org/officeDocument/2006/math" xmlns="" val="1"/>
+                  <ma14:wrappingTextBoxFlag xmlns="" xmlns:m="http://schemas.openxmlformats.org/officeDocument/2006/math" xmlns:a14="http://schemas.microsoft.com/office/drawing/2010/main" xmlns:ma14="http://schemas.microsoft.com/office/mac/drawingml/2011/main" val="1"/>
                 </a:ext>
               </a:extLst>
             </p:spPr>
@@ -33403,7 +33433,7 @@
             <a:effectLst/>
             <a:extLst>
               <a:ext uri="{C572A759-6A51-4108-AA02-DFA0A04FC94B}">
-                <ma14:wrappingTextBoxFlag xmlns:ma14="http://schemas.microsoft.com/office/mac/drawingml/2011/main" xmlns:a14="http://schemas.microsoft.com/office/drawing/2010/main" xmlns:m="http://schemas.openxmlformats.org/officeDocument/2006/math" xmlns="" val="1"/>
+                <ma14:wrappingTextBoxFlag xmlns="" xmlns:m="http://schemas.openxmlformats.org/officeDocument/2006/math" xmlns:a14="http://schemas.microsoft.com/office/drawing/2010/main" xmlns:ma14="http://schemas.microsoft.com/office/mac/drawingml/2011/main" val="1"/>
               </a:ext>
             </a:extLst>
           </p:spPr>
@@ -33494,7 +33524,7 @@
           </a:ln>
           <a:extLst>
             <a:ext uri="{C572A759-6A51-4108-AA02-DFA0A04FC94B}">
-              <ma14:wrappingTextBoxFlag xmlns:ma14="http://schemas.microsoft.com/office/mac/drawingml/2011/main" xmlns:a14="http://schemas.microsoft.com/office/drawing/2010/main" xmlns:m="http://schemas.openxmlformats.org/officeDocument/2006/math" xmlns="" val="1"/>
+              <ma14:wrappingTextBoxFlag xmlns="" xmlns:m="http://schemas.openxmlformats.org/officeDocument/2006/math" xmlns:a14="http://schemas.microsoft.com/office/drawing/2010/main" xmlns:ma14="http://schemas.microsoft.com/office/mac/drawingml/2011/main" val="1"/>
             </a:ext>
           </a:extLst>
         </p:spPr>
@@ -33544,11 +33574,11 @@
   <p:clrMapOvr>
     <a:masterClrMapping/>
   </p:clrMapOvr>
-  <mc:AlternateContent xmlns:mc="http://schemas.openxmlformats.org/markup-compatibility/2006">
-    <mc:Choice xmlns:p14="http://schemas.microsoft.com/office/powerpoint/2010/main" Requires="p14">
+  <mc:AlternateContent xmlns:mc="http://schemas.openxmlformats.org/markup-compatibility/2006" xmlns:p14="http://schemas.microsoft.com/office/powerpoint/2010/main">
+    <mc:Choice Requires="p14">
       <p:transition p14:dur="0"/>
     </mc:Choice>
-    <mc:Fallback>
+    <mc:Fallback xmlns="">
       <p:transition/>
     </mc:Fallback>
   </mc:AlternateContent>
@@ -34034,7 +34064,7 @@
               </a:effectLst>
               <a:extLst>
                 <a:ext uri="{C572A759-6A51-4108-AA02-DFA0A04FC94B}">
-                  <ma14:wrappingTextBoxFlag xmlns:ma14="http://schemas.microsoft.com/office/mac/drawingml/2011/main" xmlns:a14="http://schemas.microsoft.com/office/drawing/2010/main" xmlns:m="http://schemas.openxmlformats.org/officeDocument/2006/math" xmlns="" val="1"/>
+                  <ma14:wrappingTextBoxFlag xmlns="" xmlns:m="http://schemas.openxmlformats.org/officeDocument/2006/math" xmlns:a14="http://schemas.microsoft.com/office/drawing/2010/main" xmlns:ma14="http://schemas.microsoft.com/office/mac/drawingml/2011/main" val="1"/>
                 </a:ext>
               </a:extLst>
             </p:spPr>
@@ -34164,7 +34194,7 @@
               </a:effectLst>
               <a:extLst>
                 <a:ext uri="{C572A759-6A51-4108-AA02-DFA0A04FC94B}">
-                  <ma14:wrappingTextBoxFlag xmlns:ma14="http://schemas.microsoft.com/office/mac/drawingml/2011/main" xmlns:a14="http://schemas.microsoft.com/office/drawing/2010/main" xmlns:m="http://schemas.openxmlformats.org/officeDocument/2006/math" xmlns="" val="1"/>
+                  <ma14:wrappingTextBoxFlag xmlns="" xmlns:m="http://schemas.openxmlformats.org/officeDocument/2006/math" xmlns:a14="http://schemas.microsoft.com/office/drawing/2010/main" xmlns:ma14="http://schemas.microsoft.com/office/mac/drawingml/2011/main" val="1"/>
                 </a:ext>
               </a:extLst>
             </p:spPr>
@@ -34294,7 +34324,7 @@
               </a:effectLst>
               <a:extLst>
                 <a:ext uri="{C572A759-6A51-4108-AA02-DFA0A04FC94B}">
-                  <ma14:wrappingTextBoxFlag xmlns:ma14="http://schemas.microsoft.com/office/mac/drawingml/2011/main" xmlns:a14="http://schemas.microsoft.com/office/drawing/2010/main" xmlns:m="http://schemas.openxmlformats.org/officeDocument/2006/math" xmlns="" val="1"/>
+                  <ma14:wrappingTextBoxFlag xmlns="" xmlns:m="http://schemas.openxmlformats.org/officeDocument/2006/math" xmlns:a14="http://schemas.microsoft.com/office/drawing/2010/main" xmlns:ma14="http://schemas.microsoft.com/office/mac/drawingml/2011/main" val="1"/>
                 </a:ext>
               </a:extLst>
             </p:spPr>
@@ -34424,7 +34454,7 @@
               </a:effectLst>
               <a:extLst>
                 <a:ext uri="{C572A759-6A51-4108-AA02-DFA0A04FC94B}">
-                  <ma14:wrappingTextBoxFlag xmlns:ma14="http://schemas.microsoft.com/office/mac/drawingml/2011/main" xmlns:a14="http://schemas.microsoft.com/office/drawing/2010/main" xmlns:m="http://schemas.openxmlformats.org/officeDocument/2006/math" xmlns="" val="1"/>
+                  <ma14:wrappingTextBoxFlag xmlns="" xmlns:m="http://schemas.openxmlformats.org/officeDocument/2006/math" xmlns:a14="http://schemas.microsoft.com/office/drawing/2010/main" xmlns:ma14="http://schemas.microsoft.com/office/mac/drawingml/2011/main" val="1"/>
                 </a:ext>
               </a:extLst>
             </p:spPr>
@@ -34476,7 +34506,7 @@
             <a:effectLst/>
             <a:extLst>
               <a:ext uri="{C572A759-6A51-4108-AA02-DFA0A04FC94B}">
-                <ma14:wrappingTextBoxFlag xmlns:ma14="http://schemas.microsoft.com/office/mac/drawingml/2011/main" xmlns:a14="http://schemas.microsoft.com/office/drawing/2010/main" xmlns:m="http://schemas.openxmlformats.org/officeDocument/2006/math" xmlns="" val="1"/>
+                <ma14:wrappingTextBoxFlag xmlns="" xmlns:m="http://schemas.openxmlformats.org/officeDocument/2006/math" xmlns:a14="http://schemas.microsoft.com/office/drawing/2010/main" xmlns:ma14="http://schemas.microsoft.com/office/mac/drawingml/2011/main" val="1"/>
               </a:ext>
             </a:extLst>
           </p:spPr>
@@ -34527,7 +34557,7 @@
             <a:effectLst/>
             <a:extLst>
               <a:ext uri="{C572A759-6A51-4108-AA02-DFA0A04FC94B}">
-                <ma14:wrappingTextBoxFlag xmlns:ma14="http://schemas.microsoft.com/office/mac/drawingml/2011/main" xmlns:a14="http://schemas.microsoft.com/office/drawing/2010/main" xmlns:m="http://schemas.openxmlformats.org/officeDocument/2006/math" xmlns="" val="1"/>
+                <ma14:wrappingTextBoxFlag xmlns="" xmlns:m="http://schemas.openxmlformats.org/officeDocument/2006/math" xmlns:a14="http://schemas.microsoft.com/office/drawing/2010/main" xmlns:ma14="http://schemas.microsoft.com/office/mac/drawingml/2011/main" val="1"/>
               </a:ext>
             </a:extLst>
           </p:spPr>
@@ -34657,7 +34687,7 @@
             </a:effectLst>
             <a:extLst>
               <a:ext uri="{C572A759-6A51-4108-AA02-DFA0A04FC94B}">
-                <ma14:wrappingTextBoxFlag xmlns:ma14="http://schemas.microsoft.com/office/mac/drawingml/2011/main" xmlns:a14="http://schemas.microsoft.com/office/drawing/2010/main" xmlns:m="http://schemas.openxmlformats.org/officeDocument/2006/math" xmlns="" val="1"/>
+                <ma14:wrappingTextBoxFlag xmlns="" xmlns:m="http://schemas.openxmlformats.org/officeDocument/2006/math" xmlns:a14="http://schemas.microsoft.com/office/drawing/2010/main" xmlns:ma14="http://schemas.microsoft.com/office/mac/drawingml/2011/main" val="1"/>
               </a:ext>
             </a:extLst>
           </p:spPr>
@@ -34803,7 +34833,7 @@
             </a:effectLst>
             <a:extLst>
               <a:ext uri="{C572A759-6A51-4108-AA02-DFA0A04FC94B}">
-                <ma14:wrappingTextBoxFlag xmlns:ma14="http://schemas.microsoft.com/office/mac/drawingml/2011/main" xmlns:a14="http://schemas.microsoft.com/office/drawing/2010/main" xmlns:m="http://schemas.openxmlformats.org/officeDocument/2006/math" xmlns="" val="1"/>
+                <ma14:wrappingTextBoxFlag xmlns="" xmlns:m="http://schemas.openxmlformats.org/officeDocument/2006/math" xmlns:a14="http://schemas.microsoft.com/office/drawing/2010/main" xmlns:ma14="http://schemas.microsoft.com/office/mac/drawingml/2011/main" val="1"/>
               </a:ext>
             </a:extLst>
           </p:spPr>
@@ -34946,7 +34976,7 @@
               <a:effectLst/>
               <a:extLst>
                 <a:ext uri="{C572A759-6A51-4108-AA02-DFA0A04FC94B}">
-                  <ma14:wrappingTextBoxFlag xmlns:ma14="http://schemas.microsoft.com/office/mac/drawingml/2011/main" xmlns:a14="http://schemas.microsoft.com/office/drawing/2010/main" xmlns:m="http://schemas.openxmlformats.org/officeDocument/2006/math" xmlns="" val="1"/>
+                  <ma14:wrappingTextBoxFlag xmlns="" xmlns:m="http://schemas.openxmlformats.org/officeDocument/2006/math" xmlns:a14="http://schemas.microsoft.com/office/drawing/2010/main" xmlns:ma14="http://schemas.microsoft.com/office/mac/drawingml/2011/main" val="1"/>
                 </a:ext>
               </a:extLst>
             </p:spPr>
@@ -35099,7 +35129,7 @@
           </a:effectLst>
           <a:extLst>
             <a:ext uri="{C572A759-6A51-4108-AA02-DFA0A04FC94B}">
-              <ma14:wrappingTextBoxFlag xmlns:ma14="http://schemas.microsoft.com/office/mac/drawingml/2011/main" xmlns:a14="http://schemas.microsoft.com/office/drawing/2010/main" xmlns:m="http://schemas.openxmlformats.org/officeDocument/2006/math" xmlns="" val="1"/>
+              <ma14:wrappingTextBoxFlag xmlns="" xmlns:m="http://schemas.openxmlformats.org/officeDocument/2006/math" xmlns:a14="http://schemas.microsoft.com/office/drawing/2010/main" xmlns:ma14="http://schemas.microsoft.com/office/mac/drawingml/2011/main" val="1"/>
             </a:ext>
           </a:extLst>
         </p:spPr>
@@ -35131,11 +35161,11 @@
   <p:clrMapOvr>
     <a:masterClrMapping/>
   </p:clrMapOvr>
-  <mc:AlternateContent xmlns:mc="http://schemas.openxmlformats.org/markup-compatibility/2006">
-    <mc:Choice xmlns:p14="http://schemas.microsoft.com/office/powerpoint/2010/main" Requires="p14">
+  <mc:AlternateContent xmlns:mc="http://schemas.openxmlformats.org/markup-compatibility/2006" xmlns:p14="http://schemas.microsoft.com/office/powerpoint/2010/main">
+    <mc:Choice Requires="p14">
       <p:transition p14:dur="0"/>
     </mc:Choice>
-    <mc:Fallback>
+    <mc:Fallback xmlns="">
       <p:transition/>
     </mc:Fallback>
   </mc:AlternateContent>

--- a/Slides/Lesson 4.1 Concurrent Programming.pptx
+++ b/Slides/Lesson 4.1 Concurrent Programming.pptx
@@ -1739,10 +1739,53 @@
           <a:p>
             <a:r>
               <a:rPr lang="en-US" dirty="0"/>
-              <a:t>&lt;Read slide, do build 1 after first bullet (shows event loop), then once get to event loop, build (2, shows event queue), build (3, stress all code runs in one thread, no worrying about threads)&gt;</a:t>
-            </a:r>
-          </a:p>
-          <a:p>
+              <a:t>Instead of providing concurrency through multiple threads (like we saw in the last slide, and as on the right), NodeJS has a single thread. All of the code that you every write will run in that single thread.</a:t>
+            </a:r>
+          </a:p>
+          <a:p>
+            <a:r>
+              <a:rPr lang="en-US" dirty="0"/>
+              <a:t>This means that we don’t have to worry about data races in the traditional sense, but we’ll see that there can still be situations where there are races between listeners.</a:t>
+            </a:r>
+          </a:p>
+          <a:p>
+            <a:endParaRPr lang="en-US" dirty="0"/>
+          </a:p>
+          <a:p>
+            <a:r>
+              <a:rPr lang="en-US" sz="1100" b="0" i="0" u="none" strike="noStrike" dirty="0">
+                <a:effectLst/>
+                <a:latin typeface="+mn-lt"/>
+                <a:ea typeface="+mn-ea"/>
+                <a:cs typeface="+mn-cs"/>
+                <a:sym typeface="Helvetica Neue"/>
+              </a:rPr>
+              <a:t>JS provides some primitives that call out to the operating system to do what is called “non-blocking I/O”, or “asynchronous IO”. It is through this asynchronous IO that we can achieve concurrency in JS. </a:t>
+            </a:r>
+          </a:p>
+          <a:p>
+            <a:r>
+              <a:rPr lang="en-US" sz="1100" b="0" i="0" u="none" strike="noStrike" dirty="0">
+                <a:effectLst/>
+                <a:latin typeface="+mn-lt"/>
+                <a:ea typeface="+mn-ea"/>
+                <a:cs typeface="+mn-cs"/>
+                <a:sym typeface="Helvetica Neue"/>
+              </a:rPr>
+              <a:t>	For example, such a primitive might instruct disk head 12 to move to track 34, and create a listener that waits for the event "disk head 12 has reached track 34" and then continues with the I/O task.</a:t>
+            </a:r>
+          </a:p>
+          <a:p>
+            <a:r>
+              <a:rPr lang="en-US" sz="1100" b="0" i="0" u="none" strike="noStrike" dirty="0">
+                <a:effectLst/>
+                <a:latin typeface="+mn-lt"/>
+                <a:ea typeface="+mn-ea"/>
+                <a:cs typeface="+mn-cs"/>
+                <a:sym typeface="Helvetica Neue"/>
+              </a:rPr>
+              <a:t>	In the meantime, the system can continue with your code by running another listener in the event queue. </a:t>
+            </a:r>
             <a:endParaRPr dirty="0"/>
           </a:p>
         </p:txBody>
@@ -11299,7 +11342,7 @@
           </a:ln>
           <a:extLst>
             <a:ext uri="{C572A759-6A51-4108-AA02-DFA0A04FC94B}">
-              <ma14:wrappingTextBoxFlag xmlns="" xmlns:m="http://schemas.openxmlformats.org/officeDocument/2006/math" xmlns:a14="http://schemas.microsoft.com/office/drawing/2010/main" xmlns:ma14="http://schemas.microsoft.com/office/mac/drawingml/2011/main" val="1"/>
+              <ma14:wrappingTextBoxFlag xmlns:ma14="http://schemas.microsoft.com/office/mac/drawingml/2011/main" xmlns:a14="http://schemas.microsoft.com/office/drawing/2010/main" xmlns:m="http://schemas.openxmlformats.org/officeDocument/2006/math" xmlns="" val="1"/>
             </a:ext>
           </a:extLst>
         </p:spPr>
@@ -11339,7 +11382,7 @@
           </a:ln>
           <a:extLst>
             <a:ext uri="{C572A759-6A51-4108-AA02-DFA0A04FC94B}">
-              <ma14:wrappingTextBoxFlag xmlns="" xmlns:m="http://schemas.openxmlformats.org/officeDocument/2006/math" xmlns:a14="http://schemas.microsoft.com/office/drawing/2010/main" xmlns:ma14="http://schemas.microsoft.com/office/mac/drawingml/2011/main" val="1"/>
+              <ma14:wrappingTextBoxFlag xmlns:ma14="http://schemas.microsoft.com/office/mac/drawingml/2011/main" xmlns:a14="http://schemas.microsoft.com/office/drawing/2010/main" xmlns:m="http://schemas.openxmlformats.org/officeDocument/2006/math" xmlns="" val="1"/>
             </a:ext>
           </a:extLst>
         </p:spPr>
@@ -12206,7 +12249,7 @@
           </a:ln>
           <a:extLst>
             <a:ext uri="{C572A759-6A51-4108-AA02-DFA0A04FC94B}">
-              <ma14:wrappingTextBoxFlag xmlns:ma14="http://schemas.microsoft.com/office/mac/drawingml/2011/main" xmlns:a14="http://schemas.microsoft.com/office/drawing/2010/main" xmlns:m="http://schemas.openxmlformats.org/officeDocument/2006/math" xmlns="" val="1"/>
+              <ma14:wrappingTextBoxFlag xmlns="" xmlns:m="http://schemas.openxmlformats.org/officeDocument/2006/math" xmlns:a14="http://schemas.microsoft.com/office/drawing/2010/main" xmlns:ma14="http://schemas.microsoft.com/office/mac/drawingml/2011/main" val="1"/>
             </a:ext>
           </a:extLst>
         </p:spPr>
@@ -12246,7 +12289,7 @@
           </a:ln>
           <a:extLst>
             <a:ext uri="{C572A759-6A51-4108-AA02-DFA0A04FC94B}">
-              <ma14:wrappingTextBoxFlag xmlns:ma14="http://schemas.microsoft.com/office/mac/drawingml/2011/main" xmlns:a14="http://schemas.microsoft.com/office/drawing/2010/main" xmlns:m="http://schemas.openxmlformats.org/officeDocument/2006/math" xmlns="" val="1"/>
+              <ma14:wrappingTextBoxFlag xmlns="" xmlns:m="http://schemas.openxmlformats.org/officeDocument/2006/math" xmlns:a14="http://schemas.microsoft.com/office/drawing/2010/main" xmlns:ma14="http://schemas.microsoft.com/office/mac/drawingml/2011/main" val="1"/>
             </a:ext>
           </a:extLst>
         </p:spPr>
@@ -13364,7 +13407,7 @@
           </a:ln>
           <a:extLst>
             <a:ext uri="{C572A759-6A51-4108-AA02-DFA0A04FC94B}">
-              <ma14:wrappingTextBoxFlag xmlns="" xmlns:m="http://schemas.openxmlformats.org/officeDocument/2006/math" xmlns:a14="http://schemas.microsoft.com/office/drawing/2010/main" xmlns:ma14="http://schemas.microsoft.com/office/mac/drawingml/2011/main" val="1"/>
+              <ma14:wrappingTextBoxFlag xmlns:ma14="http://schemas.microsoft.com/office/mac/drawingml/2011/main" xmlns:a14="http://schemas.microsoft.com/office/drawing/2010/main" xmlns:m="http://schemas.openxmlformats.org/officeDocument/2006/math" xmlns="" val="1"/>
             </a:ext>
           </a:extLst>
         </p:spPr>
@@ -13443,7 +13486,7 @@
           </a:ln>
           <a:extLst>
             <a:ext uri="{C572A759-6A51-4108-AA02-DFA0A04FC94B}">
-              <ma14:wrappingTextBoxFlag xmlns="" xmlns:m="http://schemas.openxmlformats.org/officeDocument/2006/math" xmlns:a14="http://schemas.microsoft.com/office/drawing/2010/main" xmlns:ma14="http://schemas.microsoft.com/office/mac/drawingml/2011/main" val="1"/>
+              <ma14:wrappingTextBoxFlag xmlns:ma14="http://schemas.microsoft.com/office/mac/drawingml/2011/main" xmlns:a14="http://schemas.microsoft.com/office/drawing/2010/main" xmlns:m="http://schemas.openxmlformats.org/officeDocument/2006/math" xmlns="" val="1"/>
             </a:ext>
           </a:extLst>
         </p:spPr>
@@ -13558,7 +13601,7 @@
             <a:effectLst/>
             <a:extLst>
               <a:ext uri="{C572A759-6A51-4108-AA02-DFA0A04FC94B}">
-                <ma14:wrappingTextBoxFlag xmlns="" xmlns:m="http://schemas.openxmlformats.org/officeDocument/2006/math" xmlns:a14="http://schemas.microsoft.com/office/drawing/2010/main" xmlns:ma14="http://schemas.microsoft.com/office/mac/drawingml/2011/main" val="1"/>
+                <ma14:wrappingTextBoxFlag xmlns:ma14="http://schemas.microsoft.com/office/mac/drawingml/2011/main" xmlns:a14="http://schemas.microsoft.com/office/drawing/2010/main" xmlns:m="http://schemas.openxmlformats.org/officeDocument/2006/math" xmlns="" val="1"/>
               </a:ext>
             </a:extLst>
           </p:spPr>
@@ -13704,7 +13747,7 @@
             </a:effectLst>
             <a:extLst>
               <a:ext uri="{C572A759-6A51-4108-AA02-DFA0A04FC94B}">
-                <ma14:wrappingTextBoxFlag xmlns="" xmlns:m="http://schemas.openxmlformats.org/officeDocument/2006/math" xmlns:a14="http://schemas.microsoft.com/office/drawing/2010/main" xmlns:ma14="http://schemas.microsoft.com/office/mac/drawingml/2011/main" val="1"/>
+                <ma14:wrappingTextBoxFlag xmlns:ma14="http://schemas.microsoft.com/office/mac/drawingml/2011/main" xmlns:a14="http://schemas.microsoft.com/office/drawing/2010/main" xmlns:m="http://schemas.openxmlformats.org/officeDocument/2006/math" xmlns="" val="1"/>
               </a:ext>
             </a:extLst>
           </p:spPr>
@@ -13810,7 +13853,7 @@
           </a:effectLst>
           <a:extLst>
             <a:ext uri="{C572A759-6A51-4108-AA02-DFA0A04FC94B}">
-              <ma14:wrappingTextBoxFlag xmlns="" xmlns:m="http://schemas.openxmlformats.org/officeDocument/2006/math" xmlns:a14="http://schemas.microsoft.com/office/drawing/2010/main" xmlns:ma14="http://schemas.microsoft.com/office/mac/drawingml/2011/main" val="1"/>
+              <ma14:wrappingTextBoxFlag xmlns:ma14="http://schemas.microsoft.com/office/mac/drawingml/2011/main" xmlns:a14="http://schemas.microsoft.com/office/drawing/2010/main" xmlns:m="http://schemas.openxmlformats.org/officeDocument/2006/math" xmlns="" val="1"/>
             </a:ext>
           </a:extLst>
         </p:spPr>
@@ -13870,7 +13913,7 @@
           </a:effectLst>
           <a:extLst>
             <a:ext uri="{C572A759-6A51-4108-AA02-DFA0A04FC94B}">
-              <ma14:wrappingTextBoxFlag xmlns="" xmlns:m="http://schemas.openxmlformats.org/officeDocument/2006/math" xmlns:a14="http://schemas.microsoft.com/office/drawing/2010/main" xmlns:ma14="http://schemas.microsoft.com/office/mac/drawingml/2011/main" val="1"/>
+              <ma14:wrappingTextBoxFlag xmlns:ma14="http://schemas.microsoft.com/office/mac/drawingml/2011/main" xmlns:a14="http://schemas.microsoft.com/office/drawing/2010/main" xmlns:m="http://schemas.openxmlformats.org/officeDocument/2006/math" xmlns="" val="1"/>
             </a:ext>
           </a:extLst>
         </p:spPr>
@@ -13930,7 +13973,7 @@
           </a:effectLst>
           <a:extLst>
             <a:ext uri="{C572A759-6A51-4108-AA02-DFA0A04FC94B}">
-              <ma14:wrappingTextBoxFlag xmlns="" xmlns:m="http://schemas.openxmlformats.org/officeDocument/2006/math" xmlns:a14="http://schemas.microsoft.com/office/drawing/2010/main" xmlns:ma14="http://schemas.microsoft.com/office/mac/drawingml/2011/main" val="1"/>
+              <ma14:wrappingTextBoxFlag xmlns:ma14="http://schemas.microsoft.com/office/mac/drawingml/2011/main" xmlns:a14="http://schemas.microsoft.com/office/drawing/2010/main" xmlns:m="http://schemas.openxmlformats.org/officeDocument/2006/math" xmlns="" val="1"/>
             </a:ext>
           </a:extLst>
         </p:spPr>
@@ -14009,7 +14052,7 @@
             <a:effectLst/>
             <a:extLst>
               <a:ext uri="{C572A759-6A51-4108-AA02-DFA0A04FC94B}">
-                <ma14:wrappingTextBoxFlag xmlns="" xmlns:m="http://schemas.openxmlformats.org/officeDocument/2006/math" xmlns:a14="http://schemas.microsoft.com/office/drawing/2010/main" xmlns:ma14="http://schemas.microsoft.com/office/mac/drawingml/2011/main" val="1"/>
+                <ma14:wrappingTextBoxFlag xmlns:ma14="http://schemas.microsoft.com/office/mac/drawingml/2011/main" xmlns:a14="http://schemas.microsoft.com/office/drawing/2010/main" xmlns:m="http://schemas.openxmlformats.org/officeDocument/2006/math" xmlns="" val="1"/>
               </a:ext>
             </a:extLst>
           </p:spPr>
@@ -14121,7 +14164,7 @@
             <a:effectLst/>
             <a:extLst>
               <a:ext uri="{C572A759-6A51-4108-AA02-DFA0A04FC94B}">
-                <ma14:wrappingTextBoxFlag xmlns="" xmlns:m="http://schemas.openxmlformats.org/officeDocument/2006/math" xmlns:a14="http://schemas.microsoft.com/office/drawing/2010/main" xmlns:ma14="http://schemas.microsoft.com/office/mac/drawingml/2011/main" val="1"/>
+                <ma14:wrappingTextBoxFlag xmlns:ma14="http://schemas.microsoft.com/office/mac/drawingml/2011/main" xmlns:a14="http://schemas.microsoft.com/office/drawing/2010/main" xmlns:m="http://schemas.openxmlformats.org/officeDocument/2006/math" xmlns="" val="1"/>
               </a:ext>
             </a:extLst>
           </p:spPr>
@@ -14233,7 +14276,7 @@
             <a:effectLst/>
             <a:extLst>
               <a:ext uri="{C572A759-6A51-4108-AA02-DFA0A04FC94B}">
-                <ma14:wrappingTextBoxFlag xmlns="" xmlns:m="http://schemas.openxmlformats.org/officeDocument/2006/math" xmlns:a14="http://schemas.microsoft.com/office/drawing/2010/main" xmlns:ma14="http://schemas.microsoft.com/office/mac/drawingml/2011/main" val="1"/>
+                <ma14:wrappingTextBoxFlag xmlns:ma14="http://schemas.microsoft.com/office/mac/drawingml/2011/main" xmlns:a14="http://schemas.microsoft.com/office/drawing/2010/main" xmlns:m="http://schemas.openxmlformats.org/officeDocument/2006/math" xmlns="" val="1"/>
               </a:ext>
             </a:extLst>
           </p:spPr>
@@ -14915,7 +14958,7 @@
               <a:effectLst/>
               <a:extLst>
                 <a:ext uri="{C572A759-6A51-4108-AA02-DFA0A04FC94B}">
-                  <ma14:wrappingTextBoxFlag xmlns="" xmlns:m="http://schemas.openxmlformats.org/officeDocument/2006/math" xmlns:a14="http://schemas.microsoft.com/office/drawing/2010/main" xmlns:ma14="http://schemas.microsoft.com/office/mac/drawingml/2011/main" val="1"/>
+                  <ma14:wrappingTextBoxFlag xmlns:ma14="http://schemas.microsoft.com/office/mac/drawingml/2011/main" xmlns:a14="http://schemas.microsoft.com/office/drawing/2010/main" xmlns:m="http://schemas.openxmlformats.org/officeDocument/2006/math" xmlns="" val="1"/>
                 </a:ext>
               </a:extLst>
             </p:spPr>
@@ -15079,7 +15122,7 @@
               </a:effectLst>
               <a:extLst>
                 <a:ext uri="{C572A759-6A51-4108-AA02-DFA0A04FC94B}">
-                  <ma14:wrappingTextBoxFlag xmlns="" xmlns:m="http://schemas.openxmlformats.org/officeDocument/2006/math" xmlns:a14="http://schemas.microsoft.com/office/drawing/2010/main" xmlns:ma14="http://schemas.microsoft.com/office/mac/drawingml/2011/main" val="1"/>
+                  <ma14:wrappingTextBoxFlag xmlns:ma14="http://schemas.microsoft.com/office/mac/drawingml/2011/main" xmlns:a14="http://schemas.microsoft.com/office/drawing/2010/main" xmlns:m="http://schemas.openxmlformats.org/officeDocument/2006/math" xmlns="" val="1"/>
                 </a:ext>
               </a:extLst>
             </p:spPr>
@@ -15129,7 +15172,7 @@
           </a:ln>
           <a:extLst>
             <a:ext uri="{C572A759-6A51-4108-AA02-DFA0A04FC94B}">
-              <ma14:wrappingTextBoxFlag xmlns="" xmlns:m="http://schemas.openxmlformats.org/officeDocument/2006/math" xmlns:a14="http://schemas.microsoft.com/office/drawing/2010/main" xmlns:ma14="http://schemas.microsoft.com/office/mac/drawingml/2011/main" val="1"/>
+              <ma14:wrappingTextBoxFlag xmlns:ma14="http://schemas.microsoft.com/office/mac/drawingml/2011/main" xmlns:a14="http://schemas.microsoft.com/office/drawing/2010/main" xmlns:m="http://schemas.openxmlformats.org/officeDocument/2006/math" xmlns="" val="1"/>
             </a:ext>
           </a:extLst>
         </p:spPr>
@@ -15231,7 +15274,7 @@
           </a:ln>
           <a:extLst>
             <a:ext uri="{C572A759-6A51-4108-AA02-DFA0A04FC94B}">
-              <ma14:wrappingTextBoxFlag xmlns="" xmlns:m="http://schemas.openxmlformats.org/officeDocument/2006/math" xmlns:a14="http://schemas.microsoft.com/office/drawing/2010/main" xmlns:ma14="http://schemas.microsoft.com/office/mac/drawingml/2011/main" val="1"/>
+              <ma14:wrappingTextBoxFlag xmlns:ma14="http://schemas.microsoft.com/office/mac/drawingml/2011/main" xmlns:a14="http://schemas.microsoft.com/office/drawing/2010/main" xmlns:m="http://schemas.openxmlformats.org/officeDocument/2006/math" xmlns="" val="1"/>
             </a:ext>
           </a:extLst>
         </p:spPr>
@@ -15326,7 +15369,7 @@
           </a:ln>
           <a:extLst>
             <a:ext uri="{C572A759-6A51-4108-AA02-DFA0A04FC94B}">
-              <ma14:wrappingTextBoxFlag xmlns="" xmlns:m="http://schemas.openxmlformats.org/officeDocument/2006/math" xmlns:a14="http://schemas.microsoft.com/office/drawing/2010/main" xmlns:ma14="http://schemas.microsoft.com/office/mac/drawingml/2011/main" val="1"/>
+              <ma14:wrappingTextBoxFlag xmlns:ma14="http://schemas.microsoft.com/office/mac/drawingml/2011/main" xmlns:a14="http://schemas.microsoft.com/office/drawing/2010/main" xmlns:m="http://schemas.openxmlformats.org/officeDocument/2006/math" xmlns="" val="1"/>
             </a:ext>
           </a:extLst>
         </p:spPr>
@@ -15374,7 +15417,7 @@
           </a:ln>
           <a:extLst>
             <a:ext uri="{C572A759-6A51-4108-AA02-DFA0A04FC94B}">
-              <ma14:wrappingTextBoxFlag xmlns="" xmlns:m="http://schemas.openxmlformats.org/officeDocument/2006/math" xmlns:a14="http://schemas.microsoft.com/office/drawing/2010/main" xmlns:ma14="http://schemas.microsoft.com/office/mac/drawingml/2011/main" val="1"/>
+              <ma14:wrappingTextBoxFlag xmlns:ma14="http://schemas.microsoft.com/office/mac/drawingml/2011/main" xmlns:a14="http://schemas.microsoft.com/office/drawing/2010/main" xmlns:m="http://schemas.openxmlformats.org/officeDocument/2006/math" xmlns="" val="1"/>
             </a:ext>
           </a:extLst>
         </p:spPr>
@@ -15422,7 +15465,7 @@
           </a:ln>
           <a:extLst>
             <a:ext uri="{C572A759-6A51-4108-AA02-DFA0A04FC94B}">
-              <ma14:wrappingTextBoxFlag xmlns="" xmlns:m="http://schemas.openxmlformats.org/officeDocument/2006/math" xmlns:a14="http://schemas.microsoft.com/office/drawing/2010/main" xmlns:ma14="http://schemas.microsoft.com/office/mac/drawingml/2011/main" val="1"/>
+              <ma14:wrappingTextBoxFlag xmlns:ma14="http://schemas.microsoft.com/office/mac/drawingml/2011/main" xmlns:a14="http://schemas.microsoft.com/office/drawing/2010/main" xmlns:m="http://schemas.openxmlformats.org/officeDocument/2006/math" xmlns="" val="1"/>
             </a:ext>
           </a:extLst>
         </p:spPr>
@@ -15480,7 +15523,7 @@
           </a:effectLst>
           <a:extLst>
             <a:ext uri="{C572A759-6A51-4108-AA02-DFA0A04FC94B}">
-              <ma14:wrappingTextBoxFlag xmlns="" xmlns:m="http://schemas.openxmlformats.org/officeDocument/2006/math" xmlns:a14="http://schemas.microsoft.com/office/drawing/2010/main" xmlns:ma14="http://schemas.microsoft.com/office/mac/drawingml/2011/main" val="1"/>
+              <ma14:wrappingTextBoxFlag xmlns:ma14="http://schemas.microsoft.com/office/mac/drawingml/2011/main" xmlns:a14="http://schemas.microsoft.com/office/drawing/2010/main" xmlns:m="http://schemas.openxmlformats.org/officeDocument/2006/math" xmlns="" val="1"/>
             </a:ext>
           </a:extLst>
         </p:spPr>
@@ -15540,7 +15583,7 @@
           </a:effectLst>
           <a:extLst>
             <a:ext uri="{C572A759-6A51-4108-AA02-DFA0A04FC94B}">
-              <ma14:wrappingTextBoxFlag xmlns="" xmlns:m="http://schemas.openxmlformats.org/officeDocument/2006/math" xmlns:a14="http://schemas.microsoft.com/office/drawing/2010/main" xmlns:ma14="http://schemas.microsoft.com/office/mac/drawingml/2011/main" val="1"/>
+              <ma14:wrappingTextBoxFlag xmlns:ma14="http://schemas.microsoft.com/office/mac/drawingml/2011/main" xmlns:a14="http://schemas.microsoft.com/office/drawing/2010/main" xmlns:m="http://schemas.openxmlformats.org/officeDocument/2006/math" xmlns="" val="1"/>
             </a:ext>
           </a:extLst>
         </p:spPr>
@@ -15600,7 +15643,7 @@
           </a:effectLst>
           <a:extLst>
             <a:ext uri="{C572A759-6A51-4108-AA02-DFA0A04FC94B}">
-              <ma14:wrappingTextBoxFlag xmlns="" xmlns:m="http://schemas.openxmlformats.org/officeDocument/2006/math" xmlns:a14="http://schemas.microsoft.com/office/drawing/2010/main" xmlns:ma14="http://schemas.microsoft.com/office/mac/drawingml/2011/main" val="1"/>
+              <ma14:wrappingTextBoxFlag xmlns:ma14="http://schemas.microsoft.com/office/mac/drawingml/2011/main" xmlns:a14="http://schemas.microsoft.com/office/drawing/2010/main" xmlns:m="http://schemas.openxmlformats.org/officeDocument/2006/math" xmlns="" val="1"/>
             </a:ext>
           </a:extLst>
         </p:spPr>
@@ -15955,7 +15998,7 @@
               <a:effectLst/>
               <a:extLst>
                 <a:ext uri="{C572A759-6A51-4108-AA02-DFA0A04FC94B}">
-                  <ma14:wrappingTextBoxFlag xmlns="" xmlns:m="http://schemas.openxmlformats.org/officeDocument/2006/math" xmlns:a14="http://schemas.microsoft.com/office/drawing/2010/main" xmlns:ma14="http://schemas.microsoft.com/office/mac/drawingml/2011/main" val="1"/>
+                  <ma14:wrappingTextBoxFlag xmlns:ma14="http://schemas.microsoft.com/office/mac/drawingml/2011/main" xmlns:a14="http://schemas.microsoft.com/office/drawing/2010/main" xmlns:m="http://schemas.openxmlformats.org/officeDocument/2006/math" xmlns="" val="1"/>
                 </a:ext>
               </a:extLst>
             </p:spPr>
@@ -16119,7 +16162,7 @@
               </a:effectLst>
               <a:extLst>
                 <a:ext uri="{C572A759-6A51-4108-AA02-DFA0A04FC94B}">
-                  <ma14:wrappingTextBoxFlag xmlns="" xmlns:m="http://schemas.openxmlformats.org/officeDocument/2006/math" xmlns:a14="http://schemas.microsoft.com/office/drawing/2010/main" xmlns:ma14="http://schemas.microsoft.com/office/mac/drawingml/2011/main" val="1"/>
+                  <ma14:wrappingTextBoxFlag xmlns:ma14="http://schemas.microsoft.com/office/mac/drawingml/2011/main" xmlns:a14="http://schemas.microsoft.com/office/drawing/2010/main" xmlns:m="http://schemas.openxmlformats.org/officeDocument/2006/math" xmlns="" val="1"/>
                 </a:ext>
               </a:extLst>
             </p:spPr>
@@ -16169,7 +16212,7 @@
           </a:ln>
           <a:extLst>
             <a:ext uri="{C572A759-6A51-4108-AA02-DFA0A04FC94B}">
-              <ma14:wrappingTextBoxFlag xmlns="" xmlns:m="http://schemas.openxmlformats.org/officeDocument/2006/math" xmlns:a14="http://schemas.microsoft.com/office/drawing/2010/main" xmlns:ma14="http://schemas.microsoft.com/office/mac/drawingml/2011/main" val="1"/>
+              <ma14:wrappingTextBoxFlag xmlns:ma14="http://schemas.microsoft.com/office/mac/drawingml/2011/main" xmlns:a14="http://schemas.microsoft.com/office/drawing/2010/main" xmlns:m="http://schemas.openxmlformats.org/officeDocument/2006/math" xmlns="" val="1"/>
             </a:ext>
           </a:extLst>
         </p:spPr>
@@ -16271,7 +16314,7 @@
           </a:ln>
           <a:extLst>
             <a:ext uri="{C572A759-6A51-4108-AA02-DFA0A04FC94B}">
-              <ma14:wrappingTextBoxFlag xmlns="" xmlns:m="http://schemas.openxmlformats.org/officeDocument/2006/math" xmlns:a14="http://schemas.microsoft.com/office/drawing/2010/main" xmlns:ma14="http://schemas.microsoft.com/office/mac/drawingml/2011/main" val="1"/>
+              <ma14:wrappingTextBoxFlag xmlns:ma14="http://schemas.microsoft.com/office/mac/drawingml/2011/main" xmlns:a14="http://schemas.microsoft.com/office/drawing/2010/main" xmlns:m="http://schemas.openxmlformats.org/officeDocument/2006/math" xmlns="" val="1"/>
             </a:ext>
           </a:extLst>
         </p:spPr>
@@ -16366,7 +16409,7 @@
           </a:ln>
           <a:extLst>
             <a:ext uri="{C572A759-6A51-4108-AA02-DFA0A04FC94B}">
-              <ma14:wrappingTextBoxFlag xmlns="" xmlns:m="http://schemas.openxmlformats.org/officeDocument/2006/math" xmlns:a14="http://schemas.microsoft.com/office/drawing/2010/main" xmlns:ma14="http://schemas.microsoft.com/office/mac/drawingml/2011/main" val="1"/>
+              <ma14:wrappingTextBoxFlag xmlns:ma14="http://schemas.microsoft.com/office/mac/drawingml/2011/main" xmlns:a14="http://schemas.microsoft.com/office/drawing/2010/main" xmlns:m="http://schemas.openxmlformats.org/officeDocument/2006/math" xmlns="" val="1"/>
             </a:ext>
           </a:extLst>
         </p:spPr>
@@ -16414,7 +16457,7 @@
           </a:ln>
           <a:extLst>
             <a:ext uri="{C572A759-6A51-4108-AA02-DFA0A04FC94B}">
-              <ma14:wrappingTextBoxFlag xmlns="" xmlns:m="http://schemas.openxmlformats.org/officeDocument/2006/math" xmlns:a14="http://schemas.microsoft.com/office/drawing/2010/main" xmlns:ma14="http://schemas.microsoft.com/office/mac/drawingml/2011/main" val="1"/>
+              <ma14:wrappingTextBoxFlag xmlns:ma14="http://schemas.microsoft.com/office/mac/drawingml/2011/main" xmlns:a14="http://schemas.microsoft.com/office/drawing/2010/main" xmlns:m="http://schemas.openxmlformats.org/officeDocument/2006/math" xmlns="" val="1"/>
             </a:ext>
           </a:extLst>
         </p:spPr>
@@ -16462,7 +16505,7 @@
           </a:ln>
           <a:extLst>
             <a:ext uri="{C572A759-6A51-4108-AA02-DFA0A04FC94B}">
-              <ma14:wrappingTextBoxFlag xmlns="" xmlns:m="http://schemas.openxmlformats.org/officeDocument/2006/math" xmlns:a14="http://schemas.microsoft.com/office/drawing/2010/main" xmlns:ma14="http://schemas.microsoft.com/office/mac/drawingml/2011/main" val="1"/>
+              <ma14:wrappingTextBoxFlag xmlns:ma14="http://schemas.microsoft.com/office/mac/drawingml/2011/main" xmlns:a14="http://schemas.microsoft.com/office/drawing/2010/main" xmlns:m="http://schemas.openxmlformats.org/officeDocument/2006/math" xmlns="" val="1"/>
             </a:ext>
           </a:extLst>
         </p:spPr>
@@ -16520,7 +16563,7 @@
           </a:effectLst>
           <a:extLst>
             <a:ext uri="{C572A759-6A51-4108-AA02-DFA0A04FC94B}">
-              <ma14:wrappingTextBoxFlag xmlns="" xmlns:m="http://schemas.openxmlformats.org/officeDocument/2006/math" xmlns:a14="http://schemas.microsoft.com/office/drawing/2010/main" xmlns:ma14="http://schemas.microsoft.com/office/mac/drawingml/2011/main" val="1"/>
+              <ma14:wrappingTextBoxFlag xmlns:ma14="http://schemas.microsoft.com/office/mac/drawingml/2011/main" xmlns:a14="http://schemas.microsoft.com/office/drawing/2010/main" xmlns:m="http://schemas.openxmlformats.org/officeDocument/2006/math" xmlns="" val="1"/>
             </a:ext>
           </a:extLst>
         </p:spPr>
@@ -16580,7 +16623,7 @@
           </a:effectLst>
           <a:extLst>
             <a:ext uri="{C572A759-6A51-4108-AA02-DFA0A04FC94B}">
-              <ma14:wrappingTextBoxFlag xmlns="" xmlns:m="http://schemas.openxmlformats.org/officeDocument/2006/math" xmlns:a14="http://schemas.microsoft.com/office/drawing/2010/main" xmlns:ma14="http://schemas.microsoft.com/office/mac/drawingml/2011/main" val="1"/>
+              <ma14:wrappingTextBoxFlag xmlns:ma14="http://schemas.microsoft.com/office/mac/drawingml/2011/main" xmlns:a14="http://schemas.microsoft.com/office/drawing/2010/main" xmlns:m="http://schemas.openxmlformats.org/officeDocument/2006/math" xmlns="" val="1"/>
             </a:ext>
           </a:extLst>
         </p:spPr>
@@ -16935,7 +16978,7 @@
               <a:effectLst/>
               <a:extLst>
                 <a:ext uri="{C572A759-6A51-4108-AA02-DFA0A04FC94B}">
-                  <ma14:wrappingTextBoxFlag xmlns="" xmlns:m="http://schemas.openxmlformats.org/officeDocument/2006/math" xmlns:a14="http://schemas.microsoft.com/office/drawing/2010/main" xmlns:ma14="http://schemas.microsoft.com/office/mac/drawingml/2011/main" val="1"/>
+                  <ma14:wrappingTextBoxFlag xmlns:ma14="http://schemas.microsoft.com/office/mac/drawingml/2011/main" xmlns:a14="http://schemas.microsoft.com/office/drawing/2010/main" xmlns:m="http://schemas.openxmlformats.org/officeDocument/2006/math" xmlns="" val="1"/>
                 </a:ext>
               </a:extLst>
             </p:spPr>
@@ -17099,7 +17142,7 @@
               </a:effectLst>
               <a:extLst>
                 <a:ext uri="{C572A759-6A51-4108-AA02-DFA0A04FC94B}">
-                  <ma14:wrappingTextBoxFlag xmlns="" xmlns:m="http://schemas.openxmlformats.org/officeDocument/2006/math" xmlns:a14="http://schemas.microsoft.com/office/drawing/2010/main" xmlns:ma14="http://schemas.microsoft.com/office/mac/drawingml/2011/main" val="1"/>
+                  <ma14:wrappingTextBoxFlag xmlns:ma14="http://schemas.microsoft.com/office/mac/drawingml/2011/main" xmlns:a14="http://schemas.microsoft.com/office/drawing/2010/main" xmlns:m="http://schemas.openxmlformats.org/officeDocument/2006/math" xmlns="" val="1"/>
                 </a:ext>
               </a:extLst>
             </p:spPr>
@@ -17149,7 +17192,7 @@
           </a:ln>
           <a:extLst>
             <a:ext uri="{C572A759-6A51-4108-AA02-DFA0A04FC94B}">
-              <ma14:wrappingTextBoxFlag xmlns="" xmlns:m="http://schemas.openxmlformats.org/officeDocument/2006/math" xmlns:a14="http://schemas.microsoft.com/office/drawing/2010/main" xmlns:ma14="http://schemas.microsoft.com/office/mac/drawingml/2011/main" val="1"/>
+              <ma14:wrappingTextBoxFlag xmlns:ma14="http://schemas.microsoft.com/office/mac/drawingml/2011/main" xmlns:a14="http://schemas.microsoft.com/office/drawing/2010/main" xmlns:m="http://schemas.openxmlformats.org/officeDocument/2006/math" xmlns="" val="1"/>
             </a:ext>
           </a:extLst>
         </p:spPr>
@@ -17276,7 +17319,7 @@
           </a:ln>
           <a:extLst>
             <a:ext uri="{C572A759-6A51-4108-AA02-DFA0A04FC94B}">
-              <ma14:wrappingTextBoxFlag xmlns="" xmlns:m="http://schemas.openxmlformats.org/officeDocument/2006/math" xmlns:a14="http://schemas.microsoft.com/office/drawing/2010/main" xmlns:ma14="http://schemas.microsoft.com/office/mac/drawingml/2011/main" val="1"/>
+              <ma14:wrappingTextBoxFlag xmlns:ma14="http://schemas.microsoft.com/office/mac/drawingml/2011/main" xmlns:a14="http://schemas.microsoft.com/office/drawing/2010/main" xmlns:m="http://schemas.openxmlformats.org/officeDocument/2006/math" xmlns="" val="1"/>
             </a:ext>
           </a:extLst>
         </p:spPr>
@@ -17421,7 +17464,7 @@
             </a:effectLst>
             <a:extLst>
               <a:ext uri="{C572A759-6A51-4108-AA02-DFA0A04FC94B}">
-                <ma14:wrappingTextBoxFlag xmlns="" xmlns:m="http://schemas.openxmlformats.org/officeDocument/2006/math" xmlns:a14="http://schemas.microsoft.com/office/drawing/2010/main" xmlns:ma14="http://schemas.microsoft.com/office/mac/drawingml/2011/main" val="1"/>
+                <ma14:wrappingTextBoxFlag xmlns:ma14="http://schemas.microsoft.com/office/mac/drawingml/2011/main" xmlns:a14="http://schemas.microsoft.com/office/drawing/2010/main" xmlns:m="http://schemas.openxmlformats.org/officeDocument/2006/math" xmlns="" val="1"/>
               </a:ext>
             </a:extLst>
           </p:spPr>
@@ -17517,7 +17560,7 @@
           </a:ln>
           <a:extLst>
             <a:ext uri="{C572A759-6A51-4108-AA02-DFA0A04FC94B}">
-              <ma14:wrappingTextBoxFlag xmlns="" xmlns:m="http://schemas.openxmlformats.org/officeDocument/2006/math" xmlns:a14="http://schemas.microsoft.com/office/drawing/2010/main" xmlns:ma14="http://schemas.microsoft.com/office/mac/drawingml/2011/main" val="1"/>
+              <ma14:wrappingTextBoxFlag xmlns:ma14="http://schemas.microsoft.com/office/mac/drawingml/2011/main" xmlns:a14="http://schemas.microsoft.com/office/drawing/2010/main" xmlns:m="http://schemas.openxmlformats.org/officeDocument/2006/math" xmlns="" val="1"/>
             </a:ext>
           </a:extLst>
         </p:spPr>
@@ -17565,7 +17608,7 @@
           </a:ln>
           <a:extLst>
             <a:ext uri="{C572A759-6A51-4108-AA02-DFA0A04FC94B}">
-              <ma14:wrappingTextBoxFlag xmlns="" xmlns:m="http://schemas.openxmlformats.org/officeDocument/2006/math" xmlns:a14="http://schemas.microsoft.com/office/drawing/2010/main" xmlns:ma14="http://schemas.microsoft.com/office/mac/drawingml/2011/main" val="1"/>
+              <ma14:wrappingTextBoxFlag xmlns:ma14="http://schemas.microsoft.com/office/mac/drawingml/2011/main" xmlns:a14="http://schemas.microsoft.com/office/drawing/2010/main" xmlns:m="http://schemas.openxmlformats.org/officeDocument/2006/math" xmlns="" val="1"/>
             </a:ext>
           </a:extLst>
         </p:spPr>
@@ -17613,7 +17656,7 @@
           </a:ln>
           <a:extLst>
             <a:ext uri="{C572A759-6A51-4108-AA02-DFA0A04FC94B}">
-              <ma14:wrappingTextBoxFlag xmlns="" xmlns:m="http://schemas.openxmlformats.org/officeDocument/2006/math" xmlns:a14="http://schemas.microsoft.com/office/drawing/2010/main" xmlns:ma14="http://schemas.microsoft.com/office/mac/drawingml/2011/main" val="1"/>
+              <ma14:wrappingTextBoxFlag xmlns:ma14="http://schemas.microsoft.com/office/mac/drawingml/2011/main" xmlns:a14="http://schemas.microsoft.com/office/drawing/2010/main" xmlns:m="http://schemas.openxmlformats.org/officeDocument/2006/math" xmlns="" val="1"/>
             </a:ext>
           </a:extLst>
         </p:spPr>
@@ -17671,7 +17714,7 @@
           </a:effectLst>
           <a:extLst>
             <a:ext uri="{C572A759-6A51-4108-AA02-DFA0A04FC94B}">
-              <ma14:wrappingTextBoxFlag xmlns="" xmlns:m="http://schemas.openxmlformats.org/officeDocument/2006/math" xmlns:a14="http://schemas.microsoft.com/office/drawing/2010/main" xmlns:ma14="http://schemas.microsoft.com/office/mac/drawingml/2011/main" val="1"/>
+              <ma14:wrappingTextBoxFlag xmlns:ma14="http://schemas.microsoft.com/office/mac/drawingml/2011/main" xmlns:a14="http://schemas.microsoft.com/office/drawing/2010/main" xmlns:m="http://schemas.openxmlformats.org/officeDocument/2006/math" xmlns="" val="1"/>
             </a:ext>
           </a:extLst>
         </p:spPr>
@@ -18268,7 +18311,7 @@
           </a:ln>
           <a:extLst>
             <a:ext uri="{C572A759-6A51-4108-AA02-DFA0A04FC94B}">
-              <ma14:wrappingTextBoxFlag xmlns="" xmlns:m="http://schemas.openxmlformats.org/officeDocument/2006/math" xmlns:a14="http://schemas.microsoft.com/office/drawing/2010/main" xmlns:ma14="http://schemas.microsoft.com/office/mac/drawingml/2011/main" val="1"/>
+              <ma14:wrappingTextBoxFlag xmlns:ma14="http://schemas.microsoft.com/office/mac/drawingml/2011/main" xmlns:a14="http://schemas.microsoft.com/office/drawing/2010/main" xmlns:m="http://schemas.openxmlformats.org/officeDocument/2006/math" xmlns="" val="1"/>
             </a:ext>
           </a:extLst>
         </p:spPr>
@@ -18317,7 +18360,7 @@
           </a:ln>
           <a:extLst>
             <a:ext uri="{C572A759-6A51-4108-AA02-DFA0A04FC94B}">
-              <ma14:wrappingTextBoxFlag xmlns="" xmlns:m="http://schemas.openxmlformats.org/officeDocument/2006/math" xmlns:a14="http://schemas.microsoft.com/office/drawing/2010/main" xmlns:ma14="http://schemas.microsoft.com/office/mac/drawingml/2011/main" val="1"/>
+              <ma14:wrappingTextBoxFlag xmlns:ma14="http://schemas.microsoft.com/office/mac/drawingml/2011/main" xmlns:a14="http://schemas.microsoft.com/office/drawing/2010/main" xmlns:m="http://schemas.openxmlformats.org/officeDocument/2006/math" xmlns="" val="1"/>
             </a:ext>
           </a:extLst>
         </p:spPr>
@@ -18365,7 +18408,7 @@
           </a:ln>
           <a:extLst>
             <a:ext uri="{C572A759-6A51-4108-AA02-DFA0A04FC94B}">
-              <ma14:wrappingTextBoxFlag xmlns="" xmlns:m="http://schemas.openxmlformats.org/officeDocument/2006/math" xmlns:a14="http://schemas.microsoft.com/office/drawing/2010/main" xmlns:ma14="http://schemas.microsoft.com/office/mac/drawingml/2011/main" val="1"/>
+              <ma14:wrappingTextBoxFlag xmlns:ma14="http://schemas.microsoft.com/office/mac/drawingml/2011/main" xmlns:a14="http://schemas.microsoft.com/office/drawing/2010/main" xmlns:m="http://schemas.openxmlformats.org/officeDocument/2006/math" xmlns="" val="1"/>
             </a:ext>
           </a:extLst>
         </p:spPr>
@@ -18413,7 +18456,7 @@
           </a:ln>
           <a:extLst>
             <a:ext uri="{C572A759-6A51-4108-AA02-DFA0A04FC94B}">
-              <ma14:wrappingTextBoxFlag xmlns="" xmlns:m="http://schemas.openxmlformats.org/officeDocument/2006/math" xmlns:a14="http://schemas.microsoft.com/office/drawing/2010/main" xmlns:ma14="http://schemas.microsoft.com/office/mac/drawingml/2011/main" val="1"/>
+              <ma14:wrappingTextBoxFlag xmlns:ma14="http://schemas.microsoft.com/office/mac/drawingml/2011/main" xmlns:a14="http://schemas.microsoft.com/office/drawing/2010/main" xmlns:m="http://schemas.openxmlformats.org/officeDocument/2006/math" xmlns="" val="1"/>
             </a:ext>
           </a:extLst>
         </p:spPr>
@@ -18461,7 +18504,7 @@
           </a:ln>
           <a:extLst>
             <a:ext uri="{C572A759-6A51-4108-AA02-DFA0A04FC94B}">
-              <ma14:wrappingTextBoxFlag xmlns="" xmlns:m="http://schemas.openxmlformats.org/officeDocument/2006/math" xmlns:a14="http://schemas.microsoft.com/office/drawing/2010/main" xmlns:ma14="http://schemas.microsoft.com/office/mac/drawingml/2011/main" val="1"/>
+              <ma14:wrappingTextBoxFlag xmlns:ma14="http://schemas.microsoft.com/office/mac/drawingml/2011/main" xmlns:a14="http://schemas.microsoft.com/office/drawing/2010/main" xmlns:m="http://schemas.openxmlformats.org/officeDocument/2006/math" xmlns="" val="1"/>
             </a:ext>
           </a:extLst>
         </p:spPr>
@@ -18592,7 +18635,7 @@
           </a:ln>
           <a:extLst>
             <a:ext uri="{C572A759-6A51-4108-AA02-DFA0A04FC94B}">
-              <ma14:wrappingTextBoxFlag xmlns="" xmlns:m="http://schemas.openxmlformats.org/officeDocument/2006/math" xmlns:a14="http://schemas.microsoft.com/office/drawing/2010/main" xmlns:ma14="http://schemas.microsoft.com/office/mac/drawingml/2011/main" val="1"/>
+              <ma14:wrappingTextBoxFlag xmlns:ma14="http://schemas.microsoft.com/office/mac/drawingml/2011/main" xmlns:a14="http://schemas.microsoft.com/office/drawing/2010/main" xmlns:m="http://schemas.openxmlformats.org/officeDocument/2006/math" xmlns="" val="1"/>
             </a:ext>
           </a:extLst>
         </p:spPr>
@@ -18722,7 +18765,7 @@
           </a:ln>
           <a:extLst>
             <a:ext uri="{C572A759-6A51-4108-AA02-DFA0A04FC94B}">
-              <ma14:wrappingTextBoxFlag xmlns="" xmlns:m="http://schemas.openxmlformats.org/officeDocument/2006/math" xmlns:a14="http://schemas.microsoft.com/office/drawing/2010/main" xmlns:ma14="http://schemas.microsoft.com/office/mac/drawingml/2011/main" val="1"/>
+              <ma14:wrappingTextBoxFlag xmlns:ma14="http://schemas.microsoft.com/office/mac/drawingml/2011/main" xmlns:a14="http://schemas.microsoft.com/office/drawing/2010/main" xmlns:m="http://schemas.openxmlformats.org/officeDocument/2006/math" xmlns="" val="1"/>
             </a:ext>
           </a:extLst>
         </p:spPr>
@@ -18852,7 +18895,7 @@
           </a:ln>
           <a:extLst>
             <a:ext uri="{C572A759-6A51-4108-AA02-DFA0A04FC94B}">
-              <ma14:wrappingTextBoxFlag xmlns="" xmlns:m="http://schemas.openxmlformats.org/officeDocument/2006/math" xmlns:a14="http://schemas.microsoft.com/office/drawing/2010/main" xmlns:ma14="http://schemas.microsoft.com/office/mac/drawingml/2011/main" val="1"/>
+              <ma14:wrappingTextBoxFlag xmlns:ma14="http://schemas.microsoft.com/office/mac/drawingml/2011/main" xmlns:a14="http://schemas.microsoft.com/office/drawing/2010/main" xmlns:m="http://schemas.openxmlformats.org/officeDocument/2006/math" xmlns="" val="1"/>
             </a:ext>
           </a:extLst>
         </p:spPr>
@@ -18900,7 +18943,7 @@
           </a:ln>
           <a:extLst>
             <a:ext uri="{C572A759-6A51-4108-AA02-DFA0A04FC94B}">
-              <ma14:wrappingTextBoxFlag xmlns="" xmlns:m="http://schemas.openxmlformats.org/officeDocument/2006/math" xmlns:a14="http://schemas.microsoft.com/office/drawing/2010/main" xmlns:ma14="http://schemas.microsoft.com/office/mac/drawingml/2011/main" val="1"/>
+              <ma14:wrappingTextBoxFlag xmlns:ma14="http://schemas.microsoft.com/office/mac/drawingml/2011/main" xmlns:a14="http://schemas.microsoft.com/office/drawing/2010/main" xmlns:m="http://schemas.openxmlformats.org/officeDocument/2006/math" xmlns="" val="1"/>
             </a:ext>
           </a:extLst>
         </p:spPr>
@@ -18989,7 +19032,7 @@
           </a:ln>
           <a:extLst>
             <a:ext uri="{C572A759-6A51-4108-AA02-DFA0A04FC94B}">
-              <ma14:wrappingTextBoxFlag xmlns="" xmlns:m="http://schemas.openxmlformats.org/officeDocument/2006/math" xmlns:a14="http://schemas.microsoft.com/office/drawing/2010/main" xmlns:ma14="http://schemas.microsoft.com/office/mac/drawingml/2011/main" val="1"/>
+              <ma14:wrappingTextBoxFlag xmlns:ma14="http://schemas.microsoft.com/office/mac/drawingml/2011/main" xmlns:a14="http://schemas.microsoft.com/office/drawing/2010/main" xmlns:m="http://schemas.openxmlformats.org/officeDocument/2006/math" xmlns="" val="1"/>
             </a:ext>
           </a:extLst>
         </p:spPr>
@@ -19215,7 +19258,7 @@
           </a:ln>
           <a:extLst>
             <a:ext uri="{C572A759-6A51-4108-AA02-DFA0A04FC94B}">
-              <ma14:wrappingTextBoxFlag xmlns="" xmlns:m="http://schemas.openxmlformats.org/officeDocument/2006/math" xmlns:a14="http://schemas.microsoft.com/office/drawing/2010/main" xmlns:ma14="http://schemas.microsoft.com/office/mac/drawingml/2011/main" val="1"/>
+              <ma14:wrappingTextBoxFlag xmlns:ma14="http://schemas.microsoft.com/office/mac/drawingml/2011/main" xmlns:a14="http://schemas.microsoft.com/office/drawing/2010/main" xmlns:m="http://schemas.openxmlformats.org/officeDocument/2006/math" xmlns="" val="1"/>
             </a:ext>
           </a:extLst>
         </p:spPr>
@@ -19264,7 +19307,7 @@
           </a:ln>
           <a:extLst>
             <a:ext uri="{C572A759-6A51-4108-AA02-DFA0A04FC94B}">
-              <ma14:wrappingTextBoxFlag xmlns="" xmlns:m="http://schemas.openxmlformats.org/officeDocument/2006/math" xmlns:a14="http://schemas.microsoft.com/office/drawing/2010/main" xmlns:ma14="http://schemas.microsoft.com/office/mac/drawingml/2011/main" val="1"/>
+              <ma14:wrappingTextBoxFlag xmlns:ma14="http://schemas.microsoft.com/office/mac/drawingml/2011/main" xmlns:a14="http://schemas.microsoft.com/office/drawing/2010/main" xmlns:m="http://schemas.openxmlformats.org/officeDocument/2006/math" xmlns="" val="1"/>
             </a:ext>
           </a:extLst>
         </p:spPr>
@@ -19312,7 +19355,7 @@
           </a:ln>
           <a:extLst>
             <a:ext uri="{C572A759-6A51-4108-AA02-DFA0A04FC94B}">
-              <ma14:wrappingTextBoxFlag xmlns="" xmlns:m="http://schemas.openxmlformats.org/officeDocument/2006/math" xmlns:a14="http://schemas.microsoft.com/office/drawing/2010/main" xmlns:ma14="http://schemas.microsoft.com/office/mac/drawingml/2011/main" val="1"/>
+              <ma14:wrappingTextBoxFlag xmlns:ma14="http://schemas.microsoft.com/office/mac/drawingml/2011/main" xmlns:a14="http://schemas.microsoft.com/office/drawing/2010/main" xmlns:m="http://schemas.openxmlformats.org/officeDocument/2006/math" xmlns="" val="1"/>
             </a:ext>
           </a:extLst>
         </p:spPr>
@@ -19360,7 +19403,7 @@
           </a:ln>
           <a:extLst>
             <a:ext uri="{C572A759-6A51-4108-AA02-DFA0A04FC94B}">
-              <ma14:wrappingTextBoxFlag xmlns="" xmlns:m="http://schemas.openxmlformats.org/officeDocument/2006/math" xmlns:a14="http://schemas.microsoft.com/office/drawing/2010/main" xmlns:ma14="http://schemas.microsoft.com/office/mac/drawingml/2011/main" val="1"/>
+              <ma14:wrappingTextBoxFlag xmlns:ma14="http://schemas.microsoft.com/office/mac/drawingml/2011/main" xmlns:a14="http://schemas.microsoft.com/office/drawing/2010/main" xmlns:m="http://schemas.openxmlformats.org/officeDocument/2006/math" xmlns="" val="1"/>
             </a:ext>
           </a:extLst>
         </p:spPr>
@@ -19408,7 +19451,7 @@
           </a:ln>
           <a:extLst>
             <a:ext uri="{C572A759-6A51-4108-AA02-DFA0A04FC94B}">
-              <ma14:wrappingTextBoxFlag xmlns="" xmlns:m="http://schemas.openxmlformats.org/officeDocument/2006/math" xmlns:a14="http://schemas.microsoft.com/office/drawing/2010/main" xmlns:ma14="http://schemas.microsoft.com/office/mac/drawingml/2011/main" val="1"/>
+              <ma14:wrappingTextBoxFlag xmlns:ma14="http://schemas.microsoft.com/office/mac/drawingml/2011/main" xmlns:a14="http://schemas.microsoft.com/office/drawing/2010/main" xmlns:m="http://schemas.openxmlformats.org/officeDocument/2006/math" xmlns="" val="1"/>
             </a:ext>
           </a:extLst>
         </p:spPr>
@@ -19539,7 +19582,7 @@
           </a:ln>
           <a:extLst>
             <a:ext uri="{C572A759-6A51-4108-AA02-DFA0A04FC94B}">
-              <ma14:wrappingTextBoxFlag xmlns="" xmlns:m="http://schemas.openxmlformats.org/officeDocument/2006/math" xmlns:a14="http://schemas.microsoft.com/office/drawing/2010/main" xmlns:ma14="http://schemas.microsoft.com/office/mac/drawingml/2011/main" val="1"/>
+              <ma14:wrappingTextBoxFlag xmlns:ma14="http://schemas.microsoft.com/office/mac/drawingml/2011/main" xmlns:a14="http://schemas.microsoft.com/office/drawing/2010/main" xmlns:m="http://schemas.openxmlformats.org/officeDocument/2006/math" xmlns="" val="1"/>
             </a:ext>
           </a:extLst>
         </p:spPr>
@@ -19669,7 +19712,7 @@
           </a:ln>
           <a:extLst>
             <a:ext uri="{C572A759-6A51-4108-AA02-DFA0A04FC94B}">
-              <ma14:wrappingTextBoxFlag xmlns="" xmlns:m="http://schemas.openxmlformats.org/officeDocument/2006/math" xmlns:a14="http://schemas.microsoft.com/office/drawing/2010/main" xmlns:ma14="http://schemas.microsoft.com/office/mac/drawingml/2011/main" val="1"/>
+              <ma14:wrappingTextBoxFlag xmlns:ma14="http://schemas.microsoft.com/office/mac/drawingml/2011/main" xmlns:a14="http://schemas.microsoft.com/office/drawing/2010/main" xmlns:m="http://schemas.openxmlformats.org/officeDocument/2006/math" xmlns="" val="1"/>
             </a:ext>
           </a:extLst>
         </p:spPr>
@@ -19799,7 +19842,7 @@
           </a:ln>
           <a:extLst>
             <a:ext uri="{C572A759-6A51-4108-AA02-DFA0A04FC94B}">
-              <ma14:wrappingTextBoxFlag xmlns="" xmlns:m="http://schemas.openxmlformats.org/officeDocument/2006/math" xmlns:a14="http://schemas.microsoft.com/office/drawing/2010/main" xmlns:ma14="http://schemas.microsoft.com/office/mac/drawingml/2011/main" val="1"/>
+              <ma14:wrappingTextBoxFlag xmlns:ma14="http://schemas.microsoft.com/office/mac/drawingml/2011/main" xmlns:a14="http://schemas.microsoft.com/office/drawing/2010/main" xmlns:m="http://schemas.openxmlformats.org/officeDocument/2006/math" xmlns="" val="1"/>
             </a:ext>
           </a:extLst>
         </p:spPr>
@@ -19847,7 +19890,7 @@
           </a:ln>
           <a:extLst>
             <a:ext uri="{C572A759-6A51-4108-AA02-DFA0A04FC94B}">
-              <ma14:wrappingTextBoxFlag xmlns="" xmlns:m="http://schemas.openxmlformats.org/officeDocument/2006/math" xmlns:a14="http://schemas.microsoft.com/office/drawing/2010/main" xmlns:ma14="http://schemas.microsoft.com/office/mac/drawingml/2011/main" val="1"/>
+              <ma14:wrappingTextBoxFlag xmlns:ma14="http://schemas.microsoft.com/office/mac/drawingml/2011/main" xmlns:a14="http://schemas.microsoft.com/office/drawing/2010/main" xmlns:m="http://schemas.openxmlformats.org/officeDocument/2006/math" xmlns="" val="1"/>
             </a:ext>
           </a:extLst>
         </p:spPr>
@@ -19936,7 +19979,7 @@
           </a:ln>
           <a:extLst>
             <a:ext uri="{C572A759-6A51-4108-AA02-DFA0A04FC94B}">
-              <ma14:wrappingTextBoxFlag xmlns="" xmlns:m="http://schemas.openxmlformats.org/officeDocument/2006/math" xmlns:a14="http://schemas.microsoft.com/office/drawing/2010/main" xmlns:ma14="http://schemas.microsoft.com/office/mac/drawingml/2011/main" val="1"/>
+              <ma14:wrappingTextBoxFlag xmlns:ma14="http://schemas.microsoft.com/office/mac/drawingml/2011/main" xmlns:a14="http://schemas.microsoft.com/office/drawing/2010/main" xmlns:m="http://schemas.openxmlformats.org/officeDocument/2006/math" xmlns="" val="1"/>
             </a:ext>
           </a:extLst>
         </p:spPr>
@@ -20025,7 +20068,7 @@
           </a:ln>
           <a:extLst>
             <a:ext uri="{C572A759-6A51-4108-AA02-DFA0A04FC94B}">
-              <ma14:wrappingTextBoxFlag xmlns="" xmlns:m="http://schemas.openxmlformats.org/officeDocument/2006/math" xmlns:a14="http://schemas.microsoft.com/office/drawing/2010/main" xmlns:ma14="http://schemas.microsoft.com/office/mac/drawingml/2011/main" val="1"/>
+              <ma14:wrappingTextBoxFlag xmlns:ma14="http://schemas.microsoft.com/office/mac/drawingml/2011/main" xmlns:a14="http://schemas.microsoft.com/office/drawing/2010/main" xmlns:m="http://schemas.openxmlformats.org/officeDocument/2006/math" xmlns="" val="1"/>
             </a:ext>
           </a:extLst>
         </p:spPr>
@@ -20118,7 +20161,7 @@
           </a:ln>
           <a:extLst>
             <a:ext uri="{C572A759-6A51-4108-AA02-DFA0A04FC94B}">
-              <ma14:wrappingTextBoxFlag xmlns:ma14="http://schemas.microsoft.com/office/mac/drawingml/2011/main" xmlns:a14="http://schemas.microsoft.com/office/drawing/2010/main" xmlns:m="http://schemas.openxmlformats.org/officeDocument/2006/math" xmlns="" val="1"/>
+              <ma14:wrappingTextBoxFlag xmlns="" xmlns:m="http://schemas.openxmlformats.org/officeDocument/2006/math" xmlns:a14="http://schemas.microsoft.com/office/drawing/2010/main" xmlns:ma14="http://schemas.microsoft.com/office/mac/drawingml/2011/main" val="1"/>
             </a:ext>
           </a:extLst>
         </p:spPr>
@@ -20531,7 +20574,7 @@
             </a:ln>
             <a:extLst>
               <a:ext uri="{C572A759-6A51-4108-AA02-DFA0A04FC94B}">
-                <ma14:wrappingTextBoxFlag xmlns="" xmlns:m="http://schemas.openxmlformats.org/officeDocument/2006/math" xmlns:a14="http://schemas.microsoft.com/office/drawing/2010/main" xmlns:ma14="http://schemas.microsoft.com/office/mac/drawingml/2011/main" val="1"/>
+                <ma14:wrappingTextBoxFlag xmlns:ma14="http://schemas.microsoft.com/office/mac/drawingml/2011/main" xmlns:a14="http://schemas.microsoft.com/office/drawing/2010/main" xmlns:m="http://schemas.openxmlformats.org/officeDocument/2006/math" xmlns="" val="1"/>
               </a:ext>
             </a:extLst>
           </p:spPr>
@@ -20795,7 +20838,7 @@
             <a:effectLst/>
             <a:extLst>
               <a:ext uri="{C572A759-6A51-4108-AA02-DFA0A04FC94B}">
-                <ma14:wrappingTextBoxFlag xmlns="" xmlns:m="http://schemas.openxmlformats.org/officeDocument/2006/math" xmlns:a14="http://schemas.microsoft.com/office/drawing/2010/main" xmlns:ma14="http://schemas.microsoft.com/office/mac/drawingml/2011/main" val="1"/>
+                <ma14:wrappingTextBoxFlag xmlns:ma14="http://schemas.microsoft.com/office/mac/drawingml/2011/main" xmlns:a14="http://schemas.microsoft.com/office/drawing/2010/main" xmlns:m="http://schemas.openxmlformats.org/officeDocument/2006/math" xmlns="" val="1"/>
               </a:ext>
             </a:extLst>
           </p:spPr>
@@ -20935,7 +20978,7 @@
             <a:effectLst/>
             <a:extLst>
               <a:ext uri="{C572A759-6A51-4108-AA02-DFA0A04FC94B}">
-                <ma14:wrappingTextBoxFlag xmlns="" xmlns:m="http://schemas.openxmlformats.org/officeDocument/2006/math" xmlns:a14="http://schemas.microsoft.com/office/drawing/2010/main" xmlns:ma14="http://schemas.microsoft.com/office/mac/drawingml/2011/main" val="1"/>
+                <ma14:wrappingTextBoxFlag xmlns:ma14="http://schemas.microsoft.com/office/mac/drawingml/2011/main" xmlns:a14="http://schemas.microsoft.com/office/drawing/2010/main" xmlns:m="http://schemas.openxmlformats.org/officeDocument/2006/math" xmlns="" val="1"/>
               </a:ext>
             </a:extLst>
           </p:spPr>
@@ -21007,7 +21050,7 @@
             </a:ln>
             <a:extLst>
               <a:ext uri="{C572A759-6A51-4108-AA02-DFA0A04FC94B}">
-                <ma14:wrappingTextBoxFlag xmlns="" xmlns:m="http://schemas.openxmlformats.org/officeDocument/2006/math" xmlns:a14="http://schemas.microsoft.com/office/drawing/2010/main" xmlns:ma14="http://schemas.microsoft.com/office/mac/drawingml/2011/main" val="1"/>
+                <ma14:wrappingTextBoxFlag xmlns:ma14="http://schemas.microsoft.com/office/mac/drawingml/2011/main" xmlns:a14="http://schemas.microsoft.com/office/drawing/2010/main" xmlns:m="http://schemas.openxmlformats.org/officeDocument/2006/math" xmlns="" val="1"/>
               </a:ext>
             </a:extLst>
           </p:spPr>
@@ -21676,7 +21719,7 @@
           </a:prstGeom>
           <a:extLst>
             <a:ext uri="{C572A759-6A51-4108-AA02-DFA0A04FC94B}">
-              <ma14:wrappingTextBoxFlag xmlns="" xmlns:m="http://schemas.openxmlformats.org/officeDocument/2006/math" xmlns:a14="http://schemas.microsoft.com/office/drawing/2010/main" xmlns:ma14="http://schemas.microsoft.com/office/mac/drawingml/2011/main" val="1"/>
+              <ma14:wrappingTextBoxFlag xmlns:ma14="http://schemas.microsoft.com/office/mac/drawingml/2011/main" xmlns:a14="http://schemas.microsoft.com/office/drawing/2010/main" xmlns:m="http://schemas.openxmlformats.org/officeDocument/2006/math" xmlns="" val="1"/>
             </a:ext>
           </a:extLst>
         </p:spPr>
@@ -22046,7 +22089,7 @@
             </a:effectLst>
             <a:extLst>
               <a:ext uri="{C572A759-6A51-4108-AA02-DFA0A04FC94B}">
-                <ma14:wrappingTextBoxFlag xmlns="" xmlns:m="http://schemas.openxmlformats.org/officeDocument/2006/math" xmlns:a14="http://schemas.microsoft.com/office/drawing/2010/main" xmlns:ma14="http://schemas.microsoft.com/office/mac/drawingml/2011/main" val="1"/>
+                <ma14:wrappingTextBoxFlag xmlns:ma14="http://schemas.microsoft.com/office/mac/drawingml/2011/main" xmlns:a14="http://schemas.microsoft.com/office/drawing/2010/main" xmlns:m="http://schemas.openxmlformats.org/officeDocument/2006/math" xmlns="" val="1"/>
               </a:ext>
             </a:extLst>
           </p:spPr>
@@ -22116,7 +22159,7 @@
             </a:effectLst>
             <a:extLst>
               <a:ext uri="{C572A759-6A51-4108-AA02-DFA0A04FC94B}">
-                <ma14:wrappingTextBoxFlag xmlns="" xmlns:m="http://schemas.openxmlformats.org/officeDocument/2006/math" xmlns:a14="http://schemas.microsoft.com/office/drawing/2010/main" xmlns:ma14="http://schemas.microsoft.com/office/mac/drawingml/2011/main" val="1"/>
+                <ma14:wrappingTextBoxFlag xmlns:ma14="http://schemas.microsoft.com/office/mac/drawingml/2011/main" xmlns:a14="http://schemas.microsoft.com/office/drawing/2010/main" xmlns:m="http://schemas.openxmlformats.org/officeDocument/2006/math" xmlns="" val="1"/>
               </a:ext>
             </a:extLst>
           </p:spPr>
@@ -22184,7 +22227,7 @@
             </a:effectLst>
             <a:extLst>
               <a:ext uri="{C572A759-6A51-4108-AA02-DFA0A04FC94B}">
-                <ma14:wrappingTextBoxFlag xmlns="" xmlns:m="http://schemas.openxmlformats.org/officeDocument/2006/math" xmlns:a14="http://schemas.microsoft.com/office/drawing/2010/main" xmlns:ma14="http://schemas.microsoft.com/office/mac/drawingml/2011/main" val="1"/>
+                <ma14:wrappingTextBoxFlag xmlns:ma14="http://schemas.microsoft.com/office/mac/drawingml/2011/main" xmlns:a14="http://schemas.microsoft.com/office/drawing/2010/main" xmlns:m="http://schemas.openxmlformats.org/officeDocument/2006/math" xmlns="" val="1"/>
               </a:ext>
             </a:extLst>
           </p:spPr>
@@ -22272,7 +22315,7 @@
               </a:effectLst>
               <a:extLst>
                 <a:ext uri="{C572A759-6A51-4108-AA02-DFA0A04FC94B}">
-                  <ma14:wrappingTextBoxFlag xmlns="" xmlns:m="http://schemas.openxmlformats.org/officeDocument/2006/math" xmlns:a14="http://schemas.microsoft.com/office/drawing/2010/main" xmlns:ma14="http://schemas.microsoft.com/office/mac/drawingml/2011/main" val="1"/>
+                  <ma14:wrappingTextBoxFlag xmlns:ma14="http://schemas.microsoft.com/office/mac/drawingml/2011/main" xmlns:a14="http://schemas.microsoft.com/office/drawing/2010/main" xmlns:m="http://schemas.openxmlformats.org/officeDocument/2006/math" xmlns="" val="1"/>
                 </a:ext>
               </a:extLst>
             </p:spPr>
@@ -22450,7 +22493,7 @@
                 <a:effectLst/>
                 <a:extLst>
                   <a:ext uri="{C572A759-6A51-4108-AA02-DFA0A04FC94B}">
-                    <ma14:wrappingTextBoxFlag xmlns="" xmlns:m="http://schemas.openxmlformats.org/officeDocument/2006/math" xmlns:a14="http://schemas.microsoft.com/office/drawing/2010/main" xmlns:ma14="http://schemas.microsoft.com/office/mac/drawingml/2011/main" val="1"/>
+                    <ma14:wrappingTextBoxFlag xmlns:ma14="http://schemas.microsoft.com/office/mac/drawingml/2011/main" xmlns:a14="http://schemas.microsoft.com/office/drawing/2010/main" xmlns:m="http://schemas.openxmlformats.org/officeDocument/2006/math" xmlns="" val="1"/>
                   </a:ext>
                 </a:extLst>
               </p:spPr>
@@ -22650,7 +22693,7 @@
                 <a:effectLst/>
                 <a:extLst>
                   <a:ext uri="{C572A759-6A51-4108-AA02-DFA0A04FC94B}">
-                    <ma14:wrappingTextBoxFlag xmlns="" xmlns:m="http://schemas.openxmlformats.org/officeDocument/2006/math" xmlns:a14="http://schemas.microsoft.com/office/drawing/2010/main" xmlns:ma14="http://schemas.microsoft.com/office/mac/drawingml/2011/main" val="1"/>
+                    <ma14:wrappingTextBoxFlag xmlns:ma14="http://schemas.microsoft.com/office/mac/drawingml/2011/main" xmlns:a14="http://schemas.microsoft.com/office/drawing/2010/main" xmlns:m="http://schemas.openxmlformats.org/officeDocument/2006/math" xmlns="" val="1"/>
                   </a:ext>
                 </a:extLst>
               </p:spPr>
@@ -22740,7 +22783,7 @@
               </a:effectLst>
               <a:extLst>
                 <a:ext uri="{C572A759-6A51-4108-AA02-DFA0A04FC94B}">
-                  <ma14:wrappingTextBoxFlag xmlns="" xmlns:m="http://schemas.openxmlformats.org/officeDocument/2006/math" xmlns:a14="http://schemas.microsoft.com/office/drawing/2010/main" xmlns:ma14="http://schemas.microsoft.com/office/mac/drawingml/2011/main" val="1"/>
+                  <ma14:wrappingTextBoxFlag xmlns:ma14="http://schemas.microsoft.com/office/mac/drawingml/2011/main" xmlns:a14="http://schemas.microsoft.com/office/drawing/2010/main" xmlns:m="http://schemas.openxmlformats.org/officeDocument/2006/math" xmlns="" val="1"/>
                 </a:ext>
               </a:extLst>
             </p:spPr>
@@ -22918,7 +22961,7 @@
                 <a:effectLst/>
                 <a:extLst>
                   <a:ext uri="{C572A759-6A51-4108-AA02-DFA0A04FC94B}">
-                    <ma14:wrappingTextBoxFlag xmlns="" xmlns:m="http://schemas.openxmlformats.org/officeDocument/2006/math" xmlns:a14="http://schemas.microsoft.com/office/drawing/2010/main" xmlns:ma14="http://schemas.microsoft.com/office/mac/drawingml/2011/main" val="1"/>
+                    <ma14:wrappingTextBoxFlag xmlns:ma14="http://schemas.microsoft.com/office/mac/drawingml/2011/main" xmlns:a14="http://schemas.microsoft.com/office/drawing/2010/main" xmlns:m="http://schemas.openxmlformats.org/officeDocument/2006/math" xmlns="" val="1"/>
                   </a:ext>
                 </a:extLst>
               </p:spPr>
@@ -23008,7 +23051,7 @@
               </a:effectLst>
               <a:extLst>
                 <a:ext uri="{C572A759-6A51-4108-AA02-DFA0A04FC94B}">
-                  <ma14:wrappingTextBoxFlag xmlns="" xmlns:m="http://schemas.openxmlformats.org/officeDocument/2006/math" xmlns:a14="http://schemas.microsoft.com/office/drawing/2010/main" xmlns:ma14="http://schemas.microsoft.com/office/mac/drawingml/2011/main" val="1"/>
+                  <ma14:wrappingTextBoxFlag xmlns:ma14="http://schemas.microsoft.com/office/mac/drawingml/2011/main" xmlns:a14="http://schemas.microsoft.com/office/drawing/2010/main" xmlns:m="http://schemas.openxmlformats.org/officeDocument/2006/math" xmlns="" val="1"/>
                 </a:ext>
               </a:extLst>
             </p:spPr>
@@ -23186,7 +23229,7 @@
                 <a:effectLst/>
                 <a:extLst>
                   <a:ext uri="{C572A759-6A51-4108-AA02-DFA0A04FC94B}">
-                    <ma14:wrappingTextBoxFlag xmlns="" xmlns:m="http://schemas.openxmlformats.org/officeDocument/2006/math" xmlns:a14="http://schemas.microsoft.com/office/drawing/2010/main" xmlns:ma14="http://schemas.microsoft.com/office/mac/drawingml/2011/main" val="1"/>
+                    <ma14:wrappingTextBoxFlag xmlns:ma14="http://schemas.microsoft.com/office/mac/drawingml/2011/main" xmlns:a14="http://schemas.microsoft.com/office/drawing/2010/main" xmlns:m="http://schemas.openxmlformats.org/officeDocument/2006/math" xmlns="" val="1"/>
                   </a:ext>
                 </a:extLst>
               </p:spPr>
@@ -23257,7 +23300,7 @@
           </a:effectLst>
           <a:extLst>
             <a:ext uri="{C572A759-6A51-4108-AA02-DFA0A04FC94B}">
-              <ma14:wrappingTextBoxFlag xmlns="" xmlns:m="http://schemas.openxmlformats.org/officeDocument/2006/math" xmlns:a14="http://schemas.microsoft.com/office/drawing/2010/main" xmlns:ma14="http://schemas.microsoft.com/office/mac/drawingml/2011/main" val="1"/>
+              <ma14:wrappingTextBoxFlag xmlns:ma14="http://schemas.microsoft.com/office/mac/drawingml/2011/main" xmlns:a14="http://schemas.microsoft.com/office/drawing/2010/main" xmlns:m="http://schemas.openxmlformats.org/officeDocument/2006/math" xmlns="" val="1"/>
             </a:ext>
           </a:extLst>
         </p:spPr>
@@ -23469,7 +23512,7 @@
           </a:prstGeom>
           <a:extLst>
             <a:ext uri="{C572A759-6A51-4108-AA02-DFA0A04FC94B}">
-              <ma14:wrappingTextBoxFlag xmlns="" xmlns:m="http://schemas.openxmlformats.org/officeDocument/2006/math" xmlns:a14="http://schemas.microsoft.com/office/drawing/2010/main" xmlns:ma14="http://schemas.microsoft.com/office/mac/drawingml/2011/main" val="1"/>
+              <ma14:wrappingTextBoxFlag xmlns:ma14="http://schemas.microsoft.com/office/mac/drawingml/2011/main" xmlns:a14="http://schemas.microsoft.com/office/drawing/2010/main" xmlns:m="http://schemas.openxmlformats.org/officeDocument/2006/math" xmlns="" val="1"/>
             </a:ext>
           </a:extLst>
         </p:spPr>
@@ -23962,7 +24005,7 @@
           </a:prstGeom>
           <a:extLst>
             <a:ext uri="{C572A759-6A51-4108-AA02-DFA0A04FC94B}">
-              <ma14:wrappingTextBoxFlag xmlns="" xmlns:m="http://schemas.openxmlformats.org/officeDocument/2006/math" xmlns:a14="http://schemas.microsoft.com/office/drawing/2010/main" xmlns:ma14="http://schemas.microsoft.com/office/mac/drawingml/2011/main" val="1"/>
+              <ma14:wrappingTextBoxFlag xmlns:ma14="http://schemas.microsoft.com/office/mac/drawingml/2011/main" xmlns:a14="http://schemas.microsoft.com/office/drawing/2010/main" xmlns:m="http://schemas.openxmlformats.org/officeDocument/2006/math" xmlns="" val="1"/>
             </a:ext>
           </a:extLst>
         </p:spPr>
@@ -24119,7 +24162,7 @@
               <a:effectLst/>
               <a:extLst>
                 <a:ext uri="{C572A759-6A51-4108-AA02-DFA0A04FC94B}">
-                  <ma14:wrappingTextBoxFlag xmlns="" xmlns:m="http://schemas.openxmlformats.org/officeDocument/2006/math" xmlns:a14="http://schemas.microsoft.com/office/drawing/2010/main" xmlns:ma14="http://schemas.microsoft.com/office/mac/drawingml/2011/main" val="1"/>
+                  <ma14:wrappingTextBoxFlag xmlns:ma14="http://schemas.microsoft.com/office/mac/drawingml/2011/main" xmlns:a14="http://schemas.microsoft.com/office/drawing/2010/main" xmlns:m="http://schemas.openxmlformats.org/officeDocument/2006/math" xmlns="" val="1"/>
                 </a:ext>
               </a:extLst>
             </p:spPr>
@@ -24170,7 +24213,7 @@
               <a:effectLst/>
               <a:extLst>
                 <a:ext uri="{C572A759-6A51-4108-AA02-DFA0A04FC94B}">
-                  <ma14:wrappingTextBoxFlag xmlns="" xmlns:m="http://schemas.openxmlformats.org/officeDocument/2006/math" xmlns:a14="http://schemas.microsoft.com/office/drawing/2010/main" xmlns:ma14="http://schemas.microsoft.com/office/mac/drawingml/2011/main" val="1"/>
+                  <ma14:wrappingTextBoxFlag xmlns:ma14="http://schemas.microsoft.com/office/mac/drawingml/2011/main" xmlns:a14="http://schemas.microsoft.com/office/drawing/2010/main" xmlns:m="http://schemas.openxmlformats.org/officeDocument/2006/math" xmlns="" val="1"/>
                 </a:ext>
               </a:extLst>
             </p:spPr>
@@ -24222,7 +24265,7 @@
             <a:effectLst/>
             <a:extLst>
               <a:ext uri="{C572A759-6A51-4108-AA02-DFA0A04FC94B}">
-                <ma14:wrappingTextBoxFlag xmlns="" xmlns:m="http://schemas.openxmlformats.org/officeDocument/2006/math" xmlns:a14="http://schemas.microsoft.com/office/drawing/2010/main" xmlns:ma14="http://schemas.microsoft.com/office/mac/drawingml/2011/main" val="1"/>
+                <ma14:wrappingTextBoxFlag xmlns:ma14="http://schemas.microsoft.com/office/mac/drawingml/2011/main" xmlns:a14="http://schemas.microsoft.com/office/drawing/2010/main" xmlns:m="http://schemas.openxmlformats.org/officeDocument/2006/math" xmlns="" val="1"/>
               </a:ext>
             </a:extLst>
           </p:spPr>
@@ -24400,7 +24443,7 @@
               <a:effectLst/>
               <a:extLst>
                 <a:ext uri="{C572A759-6A51-4108-AA02-DFA0A04FC94B}">
-                  <ma14:wrappingTextBoxFlag xmlns="" xmlns:m="http://schemas.openxmlformats.org/officeDocument/2006/math" xmlns:a14="http://schemas.microsoft.com/office/drawing/2010/main" xmlns:ma14="http://schemas.microsoft.com/office/mac/drawingml/2011/main" val="1"/>
+                  <ma14:wrappingTextBoxFlag xmlns:ma14="http://schemas.microsoft.com/office/mac/drawingml/2011/main" xmlns:a14="http://schemas.microsoft.com/office/drawing/2010/main" xmlns:m="http://schemas.openxmlformats.org/officeDocument/2006/math" xmlns="" val="1"/>
                 </a:ext>
               </a:extLst>
             </p:spPr>
@@ -24451,7 +24494,7 @@
               <a:effectLst/>
               <a:extLst>
                 <a:ext uri="{C572A759-6A51-4108-AA02-DFA0A04FC94B}">
-                  <ma14:wrappingTextBoxFlag xmlns="" xmlns:m="http://schemas.openxmlformats.org/officeDocument/2006/math" xmlns:a14="http://schemas.microsoft.com/office/drawing/2010/main" xmlns:ma14="http://schemas.microsoft.com/office/mac/drawingml/2011/main" val="1"/>
+                  <ma14:wrappingTextBoxFlag xmlns:ma14="http://schemas.microsoft.com/office/mac/drawingml/2011/main" xmlns:a14="http://schemas.microsoft.com/office/drawing/2010/main" xmlns:m="http://schemas.openxmlformats.org/officeDocument/2006/math" xmlns="" val="1"/>
                 </a:ext>
               </a:extLst>
             </p:spPr>
@@ -24537,7 +24580,7 @@
             <a:effectLst/>
             <a:extLst>
               <a:ext uri="{C572A759-6A51-4108-AA02-DFA0A04FC94B}">
-                <ma14:wrappingTextBoxFlag xmlns="" xmlns:m="http://schemas.openxmlformats.org/officeDocument/2006/math" xmlns:a14="http://schemas.microsoft.com/office/drawing/2010/main" xmlns:ma14="http://schemas.microsoft.com/office/mac/drawingml/2011/main" val="1"/>
+                <ma14:wrappingTextBoxFlag xmlns:ma14="http://schemas.microsoft.com/office/mac/drawingml/2011/main" xmlns:a14="http://schemas.microsoft.com/office/drawing/2010/main" xmlns:m="http://schemas.openxmlformats.org/officeDocument/2006/math" xmlns="" val="1"/>
               </a:ext>
             </a:extLst>
           </p:spPr>
@@ -24628,7 +24671,7 @@
           </a:ln>
           <a:extLst>
             <a:ext uri="{C572A759-6A51-4108-AA02-DFA0A04FC94B}">
-              <ma14:wrappingTextBoxFlag xmlns="" xmlns:m="http://schemas.openxmlformats.org/officeDocument/2006/math" xmlns:a14="http://schemas.microsoft.com/office/drawing/2010/main" xmlns:ma14="http://schemas.microsoft.com/office/mac/drawingml/2011/main" val="1"/>
+              <ma14:wrappingTextBoxFlag xmlns:ma14="http://schemas.microsoft.com/office/mac/drawingml/2011/main" xmlns:a14="http://schemas.microsoft.com/office/drawing/2010/main" xmlns:m="http://schemas.openxmlformats.org/officeDocument/2006/math" xmlns="" val="1"/>
             </a:ext>
           </a:extLst>
         </p:spPr>
@@ -24994,9 +25037,10 @@
               <a:defRPr sz="3504"/>
             </a:pPr>
             <a:r>
-              <a:rPr dirty="0"/>
-              <a:t>Inside of JS engine: many threads</a:t>
-            </a:r>
+              <a:rPr lang="en-US" dirty="0"/>
+              <a:t>Inside of the JS engine: perhaps more threads</a:t>
+            </a:r>
+            <a:endParaRPr dirty="0"/>
           </a:p>
           <a:p>
             <a:pPr marL="222504" indent="-222504" defTabSz="889994">
@@ -25121,7 +25165,7 @@
             <a:effectLst/>
             <a:extLst>
               <a:ext uri="{C572A759-6A51-4108-AA02-DFA0A04FC94B}">
-                <ma14:wrappingTextBoxFlag xmlns:ma14="http://schemas.microsoft.com/office/mac/drawingml/2011/main" xmlns:a14="http://schemas.microsoft.com/office/drawing/2010/main" xmlns:m="http://schemas.openxmlformats.org/officeDocument/2006/math" xmlns="" val="1"/>
+                <ma14:wrappingTextBoxFlag xmlns="" xmlns:m="http://schemas.openxmlformats.org/officeDocument/2006/math" xmlns:a14="http://schemas.microsoft.com/office/drawing/2010/main" xmlns:ma14="http://schemas.microsoft.com/office/mac/drawingml/2011/main" val="1"/>
               </a:ext>
             </a:extLst>
           </p:spPr>
@@ -25285,7 +25329,7 @@
             </a:effectLst>
             <a:extLst>
               <a:ext uri="{C572A759-6A51-4108-AA02-DFA0A04FC94B}">
-                <ma14:wrappingTextBoxFlag xmlns:ma14="http://schemas.microsoft.com/office/mac/drawingml/2011/main" xmlns:a14="http://schemas.microsoft.com/office/drawing/2010/main" xmlns:m="http://schemas.openxmlformats.org/officeDocument/2006/math" xmlns="" val="1"/>
+                <ma14:wrappingTextBoxFlag xmlns="" xmlns:m="http://schemas.openxmlformats.org/officeDocument/2006/math" xmlns:a14="http://schemas.microsoft.com/office/drawing/2010/main" xmlns:ma14="http://schemas.microsoft.com/office/mac/drawingml/2011/main" val="1"/>
               </a:ext>
             </a:extLst>
           </p:spPr>
@@ -25452,7 +25496,7 @@
               <a:effectLst/>
               <a:extLst>
                 <a:ext uri="{C572A759-6A51-4108-AA02-DFA0A04FC94B}">
-                  <ma14:wrappingTextBoxFlag xmlns:ma14="http://schemas.microsoft.com/office/mac/drawingml/2011/main" xmlns:a14="http://schemas.microsoft.com/office/drawing/2010/main" xmlns:m="http://schemas.openxmlformats.org/officeDocument/2006/math" xmlns="" val="1"/>
+                  <ma14:wrappingTextBoxFlag xmlns="" xmlns:m="http://schemas.openxmlformats.org/officeDocument/2006/math" xmlns:a14="http://schemas.microsoft.com/office/drawing/2010/main" xmlns:ma14="http://schemas.microsoft.com/office/mac/drawingml/2011/main" val="1"/>
                 </a:ext>
               </a:extLst>
             </p:spPr>
@@ -25550,10 +25594,10 @@
         </p:nvGrpSpPr>
         <p:grpSpPr>
           <a:xfrm>
-            <a:off x="7471898" y="3616048"/>
-            <a:ext cx="3043702" cy="3108303"/>
-            <a:chOff x="0" y="0"/>
-            <a:chExt cx="3054597" cy="6216605"/>
+            <a:off x="7437174" y="3616048"/>
+            <a:ext cx="3043702" cy="3096728"/>
+            <a:chOff x="-34848" y="0"/>
+            <a:chExt cx="3054597" cy="6193455"/>
           </a:xfrm>
         </p:grpSpPr>
         <p:sp>
@@ -25626,7 +25670,7 @@
           </p:nvSpPr>
           <p:spPr>
             <a:xfrm>
-              <a:off x="0" y="5305775"/>
+              <a:off x="-34848" y="5282625"/>
               <a:ext cx="3054597" cy="910830"/>
             </a:xfrm>
             <a:prstGeom prst="rect">
@@ -25640,7 +25684,7 @@
             <a:effectLst/>
             <a:extLst>
               <a:ext uri="{C572A759-6A51-4108-AA02-DFA0A04FC94B}">
-                <ma14:wrappingTextBoxFlag xmlns:ma14="http://schemas.microsoft.com/office/mac/drawingml/2011/main" xmlns:a14="http://schemas.microsoft.com/office/drawing/2010/main" xmlns:m="http://schemas.openxmlformats.org/officeDocument/2006/math" xmlns="" val="1"/>
+                <ma14:wrappingTextBoxFlag xmlns="" xmlns:m="http://schemas.openxmlformats.org/officeDocument/2006/math" xmlns:a14="http://schemas.microsoft.com/office/drawing/2010/main" xmlns:ma14="http://schemas.microsoft.com/office/mac/drawingml/2011/main" val="1"/>
               </a:ext>
             </a:extLst>
           </p:spPr>
@@ -25785,7 +25829,7 @@
           </a:effectLst>
           <a:extLst>
             <a:ext uri="{C572A759-6A51-4108-AA02-DFA0A04FC94B}">
-              <ma14:wrappingTextBoxFlag xmlns:ma14="http://schemas.microsoft.com/office/mac/drawingml/2011/main" xmlns:a14="http://schemas.microsoft.com/office/drawing/2010/main" xmlns:m="http://schemas.openxmlformats.org/officeDocument/2006/math" xmlns="" val="1"/>
+              <ma14:wrappingTextBoxFlag xmlns="" xmlns:m="http://schemas.openxmlformats.org/officeDocument/2006/math" xmlns:a14="http://schemas.microsoft.com/office/drawing/2010/main" xmlns:ma14="http://schemas.microsoft.com/office/mac/drawingml/2011/main" val="1"/>
             </a:ext>
           </a:extLst>
         </p:spPr>
@@ -25929,7 +25973,7 @@
           </a:effectLst>
           <a:extLst>
             <a:ext uri="{C572A759-6A51-4108-AA02-DFA0A04FC94B}">
-              <ma14:wrappingTextBoxFlag xmlns:ma14="http://schemas.microsoft.com/office/mac/drawingml/2011/main" xmlns:a14="http://schemas.microsoft.com/office/drawing/2010/main" xmlns:m="http://schemas.openxmlformats.org/officeDocument/2006/math" xmlns="" val="1"/>
+              <ma14:wrappingTextBoxFlag xmlns="" xmlns:m="http://schemas.openxmlformats.org/officeDocument/2006/math" xmlns:a14="http://schemas.microsoft.com/office/drawing/2010/main" xmlns:ma14="http://schemas.microsoft.com/office/mac/drawingml/2011/main" val="1"/>
             </a:ext>
           </a:extLst>
         </p:spPr>
@@ -25994,7 +26038,7 @@
           </a:effectLst>
           <a:extLst>
             <a:ext uri="{C572A759-6A51-4108-AA02-DFA0A04FC94B}">
-              <ma14:wrappingTextBoxFlag xmlns:ma14="http://schemas.microsoft.com/office/mac/drawingml/2011/main" xmlns:a14="http://schemas.microsoft.com/office/drawing/2010/main" xmlns:m="http://schemas.openxmlformats.org/officeDocument/2006/math" xmlns="" val="1"/>
+              <ma14:wrappingTextBoxFlag xmlns="" xmlns:m="http://schemas.openxmlformats.org/officeDocument/2006/math" xmlns:a14="http://schemas.microsoft.com/office/drawing/2010/main" xmlns:ma14="http://schemas.microsoft.com/office/mac/drawingml/2011/main" val="1"/>
             </a:ext>
           </a:extLst>
         </p:spPr>
@@ -26669,7 +26713,7 @@
           </a:ln>
           <a:extLst>
             <a:ext uri="{C572A759-6A51-4108-AA02-DFA0A04FC94B}">
-              <ma14:wrappingTextBoxFlag xmlns:ma14="http://schemas.microsoft.com/office/mac/drawingml/2011/main" xmlns:a14="http://schemas.microsoft.com/office/drawing/2010/main" xmlns:m="http://schemas.openxmlformats.org/officeDocument/2006/math" xmlns="" val="1"/>
+              <ma14:wrappingTextBoxFlag xmlns="" xmlns:m="http://schemas.openxmlformats.org/officeDocument/2006/math" xmlns:a14="http://schemas.microsoft.com/office/drawing/2010/main" xmlns:ma14="http://schemas.microsoft.com/office/mac/drawingml/2011/main" val="1"/>
             </a:ext>
           </a:extLst>
         </p:spPr>
@@ -27013,7 +27057,7 @@
           </a:prstGeom>
           <a:extLst>
             <a:ext uri="{C572A759-6A51-4108-AA02-DFA0A04FC94B}">
-              <ma14:wrappingTextBoxFlag xmlns="" xmlns:m="http://schemas.openxmlformats.org/officeDocument/2006/math" xmlns:a14="http://schemas.microsoft.com/office/drawing/2010/main" xmlns:ma14="http://schemas.microsoft.com/office/mac/drawingml/2011/main" val="1"/>
+              <ma14:wrappingTextBoxFlag xmlns:ma14="http://schemas.microsoft.com/office/mac/drawingml/2011/main" xmlns:a14="http://schemas.microsoft.com/office/drawing/2010/main" xmlns:m="http://schemas.openxmlformats.org/officeDocument/2006/math" xmlns="" val="1"/>
             </a:ext>
           </a:extLst>
         </p:spPr>
@@ -27069,7 +27113,7 @@
             </a:ln>
             <a:extLst>
               <a:ext uri="{C572A759-6A51-4108-AA02-DFA0A04FC94B}">
-                <ma14:wrappingTextBoxFlag xmlns="" xmlns:m="http://schemas.openxmlformats.org/officeDocument/2006/math" xmlns:a14="http://schemas.microsoft.com/office/drawing/2010/main" xmlns:ma14="http://schemas.microsoft.com/office/mac/drawingml/2011/main" val="1"/>
+                <ma14:wrappingTextBoxFlag xmlns:ma14="http://schemas.microsoft.com/office/mac/drawingml/2011/main" xmlns:a14="http://schemas.microsoft.com/office/drawing/2010/main" xmlns:m="http://schemas.openxmlformats.org/officeDocument/2006/math" xmlns="" val="1"/>
               </a:ext>
             </a:extLst>
           </p:spPr>
@@ -27333,7 +27377,7 @@
             <a:effectLst/>
             <a:extLst>
               <a:ext uri="{C572A759-6A51-4108-AA02-DFA0A04FC94B}">
-                <ma14:wrappingTextBoxFlag xmlns="" xmlns:m="http://schemas.openxmlformats.org/officeDocument/2006/math" xmlns:a14="http://schemas.microsoft.com/office/drawing/2010/main" xmlns:ma14="http://schemas.microsoft.com/office/mac/drawingml/2011/main" val="1"/>
+                <ma14:wrappingTextBoxFlag xmlns:ma14="http://schemas.microsoft.com/office/mac/drawingml/2011/main" xmlns:a14="http://schemas.microsoft.com/office/drawing/2010/main" xmlns:m="http://schemas.openxmlformats.org/officeDocument/2006/math" xmlns="" val="1"/>
               </a:ext>
             </a:extLst>
           </p:spPr>
@@ -27451,7 +27495,7 @@
             <a:effectLst/>
             <a:extLst>
               <a:ext uri="{C572A759-6A51-4108-AA02-DFA0A04FC94B}">
-                <ma14:wrappingTextBoxFlag xmlns="" xmlns:m="http://schemas.openxmlformats.org/officeDocument/2006/math" xmlns:a14="http://schemas.microsoft.com/office/drawing/2010/main" xmlns:ma14="http://schemas.microsoft.com/office/mac/drawingml/2011/main" val="1"/>
+                <ma14:wrappingTextBoxFlag xmlns:ma14="http://schemas.microsoft.com/office/mac/drawingml/2011/main" xmlns:a14="http://schemas.microsoft.com/office/drawing/2010/main" xmlns:m="http://schemas.openxmlformats.org/officeDocument/2006/math" xmlns="" val="1"/>
               </a:ext>
             </a:extLst>
           </p:spPr>
@@ -27664,7 +27708,7 @@
           </a:ln>
           <a:extLst>
             <a:ext uri="{C572A759-6A51-4108-AA02-DFA0A04FC94B}">
-              <ma14:wrappingTextBoxFlag xmlns:ma14="http://schemas.microsoft.com/office/mac/drawingml/2011/main" xmlns:a14="http://schemas.microsoft.com/office/drawing/2010/main" xmlns:m="http://schemas.openxmlformats.org/officeDocument/2006/math" xmlns="" val="1"/>
+              <ma14:wrappingTextBoxFlag xmlns="" xmlns:m="http://schemas.openxmlformats.org/officeDocument/2006/math" xmlns:a14="http://schemas.microsoft.com/office/drawing/2010/main" xmlns:ma14="http://schemas.microsoft.com/office/mac/drawingml/2011/main" val="1"/>
             </a:ext>
           </a:extLst>
         </p:spPr>
@@ -27860,7 +27904,7 @@
           </a:prstGeom>
           <a:extLst>
             <a:ext uri="{C572A759-6A51-4108-AA02-DFA0A04FC94B}">
-              <ma14:wrappingTextBoxFlag xmlns="" xmlns:m="http://schemas.openxmlformats.org/officeDocument/2006/math" xmlns:a14="http://schemas.microsoft.com/office/drawing/2010/main" xmlns:ma14="http://schemas.microsoft.com/office/mac/drawingml/2011/main" val="1"/>
+              <ma14:wrappingTextBoxFlag xmlns:ma14="http://schemas.microsoft.com/office/mac/drawingml/2011/main" xmlns:a14="http://schemas.microsoft.com/office/drawing/2010/main" xmlns:m="http://schemas.openxmlformats.org/officeDocument/2006/math" xmlns="" val="1"/>
             </a:ext>
           </a:extLst>
         </p:spPr>
@@ -27993,7 +28037,7 @@
           <a:effectLst/>
           <a:extLst>
             <a:ext uri="{C572A759-6A51-4108-AA02-DFA0A04FC94B}">
-              <ma14:wrappingTextBoxFlag xmlns="" xmlns:m="http://schemas.openxmlformats.org/officeDocument/2006/math" xmlns:a14="http://schemas.microsoft.com/office/drawing/2010/main" xmlns:ma14="http://schemas.microsoft.com/office/mac/drawingml/2011/main" val="1"/>
+              <ma14:wrappingTextBoxFlag xmlns:ma14="http://schemas.microsoft.com/office/mac/drawingml/2011/main" xmlns:a14="http://schemas.microsoft.com/office/drawing/2010/main" xmlns:m="http://schemas.openxmlformats.org/officeDocument/2006/math" xmlns="" val="1"/>
             </a:ext>
           </a:extLst>
         </p:spPr>
@@ -28185,7 +28229,7 @@
           <a:effectLst/>
           <a:extLst>
             <a:ext uri="{C572A759-6A51-4108-AA02-DFA0A04FC94B}">
-              <ma14:wrappingTextBoxFlag xmlns="" xmlns:m="http://schemas.openxmlformats.org/officeDocument/2006/math" xmlns:a14="http://schemas.microsoft.com/office/drawing/2010/main" xmlns:ma14="http://schemas.microsoft.com/office/mac/drawingml/2011/main" val="1"/>
+              <ma14:wrappingTextBoxFlag xmlns:ma14="http://schemas.microsoft.com/office/mac/drawingml/2011/main" xmlns:a14="http://schemas.microsoft.com/office/drawing/2010/main" xmlns:m="http://schemas.openxmlformats.org/officeDocument/2006/math" xmlns="" val="1"/>
             </a:ext>
           </a:extLst>
         </p:spPr>

--- a/Slides/Lesson 4.1 Concurrent Programming.pptx
+++ b/Slides/Lesson 4.1 Concurrent Programming.pptx
@@ -3118,7 +3118,7 @@
           <a:p>
             <a:fld id="{5D2A64DE-480B-420F-9649-4F8E696E08E0}" type="datetime1">
               <a:rPr lang="en-US" smtClean="0"/>
-              <a:t>2/5/22</a:t>
+              <a:t>2/14/2022</a:t>
             </a:fld>
             <a:endParaRPr lang="en-US"/>
           </a:p>
@@ -3372,7 +3372,7 @@
           <a:p>
             <a:fld id="{07C7BFD4-467E-4EDE-93EA-052F5B39A4E5}" type="datetime1">
               <a:rPr lang="en-US" smtClean="0"/>
-              <a:t>2/5/22</a:t>
+              <a:t>2/14/2022</a:t>
             </a:fld>
             <a:endParaRPr lang="en-US"/>
           </a:p>
@@ -5549,7 +5549,7 @@
           <a:p>
             <a:fld id="{07C7BFD4-467E-4EDE-93EA-052F5B39A4E5}" type="datetime1">
               <a:rPr lang="en-US" smtClean="0"/>
-              <a:t>2/5/22</a:t>
+              <a:t>2/14/2022</a:t>
             </a:fld>
             <a:endParaRPr lang="en-US"/>
           </a:p>
@@ -8045,7 +8045,7 @@
           <a:p>
             <a:fld id="{5D2A64DE-480B-420F-9649-4F8E696E08E0}" type="datetime1">
               <a:rPr lang="en-US" smtClean="0"/>
-              <a:t>2/5/22</a:t>
+              <a:t>2/14/2022</a:t>
             </a:fld>
             <a:endParaRPr lang="en-US"/>
           </a:p>
@@ -8299,7 +8299,7 @@
           <a:p>
             <a:fld id="{07C7BFD4-467E-4EDE-93EA-052F5B39A4E5}" type="datetime1">
               <a:rPr lang="en-US" smtClean="0"/>
-              <a:t>2/5/22</a:t>
+              <a:t>2/14/2022</a:t>
             </a:fld>
             <a:endParaRPr lang="en-US"/>
           </a:p>
@@ -10550,7 +10550,7 @@
           <a:p>
             <a:fld id="{07C7BFD4-467E-4EDE-93EA-052F5B39A4E5}" type="datetime1">
               <a:rPr lang="en-US" smtClean="0"/>
-              <a:t>2/5/22</a:t>
+              <a:t>2/14/2022</a:t>
             </a:fld>
             <a:endParaRPr lang="en-US"/>
           </a:p>
@@ -11342,7 +11342,7 @@
           </a:ln>
           <a:extLst>
             <a:ext uri="{C572A759-6A51-4108-AA02-DFA0A04FC94B}">
-              <ma14:wrappingTextBoxFlag xmlns:ma14="http://schemas.microsoft.com/office/mac/drawingml/2011/main" xmlns:a14="http://schemas.microsoft.com/office/drawing/2010/main" xmlns:m="http://schemas.openxmlformats.org/officeDocument/2006/math" xmlns="" val="1"/>
+              <ma14:wrappingTextBoxFlag xmlns="" xmlns:m="http://schemas.openxmlformats.org/officeDocument/2006/math" xmlns:a14="http://schemas.microsoft.com/office/drawing/2010/main" xmlns:ma14="http://schemas.microsoft.com/office/mac/drawingml/2011/main" val="1"/>
             </a:ext>
           </a:extLst>
         </p:spPr>
@@ -11382,7 +11382,7 @@
           </a:ln>
           <a:extLst>
             <a:ext uri="{C572A759-6A51-4108-AA02-DFA0A04FC94B}">
-              <ma14:wrappingTextBoxFlag xmlns:ma14="http://schemas.microsoft.com/office/mac/drawingml/2011/main" xmlns:a14="http://schemas.microsoft.com/office/drawing/2010/main" xmlns:m="http://schemas.openxmlformats.org/officeDocument/2006/math" xmlns="" val="1"/>
+              <ma14:wrappingTextBoxFlag xmlns="" xmlns:m="http://schemas.openxmlformats.org/officeDocument/2006/math" xmlns:a14="http://schemas.microsoft.com/office/drawing/2010/main" xmlns:ma14="http://schemas.microsoft.com/office/mac/drawingml/2011/main" val="1"/>
             </a:ext>
           </a:extLst>
         </p:spPr>
@@ -12249,7 +12249,7 @@
           </a:ln>
           <a:extLst>
             <a:ext uri="{C572A759-6A51-4108-AA02-DFA0A04FC94B}">
-              <ma14:wrappingTextBoxFlag xmlns="" xmlns:m="http://schemas.openxmlformats.org/officeDocument/2006/math" xmlns:a14="http://schemas.microsoft.com/office/drawing/2010/main" xmlns:ma14="http://schemas.microsoft.com/office/mac/drawingml/2011/main" val="1"/>
+              <ma14:wrappingTextBoxFlag xmlns:ma14="http://schemas.microsoft.com/office/mac/drawingml/2011/main" xmlns:a14="http://schemas.microsoft.com/office/drawing/2010/main" xmlns:m="http://schemas.openxmlformats.org/officeDocument/2006/math" xmlns="" val="1"/>
             </a:ext>
           </a:extLst>
         </p:spPr>
@@ -12289,7 +12289,7 @@
           </a:ln>
           <a:extLst>
             <a:ext uri="{C572A759-6A51-4108-AA02-DFA0A04FC94B}">
-              <ma14:wrappingTextBoxFlag xmlns="" xmlns:m="http://schemas.openxmlformats.org/officeDocument/2006/math" xmlns:a14="http://schemas.microsoft.com/office/drawing/2010/main" xmlns:ma14="http://schemas.microsoft.com/office/mac/drawingml/2011/main" val="1"/>
+              <ma14:wrappingTextBoxFlag xmlns:ma14="http://schemas.microsoft.com/office/mac/drawingml/2011/main" xmlns:a14="http://schemas.microsoft.com/office/drawing/2010/main" xmlns:m="http://schemas.openxmlformats.org/officeDocument/2006/math" xmlns="" val="1"/>
             </a:ext>
           </a:extLst>
         </p:spPr>
@@ -13190,10 +13190,16 @@
           <a:lstStyle/>
           <a:p>
             <a:r>
+              <a:rPr lang="en-US" altLang="en-US" sz="3200">
+                <a:sym typeface="Helvetica Neue" charset="0"/>
+              </a:rPr>
+              <a:t>CS 4530</a:t>
+            </a:r>
+            <a:r>
               <a:rPr lang="en-US" altLang="en-US" sz="3200" dirty="0">
                 <a:sym typeface="Helvetica Neue" charset="0"/>
               </a:rPr>
-              <a:t>CS 4350: Fundamentals of Software Engineering</a:t>
+              <a:t>: Fundamentals of Software Engineering</a:t>
             </a:r>
             <a:br>
               <a:rPr lang="en-US" altLang="en-US" sz="3200" dirty="0">
@@ -13407,7 +13413,7 @@
           </a:ln>
           <a:extLst>
             <a:ext uri="{C572A759-6A51-4108-AA02-DFA0A04FC94B}">
-              <ma14:wrappingTextBoxFlag xmlns:ma14="http://schemas.microsoft.com/office/mac/drawingml/2011/main" xmlns:a14="http://schemas.microsoft.com/office/drawing/2010/main" xmlns:m="http://schemas.openxmlformats.org/officeDocument/2006/math" xmlns="" val="1"/>
+              <ma14:wrappingTextBoxFlag xmlns="" xmlns:m="http://schemas.openxmlformats.org/officeDocument/2006/math" xmlns:a14="http://schemas.microsoft.com/office/drawing/2010/main" xmlns:ma14="http://schemas.microsoft.com/office/mac/drawingml/2011/main" val="1"/>
             </a:ext>
           </a:extLst>
         </p:spPr>
@@ -13486,7 +13492,7 @@
           </a:ln>
           <a:extLst>
             <a:ext uri="{C572A759-6A51-4108-AA02-DFA0A04FC94B}">
-              <ma14:wrappingTextBoxFlag xmlns:ma14="http://schemas.microsoft.com/office/mac/drawingml/2011/main" xmlns:a14="http://schemas.microsoft.com/office/drawing/2010/main" xmlns:m="http://schemas.openxmlformats.org/officeDocument/2006/math" xmlns="" val="1"/>
+              <ma14:wrappingTextBoxFlag xmlns="" xmlns:m="http://schemas.openxmlformats.org/officeDocument/2006/math" xmlns:a14="http://schemas.microsoft.com/office/drawing/2010/main" xmlns:ma14="http://schemas.microsoft.com/office/mac/drawingml/2011/main" val="1"/>
             </a:ext>
           </a:extLst>
         </p:spPr>
@@ -13601,7 +13607,7 @@
             <a:effectLst/>
             <a:extLst>
               <a:ext uri="{C572A759-6A51-4108-AA02-DFA0A04FC94B}">
-                <ma14:wrappingTextBoxFlag xmlns:ma14="http://schemas.microsoft.com/office/mac/drawingml/2011/main" xmlns:a14="http://schemas.microsoft.com/office/drawing/2010/main" xmlns:m="http://schemas.openxmlformats.org/officeDocument/2006/math" xmlns="" val="1"/>
+                <ma14:wrappingTextBoxFlag xmlns="" xmlns:m="http://schemas.openxmlformats.org/officeDocument/2006/math" xmlns:a14="http://schemas.microsoft.com/office/drawing/2010/main" xmlns:ma14="http://schemas.microsoft.com/office/mac/drawingml/2011/main" val="1"/>
               </a:ext>
             </a:extLst>
           </p:spPr>
@@ -13747,7 +13753,7 @@
             </a:effectLst>
             <a:extLst>
               <a:ext uri="{C572A759-6A51-4108-AA02-DFA0A04FC94B}">
-                <ma14:wrappingTextBoxFlag xmlns:ma14="http://schemas.microsoft.com/office/mac/drawingml/2011/main" xmlns:a14="http://schemas.microsoft.com/office/drawing/2010/main" xmlns:m="http://schemas.openxmlformats.org/officeDocument/2006/math" xmlns="" val="1"/>
+                <ma14:wrappingTextBoxFlag xmlns="" xmlns:m="http://schemas.openxmlformats.org/officeDocument/2006/math" xmlns:a14="http://schemas.microsoft.com/office/drawing/2010/main" xmlns:ma14="http://schemas.microsoft.com/office/mac/drawingml/2011/main" val="1"/>
               </a:ext>
             </a:extLst>
           </p:spPr>
@@ -13853,7 +13859,7 @@
           </a:effectLst>
           <a:extLst>
             <a:ext uri="{C572A759-6A51-4108-AA02-DFA0A04FC94B}">
-              <ma14:wrappingTextBoxFlag xmlns:ma14="http://schemas.microsoft.com/office/mac/drawingml/2011/main" xmlns:a14="http://schemas.microsoft.com/office/drawing/2010/main" xmlns:m="http://schemas.openxmlformats.org/officeDocument/2006/math" xmlns="" val="1"/>
+              <ma14:wrappingTextBoxFlag xmlns="" xmlns:m="http://schemas.openxmlformats.org/officeDocument/2006/math" xmlns:a14="http://schemas.microsoft.com/office/drawing/2010/main" xmlns:ma14="http://schemas.microsoft.com/office/mac/drawingml/2011/main" val="1"/>
             </a:ext>
           </a:extLst>
         </p:spPr>
@@ -13913,7 +13919,7 @@
           </a:effectLst>
           <a:extLst>
             <a:ext uri="{C572A759-6A51-4108-AA02-DFA0A04FC94B}">
-              <ma14:wrappingTextBoxFlag xmlns:ma14="http://schemas.microsoft.com/office/mac/drawingml/2011/main" xmlns:a14="http://schemas.microsoft.com/office/drawing/2010/main" xmlns:m="http://schemas.openxmlformats.org/officeDocument/2006/math" xmlns="" val="1"/>
+              <ma14:wrappingTextBoxFlag xmlns="" xmlns:m="http://schemas.openxmlformats.org/officeDocument/2006/math" xmlns:a14="http://schemas.microsoft.com/office/drawing/2010/main" xmlns:ma14="http://schemas.microsoft.com/office/mac/drawingml/2011/main" val="1"/>
             </a:ext>
           </a:extLst>
         </p:spPr>
@@ -13973,7 +13979,7 @@
           </a:effectLst>
           <a:extLst>
             <a:ext uri="{C572A759-6A51-4108-AA02-DFA0A04FC94B}">
-              <ma14:wrappingTextBoxFlag xmlns:ma14="http://schemas.microsoft.com/office/mac/drawingml/2011/main" xmlns:a14="http://schemas.microsoft.com/office/drawing/2010/main" xmlns:m="http://schemas.openxmlformats.org/officeDocument/2006/math" xmlns="" val="1"/>
+              <ma14:wrappingTextBoxFlag xmlns="" xmlns:m="http://schemas.openxmlformats.org/officeDocument/2006/math" xmlns:a14="http://schemas.microsoft.com/office/drawing/2010/main" xmlns:ma14="http://schemas.microsoft.com/office/mac/drawingml/2011/main" val="1"/>
             </a:ext>
           </a:extLst>
         </p:spPr>
@@ -14052,7 +14058,7 @@
             <a:effectLst/>
             <a:extLst>
               <a:ext uri="{C572A759-6A51-4108-AA02-DFA0A04FC94B}">
-                <ma14:wrappingTextBoxFlag xmlns:ma14="http://schemas.microsoft.com/office/mac/drawingml/2011/main" xmlns:a14="http://schemas.microsoft.com/office/drawing/2010/main" xmlns:m="http://schemas.openxmlformats.org/officeDocument/2006/math" xmlns="" val="1"/>
+                <ma14:wrappingTextBoxFlag xmlns="" xmlns:m="http://schemas.openxmlformats.org/officeDocument/2006/math" xmlns:a14="http://schemas.microsoft.com/office/drawing/2010/main" xmlns:ma14="http://schemas.microsoft.com/office/mac/drawingml/2011/main" val="1"/>
               </a:ext>
             </a:extLst>
           </p:spPr>
@@ -14164,7 +14170,7 @@
             <a:effectLst/>
             <a:extLst>
               <a:ext uri="{C572A759-6A51-4108-AA02-DFA0A04FC94B}">
-                <ma14:wrappingTextBoxFlag xmlns:ma14="http://schemas.microsoft.com/office/mac/drawingml/2011/main" xmlns:a14="http://schemas.microsoft.com/office/drawing/2010/main" xmlns:m="http://schemas.openxmlformats.org/officeDocument/2006/math" xmlns="" val="1"/>
+                <ma14:wrappingTextBoxFlag xmlns="" xmlns:m="http://schemas.openxmlformats.org/officeDocument/2006/math" xmlns:a14="http://schemas.microsoft.com/office/drawing/2010/main" xmlns:ma14="http://schemas.microsoft.com/office/mac/drawingml/2011/main" val="1"/>
               </a:ext>
             </a:extLst>
           </p:spPr>
@@ -14276,7 +14282,7 @@
             <a:effectLst/>
             <a:extLst>
               <a:ext uri="{C572A759-6A51-4108-AA02-DFA0A04FC94B}">
-                <ma14:wrappingTextBoxFlag xmlns:ma14="http://schemas.microsoft.com/office/mac/drawingml/2011/main" xmlns:a14="http://schemas.microsoft.com/office/drawing/2010/main" xmlns:m="http://schemas.openxmlformats.org/officeDocument/2006/math" xmlns="" val="1"/>
+                <ma14:wrappingTextBoxFlag xmlns="" xmlns:m="http://schemas.openxmlformats.org/officeDocument/2006/math" xmlns:a14="http://schemas.microsoft.com/office/drawing/2010/main" xmlns:ma14="http://schemas.microsoft.com/office/mac/drawingml/2011/main" val="1"/>
               </a:ext>
             </a:extLst>
           </p:spPr>
@@ -14958,7 +14964,7 @@
               <a:effectLst/>
               <a:extLst>
                 <a:ext uri="{C572A759-6A51-4108-AA02-DFA0A04FC94B}">
-                  <ma14:wrappingTextBoxFlag xmlns:ma14="http://schemas.microsoft.com/office/mac/drawingml/2011/main" xmlns:a14="http://schemas.microsoft.com/office/drawing/2010/main" xmlns:m="http://schemas.openxmlformats.org/officeDocument/2006/math" xmlns="" val="1"/>
+                  <ma14:wrappingTextBoxFlag xmlns="" xmlns:m="http://schemas.openxmlformats.org/officeDocument/2006/math" xmlns:a14="http://schemas.microsoft.com/office/drawing/2010/main" xmlns:ma14="http://schemas.microsoft.com/office/mac/drawingml/2011/main" val="1"/>
                 </a:ext>
               </a:extLst>
             </p:spPr>
@@ -15122,7 +15128,7 @@
               </a:effectLst>
               <a:extLst>
                 <a:ext uri="{C572A759-6A51-4108-AA02-DFA0A04FC94B}">
-                  <ma14:wrappingTextBoxFlag xmlns:ma14="http://schemas.microsoft.com/office/mac/drawingml/2011/main" xmlns:a14="http://schemas.microsoft.com/office/drawing/2010/main" xmlns:m="http://schemas.openxmlformats.org/officeDocument/2006/math" xmlns="" val="1"/>
+                  <ma14:wrappingTextBoxFlag xmlns="" xmlns:m="http://schemas.openxmlformats.org/officeDocument/2006/math" xmlns:a14="http://schemas.microsoft.com/office/drawing/2010/main" xmlns:ma14="http://schemas.microsoft.com/office/mac/drawingml/2011/main" val="1"/>
                 </a:ext>
               </a:extLst>
             </p:spPr>
@@ -15172,7 +15178,7 @@
           </a:ln>
           <a:extLst>
             <a:ext uri="{C572A759-6A51-4108-AA02-DFA0A04FC94B}">
-              <ma14:wrappingTextBoxFlag xmlns:ma14="http://schemas.microsoft.com/office/mac/drawingml/2011/main" xmlns:a14="http://schemas.microsoft.com/office/drawing/2010/main" xmlns:m="http://schemas.openxmlformats.org/officeDocument/2006/math" xmlns="" val="1"/>
+              <ma14:wrappingTextBoxFlag xmlns="" xmlns:m="http://schemas.openxmlformats.org/officeDocument/2006/math" xmlns:a14="http://schemas.microsoft.com/office/drawing/2010/main" xmlns:ma14="http://schemas.microsoft.com/office/mac/drawingml/2011/main" val="1"/>
             </a:ext>
           </a:extLst>
         </p:spPr>
@@ -15274,7 +15280,7 @@
           </a:ln>
           <a:extLst>
             <a:ext uri="{C572A759-6A51-4108-AA02-DFA0A04FC94B}">
-              <ma14:wrappingTextBoxFlag xmlns:ma14="http://schemas.microsoft.com/office/mac/drawingml/2011/main" xmlns:a14="http://schemas.microsoft.com/office/drawing/2010/main" xmlns:m="http://schemas.openxmlformats.org/officeDocument/2006/math" xmlns="" val="1"/>
+              <ma14:wrappingTextBoxFlag xmlns="" xmlns:m="http://schemas.openxmlformats.org/officeDocument/2006/math" xmlns:a14="http://schemas.microsoft.com/office/drawing/2010/main" xmlns:ma14="http://schemas.microsoft.com/office/mac/drawingml/2011/main" val="1"/>
             </a:ext>
           </a:extLst>
         </p:spPr>
@@ -15369,7 +15375,7 @@
           </a:ln>
           <a:extLst>
             <a:ext uri="{C572A759-6A51-4108-AA02-DFA0A04FC94B}">
-              <ma14:wrappingTextBoxFlag xmlns:ma14="http://schemas.microsoft.com/office/mac/drawingml/2011/main" xmlns:a14="http://schemas.microsoft.com/office/drawing/2010/main" xmlns:m="http://schemas.openxmlformats.org/officeDocument/2006/math" xmlns="" val="1"/>
+              <ma14:wrappingTextBoxFlag xmlns="" xmlns:m="http://schemas.openxmlformats.org/officeDocument/2006/math" xmlns:a14="http://schemas.microsoft.com/office/drawing/2010/main" xmlns:ma14="http://schemas.microsoft.com/office/mac/drawingml/2011/main" val="1"/>
             </a:ext>
           </a:extLst>
         </p:spPr>
@@ -15417,7 +15423,7 @@
           </a:ln>
           <a:extLst>
             <a:ext uri="{C572A759-6A51-4108-AA02-DFA0A04FC94B}">
-              <ma14:wrappingTextBoxFlag xmlns:ma14="http://schemas.microsoft.com/office/mac/drawingml/2011/main" xmlns:a14="http://schemas.microsoft.com/office/drawing/2010/main" xmlns:m="http://schemas.openxmlformats.org/officeDocument/2006/math" xmlns="" val="1"/>
+              <ma14:wrappingTextBoxFlag xmlns="" xmlns:m="http://schemas.openxmlformats.org/officeDocument/2006/math" xmlns:a14="http://schemas.microsoft.com/office/drawing/2010/main" xmlns:ma14="http://schemas.microsoft.com/office/mac/drawingml/2011/main" val="1"/>
             </a:ext>
           </a:extLst>
         </p:spPr>
@@ -15465,7 +15471,7 @@
           </a:ln>
           <a:extLst>
             <a:ext uri="{C572A759-6A51-4108-AA02-DFA0A04FC94B}">
-              <ma14:wrappingTextBoxFlag xmlns:ma14="http://schemas.microsoft.com/office/mac/drawingml/2011/main" xmlns:a14="http://schemas.microsoft.com/office/drawing/2010/main" xmlns:m="http://schemas.openxmlformats.org/officeDocument/2006/math" xmlns="" val="1"/>
+              <ma14:wrappingTextBoxFlag xmlns="" xmlns:m="http://schemas.openxmlformats.org/officeDocument/2006/math" xmlns:a14="http://schemas.microsoft.com/office/drawing/2010/main" xmlns:ma14="http://schemas.microsoft.com/office/mac/drawingml/2011/main" val="1"/>
             </a:ext>
           </a:extLst>
         </p:spPr>
@@ -15523,7 +15529,7 @@
           </a:effectLst>
           <a:extLst>
             <a:ext uri="{C572A759-6A51-4108-AA02-DFA0A04FC94B}">
-              <ma14:wrappingTextBoxFlag xmlns:ma14="http://schemas.microsoft.com/office/mac/drawingml/2011/main" xmlns:a14="http://schemas.microsoft.com/office/drawing/2010/main" xmlns:m="http://schemas.openxmlformats.org/officeDocument/2006/math" xmlns="" val="1"/>
+              <ma14:wrappingTextBoxFlag xmlns="" xmlns:m="http://schemas.openxmlformats.org/officeDocument/2006/math" xmlns:a14="http://schemas.microsoft.com/office/drawing/2010/main" xmlns:ma14="http://schemas.microsoft.com/office/mac/drawingml/2011/main" val="1"/>
             </a:ext>
           </a:extLst>
         </p:spPr>
@@ -15583,7 +15589,7 @@
           </a:effectLst>
           <a:extLst>
             <a:ext uri="{C572A759-6A51-4108-AA02-DFA0A04FC94B}">
-              <ma14:wrappingTextBoxFlag xmlns:ma14="http://schemas.microsoft.com/office/mac/drawingml/2011/main" xmlns:a14="http://schemas.microsoft.com/office/drawing/2010/main" xmlns:m="http://schemas.openxmlformats.org/officeDocument/2006/math" xmlns="" val="1"/>
+              <ma14:wrappingTextBoxFlag xmlns="" xmlns:m="http://schemas.openxmlformats.org/officeDocument/2006/math" xmlns:a14="http://schemas.microsoft.com/office/drawing/2010/main" xmlns:ma14="http://schemas.microsoft.com/office/mac/drawingml/2011/main" val="1"/>
             </a:ext>
           </a:extLst>
         </p:spPr>
@@ -15643,7 +15649,7 @@
           </a:effectLst>
           <a:extLst>
             <a:ext uri="{C572A759-6A51-4108-AA02-DFA0A04FC94B}">
-              <ma14:wrappingTextBoxFlag xmlns:ma14="http://schemas.microsoft.com/office/mac/drawingml/2011/main" xmlns:a14="http://schemas.microsoft.com/office/drawing/2010/main" xmlns:m="http://schemas.openxmlformats.org/officeDocument/2006/math" xmlns="" val="1"/>
+              <ma14:wrappingTextBoxFlag xmlns="" xmlns:m="http://schemas.openxmlformats.org/officeDocument/2006/math" xmlns:a14="http://schemas.microsoft.com/office/drawing/2010/main" xmlns:ma14="http://schemas.microsoft.com/office/mac/drawingml/2011/main" val="1"/>
             </a:ext>
           </a:extLst>
         </p:spPr>
@@ -15998,7 +16004,7 @@
               <a:effectLst/>
               <a:extLst>
                 <a:ext uri="{C572A759-6A51-4108-AA02-DFA0A04FC94B}">
-                  <ma14:wrappingTextBoxFlag xmlns:ma14="http://schemas.microsoft.com/office/mac/drawingml/2011/main" xmlns:a14="http://schemas.microsoft.com/office/drawing/2010/main" xmlns:m="http://schemas.openxmlformats.org/officeDocument/2006/math" xmlns="" val="1"/>
+                  <ma14:wrappingTextBoxFlag xmlns="" xmlns:m="http://schemas.openxmlformats.org/officeDocument/2006/math" xmlns:a14="http://schemas.microsoft.com/office/drawing/2010/main" xmlns:ma14="http://schemas.microsoft.com/office/mac/drawingml/2011/main" val="1"/>
                 </a:ext>
               </a:extLst>
             </p:spPr>
@@ -16162,7 +16168,7 @@
               </a:effectLst>
               <a:extLst>
                 <a:ext uri="{C572A759-6A51-4108-AA02-DFA0A04FC94B}">
-                  <ma14:wrappingTextBoxFlag xmlns:ma14="http://schemas.microsoft.com/office/mac/drawingml/2011/main" xmlns:a14="http://schemas.microsoft.com/office/drawing/2010/main" xmlns:m="http://schemas.openxmlformats.org/officeDocument/2006/math" xmlns="" val="1"/>
+                  <ma14:wrappingTextBoxFlag xmlns="" xmlns:m="http://schemas.openxmlformats.org/officeDocument/2006/math" xmlns:a14="http://schemas.microsoft.com/office/drawing/2010/main" xmlns:ma14="http://schemas.microsoft.com/office/mac/drawingml/2011/main" val="1"/>
                 </a:ext>
               </a:extLst>
             </p:spPr>
@@ -16212,7 +16218,7 @@
           </a:ln>
           <a:extLst>
             <a:ext uri="{C572A759-6A51-4108-AA02-DFA0A04FC94B}">
-              <ma14:wrappingTextBoxFlag xmlns:ma14="http://schemas.microsoft.com/office/mac/drawingml/2011/main" xmlns:a14="http://schemas.microsoft.com/office/drawing/2010/main" xmlns:m="http://schemas.openxmlformats.org/officeDocument/2006/math" xmlns="" val="1"/>
+              <ma14:wrappingTextBoxFlag xmlns="" xmlns:m="http://schemas.openxmlformats.org/officeDocument/2006/math" xmlns:a14="http://schemas.microsoft.com/office/drawing/2010/main" xmlns:ma14="http://schemas.microsoft.com/office/mac/drawingml/2011/main" val="1"/>
             </a:ext>
           </a:extLst>
         </p:spPr>
@@ -16314,7 +16320,7 @@
           </a:ln>
           <a:extLst>
             <a:ext uri="{C572A759-6A51-4108-AA02-DFA0A04FC94B}">
-              <ma14:wrappingTextBoxFlag xmlns:ma14="http://schemas.microsoft.com/office/mac/drawingml/2011/main" xmlns:a14="http://schemas.microsoft.com/office/drawing/2010/main" xmlns:m="http://schemas.openxmlformats.org/officeDocument/2006/math" xmlns="" val="1"/>
+              <ma14:wrappingTextBoxFlag xmlns="" xmlns:m="http://schemas.openxmlformats.org/officeDocument/2006/math" xmlns:a14="http://schemas.microsoft.com/office/drawing/2010/main" xmlns:ma14="http://schemas.microsoft.com/office/mac/drawingml/2011/main" val="1"/>
             </a:ext>
           </a:extLst>
         </p:spPr>
@@ -16409,7 +16415,7 @@
           </a:ln>
           <a:extLst>
             <a:ext uri="{C572A759-6A51-4108-AA02-DFA0A04FC94B}">
-              <ma14:wrappingTextBoxFlag xmlns:ma14="http://schemas.microsoft.com/office/mac/drawingml/2011/main" xmlns:a14="http://schemas.microsoft.com/office/drawing/2010/main" xmlns:m="http://schemas.openxmlformats.org/officeDocument/2006/math" xmlns="" val="1"/>
+              <ma14:wrappingTextBoxFlag xmlns="" xmlns:m="http://schemas.openxmlformats.org/officeDocument/2006/math" xmlns:a14="http://schemas.microsoft.com/office/drawing/2010/main" xmlns:ma14="http://schemas.microsoft.com/office/mac/drawingml/2011/main" val="1"/>
             </a:ext>
           </a:extLst>
         </p:spPr>
@@ -16457,7 +16463,7 @@
           </a:ln>
           <a:extLst>
             <a:ext uri="{C572A759-6A51-4108-AA02-DFA0A04FC94B}">
-              <ma14:wrappingTextBoxFlag xmlns:ma14="http://schemas.microsoft.com/office/mac/drawingml/2011/main" xmlns:a14="http://schemas.microsoft.com/office/drawing/2010/main" xmlns:m="http://schemas.openxmlformats.org/officeDocument/2006/math" xmlns="" val="1"/>
+              <ma14:wrappingTextBoxFlag xmlns="" xmlns:m="http://schemas.openxmlformats.org/officeDocument/2006/math" xmlns:a14="http://schemas.microsoft.com/office/drawing/2010/main" xmlns:ma14="http://schemas.microsoft.com/office/mac/drawingml/2011/main" val="1"/>
             </a:ext>
           </a:extLst>
         </p:spPr>
@@ -16505,7 +16511,7 @@
           </a:ln>
           <a:extLst>
             <a:ext uri="{C572A759-6A51-4108-AA02-DFA0A04FC94B}">
-              <ma14:wrappingTextBoxFlag xmlns:ma14="http://schemas.microsoft.com/office/mac/drawingml/2011/main" xmlns:a14="http://schemas.microsoft.com/office/drawing/2010/main" xmlns:m="http://schemas.openxmlformats.org/officeDocument/2006/math" xmlns="" val="1"/>
+              <ma14:wrappingTextBoxFlag xmlns="" xmlns:m="http://schemas.openxmlformats.org/officeDocument/2006/math" xmlns:a14="http://schemas.microsoft.com/office/drawing/2010/main" xmlns:ma14="http://schemas.microsoft.com/office/mac/drawingml/2011/main" val="1"/>
             </a:ext>
           </a:extLst>
         </p:spPr>
@@ -16563,7 +16569,7 @@
           </a:effectLst>
           <a:extLst>
             <a:ext uri="{C572A759-6A51-4108-AA02-DFA0A04FC94B}">
-              <ma14:wrappingTextBoxFlag xmlns:ma14="http://schemas.microsoft.com/office/mac/drawingml/2011/main" xmlns:a14="http://schemas.microsoft.com/office/drawing/2010/main" xmlns:m="http://schemas.openxmlformats.org/officeDocument/2006/math" xmlns="" val="1"/>
+              <ma14:wrappingTextBoxFlag xmlns="" xmlns:m="http://schemas.openxmlformats.org/officeDocument/2006/math" xmlns:a14="http://schemas.microsoft.com/office/drawing/2010/main" xmlns:ma14="http://schemas.microsoft.com/office/mac/drawingml/2011/main" val="1"/>
             </a:ext>
           </a:extLst>
         </p:spPr>
@@ -16623,7 +16629,7 @@
           </a:effectLst>
           <a:extLst>
             <a:ext uri="{C572A759-6A51-4108-AA02-DFA0A04FC94B}">
-              <ma14:wrappingTextBoxFlag xmlns:ma14="http://schemas.microsoft.com/office/mac/drawingml/2011/main" xmlns:a14="http://schemas.microsoft.com/office/drawing/2010/main" xmlns:m="http://schemas.openxmlformats.org/officeDocument/2006/math" xmlns="" val="1"/>
+              <ma14:wrappingTextBoxFlag xmlns="" xmlns:m="http://schemas.openxmlformats.org/officeDocument/2006/math" xmlns:a14="http://schemas.microsoft.com/office/drawing/2010/main" xmlns:ma14="http://schemas.microsoft.com/office/mac/drawingml/2011/main" val="1"/>
             </a:ext>
           </a:extLst>
         </p:spPr>
@@ -16978,7 +16984,7 @@
               <a:effectLst/>
               <a:extLst>
                 <a:ext uri="{C572A759-6A51-4108-AA02-DFA0A04FC94B}">
-                  <ma14:wrappingTextBoxFlag xmlns:ma14="http://schemas.microsoft.com/office/mac/drawingml/2011/main" xmlns:a14="http://schemas.microsoft.com/office/drawing/2010/main" xmlns:m="http://schemas.openxmlformats.org/officeDocument/2006/math" xmlns="" val="1"/>
+                  <ma14:wrappingTextBoxFlag xmlns="" xmlns:m="http://schemas.openxmlformats.org/officeDocument/2006/math" xmlns:a14="http://schemas.microsoft.com/office/drawing/2010/main" xmlns:ma14="http://schemas.microsoft.com/office/mac/drawingml/2011/main" val="1"/>
                 </a:ext>
               </a:extLst>
             </p:spPr>
@@ -17142,7 +17148,7 @@
               </a:effectLst>
               <a:extLst>
                 <a:ext uri="{C572A759-6A51-4108-AA02-DFA0A04FC94B}">
-                  <ma14:wrappingTextBoxFlag xmlns:ma14="http://schemas.microsoft.com/office/mac/drawingml/2011/main" xmlns:a14="http://schemas.microsoft.com/office/drawing/2010/main" xmlns:m="http://schemas.openxmlformats.org/officeDocument/2006/math" xmlns="" val="1"/>
+                  <ma14:wrappingTextBoxFlag xmlns="" xmlns:m="http://schemas.openxmlformats.org/officeDocument/2006/math" xmlns:a14="http://schemas.microsoft.com/office/drawing/2010/main" xmlns:ma14="http://schemas.microsoft.com/office/mac/drawingml/2011/main" val="1"/>
                 </a:ext>
               </a:extLst>
             </p:spPr>
@@ -17192,7 +17198,7 @@
           </a:ln>
           <a:extLst>
             <a:ext uri="{C572A759-6A51-4108-AA02-DFA0A04FC94B}">
-              <ma14:wrappingTextBoxFlag xmlns:ma14="http://schemas.microsoft.com/office/mac/drawingml/2011/main" xmlns:a14="http://schemas.microsoft.com/office/drawing/2010/main" xmlns:m="http://schemas.openxmlformats.org/officeDocument/2006/math" xmlns="" val="1"/>
+              <ma14:wrappingTextBoxFlag xmlns="" xmlns:m="http://schemas.openxmlformats.org/officeDocument/2006/math" xmlns:a14="http://schemas.microsoft.com/office/drawing/2010/main" xmlns:ma14="http://schemas.microsoft.com/office/mac/drawingml/2011/main" val="1"/>
             </a:ext>
           </a:extLst>
         </p:spPr>
@@ -17319,7 +17325,7 @@
           </a:ln>
           <a:extLst>
             <a:ext uri="{C572A759-6A51-4108-AA02-DFA0A04FC94B}">
-              <ma14:wrappingTextBoxFlag xmlns:ma14="http://schemas.microsoft.com/office/mac/drawingml/2011/main" xmlns:a14="http://schemas.microsoft.com/office/drawing/2010/main" xmlns:m="http://schemas.openxmlformats.org/officeDocument/2006/math" xmlns="" val="1"/>
+              <ma14:wrappingTextBoxFlag xmlns="" xmlns:m="http://schemas.openxmlformats.org/officeDocument/2006/math" xmlns:a14="http://schemas.microsoft.com/office/drawing/2010/main" xmlns:ma14="http://schemas.microsoft.com/office/mac/drawingml/2011/main" val="1"/>
             </a:ext>
           </a:extLst>
         </p:spPr>
@@ -17464,7 +17470,7 @@
             </a:effectLst>
             <a:extLst>
               <a:ext uri="{C572A759-6A51-4108-AA02-DFA0A04FC94B}">
-                <ma14:wrappingTextBoxFlag xmlns:ma14="http://schemas.microsoft.com/office/mac/drawingml/2011/main" xmlns:a14="http://schemas.microsoft.com/office/drawing/2010/main" xmlns:m="http://schemas.openxmlformats.org/officeDocument/2006/math" xmlns="" val="1"/>
+                <ma14:wrappingTextBoxFlag xmlns="" xmlns:m="http://schemas.openxmlformats.org/officeDocument/2006/math" xmlns:a14="http://schemas.microsoft.com/office/drawing/2010/main" xmlns:ma14="http://schemas.microsoft.com/office/mac/drawingml/2011/main" val="1"/>
               </a:ext>
             </a:extLst>
           </p:spPr>
@@ -17560,7 +17566,7 @@
           </a:ln>
           <a:extLst>
             <a:ext uri="{C572A759-6A51-4108-AA02-DFA0A04FC94B}">
-              <ma14:wrappingTextBoxFlag xmlns:ma14="http://schemas.microsoft.com/office/mac/drawingml/2011/main" xmlns:a14="http://schemas.microsoft.com/office/drawing/2010/main" xmlns:m="http://schemas.openxmlformats.org/officeDocument/2006/math" xmlns="" val="1"/>
+              <ma14:wrappingTextBoxFlag xmlns="" xmlns:m="http://schemas.openxmlformats.org/officeDocument/2006/math" xmlns:a14="http://schemas.microsoft.com/office/drawing/2010/main" xmlns:ma14="http://schemas.microsoft.com/office/mac/drawingml/2011/main" val="1"/>
             </a:ext>
           </a:extLst>
         </p:spPr>
@@ -17608,7 +17614,7 @@
           </a:ln>
           <a:extLst>
             <a:ext uri="{C572A759-6A51-4108-AA02-DFA0A04FC94B}">
-              <ma14:wrappingTextBoxFlag xmlns:ma14="http://schemas.microsoft.com/office/mac/drawingml/2011/main" xmlns:a14="http://schemas.microsoft.com/office/drawing/2010/main" xmlns:m="http://schemas.openxmlformats.org/officeDocument/2006/math" xmlns="" val="1"/>
+              <ma14:wrappingTextBoxFlag xmlns="" xmlns:m="http://schemas.openxmlformats.org/officeDocument/2006/math" xmlns:a14="http://schemas.microsoft.com/office/drawing/2010/main" xmlns:ma14="http://schemas.microsoft.com/office/mac/drawingml/2011/main" val="1"/>
             </a:ext>
           </a:extLst>
         </p:spPr>
@@ -17656,7 +17662,7 @@
           </a:ln>
           <a:extLst>
             <a:ext uri="{C572A759-6A51-4108-AA02-DFA0A04FC94B}">
-              <ma14:wrappingTextBoxFlag xmlns:ma14="http://schemas.microsoft.com/office/mac/drawingml/2011/main" xmlns:a14="http://schemas.microsoft.com/office/drawing/2010/main" xmlns:m="http://schemas.openxmlformats.org/officeDocument/2006/math" xmlns="" val="1"/>
+              <ma14:wrappingTextBoxFlag xmlns="" xmlns:m="http://schemas.openxmlformats.org/officeDocument/2006/math" xmlns:a14="http://schemas.microsoft.com/office/drawing/2010/main" xmlns:ma14="http://schemas.microsoft.com/office/mac/drawingml/2011/main" val="1"/>
             </a:ext>
           </a:extLst>
         </p:spPr>
@@ -17714,7 +17720,7 @@
           </a:effectLst>
           <a:extLst>
             <a:ext uri="{C572A759-6A51-4108-AA02-DFA0A04FC94B}">
-              <ma14:wrappingTextBoxFlag xmlns:ma14="http://schemas.microsoft.com/office/mac/drawingml/2011/main" xmlns:a14="http://schemas.microsoft.com/office/drawing/2010/main" xmlns:m="http://schemas.openxmlformats.org/officeDocument/2006/math" xmlns="" val="1"/>
+              <ma14:wrappingTextBoxFlag xmlns="" xmlns:m="http://schemas.openxmlformats.org/officeDocument/2006/math" xmlns:a14="http://schemas.microsoft.com/office/drawing/2010/main" xmlns:ma14="http://schemas.microsoft.com/office/mac/drawingml/2011/main" val="1"/>
             </a:ext>
           </a:extLst>
         </p:spPr>
@@ -18311,7 +18317,7 @@
           </a:ln>
           <a:extLst>
             <a:ext uri="{C572A759-6A51-4108-AA02-DFA0A04FC94B}">
-              <ma14:wrappingTextBoxFlag xmlns:ma14="http://schemas.microsoft.com/office/mac/drawingml/2011/main" xmlns:a14="http://schemas.microsoft.com/office/drawing/2010/main" xmlns:m="http://schemas.openxmlformats.org/officeDocument/2006/math" xmlns="" val="1"/>
+              <ma14:wrappingTextBoxFlag xmlns="" xmlns:m="http://schemas.openxmlformats.org/officeDocument/2006/math" xmlns:a14="http://schemas.microsoft.com/office/drawing/2010/main" xmlns:ma14="http://schemas.microsoft.com/office/mac/drawingml/2011/main" val="1"/>
             </a:ext>
           </a:extLst>
         </p:spPr>
@@ -18360,7 +18366,7 @@
           </a:ln>
           <a:extLst>
             <a:ext uri="{C572A759-6A51-4108-AA02-DFA0A04FC94B}">
-              <ma14:wrappingTextBoxFlag xmlns:ma14="http://schemas.microsoft.com/office/mac/drawingml/2011/main" xmlns:a14="http://schemas.microsoft.com/office/drawing/2010/main" xmlns:m="http://schemas.openxmlformats.org/officeDocument/2006/math" xmlns="" val="1"/>
+              <ma14:wrappingTextBoxFlag xmlns="" xmlns:m="http://schemas.openxmlformats.org/officeDocument/2006/math" xmlns:a14="http://schemas.microsoft.com/office/drawing/2010/main" xmlns:ma14="http://schemas.microsoft.com/office/mac/drawingml/2011/main" val="1"/>
             </a:ext>
           </a:extLst>
         </p:spPr>
@@ -18408,7 +18414,7 @@
           </a:ln>
           <a:extLst>
             <a:ext uri="{C572A759-6A51-4108-AA02-DFA0A04FC94B}">
-              <ma14:wrappingTextBoxFlag xmlns:ma14="http://schemas.microsoft.com/office/mac/drawingml/2011/main" xmlns:a14="http://schemas.microsoft.com/office/drawing/2010/main" xmlns:m="http://schemas.openxmlformats.org/officeDocument/2006/math" xmlns="" val="1"/>
+              <ma14:wrappingTextBoxFlag xmlns="" xmlns:m="http://schemas.openxmlformats.org/officeDocument/2006/math" xmlns:a14="http://schemas.microsoft.com/office/drawing/2010/main" xmlns:ma14="http://schemas.microsoft.com/office/mac/drawingml/2011/main" val="1"/>
             </a:ext>
           </a:extLst>
         </p:spPr>
@@ -18456,7 +18462,7 @@
           </a:ln>
           <a:extLst>
             <a:ext uri="{C572A759-6A51-4108-AA02-DFA0A04FC94B}">
-              <ma14:wrappingTextBoxFlag xmlns:ma14="http://schemas.microsoft.com/office/mac/drawingml/2011/main" xmlns:a14="http://schemas.microsoft.com/office/drawing/2010/main" xmlns:m="http://schemas.openxmlformats.org/officeDocument/2006/math" xmlns="" val="1"/>
+              <ma14:wrappingTextBoxFlag xmlns="" xmlns:m="http://schemas.openxmlformats.org/officeDocument/2006/math" xmlns:a14="http://schemas.microsoft.com/office/drawing/2010/main" xmlns:ma14="http://schemas.microsoft.com/office/mac/drawingml/2011/main" val="1"/>
             </a:ext>
           </a:extLst>
         </p:spPr>
@@ -18504,7 +18510,7 @@
           </a:ln>
           <a:extLst>
             <a:ext uri="{C572A759-6A51-4108-AA02-DFA0A04FC94B}">
-              <ma14:wrappingTextBoxFlag xmlns:ma14="http://schemas.microsoft.com/office/mac/drawingml/2011/main" xmlns:a14="http://schemas.microsoft.com/office/drawing/2010/main" xmlns:m="http://schemas.openxmlformats.org/officeDocument/2006/math" xmlns="" val="1"/>
+              <ma14:wrappingTextBoxFlag xmlns="" xmlns:m="http://schemas.openxmlformats.org/officeDocument/2006/math" xmlns:a14="http://schemas.microsoft.com/office/drawing/2010/main" xmlns:ma14="http://schemas.microsoft.com/office/mac/drawingml/2011/main" val="1"/>
             </a:ext>
           </a:extLst>
         </p:spPr>
@@ -18635,7 +18641,7 @@
           </a:ln>
           <a:extLst>
             <a:ext uri="{C572A759-6A51-4108-AA02-DFA0A04FC94B}">
-              <ma14:wrappingTextBoxFlag xmlns:ma14="http://schemas.microsoft.com/office/mac/drawingml/2011/main" xmlns:a14="http://schemas.microsoft.com/office/drawing/2010/main" xmlns:m="http://schemas.openxmlformats.org/officeDocument/2006/math" xmlns="" val="1"/>
+              <ma14:wrappingTextBoxFlag xmlns="" xmlns:m="http://schemas.openxmlformats.org/officeDocument/2006/math" xmlns:a14="http://schemas.microsoft.com/office/drawing/2010/main" xmlns:ma14="http://schemas.microsoft.com/office/mac/drawingml/2011/main" val="1"/>
             </a:ext>
           </a:extLst>
         </p:spPr>
@@ -18765,7 +18771,7 @@
           </a:ln>
           <a:extLst>
             <a:ext uri="{C572A759-6A51-4108-AA02-DFA0A04FC94B}">
-              <ma14:wrappingTextBoxFlag xmlns:ma14="http://schemas.microsoft.com/office/mac/drawingml/2011/main" xmlns:a14="http://schemas.microsoft.com/office/drawing/2010/main" xmlns:m="http://schemas.openxmlformats.org/officeDocument/2006/math" xmlns="" val="1"/>
+              <ma14:wrappingTextBoxFlag xmlns="" xmlns:m="http://schemas.openxmlformats.org/officeDocument/2006/math" xmlns:a14="http://schemas.microsoft.com/office/drawing/2010/main" xmlns:ma14="http://schemas.microsoft.com/office/mac/drawingml/2011/main" val="1"/>
             </a:ext>
           </a:extLst>
         </p:spPr>
@@ -18895,7 +18901,7 @@
           </a:ln>
           <a:extLst>
             <a:ext uri="{C572A759-6A51-4108-AA02-DFA0A04FC94B}">
-              <ma14:wrappingTextBoxFlag xmlns:ma14="http://schemas.microsoft.com/office/mac/drawingml/2011/main" xmlns:a14="http://schemas.microsoft.com/office/drawing/2010/main" xmlns:m="http://schemas.openxmlformats.org/officeDocument/2006/math" xmlns="" val="1"/>
+              <ma14:wrappingTextBoxFlag xmlns="" xmlns:m="http://schemas.openxmlformats.org/officeDocument/2006/math" xmlns:a14="http://schemas.microsoft.com/office/drawing/2010/main" xmlns:ma14="http://schemas.microsoft.com/office/mac/drawingml/2011/main" val="1"/>
             </a:ext>
           </a:extLst>
         </p:spPr>
@@ -18943,7 +18949,7 @@
           </a:ln>
           <a:extLst>
             <a:ext uri="{C572A759-6A51-4108-AA02-DFA0A04FC94B}">
-              <ma14:wrappingTextBoxFlag xmlns:ma14="http://schemas.microsoft.com/office/mac/drawingml/2011/main" xmlns:a14="http://schemas.microsoft.com/office/drawing/2010/main" xmlns:m="http://schemas.openxmlformats.org/officeDocument/2006/math" xmlns="" val="1"/>
+              <ma14:wrappingTextBoxFlag xmlns="" xmlns:m="http://schemas.openxmlformats.org/officeDocument/2006/math" xmlns:a14="http://schemas.microsoft.com/office/drawing/2010/main" xmlns:ma14="http://schemas.microsoft.com/office/mac/drawingml/2011/main" val="1"/>
             </a:ext>
           </a:extLst>
         </p:spPr>
@@ -19032,7 +19038,7 @@
           </a:ln>
           <a:extLst>
             <a:ext uri="{C572A759-6A51-4108-AA02-DFA0A04FC94B}">
-              <ma14:wrappingTextBoxFlag xmlns:ma14="http://schemas.microsoft.com/office/mac/drawingml/2011/main" xmlns:a14="http://schemas.microsoft.com/office/drawing/2010/main" xmlns:m="http://schemas.openxmlformats.org/officeDocument/2006/math" xmlns="" val="1"/>
+              <ma14:wrappingTextBoxFlag xmlns="" xmlns:m="http://schemas.openxmlformats.org/officeDocument/2006/math" xmlns:a14="http://schemas.microsoft.com/office/drawing/2010/main" xmlns:ma14="http://schemas.microsoft.com/office/mac/drawingml/2011/main" val="1"/>
             </a:ext>
           </a:extLst>
         </p:spPr>
@@ -19258,7 +19264,7 @@
           </a:ln>
           <a:extLst>
             <a:ext uri="{C572A759-6A51-4108-AA02-DFA0A04FC94B}">
-              <ma14:wrappingTextBoxFlag xmlns:ma14="http://schemas.microsoft.com/office/mac/drawingml/2011/main" xmlns:a14="http://schemas.microsoft.com/office/drawing/2010/main" xmlns:m="http://schemas.openxmlformats.org/officeDocument/2006/math" xmlns="" val="1"/>
+              <ma14:wrappingTextBoxFlag xmlns="" xmlns:m="http://schemas.openxmlformats.org/officeDocument/2006/math" xmlns:a14="http://schemas.microsoft.com/office/drawing/2010/main" xmlns:ma14="http://schemas.microsoft.com/office/mac/drawingml/2011/main" val="1"/>
             </a:ext>
           </a:extLst>
         </p:spPr>
@@ -19307,7 +19313,7 @@
           </a:ln>
           <a:extLst>
             <a:ext uri="{C572A759-6A51-4108-AA02-DFA0A04FC94B}">
-              <ma14:wrappingTextBoxFlag xmlns:ma14="http://schemas.microsoft.com/office/mac/drawingml/2011/main" xmlns:a14="http://schemas.microsoft.com/office/drawing/2010/main" xmlns:m="http://schemas.openxmlformats.org/officeDocument/2006/math" xmlns="" val="1"/>
+              <ma14:wrappingTextBoxFlag xmlns="" xmlns:m="http://schemas.openxmlformats.org/officeDocument/2006/math" xmlns:a14="http://schemas.microsoft.com/office/drawing/2010/main" xmlns:ma14="http://schemas.microsoft.com/office/mac/drawingml/2011/main" val="1"/>
             </a:ext>
           </a:extLst>
         </p:spPr>
@@ -19355,7 +19361,7 @@
           </a:ln>
           <a:extLst>
             <a:ext uri="{C572A759-6A51-4108-AA02-DFA0A04FC94B}">
-              <ma14:wrappingTextBoxFlag xmlns:ma14="http://schemas.microsoft.com/office/mac/drawingml/2011/main" xmlns:a14="http://schemas.microsoft.com/office/drawing/2010/main" xmlns:m="http://schemas.openxmlformats.org/officeDocument/2006/math" xmlns="" val="1"/>
+              <ma14:wrappingTextBoxFlag xmlns="" xmlns:m="http://schemas.openxmlformats.org/officeDocument/2006/math" xmlns:a14="http://schemas.microsoft.com/office/drawing/2010/main" xmlns:ma14="http://schemas.microsoft.com/office/mac/drawingml/2011/main" val="1"/>
             </a:ext>
           </a:extLst>
         </p:spPr>
@@ -19403,7 +19409,7 @@
           </a:ln>
           <a:extLst>
             <a:ext uri="{C572A759-6A51-4108-AA02-DFA0A04FC94B}">
-              <ma14:wrappingTextBoxFlag xmlns:ma14="http://schemas.microsoft.com/office/mac/drawingml/2011/main" xmlns:a14="http://schemas.microsoft.com/office/drawing/2010/main" xmlns:m="http://schemas.openxmlformats.org/officeDocument/2006/math" xmlns="" val="1"/>
+              <ma14:wrappingTextBoxFlag xmlns="" xmlns:m="http://schemas.openxmlformats.org/officeDocument/2006/math" xmlns:a14="http://schemas.microsoft.com/office/drawing/2010/main" xmlns:ma14="http://schemas.microsoft.com/office/mac/drawingml/2011/main" val="1"/>
             </a:ext>
           </a:extLst>
         </p:spPr>
@@ -19451,7 +19457,7 @@
           </a:ln>
           <a:extLst>
             <a:ext uri="{C572A759-6A51-4108-AA02-DFA0A04FC94B}">
-              <ma14:wrappingTextBoxFlag xmlns:ma14="http://schemas.microsoft.com/office/mac/drawingml/2011/main" xmlns:a14="http://schemas.microsoft.com/office/drawing/2010/main" xmlns:m="http://schemas.openxmlformats.org/officeDocument/2006/math" xmlns="" val="1"/>
+              <ma14:wrappingTextBoxFlag xmlns="" xmlns:m="http://schemas.openxmlformats.org/officeDocument/2006/math" xmlns:a14="http://schemas.microsoft.com/office/drawing/2010/main" xmlns:ma14="http://schemas.microsoft.com/office/mac/drawingml/2011/main" val="1"/>
             </a:ext>
           </a:extLst>
         </p:spPr>
@@ -19582,7 +19588,7 @@
           </a:ln>
           <a:extLst>
             <a:ext uri="{C572A759-6A51-4108-AA02-DFA0A04FC94B}">
-              <ma14:wrappingTextBoxFlag xmlns:ma14="http://schemas.microsoft.com/office/mac/drawingml/2011/main" xmlns:a14="http://schemas.microsoft.com/office/drawing/2010/main" xmlns:m="http://schemas.openxmlformats.org/officeDocument/2006/math" xmlns="" val="1"/>
+              <ma14:wrappingTextBoxFlag xmlns="" xmlns:m="http://schemas.openxmlformats.org/officeDocument/2006/math" xmlns:a14="http://schemas.microsoft.com/office/drawing/2010/main" xmlns:ma14="http://schemas.microsoft.com/office/mac/drawingml/2011/main" val="1"/>
             </a:ext>
           </a:extLst>
         </p:spPr>
@@ -19712,7 +19718,7 @@
           </a:ln>
           <a:extLst>
             <a:ext uri="{C572A759-6A51-4108-AA02-DFA0A04FC94B}">
-              <ma14:wrappingTextBoxFlag xmlns:ma14="http://schemas.microsoft.com/office/mac/drawingml/2011/main" xmlns:a14="http://schemas.microsoft.com/office/drawing/2010/main" xmlns:m="http://schemas.openxmlformats.org/officeDocument/2006/math" xmlns="" val="1"/>
+              <ma14:wrappingTextBoxFlag xmlns="" xmlns:m="http://schemas.openxmlformats.org/officeDocument/2006/math" xmlns:a14="http://schemas.microsoft.com/office/drawing/2010/main" xmlns:ma14="http://schemas.microsoft.com/office/mac/drawingml/2011/main" val="1"/>
             </a:ext>
           </a:extLst>
         </p:spPr>
@@ -19842,7 +19848,7 @@
           </a:ln>
           <a:extLst>
             <a:ext uri="{C572A759-6A51-4108-AA02-DFA0A04FC94B}">
-              <ma14:wrappingTextBoxFlag xmlns:ma14="http://schemas.microsoft.com/office/mac/drawingml/2011/main" xmlns:a14="http://schemas.microsoft.com/office/drawing/2010/main" xmlns:m="http://schemas.openxmlformats.org/officeDocument/2006/math" xmlns="" val="1"/>
+              <ma14:wrappingTextBoxFlag xmlns="" xmlns:m="http://schemas.openxmlformats.org/officeDocument/2006/math" xmlns:a14="http://schemas.microsoft.com/office/drawing/2010/main" xmlns:ma14="http://schemas.microsoft.com/office/mac/drawingml/2011/main" val="1"/>
             </a:ext>
           </a:extLst>
         </p:spPr>
@@ -19890,7 +19896,7 @@
           </a:ln>
           <a:extLst>
             <a:ext uri="{C572A759-6A51-4108-AA02-DFA0A04FC94B}">
-              <ma14:wrappingTextBoxFlag xmlns:ma14="http://schemas.microsoft.com/office/mac/drawingml/2011/main" xmlns:a14="http://schemas.microsoft.com/office/drawing/2010/main" xmlns:m="http://schemas.openxmlformats.org/officeDocument/2006/math" xmlns="" val="1"/>
+              <ma14:wrappingTextBoxFlag xmlns="" xmlns:m="http://schemas.openxmlformats.org/officeDocument/2006/math" xmlns:a14="http://schemas.microsoft.com/office/drawing/2010/main" xmlns:ma14="http://schemas.microsoft.com/office/mac/drawingml/2011/main" val="1"/>
             </a:ext>
           </a:extLst>
         </p:spPr>
@@ -19979,7 +19985,7 @@
           </a:ln>
           <a:extLst>
             <a:ext uri="{C572A759-6A51-4108-AA02-DFA0A04FC94B}">
-              <ma14:wrappingTextBoxFlag xmlns:ma14="http://schemas.microsoft.com/office/mac/drawingml/2011/main" xmlns:a14="http://schemas.microsoft.com/office/drawing/2010/main" xmlns:m="http://schemas.openxmlformats.org/officeDocument/2006/math" xmlns="" val="1"/>
+              <ma14:wrappingTextBoxFlag xmlns="" xmlns:m="http://schemas.openxmlformats.org/officeDocument/2006/math" xmlns:a14="http://schemas.microsoft.com/office/drawing/2010/main" xmlns:ma14="http://schemas.microsoft.com/office/mac/drawingml/2011/main" val="1"/>
             </a:ext>
           </a:extLst>
         </p:spPr>
@@ -20068,7 +20074,7 @@
           </a:ln>
           <a:extLst>
             <a:ext uri="{C572A759-6A51-4108-AA02-DFA0A04FC94B}">
-              <ma14:wrappingTextBoxFlag xmlns:ma14="http://schemas.microsoft.com/office/mac/drawingml/2011/main" xmlns:a14="http://schemas.microsoft.com/office/drawing/2010/main" xmlns:m="http://schemas.openxmlformats.org/officeDocument/2006/math" xmlns="" val="1"/>
+              <ma14:wrappingTextBoxFlag xmlns="" xmlns:m="http://schemas.openxmlformats.org/officeDocument/2006/math" xmlns:a14="http://schemas.microsoft.com/office/drawing/2010/main" xmlns:ma14="http://schemas.microsoft.com/office/mac/drawingml/2011/main" val="1"/>
             </a:ext>
           </a:extLst>
         </p:spPr>
@@ -20161,7 +20167,7 @@
           </a:ln>
           <a:extLst>
             <a:ext uri="{C572A759-6A51-4108-AA02-DFA0A04FC94B}">
-              <ma14:wrappingTextBoxFlag xmlns="" xmlns:m="http://schemas.openxmlformats.org/officeDocument/2006/math" xmlns:a14="http://schemas.microsoft.com/office/drawing/2010/main" xmlns:ma14="http://schemas.microsoft.com/office/mac/drawingml/2011/main" val="1"/>
+              <ma14:wrappingTextBoxFlag xmlns:ma14="http://schemas.microsoft.com/office/mac/drawingml/2011/main" xmlns:a14="http://schemas.microsoft.com/office/drawing/2010/main" xmlns:m="http://schemas.openxmlformats.org/officeDocument/2006/math" xmlns="" val="1"/>
             </a:ext>
           </a:extLst>
         </p:spPr>
@@ -20574,7 +20580,7 @@
             </a:ln>
             <a:extLst>
               <a:ext uri="{C572A759-6A51-4108-AA02-DFA0A04FC94B}">
-                <ma14:wrappingTextBoxFlag xmlns:ma14="http://schemas.microsoft.com/office/mac/drawingml/2011/main" xmlns:a14="http://schemas.microsoft.com/office/drawing/2010/main" xmlns:m="http://schemas.openxmlformats.org/officeDocument/2006/math" xmlns="" val="1"/>
+                <ma14:wrappingTextBoxFlag xmlns="" xmlns:m="http://schemas.openxmlformats.org/officeDocument/2006/math" xmlns:a14="http://schemas.microsoft.com/office/drawing/2010/main" xmlns:ma14="http://schemas.microsoft.com/office/mac/drawingml/2011/main" val="1"/>
               </a:ext>
             </a:extLst>
           </p:spPr>
@@ -20838,7 +20844,7 @@
             <a:effectLst/>
             <a:extLst>
               <a:ext uri="{C572A759-6A51-4108-AA02-DFA0A04FC94B}">
-                <ma14:wrappingTextBoxFlag xmlns:ma14="http://schemas.microsoft.com/office/mac/drawingml/2011/main" xmlns:a14="http://schemas.microsoft.com/office/drawing/2010/main" xmlns:m="http://schemas.openxmlformats.org/officeDocument/2006/math" xmlns="" val="1"/>
+                <ma14:wrappingTextBoxFlag xmlns="" xmlns:m="http://schemas.openxmlformats.org/officeDocument/2006/math" xmlns:a14="http://schemas.microsoft.com/office/drawing/2010/main" xmlns:ma14="http://schemas.microsoft.com/office/mac/drawingml/2011/main" val="1"/>
               </a:ext>
             </a:extLst>
           </p:spPr>
@@ -20978,7 +20984,7 @@
             <a:effectLst/>
             <a:extLst>
               <a:ext uri="{C572A759-6A51-4108-AA02-DFA0A04FC94B}">
-                <ma14:wrappingTextBoxFlag xmlns:ma14="http://schemas.microsoft.com/office/mac/drawingml/2011/main" xmlns:a14="http://schemas.microsoft.com/office/drawing/2010/main" xmlns:m="http://schemas.openxmlformats.org/officeDocument/2006/math" xmlns="" val="1"/>
+                <ma14:wrappingTextBoxFlag xmlns="" xmlns:m="http://schemas.openxmlformats.org/officeDocument/2006/math" xmlns:a14="http://schemas.microsoft.com/office/drawing/2010/main" xmlns:ma14="http://schemas.microsoft.com/office/mac/drawingml/2011/main" val="1"/>
               </a:ext>
             </a:extLst>
           </p:spPr>
@@ -21050,7 +21056,7 @@
             </a:ln>
             <a:extLst>
               <a:ext uri="{C572A759-6A51-4108-AA02-DFA0A04FC94B}">
-                <ma14:wrappingTextBoxFlag xmlns:ma14="http://schemas.microsoft.com/office/mac/drawingml/2011/main" xmlns:a14="http://schemas.microsoft.com/office/drawing/2010/main" xmlns:m="http://schemas.openxmlformats.org/officeDocument/2006/math" xmlns="" val="1"/>
+                <ma14:wrappingTextBoxFlag xmlns="" xmlns:m="http://schemas.openxmlformats.org/officeDocument/2006/math" xmlns:a14="http://schemas.microsoft.com/office/drawing/2010/main" xmlns:ma14="http://schemas.microsoft.com/office/mac/drawingml/2011/main" val="1"/>
               </a:ext>
             </a:extLst>
           </p:spPr>
@@ -21719,7 +21725,7 @@
           </a:prstGeom>
           <a:extLst>
             <a:ext uri="{C572A759-6A51-4108-AA02-DFA0A04FC94B}">
-              <ma14:wrappingTextBoxFlag xmlns:ma14="http://schemas.microsoft.com/office/mac/drawingml/2011/main" xmlns:a14="http://schemas.microsoft.com/office/drawing/2010/main" xmlns:m="http://schemas.openxmlformats.org/officeDocument/2006/math" xmlns="" val="1"/>
+              <ma14:wrappingTextBoxFlag xmlns="" xmlns:m="http://schemas.openxmlformats.org/officeDocument/2006/math" xmlns:a14="http://schemas.microsoft.com/office/drawing/2010/main" xmlns:ma14="http://schemas.microsoft.com/office/mac/drawingml/2011/main" val="1"/>
             </a:ext>
           </a:extLst>
         </p:spPr>
@@ -22089,7 +22095,7 @@
             </a:effectLst>
             <a:extLst>
               <a:ext uri="{C572A759-6A51-4108-AA02-DFA0A04FC94B}">
-                <ma14:wrappingTextBoxFlag xmlns:ma14="http://schemas.microsoft.com/office/mac/drawingml/2011/main" xmlns:a14="http://schemas.microsoft.com/office/drawing/2010/main" xmlns:m="http://schemas.openxmlformats.org/officeDocument/2006/math" xmlns="" val="1"/>
+                <ma14:wrappingTextBoxFlag xmlns="" xmlns:m="http://schemas.openxmlformats.org/officeDocument/2006/math" xmlns:a14="http://schemas.microsoft.com/office/drawing/2010/main" xmlns:ma14="http://schemas.microsoft.com/office/mac/drawingml/2011/main" val="1"/>
               </a:ext>
             </a:extLst>
           </p:spPr>
@@ -22159,7 +22165,7 @@
             </a:effectLst>
             <a:extLst>
               <a:ext uri="{C572A759-6A51-4108-AA02-DFA0A04FC94B}">
-                <ma14:wrappingTextBoxFlag xmlns:ma14="http://schemas.microsoft.com/office/mac/drawingml/2011/main" xmlns:a14="http://schemas.microsoft.com/office/drawing/2010/main" xmlns:m="http://schemas.openxmlformats.org/officeDocument/2006/math" xmlns="" val="1"/>
+                <ma14:wrappingTextBoxFlag xmlns="" xmlns:m="http://schemas.openxmlformats.org/officeDocument/2006/math" xmlns:a14="http://schemas.microsoft.com/office/drawing/2010/main" xmlns:ma14="http://schemas.microsoft.com/office/mac/drawingml/2011/main" val="1"/>
               </a:ext>
             </a:extLst>
           </p:spPr>
@@ -22227,7 +22233,7 @@
             </a:effectLst>
             <a:extLst>
               <a:ext uri="{C572A759-6A51-4108-AA02-DFA0A04FC94B}">
-                <ma14:wrappingTextBoxFlag xmlns:ma14="http://schemas.microsoft.com/office/mac/drawingml/2011/main" xmlns:a14="http://schemas.microsoft.com/office/drawing/2010/main" xmlns:m="http://schemas.openxmlformats.org/officeDocument/2006/math" xmlns="" val="1"/>
+                <ma14:wrappingTextBoxFlag xmlns="" xmlns:m="http://schemas.openxmlformats.org/officeDocument/2006/math" xmlns:a14="http://schemas.microsoft.com/office/drawing/2010/main" xmlns:ma14="http://schemas.microsoft.com/office/mac/drawingml/2011/main" val="1"/>
               </a:ext>
             </a:extLst>
           </p:spPr>
@@ -22315,7 +22321,7 @@
               </a:effectLst>
               <a:extLst>
                 <a:ext uri="{C572A759-6A51-4108-AA02-DFA0A04FC94B}">
-                  <ma14:wrappingTextBoxFlag xmlns:ma14="http://schemas.microsoft.com/office/mac/drawingml/2011/main" xmlns:a14="http://schemas.microsoft.com/office/drawing/2010/main" xmlns:m="http://schemas.openxmlformats.org/officeDocument/2006/math" xmlns="" val="1"/>
+                  <ma14:wrappingTextBoxFlag xmlns="" xmlns:m="http://schemas.openxmlformats.org/officeDocument/2006/math" xmlns:a14="http://schemas.microsoft.com/office/drawing/2010/main" xmlns:ma14="http://schemas.microsoft.com/office/mac/drawingml/2011/main" val="1"/>
                 </a:ext>
               </a:extLst>
             </p:spPr>
@@ -22493,7 +22499,7 @@
                 <a:effectLst/>
                 <a:extLst>
                   <a:ext uri="{C572A759-6A51-4108-AA02-DFA0A04FC94B}">
-                    <ma14:wrappingTextBoxFlag xmlns:ma14="http://schemas.microsoft.com/office/mac/drawingml/2011/main" xmlns:a14="http://schemas.microsoft.com/office/drawing/2010/main" xmlns:m="http://schemas.openxmlformats.org/officeDocument/2006/math" xmlns="" val="1"/>
+                    <ma14:wrappingTextBoxFlag xmlns="" xmlns:m="http://schemas.openxmlformats.org/officeDocument/2006/math" xmlns:a14="http://schemas.microsoft.com/office/drawing/2010/main" xmlns:ma14="http://schemas.microsoft.com/office/mac/drawingml/2011/main" val="1"/>
                   </a:ext>
                 </a:extLst>
               </p:spPr>
@@ -22693,7 +22699,7 @@
                 <a:effectLst/>
                 <a:extLst>
                   <a:ext uri="{C572A759-6A51-4108-AA02-DFA0A04FC94B}">
-                    <ma14:wrappingTextBoxFlag xmlns:ma14="http://schemas.microsoft.com/office/mac/drawingml/2011/main" xmlns:a14="http://schemas.microsoft.com/office/drawing/2010/main" xmlns:m="http://schemas.openxmlformats.org/officeDocument/2006/math" xmlns="" val="1"/>
+                    <ma14:wrappingTextBoxFlag xmlns="" xmlns:m="http://schemas.openxmlformats.org/officeDocument/2006/math" xmlns:a14="http://schemas.microsoft.com/office/drawing/2010/main" xmlns:ma14="http://schemas.microsoft.com/office/mac/drawingml/2011/main" val="1"/>
                   </a:ext>
                 </a:extLst>
               </p:spPr>
@@ -22783,7 +22789,7 @@
               </a:effectLst>
               <a:extLst>
                 <a:ext uri="{C572A759-6A51-4108-AA02-DFA0A04FC94B}">
-                  <ma14:wrappingTextBoxFlag xmlns:ma14="http://schemas.microsoft.com/office/mac/drawingml/2011/main" xmlns:a14="http://schemas.microsoft.com/office/drawing/2010/main" xmlns:m="http://schemas.openxmlformats.org/officeDocument/2006/math" xmlns="" val="1"/>
+                  <ma14:wrappingTextBoxFlag xmlns="" xmlns:m="http://schemas.openxmlformats.org/officeDocument/2006/math" xmlns:a14="http://schemas.microsoft.com/office/drawing/2010/main" xmlns:ma14="http://schemas.microsoft.com/office/mac/drawingml/2011/main" val="1"/>
                 </a:ext>
               </a:extLst>
             </p:spPr>
@@ -22961,7 +22967,7 @@
                 <a:effectLst/>
                 <a:extLst>
                   <a:ext uri="{C572A759-6A51-4108-AA02-DFA0A04FC94B}">
-                    <ma14:wrappingTextBoxFlag xmlns:ma14="http://schemas.microsoft.com/office/mac/drawingml/2011/main" xmlns:a14="http://schemas.microsoft.com/office/drawing/2010/main" xmlns:m="http://schemas.openxmlformats.org/officeDocument/2006/math" xmlns="" val="1"/>
+                    <ma14:wrappingTextBoxFlag xmlns="" xmlns:m="http://schemas.openxmlformats.org/officeDocument/2006/math" xmlns:a14="http://schemas.microsoft.com/office/drawing/2010/main" xmlns:ma14="http://schemas.microsoft.com/office/mac/drawingml/2011/main" val="1"/>
                   </a:ext>
                 </a:extLst>
               </p:spPr>
@@ -23051,7 +23057,7 @@
               </a:effectLst>
               <a:extLst>
                 <a:ext uri="{C572A759-6A51-4108-AA02-DFA0A04FC94B}">
-                  <ma14:wrappingTextBoxFlag xmlns:ma14="http://schemas.microsoft.com/office/mac/drawingml/2011/main" xmlns:a14="http://schemas.microsoft.com/office/drawing/2010/main" xmlns:m="http://schemas.openxmlformats.org/officeDocument/2006/math" xmlns="" val="1"/>
+                  <ma14:wrappingTextBoxFlag xmlns="" xmlns:m="http://schemas.openxmlformats.org/officeDocument/2006/math" xmlns:a14="http://schemas.microsoft.com/office/drawing/2010/main" xmlns:ma14="http://schemas.microsoft.com/office/mac/drawingml/2011/main" val="1"/>
                 </a:ext>
               </a:extLst>
             </p:spPr>
@@ -23229,7 +23235,7 @@
                 <a:effectLst/>
                 <a:extLst>
                   <a:ext uri="{C572A759-6A51-4108-AA02-DFA0A04FC94B}">
-                    <ma14:wrappingTextBoxFlag xmlns:ma14="http://schemas.microsoft.com/office/mac/drawingml/2011/main" xmlns:a14="http://schemas.microsoft.com/office/drawing/2010/main" xmlns:m="http://schemas.openxmlformats.org/officeDocument/2006/math" xmlns="" val="1"/>
+                    <ma14:wrappingTextBoxFlag xmlns="" xmlns:m="http://schemas.openxmlformats.org/officeDocument/2006/math" xmlns:a14="http://schemas.microsoft.com/office/drawing/2010/main" xmlns:ma14="http://schemas.microsoft.com/office/mac/drawingml/2011/main" val="1"/>
                   </a:ext>
                 </a:extLst>
               </p:spPr>
@@ -23300,7 +23306,7 @@
           </a:effectLst>
           <a:extLst>
             <a:ext uri="{C572A759-6A51-4108-AA02-DFA0A04FC94B}">
-              <ma14:wrappingTextBoxFlag xmlns:ma14="http://schemas.microsoft.com/office/mac/drawingml/2011/main" xmlns:a14="http://schemas.microsoft.com/office/drawing/2010/main" xmlns:m="http://schemas.openxmlformats.org/officeDocument/2006/math" xmlns="" val="1"/>
+              <ma14:wrappingTextBoxFlag xmlns="" xmlns:m="http://schemas.openxmlformats.org/officeDocument/2006/math" xmlns:a14="http://schemas.microsoft.com/office/drawing/2010/main" xmlns:ma14="http://schemas.microsoft.com/office/mac/drawingml/2011/main" val="1"/>
             </a:ext>
           </a:extLst>
         </p:spPr>
@@ -23512,7 +23518,7 @@
           </a:prstGeom>
           <a:extLst>
             <a:ext uri="{C572A759-6A51-4108-AA02-DFA0A04FC94B}">
-              <ma14:wrappingTextBoxFlag xmlns:ma14="http://schemas.microsoft.com/office/mac/drawingml/2011/main" xmlns:a14="http://schemas.microsoft.com/office/drawing/2010/main" xmlns:m="http://schemas.openxmlformats.org/officeDocument/2006/math" xmlns="" val="1"/>
+              <ma14:wrappingTextBoxFlag xmlns="" xmlns:m="http://schemas.openxmlformats.org/officeDocument/2006/math" xmlns:a14="http://schemas.microsoft.com/office/drawing/2010/main" xmlns:ma14="http://schemas.microsoft.com/office/mac/drawingml/2011/main" val="1"/>
             </a:ext>
           </a:extLst>
         </p:spPr>
@@ -24005,7 +24011,7 @@
           </a:prstGeom>
           <a:extLst>
             <a:ext uri="{C572A759-6A51-4108-AA02-DFA0A04FC94B}">
-              <ma14:wrappingTextBoxFlag xmlns:ma14="http://schemas.microsoft.com/office/mac/drawingml/2011/main" xmlns:a14="http://schemas.microsoft.com/office/drawing/2010/main" xmlns:m="http://schemas.openxmlformats.org/officeDocument/2006/math" xmlns="" val="1"/>
+              <ma14:wrappingTextBoxFlag xmlns="" xmlns:m="http://schemas.openxmlformats.org/officeDocument/2006/math" xmlns:a14="http://schemas.microsoft.com/office/drawing/2010/main" xmlns:ma14="http://schemas.microsoft.com/office/mac/drawingml/2011/main" val="1"/>
             </a:ext>
           </a:extLst>
         </p:spPr>
@@ -24162,7 +24168,7 @@
               <a:effectLst/>
               <a:extLst>
                 <a:ext uri="{C572A759-6A51-4108-AA02-DFA0A04FC94B}">
-                  <ma14:wrappingTextBoxFlag xmlns:ma14="http://schemas.microsoft.com/office/mac/drawingml/2011/main" xmlns:a14="http://schemas.microsoft.com/office/drawing/2010/main" xmlns:m="http://schemas.openxmlformats.org/officeDocument/2006/math" xmlns="" val="1"/>
+                  <ma14:wrappingTextBoxFlag xmlns="" xmlns:m="http://schemas.openxmlformats.org/officeDocument/2006/math" xmlns:a14="http://schemas.microsoft.com/office/drawing/2010/main" xmlns:ma14="http://schemas.microsoft.com/office/mac/drawingml/2011/main" val="1"/>
                 </a:ext>
               </a:extLst>
             </p:spPr>
@@ -24213,7 +24219,7 @@
               <a:effectLst/>
               <a:extLst>
                 <a:ext uri="{C572A759-6A51-4108-AA02-DFA0A04FC94B}">
-                  <ma14:wrappingTextBoxFlag xmlns:ma14="http://schemas.microsoft.com/office/mac/drawingml/2011/main" xmlns:a14="http://schemas.microsoft.com/office/drawing/2010/main" xmlns:m="http://schemas.openxmlformats.org/officeDocument/2006/math" xmlns="" val="1"/>
+                  <ma14:wrappingTextBoxFlag xmlns="" xmlns:m="http://schemas.openxmlformats.org/officeDocument/2006/math" xmlns:a14="http://schemas.microsoft.com/office/drawing/2010/main" xmlns:ma14="http://schemas.microsoft.com/office/mac/drawingml/2011/main" val="1"/>
                 </a:ext>
               </a:extLst>
             </p:spPr>
@@ -24265,7 +24271,7 @@
             <a:effectLst/>
             <a:extLst>
               <a:ext uri="{C572A759-6A51-4108-AA02-DFA0A04FC94B}">
-                <ma14:wrappingTextBoxFlag xmlns:ma14="http://schemas.microsoft.com/office/mac/drawingml/2011/main" xmlns:a14="http://schemas.microsoft.com/office/drawing/2010/main" xmlns:m="http://schemas.openxmlformats.org/officeDocument/2006/math" xmlns="" val="1"/>
+                <ma14:wrappingTextBoxFlag xmlns="" xmlns:m="http://schemas.openxmlformats.org/officeDocument/2006/math" xmlns:a14="http://schemas.microsoft.com/office/drawing/2010/main" xmlns:ma14="http://schemas.microsoft.com/office/mac/drawingml/2011/main" val="1"/>
               </a:ext>
             </a:extLst>
           </p:spPr>
@@ -24443,7 +24449,7 @@
               <a:effectLst/>
               <a:extLst>
                 <a:ext uri="{C572A759-6A51-4108-AA02-DFA0A04FC94B}">
-                  <ma14:wrappingTextBoxFlag xmlns:ma14="http://schemas.microsoft.com/office/mac/drawingml/2011/main" xmlns:a14="http://schemas.microsoft.com/office/drawing/2010/main" xmlns:m="http://schemas.openxmlformats.org/officeDocument/2006/math" xmlns="" val="1"/>
+                  <ma14:wrappingTextBoxFlag xmlns="" xmlns:m="http://schemas.openxmlformats.org/officeDocument/2006/math" xmlns:a14="http://schemas.microsoft.com/office/drawing/2010/main" xmlns:ma14="http://schemas.microsoft.com/office/mac/drawingml/2011/main" val="1"/>
                 </a:ext>
               </a:extLst>
             </p:spPr>
@@ -24494,7 +24500,7 @@
               <a:effectLst/>
               <a:extLst>
                 <a:ext uri="{C572A759-6A51-4108-AA02-DFA0A04FC94B}">
-                  <ma14:wrappingTextBoxFlag xmlns:ma14="http://schemas.microsoft.com/office/mac/drawingml/2011/main" xmlns:a14="http://schemas.microsoft.com/office/drawing/2010/main" xmlns:m="http://schemas.openxmlformats.org/officeDocument/2006/math" xmlns="" val="1"/>
+                  <ma14:wrappingTextBoxFlag xmlns="" xmlns:m="http://schemas.openxmlformats.org/officeDocument/2006/math" xmlns:a14="http://schemas.microsoft.com/office/drawing/2010/main" xmlns:ma14="http://schemas.microsoft.com/office/mac/drawingml/2011/main" val="1"/>
                 </a:ext>
               </a:extLst>
             </p:spPr>
@@ -24580,7 +24586,7 @@
             <a:effectLst/>
             <a:extLst>
               <a:ext uri="{C572A759-6A51-4108-AA02-DFA0A04FC94B}">
-                <ma14:wrappingTextBoxFlag xmlns:ma14="http://schemas.microsoft.com/office/mac/drawingml/2011/main" xmlns:a14="http://schemas.microsoft.com/office/drawing/2010/main" xmlns:m="http://schemas.openxmlformats.org/officeDocument/2006/math" xmlns="" val="1"/>
+                <ma14:wrappingTextBoxFlag xmlns="" xmlns:m="http://schemas.openxmlformats.org/officeDocument/2006/math" xmlns:a14="http://schemas.microsoft.com/office/drawing/2010/main" xmlns:ma14="http://schemas.microsoft.com/office/mac/drawingml/2011/main" val="1"/>
               </a:ext>
             </a:extLst>
           </p:spPr>
@@ -24671,7 +24677,7 @@
           </a:ln>
           <a:extLst>
             <a:ext uri="{C572A759-6A51-4108-AA02-DFA0A04FC94B}">
-              <ma14:wrappingTextBoxFlag xmlns:ma14="http://schemas.microsoft.com/office/mac/drawingml/2011/main" xmlns:a14="http://schemas.microsoft.com/office/drawing/2010/main" xmlns:m="http://schemas.openxmlformats.org/officeDocument/2006/math" xmlns="" val="1"/>
+              <ma14:wrappingTextBoxFlag xmlns="" xmlns:m="http://schemas.openxmlformats.org/officeDocument/2006/math" xmlns:a14="http://schemas.microsoft.com/office/drawing/2010/main" xmlns:ma14="http://schemas.microsoft.com/office/mac/drawingml/2011/main" val="1"/>
             </a:ext>
           </a:extLst>
         </p:spPr>
@@ -25165,7 +25171,7 @@
             <a:effectLst/>
             <a:extLst>
               <a:ext uri="{C572A759-6A51-4108-AA02-DFA0A04FC94B}">
-                <ma14:wrappingTextBoxFlag xmlns="" xmlns:m="http://schemas.openxmlformats.org/officeDocument/2006/math" xmlns:a14="http://schemas.microsoft.com/office/drawing/2010/main" xmlns:ma14="http://schemas.microsoft.com/office/mac/drawingml/2011/main" val="1"/>
+                <ma14:wrappingTextBoxFlag xmlns:ma14="http://schemas.microsoft.com/office/mac/drawingml/2011/main" xmlns:a14="http://schemas.microsoft.com/office/drawing/2010/main" xmlns:m="http://schemas.openxmlformats.org/officeDocument/2006/math" xmlns="" val="1"/>
               </a:ext>
             </a:extLst>
           </p:spPr>
@@ -25329,7 +25335,7 @@
             </a:effectLst>
             <a:extLst>
               <a:ext uri="{C572A759-6A51-4108-AA02-DFA0A04FC94B}">
-                <ma14:wrappingTextBoxFlag xmlns="" xmlns:m="http://schemas.openxmlformats.org/officeDocument/2006/math" xmlns:a14="http://schemas.microsoft.com/office/drawing/2010/main" xmlns:ma14="http://schemas.microsoft.com/office/mac/drawingml/2011/main" val="1"/>
+                <ma14:wrappingTextBoxFlag xmlns:ma14="http://schemas.microsoft.com/office/mac/drawingml/2011/main" xmlns:a14="http://schemas.microsoft.com/office/drawing/2010/main" xmlns:m="http://schemas.openxmlformats.org/officeDocument/2006/math" xmlns="" val="1"/>
               </a:ext>
             </a:extLst>
           </p:spPr>
@@ -25496,7 +25502,7 @@
               <a:effectLst/>
               <a:extLst>
                 <a:ext uri="{C572A759-6A51-4108-AA02-DFA0A04FC94B}">
-                  <ma14:wrappingTextBoxFlag xmlns="" xmlns:m="http://schemas.openxmlformats.org/officeDocument/2006/math" xmlns:a14="http://schemas.microsoft.com/office/drawing/2010/main" xmlns:ma14="http://schemas.microsoft.com/office/mac/drawingml/2011/main" val="1"/>
+                  <ma14:wrappingTextBoxFlag xmlns:ma14="http://schemas.microsoft.com/office/mac/drawingml/2011/main" xmlns:a14="http://schemas.microsoft.com/office/drawing/2010/main" xmlns:m="http://schemas.openxmlformats.org/officeDocument/2006/math" xmlns="" val="1"/>
                 </a:ext>
               </a:extLst>
             </p:spPr>
@@ -25684,7 +25690,7 @@
             <a:effectLst/>
             <a:extLst>
               <a:ext uri="{C572A759-6A51-4108-AA02-DFA0A04FC94B}">
-                <ma14:wrappingTextBoxFlag xmlns="" xmlns:m="http://schemas.openxmlformats.org/officeDocument/2006/math" xmlns:a14="http://schemas.microsoft.com/office/drawing/2010/main" xmlns:ma14="http://schemas.microsoft.com/office/mac/drawingml/2011/main" val="1"/>
+                <ma14:wrappingTextBoxFlag xmlns:ma14="http://schemas.microsoft.com/office/mac/drawingml/2011/main" xmlns:a14="http://schemas.microsoft.com/office/drawing/2010/main" xmlns:m="http://schemas.openxmlformats.org/officeDocument/2006/math" xmlns="" val="1"/>
               </a:ext>
             </a:extLst>
           </p:spPr>
@@ -25829,7 +25835,7 @@
           </a:effectLst>
           <a:extLst>
             <a:ext uri="{C572A759-6A51-4108-AA02-DFA0A04FC94B}">
-              <ma14:wrappingTextBoxFlag xmlns="" xmlns:m="http://schemas.openxmlformats.org/officeDocument/2006/math" xmlns:a14="http://schemas.microsoft.com/office/drawing/2010/main" xmlns:ma14="http://schemas.microsoft.com/office/mac/drawingml/2011/main" val="1"/>
+              <ma14:wrappingTextBoxFlag xmlns:ma14="http://schemas.microsoft.com/office/mac/drawingml/2011/main" xmlns:a14="http://schemas.microsoft.com/office/drawing/2010/main" xmlns:m="http://schemas.openxmlformats.org/officeDocument/2006/math" xmlns="" val="1"/>
             </a:ext>
           </a:extLst>
         </p:spPr>
@@ -25973,7 +25979,7 @@
           </a:effectLst>
           <a:extLst>
             <a:ext uri="{C572A759-6A51-4108-AA02-DFA0A04FC94B}">
-              <ma14:wrappingTextBoxFlag xmlns="" xmlns:m="http://schemas.openxmlformats.org/officeDocument/2006/math" xmlns:a14="http://schemas.microsoft.com/office/drawing/2010/main" xmlns:ma14="http://schemas.microsoft.com/office/mac/drawingml/2011/main" val="1"/>
+              <ma14:wrappingTextBoxFlag xmlns:ma14="http://schemas.microsoft.com/office/mac/drawingml/2011/main" xmlns:a14="http://schemas.microsoft.com/office/drawing/2010/main" xmlns:m="http://schemas.openxmlformats.org/officeDocument/2006/math" xmlns="" val="1"/>
             </a:ext>
           </a:extLst>
         </p:spPr>
@@ -26038,7 +26044,7 @@
           </a:effectLst>
           <a:extLst>
             <a:ext uri="{C572A759-6A51-4108-AA02-DFA0A04FC94B}">
-              <ma14:wrappingTextBoxFlag xmlns="" xmlns:m="http://schemas.openxmlformats.org/officeDocument/2006/math" xmlns:a14="http://schemas.microsoft.com/office/drawing/2010/main" xmlns:ma14="http://schemas.microsoft.com/office/mac/drawingml/2011/main" val="1"/>
+              <ma14:wrappingTextBoxFlag xmlns:ma14="http://schemas.microsoft.com/office/mac/drawingml/2011/main" xmlns:a14="http://schemas.microsoft.com/office/drawing/2010/main" xmlns:m="http://schemas.openxmlformats.org/officeDocument/2006/math" xmlns="" val="1"/>
             </a:ext>
           </a:extLst>
         </p:spPr>
@@ -26713,7 +26719,7 @@
           </a:ln>
           <a:extLst>
             <a:ext uri="{C572A759-6A51-4108-AA02-DFA0A04FC94B}">
-              <ma14:wrappingTextBoxFlag xmlns="" xmlns:m="http://schemas.openxmlformats.org/officeDocument/2006/math" xmlns:a14="http://schemas.microsoft.com/office/drawing/2010/main" xmlns:ma14="http://schemas.microsoft.com/office/mac/drawingml/2011/main" val="1"/>
+              <ma14:wrappingTextBoxFlag xmlns:ma14="http://schemas.microsoft.com/office/mac/drawingml/2011/main" xmlns:a14="http://schemas.microsoft.com/office/drawing/2010/main" xmlns:m="http://schemas.openxmlformats.org/officeDocument/2006/math" xmlns="" val="1"/>
             </a:ext>
           </a:extLst>
         </p:spPr>
@@ -27057,7 +27063,7 @@
           </a:prstGeom>
           <a:extLst>
             <a:ext uri="{C572A759-6A51-4108-AA02-DFA0A04FC94B}">
-              <ma14:wrappingTextBoxFlag xmlns:ma14="http://schemas.microsoft.com/office/mac/drawingml/2011/main" xmlns:a14="http://schemas.microsoft.com/office/drawing/2010/main" xmlns:m="http://schemas.openxmlformats.org/officeDocument/2006/math" xmlns="" val="1"/>
+              <ma14:wrappingTextBoxFlag xmlns="" xmlns:m="http://schemas.openxmlformats.org/officeDocument/2006/math" xmlns:a14="http://schemas.microsoft.com/office/drawing/2010/main" xmlns:ma14="http://schemas.microsoft.com/office/mac/drawingml/2011/main" val="1"/>
             </a:ext>
           </a:extLst>
         </p:spPr>
@@ -27113,7 +27119,7 @@
             </a:ln>
             <a:extLst>
               <a:ext uri="{C572A759-6A51-4108-AA02-DFA0A04FC94B}">
-                <ma14:wrappingTextBoxFlag xmlns:ma14="http://schemas.microsoft.com/office/mac/drawingml/2011/main" xmlns:a14="http://schemas.microsoft.com/office/drawing/2010/main" xmlns:m="http://schemas.openxmlformats.org/officeDocument/2006/math" xmlns="" val="1"/>
+                <ma14:wrappingTextBoxFlag xmlns="" xmlns:m="http://schemas.openxmlformats.org/officeDocument/2006/math" xmlns:a14="http://schemas.microsoft.com/office/drawing/2010/main" xmlns:ma14="http://schemas.microsoft.com/office/mac/drawingml/2011/main" val="1"/>
               </a:ext>
             </a:extLst>
           </p:spPr>
@@ -27377,7 +27383,7 @@
             <a:effectLst/>
             <a:extLst>
               <a:ext uri="{C572A759-6A51-4108-AA02-DFA0A04FC94B}">
-                <ma14:wrappingTextBoxFlag xmlns:ma14="http://schemas.microsoft.com/office/mac/drawingml/2011/main" xmlns:a14="http://schemas.microsoft.com/office/drawing/2010/main" xmlns:m="http://schemas.openxmlformats.org/officeDocument/2006/math" xmlns="" val="1"/>
+                <ma14:wrappingTextBoxFlag xmlns="" xmlns:m="http://schemas.openxmlformats.org/officeDocument/2006/math" xmlns:a14="http://schemas.microsoft.com/office/drawing/2010/main" xmlns:ma14="http://schemas.microsoft.com/office/mac/drawingml/2011/main" val="1"/>
               </a:ext>
             </a:extLst>
           </p:spPr>
@@ -27495,7 +27501,7 @@
             <a:effectLst/>
             <a:extLst>
               <a:ext uri="{C572A759-6A51-4108-AA02-DFA0A04FC94B}">
-                <ma14:wrappingTextBoxFlag xmlns:ma14="http://schemas.microsoft.com/office/mac/drawingml/2011/main" xmlns:a14="http://schemas.microsoft.com/office/drawing/2010/main" xmlns:m="http://schemas.openxmlformats.org/officeDocument/2006/math" xmlns="" val="1"/>
+                <ma14:wrappingTextBoxFlag xmlns="" xmlns:m="http://schemas.openxmlformats.org/officeDocument/2006/math" xmlns:a14="http://schemas.microsoft.com/office/drawing/2010/main" xmlns:ma14="http://schemas.microsoft.com/office/mac/drawingml/2011/main" val="1"/>
               </a:ext>
             </a:extLst>
           </p:spPr>
@@ -27708,7 +27714,7 @@
           </a:ln>
           <a:extLst>
             <a:ext uri="{C572A759-6A51-4108-AA02-DFA0A04FC94B}">
-              <ma14:wrappingTextBoxFlag xmlns="" xmlns:m="http://schemas.openxmlformats.org/officeDocument/2006/math" xmlns:a14="http://schemas.microsoft.com/office/drawing/2010/main" xmlns:ma14="http://schemas.microsoft.com/office/mac/drawingml/2011/main" val="1"/>
+              <ma14:wrappingTextBoxFlag xmlns:ma14="http://schemas.microsoft.com/office/mac/drawingml/2011/main" xmlns:a14="http://schemas.microsoft.com/office/drawing/2010/main" xmlns:m="http://schemas.openxmlformats.org/officeDocument/2006/math" xmlns="" val="1"/>
             </a:ext>
           </a:extLst>
         </p:spPr>
@@ -27904,7 +27910,7 @@
           </a:prstGeom>
           <a:extLst>
             <a:ext uri="{C572A759-6A51-4108-AA02-DFA0A04FC94B}">
-              <ma14:wrappingTextBoxFlag xmlns:ma14="http://schemas.microsoft.com/office/mac/drawingml/2011/main" xmlns:a14="http://schemas.microsoft.com/office/drawing/2010/main" xmlns:m="http://schemas.openxmlformats.org/officeDocument/2006/math" xmlns="" val="1"/>
+              <ma14:wrappingTextBoxFlag xmlns="" xmlns:m="http://schemas.openxmlformats.org/officeDocument/2006/math" xmlns:a14="http://schemas.microsoft.com/office/drawing/2010/main" xmlns:ma14="http://schemas.microsoft.com/office/mac/drawingml/2011/main" val="1"/>
             </a:ext>
           </a:extLst>
         </p:spPr>
@@ -28037,7 +28043,7 @@
           <a:effectLst/>
           <a:extLst>
             <a:ext uri="{C572A759-6A51-4108-AA02-DFA0A04FC94B}">
-              <ma14:wrappingTextBoxFlag xmlns:ma14="http://schemas.microsoft.com/office/mac/drawingml/2011/main" xmlns:a14="http://schemas.microsoft.com/office/drawing/2010/main" xmlns:m="http://schemas.openxmlformats.org/officeDocument/2006/math" xmlns="" val="1"/>
+              <ma14:wrappingTextBoxFlag xmlns="" xmlns:m="http://schemas.openxmlformats.org/officeDocument/2006/math" xmlns:a14="http://schemas.microsoft.com/office/drawing/2010/main" xmlns:ma14="http://schemas.microsoft.com/office/mac/drawingml/2011/main" val="1"/>
             </a:ext>
           </a:extLst>
         </p:spPr>
@@ -28229,7 +28235,7 @@
           <a:effectLst/>
           <a:extLst>
             <a:ext uri="{C572A759-6A51-4108-AA02-DFA0A04FC94B}">
-              <ma14:wrappingTextBoxFlag xmlns:ma14="http://schemas.microsoft.com/office/mac/drawingml/2011/main" xmlns:a14="http://schemas.microsoft.com/office/drawing/2010/main" xmlns:m="http://schemas.openxmlformats.org/officeDocument/2006/math" xmlns="" val="1"/>
+              <ma14:wrappingTextBoxFlag xmlns="" xmlns:m="http://schemas.openxmlformats.org/officeDocument/2006/math" xmlns:a14="http://schemas.microsoft.com/office/drawing/2010/main" xmlns:ma14="http://schemas.microsoft.com/office/mac/drawingml/2011/main" val="1"/>
             </a:ext>
           </a:extLst>
         </p:spPr>
